--- a/fundamentals/7-Set.pptx
+++ b/fundamentals/7-Set.pptx
@@ -2,7 +2,7 @@
 <file path=ppt/presentation.xml><?xml version="1.0" encoding="utf-8"?>
 <p:presentation xmlns:a="http://schemas.openxmlformats.org/drawingml/2006/main" xmlns:r="http://schemas.openxmlformats.org/officeDocument/2006/relationships" xmlns:p="http://schemas.openxmlformats.org/presentationml/2006/main" autoCompressPictures="0">
   <p:sldMasterIdLst>
-    <p:sldMasterId id="2147483942" r:id="rId1"/>
+    <p:sldMasterId id="2147483954" r:id="rId1"/>
   </p:sldMasterIdLst>
   <p:notesMasterIdLst>
     <p:notesMasterId r:id="rId16"/>
@@ -29,7 +29,7 @@
     <a:defPPr>
       <a:defRPr lang="en-US"/>
     </a:defPPr>
-    <a:lvl1pPr marL="0" algn="l" defTabSz="457200" rtl="0" eaLnBrk="1" latinLnBrk="0" hangingPunct="1">
+    <a:lvl1pPr marL="0" algn="l" defTabSz="914400" rtl="0" eaLnBrk="1" latinLnBrk="0" hangingPunct="1">
       <a:defRPr sz="1800" kern="1200">
         <a:solidFill>
           <a:schemeClr val="tx1"/>
@@ -39,7 +39,7 @@
         <a:cs typeface="+mn-cs"/>
       </a:defRPr>
     </a:lvl1pPr>
-    <a:lvl2pPr marL="457200" algn="l" defTabSz="457200" rtl="0" eaLnBrk="1" latinLnBrk="0" hangingPunct="1">
+    <a:lvl2pPr marL="457200" algn="l" defTabSz="914400" rtl="0" eaLnBrk="1" latinLnBrk="0" hangingPunct="1">
       <a:defRPr sz="1800" kern="1200">
         <a:solidFill>
           <a:schemeClr val="tx1"/>
@@ -49,7 +49,7 @@
         <a:cs typeface="+mn-cs"/>
       </a:defRPr>
     </a:lvl2pPr>
-    <a:lvl3pPr marL="914400" algn="l" defTabSz="457200" rtl="0" eaLnBrk="1" latinLnBrk="0" hangingPunct="1">
+    <a:lvl3pPr marL="914400" algn="l" defTabSz="914400" rtl="0" eaLnBrk="1" latinLnBrk="0" hangingPunct="1">
       <a:defRPr sz="1800" kern="1200">
         <a:solidFill>
           <a:schemeClr val="tx1"/>
@@ -59,7 +59,7 @@
         <a:cs typeface="+mn-cs"/>
       </a:defRPr>
     </a:lvl3pPr>
-    <a:lvl4pPr marL="1371600" algn="l" defTabSz="457200" rtl="0" eaLnBrk="1" latinLnBrk="0" hangingPunct="1">
+    <a:lvl4pPr marL="1371600" algn="l" defTabSz="914400" rtl="0" eaLnBrk="1" latinLnBrk="0" hangingPunct="1">
       <a:defRPr sz="1800" kern="1200">
         <a:solidFill>
           <a:schemeClr val="tx1"/>
@@ -69,7 +69,7 @@
         <a:cs typeface="+mn-cs"/>
       </a:defRPr>
     </a:lvl4pPr>
-    <a:lvl5pPr marL="1828800" algn="l" defTabSz="457200" rtl="0" eaLnBrk="1" latinLnBrk="0" hangingPunct="1">
+    <a:lvl5pPr marL="1828800" algn="l" defTabSz="914400" rtl="0" eaLnBrk="1" latinLnBrk="0" hangingPunct="1">
       <a:defRPr sz="1800" kern="1200">
         <a:solidFill>
           <a:schemeClr val="tx1"/>
@@ -79,7 +79,7 @@
         <a:cs typeface="+mn-cs"/>
       </a:defRPr>
     </a:lvl5pPr>
-    <a:lvl6pPr marL="2286000" algn="l" defTabSz="457200" rtl="0" eaLnBrk="1" latinLnBrk="0" hangingPunct="1">
+    <a:lvl6pPr marL="2286000" algn="l" defTabSz="914400" rtl="0" eaLnBrk="1" latinLnBrk="0" hangingPunct="1">
       <a:defRPr sz="1800" kern="1200">
         <a:solidFill>
           <a:schemeClr val="tx1"/>
@@ -89,7 +89,7 @@
         <a:cs typeface="+mn-cs"/>
       </a:defRPr>
     </a:lvl6pPr>
-    <a:lvl7pPr marL="2743200" algn="l" defTabSz="457200" rtl="0" eaLnBrk="1" latinLnBrk="0" hangingPunct="1">
+    <a:lvl7pPr marL="2743200" algn="l" defTabSz="914400" rtl="0" eaLnBrk="1" latinLnBrk="0" hangingPunct="1">
       <a:defRPr sz="1800" kern="1200">
         <a:solidFill>
           <a:schemeClr val="tx1"/>
@@ -99,7 +99,7 @@
         <a:cs typeface="+mn-cs"/>
       </a:defRPr>
     </a:lvl7pPr>
-    <a:lvl8pPr marL="3200400" algn="l" defTabSz="457200" rtl="0" eaLnBrk="1" latinLnBrk="0" hangingPunct="1">
+    <a:lvl8pPr marL="3200400" algn="l" defTabSz="914400" rtl="0" eaLnBrk="1" latinLnBrk="0" hangingPunct="1">
       <a:defRPr sz="1800" kern="1200">
         <a:solidFill>
           <a:schemeClr val="tx1"/>
@@ -109,7 +109,7 @@
         <a:cs typeface="+mn-cs"/>
       </a:defRPr>
     </a:lvl8pPr>
-    <a:lvl9pPr marL="3657600" algn="l" defTabSz="457200" rtl="0" eaLnBrk="1" latinLnBrk="0" hangingPunct="1">
+    <a:lvl9pPr marL="3657600" algn="l" defTabSz="914400" rtl="0" eaLnBrk="1" latinLnBrk="0" hangingPunct="1">
       <a:defRPr sz="1800" kern="1200">
         <a:solidFill>
           <a:schemeClr val="tx1"/>
@@ -213,7 +213,7 @@
           <a:p>
             <a:fld id="{720C9186-47A3-C54A-A8AF-47B660C0099D}" type="datetimeFigureOut">
               <a:rPr lang="en-US" smtClean="0"/>
-              <a:t>6/6/20</a:t>
+              <a:t>6/18/20</a:t>
             </a:fld>
             <a:endParaRPr lang="en-US"/>
           </a:p>
@@ -482,13 +482,8 @@
 </file>
 
 <file path=ppt/slideLayouts/slideLayout1.xml><?xml version="1.0" encoding="utf-8"?>
-<p:sldLayout xmlns:a="http://schemas.openxmlformats.org/drawingml/2006/main" xmlns:r="http://schemas.openxmlformats.org/officeDocument/2006/relationships" xmlns:p="http://schemas.openxmlformats.org/presentationml/2006/main" showMasterSp="0" type="title" preserve="1">
+<p:sldLayout xmlns:a="http://schemas.openxmlformats.org/drawingml/2006/main" xmlns:r="http://schemas.openxmlformats.org/officeDocument/2006/relationships" xmlns:p="http://schemas.openxmlformats.org/presentationml/2006/main" type="title" preserve="1">
   <p:cSld name="Title Slide">
-    <p:bg>
-      <p:bgRef idx="1002">
-        <a:schemeClr val="bg2"/>
-      </p:bgRef>
-    </p:bg>
     <p:spTree>
       <p:nvGrpSpPr>
         <p:cNvPr id="1" name=""/>
@@ -505,294 +500,13 @@
       </p:grpSpPr>
       <p:sp>
         <p:nvSpPr>
-          <p:cNvPr id="16" name="Rectangle 15"/>
-          <p:cNvSpPr/>
-          <p:nvPr/>
-        </p:nvSpPr>
-        <p:spPr>
-          <a:xfrm>
-            <a:off x="0" y="0"/>
-            <a:ext cx="12192000" cy="6858000"/>
-          </a:xfrm>
-          <a:prstGeom prst="rect">
-            <a:avLst/>
-          </a:prstGeom>
-          <a:blipFill dpi="0" rotWithShape="1">
-            <a:blip r:embed="rId2">
-              <a:alphaModFix amt="45000"/>
-              <a:duotone>
-                <a:schemeClr val="accent1">
-                  <a:shade val="45000"/>
-                  <a:satMod val="135000"/>
-                </a:schemeClr>
-                <a:prstClr val="white"/>
-              </a:duotone>
-            </a:blip>
-            <a:srcRect/>
-            <a:tile tx="-44450" ty="38100" sx="85000" sy="85000" flip="none" algn="tl"/>
-          </a:blipFill>
-          <a:ln>
-            <a:noFill/>
-          </a:ln>
-        </p:spPr>
-        <p:style>
-          <a:lnRef idx="2">
-            <a:schemeClr val="accent1">
-              <a:shade val="50000"/>
-            </a:schemeClr>
-          </a:lnRef>
-          <a:fillRef idx="1">
-            <a:schemeClr val="accent1"/>
-          </a:fillRef>
-          <a:effectRef idx="0">
-            <a:schemeClr val="accent1"/>
-          </a:effectRef>
-          <a:fontRef idx="minor">
-            <a:schemeClr val="lt1"/>
-          </a:fontRef>
-        </p:style>
-      </p:sp>
-      <p:sp>
-        <p:nvSpPr>
-          <p:cNvPr id="10" name="Rectangle 9"/>
-          <p:cNvSpPr/>
-          <p:nvPr/>
-        </p:nvSpPr>
-        <p:spPr>
-          <a:xfrm>
-            <a:off x="1307870" y="1267730"/>
-            <a:ext cx="9576262" cy="4307950"/>
-          </a:xfrm>
-          <a:prstGeom prst="rect">
-            <a:avLst/>
-          </a:prstGeom>
-          <a:solidFill>
-            <a:schemeClr val="bg1"/>
-          </a:solidFill>
-          <a:ln w="6350" cap="flat" cmpd="sng" algn="ctr">
-            <a:noFill/>
-            <a:prstDash val="solid"/>
-          </a:ln>
-          <a:effectLst>
-            <a:outerShdw blurRad="50800" algn="ctr" rotWithShape="0">
-              <a:prstClr val="black">
-                <a:alpha val="66000"/>
-              </a:prstClr>
-            </a:outerShdw>
-            <a:softEdge rad="0"/>
-          </a:effectLst>
-        </p:spPr>
-      </p:sp>
-      <p:sp>
-        <p:nvSpPr>
-          <p:cNvPr id="11" name="Rectangle 10"/>
-          <p:cNvSpPr/>
-          <p:nvPr/>
-        </p:nvSpPr>
-        <p:spPr>
-          <a:xfrm>
-            <a:off x="1447801" y="1411615"/>
-            <a:ext cx="9296400" cy="4034770"/>
-          </a:xfrm>
-          <a:prstGeom prst="rect">
-            <a:avLst/>
-          </a:prstGeom>
-          <a:noFill/>
-          <a:ln w="6350" cap="sq" cmpd="sng" algn="ctr">
-            <a:solidFill>
-              <a:schemeClr val="tx1">
-                <a:lumMod val="75000"/>
-                <a:lumOff val="25000"/>
-              </a:schemeClr>
-            </a:solidFill>
-            <a:prstDash val="solid"/>
-            <a:miter lim="800000"/>
-          </a:ln>
-          <a:effectLst/>
-        </p:spPr>
-      </p:sp>
-      <p:sp>
-        <p:nvSpPr>
-          <p:cNvPr id="15" name="Rectangle 14"/>
-          <p:cNvSpPr/>
-          <p:nvPr/>
-        </p:nvSpPr>
-        <p:spPr>
-          <a:xfrm>
-            <a:off x="5135880" y="1267730"/>
-            <a:ext cx="1920240" cy="731520"/>
-          </a:xfrm>
-          <a:prstGeom prst="rect">
-            <a:avLst/>
-          </a:prstGeom>
-          <a:solidFill>
-            <a:schemeClr val="bg2"/>
-          </a:solidFill>
-          <a:ln>
-            <a:noFill/>
-          </a:ln>
-        </p:spPr>
-        <p:style>
-          <a:lnRef idx="2">
-            <a:schemeClr val="accent1">
-              <a:shade val="50000"/>
-            </a:schemeClr>
-          </a:lnRef>
-          <a:fillRef idx="1">
-            <a:schemeClr val="accent1"/>
-          </a:fillRef>
-          <a:effectRef idx="0">
-            <a:schemeClr val="accent1"/>
-          </a:effectRef>
-          <a:fontRef idx="minor">
-            <a:schemeClr val="lt1"/>
-          </a:fontRef>
-        </p:style>
-      </p:sp>
-      <p:grpSp>
-        <p:nvGrpSpPr>
-          <p:cNvPr id="4" name="Group 3"/>
-          <p:cNvGrpSpPr/>
-          <p:nvPr/>
-        </p:nvGrpSpPr>
-        <p:grpSpPr>
-          <a:xfrm>
-            <a:off x="5250180" y="1267730"/>
-            <a:ext cx="1691640" cy="645295"/>
-            <a:chOff x="5318306" y="1386268"/>
-            <a:chExt cx="1567331" cy="645295"/>
-          </a:xfrm>
-        </p:grpSpPr>
-        <p:cxnSp>
-          <p:nvCxnSpPr>
-            <p:cNvPr id="17" name="Straight Connector 16"/>
-            <p:cNvCxnSpPr/>
-            <p:nvPr/>
-          </p:nvCxnSpPr>
-          <p:spPr>
-            <a:xfrm>
-              <a:off x="5318306" y="1386268"/>
-              <a:ext cx="0" cy="640080"/>
-            </a:xfrm>
-            <a:prstGeom prst="line">
-              <a:avLst/>
-            </a:prstGeom>
-            <a:solidFill>
-              <a:schemeClr val="tx1">
-                <a:lumMod val="85000"/>
-                <a:lumOff val="15000"/>
-              </a:schemeClr>
-            </a:solidFill>
-            <a:ln>
-              <a:solidFill>
-                <a:schemeClr val="tx1"/>
-              </a:solidFill>
-              <a:miter lim="800000"/>
-            </a:ln>
-          </p:spPr>
-          <p:style>
-            <a:lnRef idx="1">
-              <a:schemeClr val="accent1"/>
-            </a:lnRef>
-            <a:fillRef idx="0">
-              <a:schemeClr val="accent1"/>
-            </a:fillRef>
-            <a:effectRef idx="0">
-              <a:schemeClr val="accent1"/>
-            </a:effectRef>
-            <a:fontRef idx="minor">
-              <a:schemeClr val="tx1"/>
-            </a:fontRef>
-          </p:style>
-        </p:cxnSp>
-        <p:cxnSp>
-          <p:nvCxnSpPr>
-            <p:cNvPr id="18" name="Straight Connector 17"/>
-            <p:cNvCxnSpPr/>
-            <p:nvPr/>
-          </p:nvCxnSpPr>
-          <p:spPr>
-            <a:xfrm>
-              <a:off x="6885637" y="1386268"/>
-              <a:ext cx="0" cy="640080"/>
-            </a:xfrm>
-            <a:prstGeom prst="line">
-              <a:avLst/>
-            </a:prstGeom>
-            <a:solidFill>
-              <a:schemeClr val="tx1">
-                <a:lumMod val="85000"/>
-                <a:lumOff val="15000"/>
-              </a:schemeClr>
-            </a:solidFill>
-            <a:ln>
-              <a:solidFill>
-                <a:schemeClr val="tx1"/>
-              </a:solidFill>
-              <a:miter lim="800000"/>
-            </a:ln>
-          </p:spPr>
-          <p:style>
-            <a:lnRef idx="1">
-              <a:schemeClr val="accent1"/>
-            </a:lnRef>
-            <a:fillRef idx="0">
-              <a:schemeClr val="accent1"/>
-            </a:fillRef>
-            <a:effectRef idx="0">
-              <a:schemeClr val="accent1"/>
-            </a:effectRef>
-            <a:fontRef idx="minor">
-              <a:schemeClr val="tx1"/>
-            </a:fontRef>
-          </p:style>
-        </p:cxnSp>
-        <p:cxnSp>
-          <p:nvCxnSpPr>
-            <p:cNvPr id="19" name="Straight Connector 18"/>
-            <p:cNvCxnSpPr/>
-            <p:nvPr/>
-          </p:nvCxnSpPr>
-          <p:spPr>
-            <a:xfrm>
-              <a:off x="5318306" y="2031563"/>
-              <a:ext cx="1567331" cy="0"/>
-            </a:xfrm>
-            <a:prstGeom prst="line">
-              <a:avLst/>
-            </a:prstGeom>
-            <a:solidFill>
-              <a:schemeClr val="tx1">
-                <a:lumMod val="85000"/>
-                <a:lumOff val="15000"/>
-              </a:schemeClr>
-            </a:solidFill>
-            <a:ln>
-              <a:solidFill>
-                <a:schemeClr val="tx1"/>
-              </a:solidFill>
-              <a:miter lim="800000"/>
-            </a:ln>
-          </p:spPr>
-          <p:style>
-            <a:lnRef idx="1">
-              <a:schemeClr val="accent1"/>
-            </a:lnRef>
-            <a:fillRef idx="0">
-              <a:schemeClr val="accent1"/>
-            </a:fillRef>
-            <a:effectRef idx="0">
-              <a:schemeClr val="accent1"/>
-            </a:effectRef>
-            <a:fontRef idx="minor">
-              <a:schemeClr val="tx1"/>
-            </a:fontRef>
-          </p:style>
-        </p:cxnSp>
-      </p:grpSp>
-      <p:sp>
-        <p:nvSpPr>
-          <p:cNvPr id="2" name="Title 1"/>
+          <p:cNvPr id="2" name="Title 1">
+            <a:extLst>
+              <a:ext uri="{FF2B5EF4-FFF2-40B4-BE49-F238E27FC236}">
+                <a16:creationId xmlns:a16="http://schemas.microsoft.com/office/drawing/2014/main" id="{88DFD17E-E2E3-0D47-BA26-FE18166B0B3A}"/>
+              </a:ext>
+            </a:extLst>
+          </p:cNvPr>
           <p:cNvSpPr>
             <a:spLocks noGrp="1"/>
           </p:cNvSpPr>
@@ -802,31 +516,15 @@
         </p:nvSpPr>
         <p:spPr>
           <a:xfrm>
-            <a:off x="1561708" y="2091263"/>
-            <a:ext cx="9068586" cy="2590800"/>
-          </a:xfrm>
-        </p:spPr>
-        <p:txBody>
-          <a:bodyPr tIns="45720" bIns="45720" anchor="ctr">
-            <a:noAutofit/>
-          </a:bodyPr>
+            <a:off x="1524000" y="1122363"/>
+            <a:ext cx="9144000" cy="2387600"/>
+          </a:xfrm>
+        </p:spPr>
+        <p:txBody>
+          <a:bodyPr anchor="b"/>
           <a:lstStyle>
             <a:lvl1pPr algn="ctr">
-              <a:lnSpc>
-                <a:spcPct val="83000"/>
-              </a:lnSpc>
-              <a:defRPr lang="en-US" sz="7200" b="0" kern="1200" cap="all" spc="-100" baseline="0" dirty="0">
-                <a:solidFill>
-                  <a:schemeClr val="tx1">
-                    <a:lumMod val="85000"/>
-                    <a:lumOff val="15000"/>
-                  </a:schemeClr>
-                </a:solidFill>
-                <a:effectLst/>
-                <a:latin typeface="+mj-lt"/>
-                <a:ea typeface="+mn-ea"/>
-                <a:cs typeface="+mn-cs"/>
-              </a:defRPr>
+              <a:defRPr sz="6000"/>
             </a:lvl1pPr>
           </a:lstStyle>
           <a:p>
@@ -834,13 +532,19 @@
               <a:rPr lang="en-GB"/>
               <a:t>Click to edit Master title style</a:t>
             </a:r>
-            <a:endParaRPr lang="en-US" dirty="0"/>
-          </a:p>
-        </p:txBody>
-      </p:sp>
-      <p:sp>
-        <p:nvSpPr>
-          <p:cNvPr id="3" name="Subtitle 2"/>
+            <a:endParaRPr lang="en-US"/>
+          </a:p>
+        </p:txBody>
+      </p:sp>
+      <p:sp>
+        <p:nvSpPr>
+          <p:cNvPr id="3" name="Subtitle 2">
+            <a:extLst>
+              <a:ext uri="{FF2B5EF4-FFF2-40B4-BE49-F238E27FC236}">
+                <a16:creationId xmlns:a16="http://schemas.microsoft.com/office/drawing/2014/main" id="{4AE57AB1-3D8C-6849-9BD4-A3622C35EAE1}"/>
+              </a:ext>
+            </a:extLst>
+          </p:cNvPr>
           <p:cNvSpPr>
             <a:spLocks noGrp="1"/>
           </p:cNvSpPr>
@@ -850,33 +554,24 @@
         </p:nvSpPr>
         <p:spPr>
           <a:xfrm>
-            <a:off x="1562100" y="4682062"/>
-            <a:ext cx="9070848" cy="457201"/>
-          </a:xfrm>
-        </p:spPr>
-        <p:txBody>
-          <a:bodyPr>
-            <a:normAutofit/>
-          </a:bodyPr>
+            <a:off x="1524000" y="3602038"/>
+            <a:ext cx="9144000" cy="1655762"/>
+          </a:xfrm>
+        </p:spPr>
+        <p:txBody>
+          <a:bodyPr/>
           <a:lstStyle>
             <a:lvl1pPr marL="0" indent="0" algn="ctr">
-              <a:spcBef>
-                <a:spcPts val="0"/>
-              </a:spcBef>
               <a:buNone/>
-              <a:defRPr sz="1600" spc="80" baseline="0">
-                <a:solidFill>
-                  <a:schemeClr val="tx1"/>
-                </a:solidFill>
-              </a:defRPr>
+              <a:defRPr sz="2400"/>
             </a:lvl1pPr>
             <a:lvl2pPr marL="457200" indent="0" algn="ctr">
               <a:buNone/>
-              <a:defRPr sz="1600"/>
+              <a:defRPr sz="2000"/>
             </a:lvl2pPr>
             <a:lvl3pPr marL="914400" indent="0" algn="ctr">
               <a:buNone/>
-              <a:defRPr sz="1600"/>
+              <a:defRPr sz="1800"/>
             </a:lvl3pPr>
             <a:lvl4pPr marL="1371600" indent="0" algn="ctr">
               <a:buNone/>
@@ -908,13 +603,19 @@
               <a:rPr lang="en-GB"/>
               <a:t>Click to edit Master subtitle style</a:t>
             </a:r>
-            <a:endParaRPr lang="en-US" dirty="0"/>
-          </a:p>
-        </p:txBody>
-      </p:sp>
-      <p:sp>
-        <p:nvSpPr>
-          <p:cNvPr id="20" name="Date Placeholder 19"/>
+            <a:endParaRPr lang="en-US"/>
+          </a:p>
+        </p:txBody>
+      </p:sp>
+      <p:sp>
+        <p:nvSpPr>
+          <p:cNvPr id="4" name="Date Placeholder 3">
+            <a:extLst>
+              <a:ext uri="{FF2B5EF4-FFF2-40B4-BE49-F238E27FC236}">
+                <a16:creationId xmlns:a16="http://schemas.microsoft.com/office/drawing/2014/main" id="{AEEDAF1E-E95D-514A-9D16-33361551DEAA}"/>
+              </a:ext>
+            </a:extLst>
+          </p:cNvPr>
           <p:cNvSpPr>
             <a:spLocks noGrp="1"/>
           </p:cNvSpPr>
@@ -922,28 +623,14 @@
             <p:ph type="dt" sz="half" idx="10"/>
           </p:nvPr>
         </p:nvSpPr>
-        <p:spPr>
-          <a:xfrm>
-            <a:off x="5318760" y="1341255"/>
-            <a:ext cx="1554480" cy="527213"/>
-          </a:xfrm>
-        </p:spPr>
+        <p:spPr/>
         <p:txBody>
           <a:bodyPr/>
-          <a:lstStyle>
-            <a:lvl1pPr algn="ctr">
-              <a:defRPr sz="1300" spc="0" baseline="0">
-                <a:solidFill>
-                  <a:schemeClr val="tx1"/>
-                </a:solidFill>
-                <a:latin typeface="+mn-lt"/>
-              </a:defRPr>
-            </a:lvl1pPr>
-          </a:lstStyle>
+          <a:lstStyle/>
           <a:p>
             <a:fld id="{4AAD347D-5ACD-4C99-B74B-A9C85AD731AF}" type="datetimeFigureOut">
               <a:rPr lang="en-US" smtClean="0"/>
-              <a:t>6/6/20</a:t>
+              <a:t>6/18/20</a:t>
             </a:fld>
             <a:endParaRPr lang="en-US" dirty="0"/>
           </a:p>
@@ -951,7 +638,13 @@
       </p:sp>
       <p:sp>
         <p:nvSpPr>
-          <p:cNvPr id="21" name="Footer Placeholder 20"/>
+          <p:cNvPr id="5" name="Footer Placeholder 4">
+            <a:extLst>
+              <a:ext uri="{FF2B5EF4-FFF2-40B4-BE49-F238E27FC236}">
+                <a16:creationId xmlns:a16="http://schemas.microsoft.com/office/drawing/2014/main" id="{F582047C-C745-B04D-B831-98595473AAA8}"/>
+              </a:ext>
+            </a:extLst>
+          </p:cNvPr>
           <p:cNvSpPr>
             <a:spLocks noGrp="1"/>
           </p:cNvSpPr>
@@ -959,26 +652,10 @@
             <p:ph type="ftr" sz="quarter" idx="11"/>
           </p:nvPr>
         </p:nvSpPr>
-        <p:spPr>
-          <a:xfrm>
-            <a:off x="1453896" y="5211060"/>
-            <a:ext cx="5905500" cy="228600"/>
-          </a:xfrm>
-        </p:spPr>
+        <p:spPr/>
         <p:txBody>
           <a:bodyPr/>
-          <a:lstStyle>
-            <a:lvl1pPr algn="l">
-              <a:defRPr>
-                <a:solidFill>
-                  <a:schemeClr val="tx1">
-                    <a:lumMod val="75000"/>
-                    <a:lumOff val="25000"/>
-                  </a:schemeClr>
-                </a:solidFill>
-              </a:defRPr>
-            </a:lvl1pPr>
-          </a:lstStyle>
+          <a:lstStyle/>
           <a:p>
             <a:endParaRPr lang="en-US" dirty="0"/>
           </a:p>
@@ -986,7 +663,13 @@
       </p:sp>
       <p:sp>
         <p:nvSpPr>
-          <p:cNvPr id="22" name="Slide Number Placeholder 21"/>
+          <p:cNvPr id="6" name="Slide Number Placeholder 5">
+            <a:extLst>
+              <a:ext uri="{FF2B5EF4-FFF2-40B4-BE49-F238E27FC236}">
+                <a16:creationId xmlns:a16="http://schemas.microsoft.com/office/drawing/2014/main" id="{030D8692-E61A-4F40-8C2C-6CC3E216E932}"/>
+              </a:ext>
+            </a:extLst>
+          </p:cNvPr>
           <p:cNvSpPr>
             <a:spLocks noGrp="1"/>
           </p:cNvSpPr>
@@ -994,26 +677,10 @@
             <p:ph type="sldNum" sz="quarter" idx="12"/>
           </p:nvPr>
         </p:nvSpPr>
-        <p:spPr>
-          <a:xfrm>
-            <a:off x="8606919" y="5212080"/>
-            <a:ext cx="2111881" cy="228600"/>
-          </a:xfrm>
-        </p:spPr>
+        <p:spPr/>
         <p:txBody>
           <a:bodyPr/>
-          <a:lstStyle>
-            <a:lvl1pPr>
-              <a:defRPr>
-                <a:solidFill>
-                  <a:schemeClr val="tx1">
-                    <a:lumMod val="75000"/>
-                    <a:lumOff val="25000"/>
-                  </a:schemeClr>
-                </a:solidFill>
-              </a:defRPr>
-            </a:lvl1pPr>
-          </a:lstStyle>
+          <a:lstStyle/>
           <a:p>
             <a:fld id="{D57F1E4F-1CFF-5643-939E-02111984F565}" type="slidenum">
               <a:rPr lang="en-US" smtClean="0"/>
@@ -1026,12 +693,12 @@
     </p:spTree>
     <p:extLst>
       <p:ext uri="{BB962C8B-B14F-4D97-AF65-F5344CB8AC3E}">
-        <p14:creationId xmlns:p14="http://schemas.microsoft.com/office/powerpoint/2010/main" val="1423734947"/>
+        <p14:creationId xmlns:p14="http://schemas.microsoft.com/office/powerpoint/2010/main" val="1825844852"/>
       </p:ext>
     </p:extLst>
   </p:cSld>
   <p:clrMapOvr>
-    <a:overrideClrMapping bg1="lt1" tx1="dk1" bg2="lt2" tx2="dk2" accent1="accent1" accent2="accent2" accent3="accent3" accent4="accent4" accent5="accent5" accent6="accent6" hlink="hlink" folHlink="folHlink"/>
+    <a:masterClrMapping/>
   </p:clrMapOvr>
 </p:sldLayout>
 </file>
@@ -1055,7 +722,13 @@
       </p:grpSpPr>
       <p:sp>
         <p:nvSpPr>
-          <p:cNvPr id="2" name="Title 1"/>
+          <p:cNvPr id="2" name="Title 1">
+            <a:extLst>
+              <a:ext uri="{FF2B5EF4-FFF2-40B4-BE49-F238E27FC236}">
+                <a16:creationId xmlns:a16="http://schemas.microsoft.com/office/drawing/2014/main" id="{01397B44-6A15-C04A-B4FD-C645EB0A3ABA}"/>
+              </a:ext>
+            </a:extLst>
+          </p:cNvPr>
           <p:cNvSpPr>
             <a:spLocks noGrp="1"/>
           </p:cNvSpPr>
@@ -1072,13 +745,19 @@
               <a:rPr lang="en-GB"/>
               <a:t>Click to edit Master title style</a:t>
             </a:r>
-            <a:endParaRPr lang="en-US" dirty="0"/>
-          </a:p>
-        </p:txBody>
-      </p:sp>
-      <p:sp>
-        <p:nvSpPr>
-          <p:cNvPr id="3" name="Vertical Text Placeholder 2"/>
+            <a:endParaRPr lang="en-US"/>
+          </a:p>
+        </p:txBody>
+      </p:sp>
+      <p:sp>
+        <p:nvSpPr>
+          <p:cNvPr id="3" name="Vertical Text Placeholder 2">
+            <a:extLst>
+              <a:ext uri="{FF2B5EF4-FFF2-40B4-BE49-F238E27FC236}">
+                <a16:creationId xmlns:a16="http://schemas.microsoft.com/office/drawing/2014/main" id="{5A02A769-1974-7D45-BAA3-0FA93E4AF054}"/>
+              </a:ext>
+            </a:extLst>
+          </p:cNvPr>
           <p:cNvSpPr>
             <a:spLocks noGrp="1"/>
           </p:cNvSpPr>
@@ -1124,13 +803,19 @@
               <a:rPr lang="en-GB"/>
               <a:t>Fifth level</a:t>
             </a:r>
-            <a:endParaRPr lang="en-US" dirty="0"/>
-          </a:p>
-        </p:txBody>
-      </p:sp>
-      <p:sp>
-        <p:nvSpPr>
-          <p:cNvPr id="4" name="Date Placeholder 3"/>
+            <a:endParaRPr lang="en-US"/>
+          </a:p>
+        </p:txBody>
+      </p:sp>
+      <p:sp>
+        <p:nvSpPr>
+          <p:cNvPr id="4" name="Date Placeholder 3">
+            <a:extLst>
+              <a:ext uri="{FF2B5EF4-FFF2-40B4-BE49-F238E27FC236}">
+                <a16:creationId xmlns:a16="http://schemas.microsoft.com/office/drawing/2014/main" id="{4050A1DE-A6E2-674D-9EE5-CEB6B7C2E753}"/>
+              </a:ext>
+            </a:extLst>
+          </p:cNvPr>
           <p:cNvSpPr>
             <a:spLocks noGrp="1"/>
           </p:cNvSpPr>
@@ -1145,7 +830,7 @@
           <a:p>
             <a:fld id="{4AAD347D-5ACD-4C99-B74B-A9C85AD731AF}" type="datetimeFigureOut">
               <a:rPr lang="en-US" smtClean="0"/>
-              <a:t>6/6/20</a:t>
+              <a:t>6/18/20</a:t>
             </a:fld>
             <a:endParaRPr lang="en-US" dirty="0"/>
           </a:p>
@@ -1153,7 +838,13 @@
       </p:sp>
       <p:sp>
         <p:nvSpPr>
-          <p:cNvPr id="5" name="Footer Placeholder 4"/>
+          <p:cNvPr id="5" name="Footer Placeholder 4">
+            <a:extLst>
+              <a:ext uri="{FF2B5EF4-FFF2-40B4-BE49-F238E27FC236}">
+                <a16:creationId xmlns:a16="http://schemas.microsoft.com/office/drawing/2014/main" id="{C8F534D0-2682-564A-8B77-0537DD1C8C36}"/>
+              </a:ext>
+            </a:extLst>
+          </p:cNvPr>
           <p:cNvSpPr>
             <a:spLocks noGrp="1"/>
           </p:cNvSpPr>
@@ -1172,7 +863,13 @@
       </p:sp>
       <p:sp>
         <p:nvSpPr>
-          <p:cNvPr id="6" name="Slide Number Placeholder 5"/>
+          <p:cNvPr id="6" name="Slide Number Placeholder 5">
+            <a:extLst>
+              <a:ext uri="{FF2B5EF4-FFF2-40B4-BE49-F238E27FC236}">
+                <a16:creationId xmlns:a16="http://schemas.microsoft.com/office/drawing/2014/main" id="{AF5C6AD7-3425-0247-AF35-C1839B29B1C4}"/>
+              </a:ext>
+            </a:extLst>
+          </p:cNvPr>
           <p:cNvSpPr>
             <a:spLocks noGrp="1"/>
           </p:cNvSpPr>
@@ -1196,7 +893,7 @@
     </p:spTree>
     <p:extLst>
       <p:ext uri="{BB962C8B-B14F-4D97-AF65-F5344CB8AC3E}">
-        <p14:creationId xmlns:p14="http://schemas.microsoft.com/office/powerpoint/2010/main" val="2179365818"/>
+        <p14:creationId xmlns:p14="http://schemas.microsoft.com/office/powerpoint/2010/main" val="3773742092"/>
       </p:ext>
     </p:extLst>
   </p:cSld>
@@ -1226,7 +923,13 @@
       </p:grpSpPr>
       <p:sp>
         <p:nvSpPr>
-          <p:cNvPr id="2" name="Vertical Title 1"/>
+          <p:cNvPr id="2" name="Vertical Title 1">
+            <a:extLst>
+              <a:ext uri="{FF2B5EF4-FFF2-40B4-BE49-F238E27FC236}">
+                <a16:creationId xmlns:a16="http://schemas.microsoft.com/office/drawing/2014/main" id="{E9D5112E-EEE6-3A4E-A729-DFF06F59CA22}"/>
+              </a:ext>
+            </a:extLst>
+          </p:cNvPr>
           <p:cNvSpPr>
             <a:spLocks noGrp="1"/>
           </p:cNvSpPr>
@@ -1236,8 +939,8 @@
         </p:nvSpPr>
         <p:spPr>
           <a:xfrm>
-            <a:off x="8991600" y="762000"/>
-            <a:ext cx="2362200" cy="5257800"/>
+            <a:off x="8724900" y="365125"/>
+            <a:ext cx="2628900" cy="5811838"/>
           </a:xfrm>
         </p:spPr>
         <p:txBody>
@@ -1248,13 +951,19 @@
               <a:rPr lang="en-GB"/>
               <a:t>Click to edit Master title style</a:t>
             </a:r>
-            <a:endParaRPr lang="en-US" dirty="0"/>
-          </a:p>
-        </p:txBody>
-      </p:sp>
-      <p:sp>
-        <p:nvSpPr>
-          <p:cNvPr id="3" name="Vertical Text Placeholder 2"/>
+            <a:endParaRPr lang="en-US"/>
+          </a:p>
+        </p:txBody>
+      </p:sp>
+      <p:sp>
+        <p:nvSpPr>
+          <p:cNvPr id="3" name="Vertical Text Placeholder 2">
+            <a:extLst>
+              <a:ext uri="{FF2B5EF4-FFF2-40B4-BE49-F238E27FC236}">
+                <a16:creationId xmlns:a16="http://schemas.microsoft.com/office/drawing/2014/main" id="{10C66B22-0906-D745-843E-E098A68C4D90}"/>
+              </a:ext>
+            </a:extLst>
+          </p:cNvPr>
           <p:cNvSpPr>
             <a:spLocks noGrp="1"/>
           </p:cNvSpPr>
@@ -1264,8 +973,8 @@
         </p:nvSpPr>
         <p:spPr>
           <a:xfrm>
-            <a:off x="838200" y="762000"/>
-            <a:ext cx="8077200" cy="5257800"/>
+            <a:off x="838200" y="365125"/>
+            <a:ext cx="7734300" cy="5811838"/>
           </a:xfrm>
         </p:spPr>
         <p:txBody>
@@ -1305,13 +1014,19 @@
               <a:rPr lang="en-GB"/>
               <a:t>Fifth level</a:t>
             </a:r>
-            <a:endParaRPr lang="en-US" dirty="0"/>
-          </a:p>
-        </p:txBody>
-      </p:sp>
-      <p:sp>
-        <p:nvSpPr>
-          <p:cNvPr id="4" name="Date Placeholder 3"/>
+            <a:endParaRPr lang="en-US"/>
+          </a:p>
+        </p:txBody>
+      </p:sp>
+      <p:sp>
+        <p:nvSpPr>
+          <p:cNvPr id="4" name="Date Placeholder 3">
+            <a:extLst>
+              <a:ext uri="{FF2B5EF4-FFF2-40B4-BE49-F238E27FC236}">
+                <a16:creationId xmlns:a16="http://schemas.microsoft.com/office/drawing/2014/main" id="{BF9D55A0-E0EF-6F4D-8E8C-F4C25F215BC1}"/>
+              </a:ext>
+            </a:extLst>
+          </p:cNvPr>
           <p:cNvSpPr>
             <a:spLocks noGrp="1"/>
           </p:cNvSpPr>
@@ -1326,7 +1041,7 @@
           <a:p>
             <a:fld id="{4AAD347D-5ACD-4C99-B74B-A9C85AD731AF}" type="datetimeFigureOut">
               <a:rPr lang="en-US" smtClean="0"/>
-              <a:t>6/6/20</a:t>
+              <a:t>6/18/20</a:t>
             </a:fld>
             <a:endParaRPr lang="en-US" dirty="0"/>
           </a:p>
@@ -1334,7 +1049,13 @@
       </p:sp>
       <p:sp>
         <p:nvSpPr>
-          <p:cNvPr id="5" name="Footer Placeholder 4"/>
+          <p:cNvPr id="5" name="Footer Placeholder 4">
+            <a:extLst>
+              <a:ext uri="{FF2B5EF4-FFF2-40B4-BE49-F238E27FC236}">
+                <a16:creationId xmlns:a16="http://schemas.microsoft.com/office/drawing/2014/main" id="{E683146A-8654-0542-815F-D08A9F7593C9}"/>
+              </a:ext>
+            </a:extLst>
+          </p:cNvPr>
           <p:cNvSpPr>
             <a:spLocks noGrp="1"/>
           </p:cNvSpPr>
@@ -1353,7 +1074,13 @@
       </p:sp>
       <p:sp>
         <p:nvSpPr>
-          <p:cNvPr id="6" name="Slide Number Placeholder 5"/>
+          <p:cNvPr id="6" name="Slide Number Placeholder 5">
+            <a:extLst>
+              <a:ext uri="{FF2B5EF4-FFF2-40B4-BE49-F238E27FC236}">
+                <a16:creationId xmlns:a16="http://schemas.microsoft.com/office/drawing/2014/main" id="{A071C4DF-EC65-384C-BA3D-2D6C9952D5DC}"/>
+              </a:ext>
+            </a:extLst>
+          </p:cNvPr>
           <p:cNvSpPr>
             <a:spLocks noGrp="1"/>
           </p:cNvSpPr>
@@ -1377,7 +1104,7 @@
     </p:spTree>
     <p:extLst>
       <p:ext uri="{BB962C8B-B14F-4D97-AF65-F5344CB8AC3E}">
-        <p14:creationId xmlns:p14="http://schemas.microsoft.com/office/powerpoint/2010/main" val="3903511555"/>
+        <p14:creationId xmlns:p14="http://schemas.microsoft.com/office/powerpoint/2010/main" val="325486682"/>
       </p:ext>
     </p:extLst>
   </p:cSld>
@@ -1407,7 +1134,13 @@
       </p:grpSpPr>
       <p:sp>
         <p:nvSpPr>
-          <p:cNvPr id="2" name="Title 1"/>
+          <p:cNvPr id="2" name="Title 1">
+            <a:extLst>
+              <a:ext uri="{FF2B5EF4-FFF2-40B4-BE49-F238E27FC236}">
+                <a16:creationId xmlns:a16="http://schemas.microsoft.com/office/drawing/2014/main" id="{FB02AA78-A038-4B4B-B5AD-2895048D8BBB}"/>
+              </a:ext>
+            </a:extLst>
+          </p:cNvPr>
           <p:cNvSpPr>
             <a:spLocks noGrp="1"/>
           </p:cNvSpPr>
@@ -1424,13 +1157,19 @@
               <a:rPr lang="en-GB"/>
               <a:t>Click to edit Master title style</a:t>
             </a:r>
-            <a:endParaRPr lang="en-US" dirty="0"/>
-          </a:p>
-        </p:txBody>
-      </p:sp>
-      <p:sp>
-        <p:nvSpPr>
-          <p:cNvPr id="3" name="Content Placeholder 2"/>
+            <a:endParaRPr lang="en-US"/>
+          </a:p>
+        </p:txBody>
+      </p:sp>
+      <p:sp>
+        <p:nvSpPr>
+          <p:cNvPr id="3" name="Content Placeholder 2">
+            <a:extLst>
+              <a:ext uri="{FF2B5EF4-FFF2-40B4-BE49-F238E27FC236}">
+                <a16:creationId xmlns:a16="http://schemas.microsoft.com/office/drawing/2014/main" id="{A25377F5-71F2-2544-A9D2-B046A502846A}"/>
+              </a:ext>
+            </a:extLst>
+          </p:cNvPr>
           <p:cNvSpPr>
             <a:spLocks noGrp="1"/>
           </p:cNvSpPr>
@@ -1476,13 +1215,19 @@
               <a:rPr lang="en-GB"/>
               <a:t>Fifth level</a:t>
             </a:r>
-            <a:endParaRPr lang="en-US" dirty="0"/>
-          </a:p>
-        </p:txBody>
-      </p:sp>
-      <p:sp>
-        <p:nvSpPr>
-          <p:cNvPr id="7" name="Date Placeholder 6"/>
+            <a:endParaRPr lang="en-US"/>
+          </a:p>
+        </p:txBody>
+      </p:sp>
+      <p:sp>
+        <p:nvSpPr>
+          <p:cNvPr id="4" name="Date Placeholder 3">
+            <a:extLst>
+              <a:ext uri="{FF2B5EF4-FFF2-40B4-BE49-F238E27FC236}">
+                <a16:creationId xmlns:a16="http://schemas.microsoft.com/office/drawing/2014/main" id="{87D1BB1D-0EEC-484D-B3AC-AF9F53C51A4C}"/>
+              </a:ext>
+            </a:extLst>
+          </p:cNvPr>
           <p:cNvSpPr>
             <a:spLocks noGrp="1"/>
           </p:cNvSpPr>
@@ -1497,7 +1242,7 @@
           <a:p>
             <a:fld id="{4AAD347D-5ACD-4C99-B74B-A9C85AD731AF}" type="datetimeFigureOut">
               <a:rPr lang="en-US" smtClean="0"/>
-              <a:t>6/6/20</a:t>
+              <a:t>6/18/20</a:t>
             </a:fld>
             <a:endParaRPr lang="en-US" dirty="0"/>
           </a:p>
@@ -1505,7 +1250,13 @@
       </p:sp>
       <p:sp>
         <p:nvSpPr>
-          <p:cNvPr id="8" name="Footer Placeholder 7"/>
+          <p:cNvPr id="5" name="Footer Placeholder 4">
+            <a:extLst>
+              <a:ext uri="{FF2B5EF4-FFF2-40B4-BE49-F238E27FC236}">
+                <a16:creationId xmlns:a16="http://schemas.microsoft.com/office/drawing/2014/main" id="{343614F5-CF5B-644C-B8F8-2334C58EDF4D}"/>
+              </a:ext>
+            </a:extLst>
+          </p:cNvPr>
           <p:cNvSpPr>
             <a:spLocks noGrp="1"/>
           </p:cNvSpPr>
@@ -1524,7 +1275,13 @@
       </p:sp>
       <p:sp>
         <p:nvSpPr>
-          <p:cNvPr id="9" name="Slide Number Placeholder 8"/>
+          <p:cNvPr id="6" name="Slide Number Placeholder 5">
+            <a:extLst>
+              <a:ext uri="{FF2B5EF4-FFF2-40B4-BE49-F238E27FC236}">
+                <a16:creationId xmlns:a16="http://schemas.microsoft.com/office/drawing/2014/main" id="{FC7591E5-426D-B147-9B2D-64F387283ACF}"/>
+              </a:ext>
+            </a:extLst>
+          </p:cNvPr>
           <p:cNvSpPr>
             <a:spLocks noGrp="1"/>
           </p:cNvSpPr>
@@ -1548,7 +1305,7 @@
     </p:spTree>
     <p:extLst>
       <p:ext uri="{BB962C8B-B14F-4D97-AF65-F5344CB8AC3E}">
-        <p14:creationId xmlns:p14="http://schemas.microsoft.com/office/powerpoint/2010/main" val="2608989615"/>
+        <p14:creationId xmlns:p14="http://schemas.microsoft.com/office/powerpoint/2010/main" val="2580987938"/>
       </p:ext>
     </p:extLst>
   </p:cSld>
@@ -1560,13 +1317,8 @@
 </file>
 
 <file path=ppt/slideLayouts/slideLayout3.xml><?xml version="1.0" encoding="utf-8"?>
-<p:sldLayout xmlns:a="http://schemas.openxmlformats.org/drawingml/2006/main" xmlns:r="http://schemas.openxmlformats.org/officeDocument/2006/relationships" xmlns:p="http://schemas.openxmlformats.org/presentationml/2006/main" showMasterSp="0" type="secHead" preserve="1">
+<p:sldLayout xmlns:a="http://schemas.openxmlformats.org/drawingml/2006/main" xmlns:r="http://schemas.openxmlformats.org/officeDocument/2006/relationships" xmlns:p="http://schemas.openxmlformats.org/presentationml/2006/main" type="secHead" preserve="1">
   <p:cSld name="Section Header">
-    <p:bg>
-      <p:bgRef idx="1002">
-        <a:schemeClr val="bg2"/>
-      </p:bgRef>
-    </p:bg>
     <p:spTree>
       <p:nvGrpSpPr>
         <p:cNvPr id="1" name=""/>
@@ -1583,294 +1335,13 @@
       </p:grpSpPr>
       <p:sp>
         <p:nvSpPr>
-          <p:cNvPr id="22" name="Rectangle 21"/>
-          <p:cNvSpPr/>
-          <p:nvPr/>
-        </p:nvSpPr>
-        <p:spPr>
-          <a:xfrm>
-            <a:off x="0" y="0"/>
-            <a:ext cx="12192000" cy="6858000"/>
-          </a:xfrm>
-          <a:prstGeom prst="rect">
-            <a:avLst/>
-          </a:prstGeom>
-          <a:blipFill dpi="0" rotWithShape="1">
-            <a:blip r:embed="rId2">
-              <a:alphaModFix amt="45000"/>
-              <a:duotone>
-                <a:schemeClr val="accent2">
-                  <a:shade val="45000"/>
-                  <a:satMod val="135000"/>
-                </a:schemeClr>
-                <a:prstClr val="white"/>
-              </a:duotone>
-            </a:blip>
-            <a:srcRect/>
-            <a:tile tx="-44450" ty="38100" sx="85000" sy="85000" flip="none" algn="tl"/>
-          </a:blipFill>
-          <a:ln>
-            <a:noFill/>
-          </a:ln>
-        </p:spPr>
-        <p:style>
-          <a:lnRef idx="2">
-            <a:schemeClr val="accent1">
-              <a:shade val="50000"/>
-            </a:schemeClr>
-          </a:lnRef>
-          <a:fillRef idx="1">
-            <a:schemeClr val="accent1"/>
-          </a:fillRef>
-          <a:effectRef idx="0">
-            <a:schemeClr val="accent1"/>
-          </a:effectRef>
-          <a:fontRef idx="minor">
-            <a:schemeClr val="lt1"/>
-          </a:fontRef>
-        </p:style>
-      </p:sp>
-      <p:sp>
-        <p:nvSpPr>
-          <p:cNvPr id="23" name="Rectangle 22"/>
-          <p:cNvSpPr/>
-          <p:nvPr/>
-        </p:nvSpPr>
-        <p:spPr>
-          <a:xfrm>
-            <a:off x="1307870" y="1267730"/>
-            <a:ext cx="9576262" cy="4307950"/>
-          </a:xfrm>
-          <a:prstGeom prst="rect">
-            <a:avLst/>
-          </a:prstGeom>
-          <a:solidFill>
-            <a:schemeClr val="bg1"/>
-          </a:solidFill>
-          <a:ln w="6350" cap="flat" cmpd="sng" algn="ctr">
-            <a:noFill/>
-            <a:prstDash val="solid"/>
-          </a:ln>
-          <a:effectLst>
-            <a:outerShdw blurRad="50800" algn="ctr" rotWithShape="0">
-              <a:prstClr val="black">
-                <a:alpha val="66000"/>
-              </a:prstClr>
-            </a:outerShdw>
-            <a:softEdge rad="0"/>
-          </a:effectLst>
-        </p:spPr>
-      </p:sp>
-      <p:sp>
-        <p:nvSpPr>
-          <p:cNvPr id="24" name="Rectangle 23"/>
-          <p:cNvSpPr/>
-          <p:nvPr/>
-        </p:nvSpPr>
-        <p:spPr>
-          <a:xfrm>
-            <a:off x="1447800" y="1411615"/>
-            <a:ext cx="9296400" cy="4034770"/>
-          </a:xfrm>
-          <a:prstGeom prst="rect">
-            <a:avLst/>
-          </a:prstGeom>
-          <a:noFill/>
-          <a:ln w="6350" cap="sq" cmpd="sng" algn="ctr">
-            <a:solidFill>
-              <a:schemeClr val="tx1">
-                <a:lumMod val="75000"/>
-                <a:lumOff val="25000"/>
-              </a:schemeClr>
-            </a:solidFill>
-            <a:prstDash val="solid"/>
-            <a:miter lim="800000"/>
-          </a:ln>
-          <a:effectLst/>
-        </p:spPr>
-      </p:sp>
-      <p:sp>
-        <p:nvSpPr>
-          <p:cNvPr id="30" name="Rectangle 29"/>
-          <p:cNvSpPr/>
-          <p:nvPr/>
-        </p:nvSpPr>
-        <p:spPr>
-          <a:xfrm>
-            <a:off x="5135880" y="1267730"/>
-            <a:ext cx="1920240" cy="731520"/>
-          </a:xfrm>
-          <a:prstGeom prst="rect">
-            <a:avLst/>
-          </a:prstGeom>
-          <a:solidFill>
-            <a:schemeClr val="bg2"/>
-          </a:solidFill>
-          <a:ln>
-            <a:noFill/>
-          </a:ln>
-        </p:spPr>
-        <p:style>
-          <a:lnRef idx="2">
-            <a:schemeClr val="accent1">
-              <a:shade val="50000"/>
-            </a:schemeClr>
-          </a:lnRef>
-          <a:fillRef idx="1">
-            <a:schemeClr val="accent1"/>
-          </a:fillRef>
-          <a:effectRef idx="0">
-            <a:schemeClr val="accent1"/>
-          </a:effectRef>
-          <a:fontRef idx="minor">
-            <a:schemeClr val="lt1"/>
-          </a:fontRef>
-        </p:style>
-      </p:sp>
-      <p:grpSp>
-        <p:nvGrpSpPr>
-          <p:cNvPr id="31" name="Group 30"/>
-          <p:cNvGrpSpPr/>
-          <p:nvPr/>
-        </p:nvGrpSpPr>
-        <p:grpSpPr>
-          <a:xfrm>
-            <a:off x="5250180" y="1267730"/>
-            <a:ext cx="1691640" cy="645295"/>
-            <a:chOff x="5318306" y="1386268"/>
-            <a:chExt cx="1567331" cy="645295"/>
-          </a:xfrm>
-        </p:grpSpPr>
-        <p:cxnSp>
-          <p:nvCxnSpPr>
-            <p:cNvPr id="32" name="Straight Connector 31"/>
-            <p:cNvCxnSpPr/>
-            <p:nvPr/>
-          </p:nvCxnSpPr>
-          <p:spPr>
-            <a:xfrm>
-              <a:off x="5318306" y="1386268"/>
-              <a:ext cx="0" cy="640080"/>
-            </a:xfrm>
-            <a:prstGeom prst="line">
-              <a:avLst/>
-            </a:prstGeom>
-            <a:solidFill>
-              <a:schemeClr val="tx1">
-                <a:lumMod val="85000"/>
-                <a:lumOff val="15000"/>
-              </a:schemeClr>
-            </a:solidFill>
-            <a:ln>
-              <a:solidFill>
-                <a:schemeClr val="tx1"/>
-              </a:solidFill>
-              <a:miter lim="800000"/>
-            </a:ln>
-          </p:spPr>
-          <p:style>
-            <a:lnRef idx="1">
-              <a:schemeClr val="accent1"/>
-            </a:lnRef>
-            <a:fillRef idx="0">
-              <a:schemeClr val="accent1"/>
-            </a:fillRef>
-            <a:effectRef idx="0">
-              <a:schemeClr val="accent1"/>
-            </a:effectRef>
-            <a:fontRef idx="minor">
-              <a:schemeClr val="tx1"/>
-            </a:fontRef>
-          </p:style>
-        </p:cxnSp>
-        <p:cxnSp>
-          <p:nvCxnSpPr>
-            <p:cNvPr id="33" name="Straight Connector 32"/>
-            <p:cNvCxnSpPr/>
-            <p:nvPr/>
-          </p:nvCxnSpPr>
-          <p:spPr>
-            <a:xfrm>
-              <a:off x="6885637" y="1386268"/>
-              <a:ext cx="0" cy="640080"/>
-            </a:xfrm>
-            <a:prstGeom prst="line">
-              <a:avLst/>
-            </a:prstGeom>
-            <a:solidFill>
-              <a:schemeClr val="tx1">
-                <a:lumMod val="85000"/>
-                <a:lumOff val="15000"/>
-              </a:schemeClr>
-            </a:solidFill>
-            <a:ln>
-              <a:solidFill>
-                <a:schemeClr val="tx1"/>
-              </a:solidFill>
-              <a:miter lim="800000"/>
-            </a:ln>
-          </p:spPr>
-          <p:style>
-            <a:lnRef idx="1">
-              <a:schemeClr val="accent1"/>
-            </a:lnRef>
-            <a:fillRef idx="0">
-              <a:schemeClr val="accent1"/>
-            </a:fillRef>
-            <a:effectRef idx="0">
-              <a:schemeClr val="accent1"/>
-            </a:effectRef>
-            <a:fontRef idx="minor">
-              <a:schemeClr val="tx1"/>
-            </a:fontRef>
-          </p:style>
-        </p:cxnSp>
-        <p:cxnSp>
-          <p:nvCxnSpPr>
-            <p:cNvPr id="34" name="Straight Connector 33"/>
-            <p:cNvCxnSpPr/>
-            <p:nvPr/>
-          </p:nvCxnSpPr>
-          <p:spPr>
-            <a:xfrm>
-              <a:off x="5318306" y="2031563"/>
-              <a:ext cx="1567331" cy="0"/>
-            </a:xfrm>
-            <a:prstGeom prst="line">
-              <a:avLst/>
-            </a:prstGeom>
-            <a:solidFill>
-              <a:schemeClr val="tx1">
-                <a:lumMod val="85000"/>
-                <a:lumOff val="15000"/>
-              </a:schemeClr>
-            </a:solidFill>
-            <a:ln>
-              <a:solidFill>
-                <a:schemeClr val="tx1"/>
-              </a:solidFill>
-              <a:miter lim="800000"/>
-            </a:ln>
-          </p:spPr>
-          <p:style>
-            <a:lnRef idx="1">
-              <a:schemeClr val="accent1"/>
-            </a:lnRef>
-            <a:fillRef idx="0">
-              <a:schemeClr val="accent1"/>
-            </a:fillRef>
-            <a:effectRef idx="0">
-              <a:schemeClr val="accent1"/>
-            </a:effectRef>
-            <a:fontRef idx="minor">
-              <a:schemeClr val="tx1"/>
-            </a:fontRef>
-          </p:style>
-        </p:cxnSp>
-      </p:grpSp>
-      <p:sp>
-        <p:nvSpPr>
-          <p:cNvPr id="2" name="Title 1"/>
+          <p:cNvPr id="2" name="Title 1">
+            <a:extLst>
+              <a:ext uri="{FF2B5EF4-FFF2-40B4-BE49-F238E27FC236}">
+                <a16:creationId xmlns:a16="http://schemas.microsoft.com/office/drawing/2014/main" id="{46D3AFF6-EB70-5B42-9B77-8D3604EEED62}"/>
+              </a:ext>
+            </a:extLst>
+          </p:cNvPr>
           <p:cNvSpPr>
             <a:spLocks noGrp="1"/>
           </p:cNvSpPr>
@@ -1880,31 +1351,15 @@
         </p:nvSpPr>
         <p:spPr>
           <a:xfrm>
-            <a:off x="1563623" y="2094309"/>
-            <a:ext cx="9070848" cy="2587752"/>
-          </a:xfrm>
-        </p:spPr>
-        <p:txBody>
-          <a:bodyPr anchor="ctr">
-            <a:noAutofit/>
-          </a:bodyPr>
+            <a:off x="831850" y="1709738"/>
+            <a:ext cx="10515600" cy="2852737"/>
+          </a:xfrm>
+        </p:spPr>
+        <p:txBody>
+          <a:bodyPr anchor="b"/>
           <a:lstStyle>
-            <a:lvl1pPr algn="ctr">
-              <a:lnSpc>
-                <a:spcPct val="83000"/>
-              </a:lnSpc>
-              <a:defRPr lang="en-US" sz="7200" kern="1200" cap="all" spc="-100" baseline="0" dirty="0">
-                <a:solidFill>
-                  <a:schemeClr val="tx1">
-                    <a:lumMod val="85000"/>
-                    <a:lumOff val="15000"/>
-                  </a:schemeClr>
-                </a:solidFill>
-                <a:effectLst/>
-                <a:latin typeface="+mj-lt"/>
-                <a:ea typeface="+mn-ea"/>
-                <a:cs typeface="+mn-cs"/>
-              </a:defRPr>
+            <a:lvl1pPr>
+              <a:defRPr sz="6000"/>
             </a:lvl1pPr>
           </a:lstStyle>
           <a:p>
@@ -1912,13 +1367,19 @@
               <a:rPr lang="en-GB"/>
               <a:t>Click to edit Master title style</a:t>
             </a:r>
-            <a:endParaRPr lang="en-US" dirty="0"/>
-          </a:p>
-        </p:txBody>
-      </p:sp>
-      <p:sp>
-        <p:nvSpPr>
-          <p:cNvPr id="3" name="Text Placeholder 2"/>
+            <a:endParaRPr lang="en-US"/>
+          </a:p>
+        </p:txBody>
+      </p:sp>
+      <p:sp>
+        <p:nvSpPr>
+          <p:cNvPr id="3" name="Text Placeholder 2">
+            <a:extLst>
+              <a:ext uri="{FF2B5EF4-FFF2-40B4-BE49-F238E27FC236}">
+                <a16:creationId xmlns:a16="http://schemas.microsoft.com/office/drawing/2014/main" id="{DA87BF2B-AD2B-6B43-9EFB-73569046B39B}"/>
+              </a:ext>
+            </a:extLst>
+          </p:cNvPr>
           <p:cNvSpPr>
             <a:spLocks noGrp="1"/>
           </p:cNvSpPr>
@@ -1928,27 +1389,26 @@
         </p:nvSpPr>
         <p:spPr>
           <a:xfrm>
-            <a:off x="1563624" y="4682062"/>
-            <a:ext cx="9070848" cy="457200"/>
-          </a:xfrm>
-        </p:spPr>
-        <p:txBody>
-          <a:bodyPr anchor="t">
-            <a:normAutofit/>
-          </a:bodyPr>
+            <a:off x="831850" y="4589463"/>
+            <a:ext cx="10515600" cy="1500187"/>
+          </a:xfrm>
+        </p:spPr>
+        <p:txBody>
+          <a:bodyPr/>
           <a:lstStyle>
-            <a:lvl1pPr marL="0" indent="0" algn="ctr">
+            <a:lvl1pPr marL="0" indent="0">
               <a:buNone/>
-              <a:defRPr sz="1600">
-                <a:solidFill>
-                  <a:schemeClr val="tx1"/>
-                </a:solidFill>
-                <a:effectLst/>
+              <a:defRPr sz="2400">
+                <a:solidFill>
+                  <a:schemeClr val="tx1">
+                    <a:tint val="75000"/>
+                  </a:schemeClr>
+                </a:solidFill>
               </a:defRPr>
             </a:lvl1pPr>
             <a:lvl2pPr marL="457200" indent="0">
               <a:buNone/>
-              <a:defRPr sz="1600">
+              <a:defRPr sz="2000">
                 <a:solidFill>
                   <a:schemeClr val="tx1">
                     <a:tint val="75000"/>
@@ -1958,7 +1418,7 @@
             </a:lvl2pPr>
             <a:lvl3pPr marL="914400" indent="0">
               <a:buNone/>
-              <a:defRPr sz="1600">
+              <a:defRPr sz="1800">
                 <a:solidFill>
                   <a:schemeClr val="tx1">
                     <a:tint val="75000"/>
@@ -1968,7 +1428,7 @@
             </a:lvl3pPr>
             <a:lvl4pPr marL="1371600" indent="0">
               <a:buNone/>
-              <a:defRPr sz="1400">
+              <a:defRPr sz="1600">
                 <a:solidFill>
                   <a:schemeClr val="tx1">
                     <a:tint val="75000"/>
@@ -1978,7 +1438,7 @@
             </a:lvl4pPr>
             <a:lvl5pPr marL="1828800" indent="0">
               <a:buNone/>
-              <a:defRPr sz="1400">
+              <a:defRPr sz="1600">
                 <a:solidFill>
                   <a:schemeClr val="tx1">
                     <a:tint val="75000"/>
@@ -1988,7 +1448,7 @@
             </a:lvl5pPr>
             <a:lvl6pPr marL="2286000" indent="0">
               <a:buNone/>
-              <a:defRPr sz="1400">
+              <a:defRPr sz="1600">
                 <a:solidFill>
                   <a:schemeClr val="tx1">
                     <a:tint val="75000"/>
@@ -1998,7 +1458,7 @@
             </a:lvl6pPr>
             <a:lvl7pPr marL="2743200" indent="0">
               <a:buNone/>
-              <a:defRPr sz="1400">
+              <a:defRPr sz="1600">
                 <a:solidFill>
                   <a:schemeClr val="tx1">
                     <a:tint val="75000"/>
@@ -2008,7 +1468,7 @@
             </a:lvl7pPr>
             <a:lvl8pPr marL="3200400" indent="0">
               <a:buNone/>
-              <a:defRPr sz="1400">
+              <a:defRPr sz="1600">
                 <a:solidFill>
                   <a:schemeClr val="tx1">
                     <a:tint val="75000"/>
@@ -2018,7 +1478,7 @@
             </a:lvl8pPr>
             <a:lvl9pPr marL="3657600" indent="0">
               <a:buNone/>
-              <a:defRPr sz="1400">
+              <a:defRPr sz="1600">
                 <a:solidFill>
                   <a:schemeClr val="tx1">
                     <a:tint val="75000"/>
@@ -2038,7 +1498,13 @@
       </p:sp>
       <p:sp>
         <p:nvSpPr>
-          <p:cNvPr id="4" name="Date Placeholder 3"/>
+          <p:cNvPr id="4" name="Date Placeholder 3">
+            <a:extLst>
+              <a:ext uri="{FF2B5EF4-FFF2-40B4-BE49-F238E27FC236}">
+                <a16:creationId xmlns:a16="http://schemas.microsoft.com/office/drawing/2014/main" id="{C74DAA7A-DF6E-BD4B-A1FA-02A901FEB580}"/>
+              </a:ext>
+            </a:extLst>
+          </p:cNvPr>
           <p:cNvSpPr>
             <a:spLocks noGrp="1"/>
           </p:cNvSpPr>
@@ -2046,30 +1512,14 @@
             <p:ph type="dt" sz="half" idx="10"/>
           </p:nvPr>
         </p:nvSpPr>
-        <p:spPr>
-          <a:xfrm>
-            <a:off x="5321808" y="1344502"/>
-            <a:ext cx="1554480" cy="530352"/>
-          </a:xfrm>
-        </p:spPr>
+        <p:spPr/>
         <p:txBody>
           <a:bodyPr/>
-          <a:lstStyle>
-            <a:lvl1pPr algn="ctr">
-              <a:defRPr lang="en-US" sz="1300" kern="1200" spc="0" baseline="0">
-                <a:solidFill>
-                  <a:schemeClr val="tx1"/>
-                </a:solidFill>
-                <a:latin typeface="+mn-lt"/>
-                <a:ea typeface="+mn-ea"/>
-                <a:cs typeface="+mn-cs"/>
-              </a:defRPr>
-            </a:lvl1pPr>
-          </a:lstStyle>
+          <a:lstStyle/>
           <a:p>
             <a:fld id="{9796027F-7875-4030-9381-8BD8C4F21935}" type="datetimeFigureOut">
               <a:rPr lang="en-US" smtClean="0"/>
-              <a:t>6/6/20</a:t>
+              <a:t>6/18/20</a:t>
             </a:fld>
             <a:endParaRPr lang="en-US" dirty="0"/>
           </a:p>
@@ -2077,7 +1527,13 @@
       </p:sp>
       <p:sp>
         <p:nvSpPr>
-          <p:cNvPr id="5" name="Footer Placeholder 4"/>
+          <p:cNvPr id="5" name="Footer Placeholder 4">
+            <a:extLst>
+              <a:ext uri="{FF2B5EF4-FFF2-40B4-BE49-F238E27FC236}">
+                <a16:creationId xmlns:a16="http://schemas.microsoft.com/office/drawing/2014/main" id="{371953B9-C350-374D-A189-9448D2213040}"/>
+              </a:ext>
+            </a:extLst>
+          </p:cNvPr>
           <p:cNvSpPr>
             <a:spLocks noGrp="1"/>
           </p:cNvSpPr>
@@ -2085,19 +1541,10 @@
             <p:ph type="ftr" sz="quarter" idx="11"/>
           </p:nvPr>
         </p:nvSpPr>
-        <p:spPr>
-          <a:xfrm>
-            <a:off x="1453553" y="5211060"/>
-            <a:ext cx="5907024" cy="228600"/>
-          </a:xfrm>
-        </p:spPr>
+        <p:spPr/>
         <p:txBody>
           <a:bodyPr/>
-          <a:lstStyle>
-            <a:lvl1pPr algn="l">
-              <a:defRPr/>
-            </a:lvl1pPr>
-          </a:lstStyle>
+          <a:lstStyle/>
           <a:p>
             <a:endParaRPr lang="en-US" dirty="0"/>
           </a:p>
@@ -2105,7 +1552,13 @@
       </p:sp>
       <p:sp>
         <p:nvSpPr>
-          <p:cNvPr id="6" name="Slide Number Placeholder 5"/>
+          <p:cNvPr id="6" name="Slide Number Placeholder 5">
+            <a:extLst>
+              <a:ext uri="{FF2B5EF4-FFF2-40B4-BE49-F238E27FC236}">
+                <a16:creationId xmlns:a16="http://schemas.microsoft.com/office/drawing/2014/main" id="{DEE35F63-8F97-CF43-88C4-F22152759E83}"/>
+              </a:ext>
+            </a:extLst>
+          </p:cNvPr>
           <p:cNvSpPr>
             <a:spLocks noGrp="1"/>
           </p:cNvSpPr>
@@ -2113,12 +1566,7 @@
             <p:ph type="sldNum" sz="quarter" idx="12"/>
           </p:nvPr>
         </p:nvSpPr>
-        <p:spPr>
-          <a:xfrm>
-            <a:off x="8604504" y="5211060"/>
-            <a:ext cx="2112264" cy="228600"/>
-          </a:xfrm>
-        </p:spPr>
+        <p:spPr/>
         <p:txBody>
           <a:bodyPr/>
           <a:lstStyle/>
@@ -2134,12 +1582,12 @@
     </p:spTree>
     <p:extLst>
       <p:ext uri="{BB962C8B-B14F-4D97-AF65-F5344CB8AC3E}">
-        <p14:creationId xmlns:p14="http://schemas.microsoft.com/office/powerpoint/2010/main" val="183952823"/>
+        <p14:creationId xmlns:p14="http://schemas.microsoft.com/office/powerpoint/2010/main" val="1469734207"/>
       </p:ext>
     </p:extLst>
   </p:cSld>
   <p:clrMapOvr>
-    <a:overrideClrMapping bg1="lt1" tx1="dk1" bg2="lt2" tx2="dk2" accent1="accent1" accent2="accent2" accent3="accent3" accent4="accent4" accent5="accent5" accent6="accent6" hlink="hlink" folHlink="folHlink"/>
+    <a:masterClrMapping/>
   </p:clrMapOvr>
 </p:sldLayout>
 </file>
@@ -2163,7 +1611,13 @@
       </p:grpSpPr>
       <p:sp>
         <p:nvSpPr>
-          <p:cNvPr id="8" name="Title 7"/>
+          <p:cNvPr id="2" name="Title 1">
+            <a:extLst>
+              <a:ext uri="{FF2B5EF4-FFF2-40B4-BE49-F238E27FC236}">
+                <a16:creationId xmlns:a16="http://schemas.microsoft.com/office/drawing/2014/main" id="{1F00F096-5361-C740-99F1-6FDDFC01B996}"/>
+              </a:ext>
+            </a:extLst>
+          </p:cNvPr>
           <p:cNvSpPr>
             <a:spLocks noGrp="1"/>
           </p:cNvSpPr>
@@ -2180,13 +1634,19 @@
               <a:rPr lang="en-GB"/>
               <a:t>Click to edit Master title style</a:t>
             </a:r>
-            <a:endParaRPr lang="en-US" dirty="0"/>
-          </a:p>
-        </p:txBody>
-      </p:sp>
-      <p:sp>
-        <p:nvSpPr>
-          <p:cNvPr id="3" name="Content Placeholder 2"/>
+            <a:endParaRPr lang="en-US"/>
+          </a:p>
+        </p:txBody>
+      </p:sp>
+      <p:sp>
+        <p:nvSpPr>
+          <p:cNvPr id="3" name="Content Placeholder 2">
+            <a:extLst>
+              <a:ext uri="{FF2B5EF4-FFF2-40B4-BE49-F238E27FC236}">
+                <a16:creationId xmlns:a16="http://schemas.microsoft.com/office/drawing/2014/main" id="{89A36FCF-0635-D545-8FAA-214D2C885F9B}"/>
+              </a:ext>
+            </a:extLst>
+          </p:cNvPr>
           <p:cNvSpPr>
             <a:spLocks noGrp="1"/>
           </p:cNvSpPr>
@@ -2196,41 +1656,13 @@
         </p:nvSpPr>
         <p:spPr>
           <a:xfrm>
-            <a:off x="1066800" y="2103120"/>
-            <a:ext cx="4754880" cy="3749040"/>
+            <a:off x="838200" y="1825625"/>
+            <a:ext cx="5181600" cy="4351338"/>
           </a:xfrm>
         </p:spPr>
         <p:txBody>
           <a:bodyPr/>
-          <a:lstStyle>
-            <a:lvl1pPr>
-              <a:defRPr sz="1800"/>
-            </a:lvl1pPr>
-            <a:lvl2pPr>
-              <a:defRPr sz="1600"/>
-            </a:lvl2pPr>
-            <a:lvl3pPr>
-              <a:defRPr sz="1400"/>
-            </a:lvl3pPr>
-            <a:lvl4pPr>
-              <a:defRPr sz="1400"/>
-            </a:lvl4pPr>
-            <a:lvl5pPr>
-              <a:defRPr sz="1400"/>
-            </a:lvl5pPr>
-            <a:lvl6pPr>
-              <a:defRPr sz="1400"/>
-            </a:lvl6pPr>
-            <a:lvl7pPr>
-              <a:defRPr sz="1400"/>
-            </a:lvl7pPr>
-            <a:lvl8pPr>
-              <a:defRPr sz="1400"/>
-            </a:lvl8pPr>
-            <a:lvl9pPr>
-              <a:defRPr sz="1400"/>
-            </a:lvl9pPr>
-          </a:lstStyle>
+          <a:lstStyle/>
           <a:p>
             <a:pPr lvl="0"/>
             <a:r>
@@ -2265,13 +1697,19 @@
               <a:rPr lang="en-GB"/>
               <a:t>Fifth level</a:t>
             </a:r>
-            <a:endParaRPr lang="en-US" dirty="0"/>
-          </a:p>
-        </p:txBody>
-      </p:sp>
-      <p:sp>
-        <p:nvSpPr>
-          <p:cNvPr id="4" name="Content Placeholder 3"/>
+            <a:endParaRPr lang="en-US"/>
+          </a:p>
+        </p:txBody>
+      </p:sp>
+      <p:sp>
+        <p:nvSpPr>
+          <p:cNvPr id="4" name="Content Placeholder 3">
+            <a:extLst>
+              <a:ext uri="{FF2B5EF4-FFF2-40B4-BE49-F238E27FC236}">
+                <a16:creationId xmlns:a16="http://schemas.microsoft.com/office/drawing/2014/main" id="{24405199-40B5-BF47-9BFA-E9849A041608}"/>
+              </a:ext>
+            </a:extLst>
+          </p:cNvPr>
           <p:cNvSpPr>
             <a:spLocks noGrp="1"/>
           </p:cNvSpPr>
@@ -2281,41 +1719,13 @@
         </p:nvSpPr>
         <p:spPr>
           <a:xfrm>
-            <a:off x="6370320" y="2103120"/>
-            <a:ext cx="4754880" cy="3749040"/>
+            <a:off x="6172200" y="1825625"/>
+            <a:ext cx="5181600" cy="4351338"/>
           </a:xfrm>
         </p:spPr>
         <p:txBody>
           <a:bodyPr/>
-          <a:lstStyle>
-            <a:lvl1pPr>
-              <a:defRPr sz="1800"/>
-            </a:lvl1pPr>
-            <a:lvl2pPr>
-              <a:defRPr sz="1600"/>
-            </a:lvl2pPr>
-            <a:lvl3pPr>
-              <a:defRPr sz="1400"/>
-            </a:lvl3pPr>
-            <a:lvl4pPr>
-              <a:defRPr sz="1400"/>
-            </a:lvl4pPr>
-            <a:lvl5pPr>
-              <a:defRPr sz="1400"/>
-            </a:lvl5pPr>
-            <a:lvl6pPr>
-              <a:defRPr sz="1400"/>
-            </a:lvl6pPr>
-            <a:lvl7pPr>
-              <a:defRPr sz="1400"/>
-            </a:lvl7pPr>
-            <a:lvl8pPr>
-              <a:defRPr sz="1400"/>
-            </a:lvl8pPr>
-            <a:lvl9pPr>
-              <a:defRPr sz="1400"/>
-            </a:lvl9pPr>
-          </a:lstStyle>
+          <a:lstStyle/>
           <a:p>
             <a:pPr lvl="0"/>
             <a:r>
@@ -2350,13 +1760,19 @@
               <a:rPr lang="en-GB"/>
               <a:t>Fifth level</a:t>
             </a:r>
-            <a:endParaRPr lang="en-US" dirty="0"/>
-          </a:p>
-        </p:txBody>
-      </p:sp>
-      <p:sp>
-        <p:nvSpPr>
-          <p:cNvPr id="5" name="Date Placeholder 4"/>
+            <a:endParaRPr lang="en-US"/>
+          </a:p>
+        </p:txBody>
+      </p:sp>
+      <p:sp>
+        <p:nvSpPr>
+          <p:cNvPr id="5" name="Date Placeholder 4">
+            <a:extLst>
+              <a:ext uri="{FF2B5EF4-FFF2-40B4-BE49-F238E27FC236}">
+                <a16:creationId xmlns:a16="http://schemas.microsoft.com/office/drawing/2014/main" id="{31766D44-5985-5348-837E-6631A2084BCB}"/>
+              </a:ext>
+            </a:extLst>
+          </p:cNvPr>
           <p:cNvSpPr>
             <a:spLocks noGrp="1"/>
           </p:cNvSpPr>
@@ -2371,7 +1787,7 @@
           <a:p>
             <a:fld id="{4AAD347D-5ACD-4C99-B74B-A9C85AD731AF}" type="datetimeFigureOut">
               <a:rPr lang="en-US" smtClean="0"/>
-              <a:t>6/6/20</a:t>
+              <a:t>6/18/20</a:t>
             </a:fld>
             <a:endParaRPr lang="en-US" dirty="0"/>
           </a:p>
@@ -2379,7 +1795,13 @@
       </p:sp>
       <p:sp>
         <p:nvSpPr>
-          <p:cNvPr id="6" name="Footer Placeholder 5"/>
+          <p:cNvPr id="6" name="Footer Placeholder 5">
+            <a:extLst>
+              <a:ext uri="{FF2B5EF4-FFF2-40B4-BE49-F238E27FC236}">
+                <a16:creationId xmlns:a16="http://schemas.microsoft.com/office/drawing/2014/main" id="{461ABBBC-FACA-DF4C-9528-92B259A9E0D8}"/>
+              </a:ext>
+            </a:extLst>
+          </p:cNvPr>
           <p:cNvSpPr>
             <a:spLocks noGrp="1"/>
           </p:cNvSpPr>
@@ -2398,7 +1820,13 @@
       </p:sp>
       <p:sp>
         <p:nvSpPr>
-          <p:cNvPr id="7" name="Slide Number Placeholder 6"/>
+          <p:cNvPr id="7" name="Slide Number Placeholder 6">
+            <a:extLst>
+              <a:ext uri="{FF2B5EF4-FFF2-40B4-BE49-F238E27FC236}">
+                <a16:creationId xmlns:a16="http://schemas.microsoft.com/office/drawing/2014/main" id="{C04A1937-6719-E64F-8829-37973B25BBD5}"/>
+              </a:ext>
+            </a:extLst>
+          </p:cNvPr>
           <p:cNvSpPr>
             <a:spLocks noGrp="1"/>
           </p:cNvSpPr>
@@ -2422,7 +1850,7 @@
     </p:spTree>
     <p:extLst>
       <p:ext uri="{BB962C8B-B14F-4D97-AF65-F5344CB8AC3E}">
-        <p14:creationId xmlns:p14="http://schemas.microsoft.com/office/powerpoint/2010/main" val="277750982"/>
+        <p14:creationId xmlns:p14="http://schemas.microsoft.com/office/powerpoint/2010/main" val="720727140"/>
       </p:ext>
     </p:extLst>
   </p:cSld>
@@ -2457,7 +1885,13 @@
       </p:grpSpPr>
       <p:sp>
         <p:nvSpPr>
-          <p:cNvPr id="2" name="Title 1"/>
+          <p:cNvPr id="2" name="Title 1">
+            <a:extLst>
+              <a:ext uri="{FF2B5EF4-FFF2-40B4-BE49-F238E27FC236}">
+                <a16:creationId xmlns:a16="http://schemas.microsoft.com/office/drawing/2014/main" id="{729CAD5B-F9BF-134D-9F48-D12AEAB80BE0}"/>
+              </a:ext>
+            </a:extLst>
+          </p:cNvPr>
           <p:cNvSpPr>
             <a:spLocks noGrp="1"/>
           </p:cNvSpPr>
@@ -2465,7 +1899,12 @@
             <p:ph type="title"/>
           </p:nvPr>
         </p:nvSpPr>
-        <p:spPr/>
+        <p:spPr>
+          <a:xfrm>
+            <a:off x="839788" y="365125"/>
+            <a:ext cx="10515600" cy="1325563"/>
+          </a:xfrm>
+        </p:spPr>
         <p:txBody>
           <a:bodyPr/>
           <a:lstStyle/>
@@ -2474,13 +1913,19 @@
               <a:rPr lang="en-GB"/>
               <a:t>Click to edit Master title style</a:t>
             </a:r>
-            <a:endParaRPr lang="en-US" dirty="0"/>
-          </a:p>
-        </p:txBody>
-      </p:sp>
-      <p:sp>
-        <p:nvSpPr>
-          <p:cNvPr id="3" name="Text Placeholder 2"/>
+            <a:endParaRPr lang="en-US"/>
+          </a:p>
+        </p:txBody>
+      </p:sp>
+      <p:sp>
+        <p:nvSpPr>
+          <p:cNvPr id="3" name="Text Placeholder 2">
+            <a:extLst>
+              <a:ext uri="{FF2B5EF4-FFF2-40B4-BE49-F238E27FC236}">
+                <a16:creationId xmlns:a16="http://schemas.microsoft.com/office/drawing/2014/main" id="{030EE290-AFA2-8D4A-9C45-A9735F0F6939}"/>
+              </a:ext>
+            </a:extLst>
+          </p:cNvPr>
           <p:cNvSpPr>
             <a:spLocks noGrp="1"/>
           </p:cNvSpPr>
@@ -2490,30 +1935,20 @@
         </p:nvSpPr>
         <p:spPr>
           <a:xfrm>
-            <a:off x="1069848" y="2074334"/>
-            <a:ext cx="4754880" cy="640080"/>
-          </a:xfrm>
-        </p:spPr>
-        <p:txBody>
-          <a:bodyPr anchor="ctr">
-            <a:normAutofit/>
-          </a:bodyPr>
+            <a:off x="839788" y="1681163"/>
+            <a:ext cx="5157787" cy="823912"/>
+          </a:xfrm>
+        </p:spPr>
+        <p:txBody>
+          <a:bodyPr anchor="b"/>
           <a:lstStyle>
-            <a:lvl1pPr marL="0" indent="0" algn="ctr">
-              <a:spcBef>
-                <a:spcPts val="0"/>
-              </a:spcBef>
+            <a:lvl1pPr marL="0" indent="0">
               <a:buNone/>
-              <a:defRPr sz="1900" b="0">
-                <a:solidFill>
-                  <a:schemeClr val="tx2"/>
-                </a:solidFill>
-                <a:latin typeface="+mn-lt"/>
-              </a:defRPr>
+              <a:defRPr sz="2400" b="1"/>
             </a:lvl1pPr>
             <a:lvl2pPr marL="457200" indent="0">
               <a:buNone/>
-              <a:defRPr sz="1900" b="1"/>
+              <a:defRPr sz="2000" b="1"/>
             </a:lvl2pPr>
             <a:lvl3pPr marL="914400" indent="0">
               <a:buNone/>
@@ -2555,7 +1990,13 @@
       </p:sp>
       <p:sp>
         <p:nvSpPr>
-          <p:cNvPr id="4" name="Content Placeholder 3"/>
+          <p:cNvPr id="4" name="Content Placeholder 3">
+            <a:extLst>
+              <a:ext uri="{FF2B5EF4-FFF2-40B4-BE49-F238E27FC236}">
+                <a16:creationId xmlns:a16="http://schemas.microsoft.com/office/drawing/2014/main" id="{B4CC7D83-CEA5-7940-A93E-8C0714064D6C}"/>
+              </a:ext>
+            </a:extLst>
+          </p:cNvPr>
           <p:cNvSpPr>
             <a:spLocks noGrp="1"/>
           </p:cNvSpPr>
@@ -2565,41 +2006,13 @@
         </p:nvSpPr>
         <p:spPr>
           <a:xfrm>
-            <a:off x="1069848" y="2755898"/>
-            <a:ext cx="4754880" cy="3200400"/>
+            <a:off x="839788" y="2505075"/>
+            <a:ext cx="5157787" cy="3684588"/>
           </a:xfrm>
         </p:spPr>
         <p:txBody>
           <a:bodyPr/>
-          <a:lstStyle>
-            <a:lvl1pPr>
-              <a:defRPr sz="1800"/>
-            </a:lvl1pPr>
-            <a:lvl2pPr>
-              <a:defRPr sz="1600"/>
-            </a:lvl2pPr>
-            <a:lvl3pPr>
-              <a:defRPr sz="1400"/>
-            </a:lvl3pPr>
-            <a:lvl4pPr>
-              <a:defRPr sz="1400"/>
-            </a:lvl4pPr>
-            <a:lvl5pPr>
-              <a:defRPr sz="1400"/>
-            </a:lvl5pPr>
-            <a:lvl6pPr>
-              <a:defRPr sz="1400"/>
-            </a:lvl6pPr>
-            <a:lvl7pPr>
-              <a:defRPr sz="1400"/>
-            </a:lvl7pPr>
-            <a:lvl8pPr>
-              <a:defRPr sz="1400"/>
-            </a:lvl8pPr>
-            <a:lvl9pPr>
-              <a:defRPr sz="1400"/>
-            </a:lvl9pPr>
-          </a:lstStyle>
+          <a:lstStyle/>
           <a:p>
             <a:pPr lvl="0"/>
             <a:r>
@@ -2634,13 +2047,19 @@
               <a:rPr lang="en-GB"/>
               <a:t>Fifth level</a:t>
             </a:r>
-            <a:endParaRPr lang="en-US" dirty="0"/>
-          </a:p>
-        </p:txBody>
-      </p:sp>
-      <p:sp>
-        <p:nvSpPr>
-          <p:cNvPr id="5" name="Text Placeholder 4"/>
+            <a:endParaRPr lang="en-US"/>
+          </a:p>
+        </p:txBody>
+      </p:sp>
+      <p:sp>
+        <p:nvSpPr>
+          <p:cNvPr id="5" name="Text Placeholder 4">
+            <a:extLst>
+              <a:ext uri="{FF2B5EF4-FFF2-40B4-BE49-F238E27FC236}">
+                <a16:creationId xmlns:a16="http://schemas.microsoft.com/office/drawing/2014/main" id="{4184ECE1-4E4D-E543-8B29-D0F10B452A84}"/>
+              </a:ext>
+            </a:extLst>
+          </p:cNvPr>
           <p:cNvSpPr>
             <a:spLocks noGrp="1"/>
           </p:cNvSpPr>
@@ -2650,29 +2069,20 @@
         </p:nvSpPr>
         <p:spPr>
           <a:xfrm>
-            <a:off x="6373368" y="2074334"/>
-            <a:ext cx="4754880" cy="640080"/>
-          </a:xfrm>
-        </p:spPr>
-        <p:txBody>
-          <a:bodyPr anchor="ctr">
-            <a:normAutofit/>
-          </a:bodyPr>
+            <a:off x="6172200" y="1681163"/>
+            <a:ext cx="5183188" cy="823912"/>
+          </a:xfrm>
+        </p:spPr>
+        <p:txBody>
+          <a:bodyPr anchor="b"/>
           <a:lstStyle>
-            <a:lvl1pPr marL="0" indent="0" algn="ctr">
-              <a:spcBef>
-                <a:spcPts val="0"/>
-              </a:spcBef>
+            <a:lvl1pPr marL="0" indent="0">
               <a:buNone/>
-              <a:defRPr sz="1900" b="0">
-                <a:solidFill>
-                  <a:schemeClr val="tx2"/>
-                </a:solidFill>
-              </a:defRPr>
+              <a:defRPr sz="2400" b="1"/>
             </a:lvl1pPr>
             <a:lvl2pPr marL="457200" indent="0">
               <a:buNone/>
-              <a:defRPr sz="1900" b="1"/>
+              <a:defRPr sz="2000" b="1"/>
             </a:lvl2pPr>
             <a:lvl3pPr marL="914400" indent="0">
               <a:buNone/>
@@ -2714,7 +2124,13 @@
       </p:sp>
       <p:sp>
         <p:nvSpPr>
-          <p:cNvPr id="6" name="Content Placeholder 5"/>
+          <p:cNvPr id="6" name="Content Placeholder 5">
+            <a:extLst>
+              <a:ext uri="{FF2B5EF4-FFF2-40B4-BE49-F238E27FC236}">
+                <a16:creationId xmlns:a16="http://schemas.microsoft.com/office/drawing/2014/main" id="{36148CFF-7523-6846-9710-A68796A8C4FA}"/>
+              </a:ext>
+            </a:extLst>
+          </p:cNvPr>
           <p:cNvSpPr>
             <a:spLocks noGrp="1"/>
           </p:cNvSpPr>
@@ -2724,41 +2140,13 @@
         </p:nvSpPr>
         <p:spPr>
           <a:xfrm>
-            <a:off x="6373368" y="2756581"/>
-            <a:ext cx="4754880" cy="3200400"/>
+            <a:off x="6172200" y="2505075"/>
+            <a:ext cx="5183188" cy="3684588"/>
           </a:xfrm>
         </p:spPr>
         <p:txBody>
           <a:bodyPr/>
-          <a:lstStyle>
-            <a:lvl1pPr>
-              <a:defRPr sz="1800"/>
-            </a:lvl1pPr>
-            <a:lvl2pPr>
-              <a:defRPr sz="1600"/>
-            </a:lvl2pPr>
-            <a:lvl3pPr>
-              <a:defRPr sz="1400"/>
-            </a:lvl3pPr>
-            <a:lvl4pPr>
-              <a:defRPr sz="1400"/>
-            </a:lvl4pPr>
-            <a:lvl5pPr>
-              <a:defRPr sz="1400"/>
-            </a:lvl5pPr>
-            <a:lvl6pPr>
-              <a:defRPr sz="1400"/>
-            </a:lvl6pPr>
-            <a:lvl7pPr>
-              <a:defRPr sz="1400"/>
-            </a:lvl7pPr>
-            <a:lvl8pPr>
-              <a:defRPr sz="1400"/>
-            </a:lvl8pPr>
-            <a:lvl9pPr>
-              <a:defRPr sz="1400"/>
-            </a:lvl9pPr>
-          </a:lstStyle>
+          <a:lstStyle/>
           <a:p>
             <a:pPr lvl="0"/>
             <a:r>
@@ -2793,13 +2181,19 @@
               <a:rPr lang="en-GB"/>
               <a:t>Fifth level</a:t>
             </a:r>
-            <a:endParaRPr lang="en-US" dirty="0"/>
-          </a:p>
-        </p:txBody>
-      </p:sp>
-      <p:sp>
-        <p:nvSpPr>
-          <p:cNvPr id="7" name="Date Placeholder 6"/>
+            <a:endParaRPr lang="en-US"/>
+          </a:p>
+        </p:txBody>
+      </p:sp>
+      <p:sp>
+        <p:nvSpPr>
+          <p:cNvPr id="7" name="Date Placeholder 6">
+            <a:extLst>
+              <a:ext uri="{FF2B5EF4-FFF2-40B4-BE49-F238E27FC236}">
+                <a16:creationId xmlns:a16="http://schemas.microsoft.com/office/drawing/2014/main" id="{A91EDD02-CF90-CD4C-B4B3-5A93BC8CF686}"/>
+              </a:ext>
+            </a:extLst>
+          </p:cNvPr>
           <p:cNvSpPr>
             <a:spLocks noGrp="1"/>
           </p:cNvSpPr>
@@ -2814,7 +2208,7 @@
           <a:p>
             <a:fld id="{4AAD347D-5ACD-4C99-B74B-A9C85AD731AF}" type="datetimeFigureOut">
               <a:rPr lang="en-US" smtClean="0"/>
-              <a:t>6/6/20</a:t>
+              <a:t>6/18/20</a:t>
             </a:fld>
             <a:endParaRPr lang="en-US" dirty="0"/>
           </a:p>
@@ -2822,7 +2216,13 @@
       </p:sp>
       <p:sp>
         <p:nvSpPr>
-          <p:cNvPr id="8" name="Footer Placeholder 7"/>
+          <p:cNvPr id="8" name="Footer Placeholder 7">
+            <a:extLst>
+              <a:ext uri="{FF2B5EF4-FFF2-40B4-BE49-F238E27FC236}">
+                <a16:creationId xmlns:a16="http://schemas.microsoft.com/office/drawing/2014/main" id="{E73E43D0-FB7C-C649-9087-661E67A34CD7}"/>
+              </a:ext>
+            </a:extLst>
+          </p:cNvPr>
           <p:cNvSpPr>
             <a:spLocks noGrp="1"/>
           </p:cNvSpPr>
@@ -2841,7 +2241,13 @@
       </p:sp>
       <p:sp>
         <p:nvSpPr>
-          <p:cNvPr id="9" name="Slide Number Placeholder 8"/>
+          <p:cNvPr id="9" name="Slide Number Placeholder 8">
+            <a:extLst>
+              <a:ext uri="{FF2B5EF4-FFF2-40B4-BE49-F238E27FC236}">
+                <a16:creationId xmlns:a16="http://schemas.microsoft.com/office/drawing/2014/main" id="{774198B2-777E-1D4D-9480-06FC169DF78C}"/>
+              </a:ext>
+            </a:extLst>
+          </p:cNvPr>
           <p:cNvSpPr>
             <a:spLocks noGrp="1"/>
           </p:cNvSpPr>
@@ -2865,7 +2271,7 @@
     </p:spTree>
     <p:extLst>
       <p:ext uri="{BB962C8B-B14F-4D97-AF65-F5344CB8AC3E}">
-        <p14:creationId xmlns:p14="http://schemas.microsoft.com/office/powerpoint/2010/main" val="2918773571"/>
+        <p14:creationId xmlns:p14="http://schemas.microsoft.com/office/powerpoint/2010/main" val="3344401177"/>
       </p:ext>
     </p:extLst>
   </p:cSld>
@@ -2895,7 +2301,13 @@
       </p:grpSpPr>
       <p:sp>
         <p:nvSpPr>
-          <p:cNvPr id="2" name="Title 1"/>
+          <p:cNvPr id="2" name="Title 1">
+            <a:extLst>
+              <a:ext uri="{FF2B5EF4-FFF2-40B4-BE49-F238E27FC236}">
+                <a16:creationId xmlns:a16="http://schemas.microsoft.com/office/drawing/2014/main" id="{C2488998-9B8B-5043-8976-6D3BBF9B108E}"/>
+              </a:ext>
+            </a:extLst>
+          </p:cNvPr>
           <p:cNvSpPr>
             <a:spLocks noGrp="1"/>
           </p:cNvSpPr>
@@ -2912,13 +2324,19 @@
               <a:rPr lang="en-GB"/>
               <a:t>Click to edit Master title style</a:t>
             </a:r>
-            <a:endParaRPr lang="en-US" dirty="0"/>
-          </a:p>
-        </p:txBody>
-      </p:sp>
-      <p:sp>
-        <p:nvSpPr>
-          <p:cNvPr id="3" name="Date Placeholder 2"/>
+            <a:endParaRPr lang="en-US"/>
+          </a:p>
+        </p:txBody>
+      </p:sp>
+      <p:sp>
+        <p:nvSpPr>
+          <p:cNvPr id="3" name="Date Placeholder 2">
+            <a:extLst>
+              <a:ext uri="{FF2B5EF4-FFF2-40B4-BE49-F238E27FC236}">
+                <a16:creationId xmlns:a16="http://schemas.microsoft.com/office/drawing/2014/main" id="{922CC45D-D96B-4442-9FD5-2F172EA60374}"/>
+              </a:ext>
+            </a:extLst>
+          </p:cNvPr>
           <p:cNvSpPr>
             <a:spLocks noGrp="1"/>
           </p:cNvSpPr>
@@ -2933,7 +2351,7 @@
           <a:p>
             <a:fld id="{4509A250-FF31-4206-8172-F9D3106AACB1}" type="datetimeFigureOut">
               <a:rPr lang="en-US" smtClean="0"/>
-              <a:t>6/6/20</a:t>
+              <a:t>6/18/20</a:t>
             </a:fld>
             <a:endParaRPr lang="en-US" dirty="0"/>
           </a:p>
@@ -2941,7 +2359,13 @@
       </p:sp>
       <p:sp>
         <p:nvSpPr>
-          <p:cNvPr id="4" name="Footer Placeholder 3"/>
+          <p:cNvPr id="4" name="Footer Placeholder 3">
+            <a:extLst>
+              <a:ext uri="{FF2B5EF4-FFF2-40B4-BE49-F238E27FC236}">
+                <a16:creationId xmlns:a16="http://schemas.microsoft.com/office/drawing/2014/main" id="{5C9683DD-AA6A-8940-8F28-794E463EC421}"/>
+              </a:ext>
+            </a:extLst>
+          </p:cNvPr>
           <p:cNvSpPr>
             <a:spLocks noGrp="1"/>
           </p:cNvSpPr>
@@ -2960,7 +2384,13 @@
       </p:sp>
       <p:sp>
         <p:nvSpPr>
-          <p:cNvPr id="5" name="Slide Number Placeholder 4"/>
+          <p:cNvPr id="5" name="Slide Number Placeholder 4">
+            <a:extLst>
+              <a:ext uri="{FF2B5EF4-FFF2-40B4-BE49-F238E27FC236}">
+                <a16:creationId xmlns:a16="http://schemas.microsoft.com/office/drawing/2014/main" id="{8E8AC353-8472-024F-B10D-E1CF59ED6489}"/>
+              </a:ext>
+            </a:extLst>
+          </p:cNvPr>
           <p:cNvSpPr>
             <a:spLocks noGrp="1"/>
           </p:cNvSpPr>
@@ -2984,7 +2414,7 @@
     </p:spTree>
     <p:extLst>
       <p:ext uri="{BB962C8B-B14F-4D97-AF65-F5344CB8AC3E}">
-        <p14:creationId xmlns:p14="http://schemas.microsoft.com/office/powerpoint/2010/main" val="3290436486"/>
+        <p14:creationId xmlns:p14="http://schemas.microsoft.com/office/powerpoint/2010/main" val="1435048040"/>
       </p:ext>
     </p:extLst>
   </p:cSld>
@@ -3013,7 +2443,13 @@
       </p:grpSpPr>
       <p:sp>
         <p:nvSpPr>
-          <p:cNvPr id="2" name="Date Placeholder 1"/>
+          <p:cNvPr id="2" name="Date Placeholder 1">
+            <a:extLst>
+              <a:ext uri="{FF2B5EF4-FFF2-40B4-BE49-F238E27FC236}">
+                <a16:creationId xmlns:a16="http://schemas.microsoft.com/office/drawing/2014/main" id="{737BEC5F-5D05-3342-B4BD-49E9DC874352}"/>
+              </a:ext>
+            </a:extLst>
+          </p:cNvPr>
           <p:cNvSpPr>
             <a:spLocks noGrp="1"/>
           </p:cNvSpPr>
@@ -3028,7 +2464,7 @@
           <a:p>
             <a:fld id="{4509A250-FF31-4206-8172-F9D3106AACB1}" type="datetimeFigureOut">
               <a:rPr lang="en-US" smtClean="0"/>
-              <a:t>6/6/20</a:t>
+              <a:t>6/18/20</a:t>
             </a:fld>
             <a:endParaRPr lang="en-US" dirty="0"/>
           </a:p>
@@ -3036,7 +2472,13 @@
       </p:sp>
       <p:sp>
         <p:nvSpPr>
-          <p:cNvPr id="3" name="Footer Placeholder 2"/>
+          <p:cNvPr id="3" name="Footer Placeholder 2">
+            <a:extLst>
+              <a:ext uri="{FF2B5EF4-FFF2-40B4-BE49-F238E27FC236}">
+                <a16:creationId xmlns:a16="http://schemas.microsoft.com/office/drawing/2014/main" id="{4E5F2484-AF9C-904A-AB38-E6C9575B63D5}"/>
+              </a:ext>
+            </a:extLst>
+          </p:cNvPr>
           <p:cNvSpPr>
             <a:spLocks noGrp="1"/>
           </p:cNvSpPr>
@@ -3055,7 +2497,13 @@
       </p:sp>
       <p:sp>
         <p:nvSpPr>
-          <p:cNvPr id="4" name="Slide Number Placeholder 3"/>
+          <p:cNvPr id="4" name="Slide Number Placeholder 3">
+            <a:extLst>
+              <a:ext uri="{FF2B5EF4-FFF2-40B4-BE49-F238E27FC236}">
+                <a16:creationId xmlns:a16="http://schemas.microsoft.com/office/drawing/2014/main" id="{E60D7163-D572-DC44-98BD-52711346EF8B}"/>
+              </a:ext>
+            </a:extLst>
+          </p:cNvPr>
           <p:cNvSpPr>
             <a:spLocks noGrp="1"/>
           </p:cNvSpPr>
@@ -3079,7 +2527,7 @@
     </p:spTree>
     <p:extLst>
       <p:ext uri="{BB962C8B-B14F-4D97-AF65-F5344CB8AC3E}">
-        <p14:creationId xmlns:p14="http://schemas.microsoft.com/office/powerpoint/2010/main" val="775188965"/>
+        <p14:creationId xmlns:p14="http://schemas.microsoft.com/office/powerpoint/2010/main" val="2984412940"/>
       </p:ext>
     </p:extLst>
   </p:cSld>
@@ -3090,7 +2538,7 @@
 </file>
 
 <file path=ppt/slideLayouts/slideLayout8.xml><?xml version="1.0" encoding="utf-8"?>
-<p:sldLayout xmlns:a="http://schemas.openxmlformats.org/drawingml/2006/main" xmlns:r="http://schemas.openxmlformats.org/officeDocument/2006/relationships" xmlns:p="http://schemas.openxmlformats.org/presentationml/2006/main" showMasterSp="0" type="objTx" preserve="1">
+<p:sldLayout xmlns:a="http://schemas.openxmlformats.org/drawingml/2006/main" xmlns:r="http://schemas.openxmlformats.org/officeDocument/2006/relationships" xmlns:p="http://schemas.openxmlformats.org/presentationml/2006/main" type="objTx" preserve="1">
   <p:cSld name="Content with Caption">
     <p:spTree>
       <p:nvGrpSpPr>
@@ -3108,83 +2556,13 @@
       </p:grpSpPr>
       <p:sp>
         <p:nvSpPr>
-          <p:cNvPr id="16" name="Rectangle 15"/>
-          <p:cNvSpPr/>
-          <p:nvPr/>
-        </p:nvSpPr>
-        <p:spPr>
-          <a:xfrm>
-            <a:off x="245529" y="237744"/>
-            <a:ext cx="8531352" cy="6382512"/>
-          </a:xfrm>
-          <a:prstGeom prst="rect">
-            <a:avLst/>
-          </a:prstGeom>
-          <a:solidFill>
-            <a:schemeClr val="bg2"/>
-          </a:solidFill>
-          <a:ln>
-            <a:noFill/>
-          </a:ln>
-        </p:spPr>
-        <p:style>
-          <a:lnRef idx="2">
-            <a:schemeClr val="accent1">
-              <a:shade val="50000"/>
-            </a:schemeClr>
-          </a:lnRef>
-          <a:fillRef idx="1">
-            <a:schemeClr val="accent1"/>
-          </a:fillRef>
-          <a:effectRef idx="0">
-            <a:schemeClr val="accent1"/>
-          </a:effectRef>
-          <a:fontRef idx="minor">
-            <a:schemeClr val="lt1"/>
-          </a:fontRef>
-        </p:style>
-      </p:sp>
-      <p:sp>
-        <p:nvSpPr>
-          <p:cNvPr id="15" name="Rectangle 14"/>
-          <p:cNvSpPr/>
-          <p:nvPr/>
-        </p:nvSpPr>
-        <p:spPr>
-          <a:xfrm>
-            <a:off x="9020386" y="237744"/>
-            <a:ext cx="2926080" cy="6382512"/>
-          </a:xfrm>
-          <a:prstGeom prst="rect">
-            <a:avLst/>
-          </a:prstGeom>
-          <a:solidFill>
-            <a:schemeClr val="accent1"/>
-          </a:solidFill>
-          <a:ln>
-            <a:noFill/>
-          </a:ln>
-        </p:spPr>
-        <p:style>
-          <a:lnRef idx="2">
-            <a:schemeClr val="accent1">
-              <a:shade val="50000"/>
-            </a:schemeClr>
-          </a:lnRef>
-          <a:fillRef idx="1">
-            <a:schemeClr val="accent1"/>
-          </a:fillRef>
-          <a:effectRef idx="0">
-            <a:schemeClr val="accent1"/>
-          </a:effectRef>
-          <a:fontRef idx="minor">
-            <a:schemeClr val="lt1"/>
-          </a:fontRef>
-        </p:style>
-      </p:sp>
-      <p:sp>
-        <p:nvSpPr>
-          <p:cNvPr id="2" name="Title 1"/>
+          <p:cNvPr id="2" name="Title 1">
+            <a:extLst>
+              <a:ext uri="{FF2B5EF4-FFF2-40B4-BE49-F238E27FC236}">
+                <a16:creationId xmlns:a16="http://schemas.microsoft.com/office/drawing/2014/main" id="{F0660A1A-8EA4-114C-9DE9-EB59BEE8B9A2}"/>
+              </a:ext>
+            </a:extLst>
+          </p:cNvPr>
           <p:cNvSpPr>
             <a:spLocks noGrp="1"/>
           </p:cNvSpPr>
@@ -3194,32 +2572,15 @@
         </p:nvSpPr>
         <p:spPr>
           <a:xfrm>
-            <a:off x="9296400" y="607392"/>
-            <a:ext cx="2430780" cy="1645920"/>
-          </a:xfrm>
-        </p:spPr>
-        <p:txBody>
-          <a:bodyPr anchor="b">
-            <a:normAutofit/>
-          </a:bodyPr>
+            <a:off x="839788" y="457200"/>
+            <a:ext cx="3932237" cy="1600200"/>
+          </a:xfrm>
+        </p:spPr>
+        <p:txBody>
+          <a:bodyPr anchor="b"/>
           <a:lstStyle>
-            <a:lvl1pPr algn="l" defTabSz="914400" rtl="0" eaLnBrk="1" latinLnBrk="0" hangingPunct="1">
-              <a:lnSpc>
-                <a:spcPct val="90000"/>
-              </a:lnSpc>
-              <a:spcBef>
-                <a:spcPct val="0"/>
-              </a:spcBef>
-              <a:buNone/>
-              <a:defRPr lang="en-US" sz="2800" b="0" kern="1200" cap="none" spc="0" baseline="0" dirty="0">
-                <a:solidFill>
-                  <a:srgbClr val="FFFFFF"/>
-                </a:solidFill>
-                <a:effectLst/>
-                <a:latin typeface="+mj-lt"/>
-                <a:ea typeface="+mn-ea"/>
-                <a:cs typeface="+mn-cs"/>
-              </a:defRPr>
+            <a:lvl1pPr>
+              <a:defRPr sz="3200"/>
             </a:lvl1pPr>
           </a:lstStyle>
           <a:p>
@@ -3227,13 +2588,19 @@
               <a:rPr lang="en-GB"/>
               <a:t>Click to edit Master title style</a:t>
             </a:r>
-            <a:endParaRPr lang="en-US" dirty="0"/>
-          </a:p>
-        </p:txBody>
-      </p:sp>
-      <p:sp>
-        <p:nvSpPr>
-          <p:cNvPr id="3" name="Content Placeholder 2"/>
+            <a:endParaRPr lang="en-US"/>
+          </a:p>
+        </p:txBody>
+      </p:sp>
+      <p:sp>
+        <p:nvSpPr>
+          <p:cNvPr id="3" name="Content Placeholder 2">
+            <a:extLst>
+              <a:ext uri="{FF2B5EF4-FFF2-40B4-BE49-F238E27FC236}">
+                <a16:creationId xmlns:a16="http://schemas.microsoft.com/office/drawing/2014/main" id="{A4F49CC0-82FF-3046-B926-8077E6C6807B}"/>
+              </a:ext>
+            </a:extLst>
+          </p:cNvPr>
           <p:cNvSpPr>
             <a:spLocks noGrp="1"/>
           </p:cNvSpPr>
@@ -3243,39 +2610,39 @@
         </p:nvSpPr>
         <p:spPr>
           <a:xfrm>
-            <a:off x="685800" y="609600"/>
-            <a:ext cx="7772400" cy="5334000"/>
+            <a:off x="5183188" y="987425"/>
+            <a:ext cx="6172200" cy="4873625"/>
           </a:xfrm>
         </p:spPr>
         <p:txBody>
           <a:bodyPr/>
           <a:lstStyle>
             <a:lvl1pPr>
-              <a:defRPr sz="1800"/>
+              <a:defRPr sz="3200"/>
             </a:lvl1pPr>
             <a:lvl2pPr>
-              <a:defRPr sz="1600"/>
+              <a:defRPr sz="2800"/>
             </a:lvl2pPr>
             <a:lvl3pPr>
-              <a:defRPr sz="1400"/>
+              <a:defRPr sz="2400"/>
             </a:lvl3pPr>
             <a:lvl4pPr>
-              <a:defRPr sz="1400"/>
+              <a:defRPr sz="2000"/>
             </a:lvl4pPr>
             <a:lvl5pPr>
-              <a:defRPr sz="1400"/>
+              <a:defRPr sz="2000"/>
             </a:lvl5pPr>
             <a:lvl6pPr>
-              <a:defRPr sz="1400"/>
+              <a:defRPr sz="2000"/>
             </a:lvl6pPr>
             <a:lvl7pPr>
-              <a:defRPr sz="1400"/>
+              <a:defRPr sz="2000"/>
             </a:lvl7pPr>
             <a:lvl8pPr>
-              <a:defRPr sz="1400"/>
+              <a:defRPr sz="2000"/>
             </a:lvl8pPr>
             <a:lvl9pPr>
-              <a:defRPr sz="1400"/>
+              <a:defRPr sz="2000"/>
             </a:lvl9pPr>
           </a:lstStyle>
           <a:p>
@@ -3312,13 +2679,19 @@
               <a:rPr lang="en-GB"/>
               <a:t>Fifth level</a:t>
             </a:r>
-            <a:endParaRPr lang="en-US" dirty="0"/>
-          </a:p>
-        </p:txBody>
-      </p:sp>
-      <p:sp>
-        <p:nvSpPr>
-          <p:cNvPr id="4" name="Text Placeholder 3"/>
+            <a:endParaRPr lang="en-US"/>
+          </a:p>
+        </p:txBody>
+      </p:sp>
+      <p:sp>
+        <p:nvSpPr>
+          <p:cNvPr id="4" name="Text Placeholder 3">
+            <a:extLst>
+              <a:ext uri="{FF2B5EF4-FFF2-40B4-BE49-F238E27FC236}">
+                <a16:creationId xmlns:a16="http://schemas.microsoft.com/office/drawing/2014/main" id="{AE420D02-6BFC-D04D-97F5-1DD7024B3C02}"/>
+              </a:ext>
+            </a:extLst>
+          </p:cNvPr>
           <p:cNvSpPr>
             <a:spLocks noGrp="1"/>
           </p:cNvSpPr>
@@ -3328,60 +2701,48 @@
         </p:nvSpPr>
         <p:spPr>
           <a:xfrm>
-            <a:off x="9296400" y="2286000"/>
-            <a:ext cx="2430780" cy="3505200"/>
-          </a:xfrm>
-        </p:spPr>
-        <p:txBody>
-          <a:bodyPr>
-            <a:normAutofit/>
-          </a:bodyPr>
+            <a:off x="839788" y="2057400"/>
+            <a:ext cx="3932237" cy="3811588"/>
+          </a:xfrm>
+        </p:spPr>
+        <p:txBody>
+          <a:bodyPr/>
           <a:lstStyle>
             <a:lvl1pPr marL="0" indent="0">
-              <a:lnSpc>
-                <a:spcPct val="110000"/>
-              </a:lnSpc>
-              <a:spcBef>
-                <a:spcPts val="800"/>
-              </a:spcBef>
               <a:buNone/>
-              <a:defRPr sz="1400">
-                <a:solidFill>
-                  <a:srgbClr val="FFFFFF"/>
-                </a:solidFill>
-              </a:defRPr>
+              <a:defRPr sz="1600"/>
             </a:lvl1pPr>
             <a:lvl2pPr marL="457200" indent="0">
               <a:buNone/>
-              <a:defRPr sz="1200"/>
+              <a:defRPr sz="1400"/>
             </a:lvl2pPr>
             <a:lvl3pPr marL="914400" indent="0">
               <a:buNone/>
-              <a:defRPr sz="1000"/>
+              <a:defRPr sz="1200"/>
             </a:lvl3pPr>
             <a:lvl4pPr marL="1371600" indent="0">
               <a:buNone/>
-              <a:defRPr sz="900"/>
+              <a:defRPr sz="1000"/>
             </a:lvl4pPr>
             <a:lvl5pPr marL="1828800" indent="0">
               <a:buNone/>
-              <a:defRPr sz="900"/>
+              <a:defRPr sz="1000"/>
             </a:lvl5pPr>
             <a:lvl6pPr marL="2286000" indent="0">
               <a:buNone/>
-              <a:defRPr sz="900"/>
+              <a:defRPr sz="1000"/>
             </a:lvl6pPr>
             <a:lvl7pPr marL="2743200" indent="0">
               <a:buNone/>
-              <a:defRPr sz="900"/>
+              <a:defRPr sz="1000"/>
             </a:lvl7pPr>
             <a:lvl8pPr marL="3200400" indent="0">
               <a:buNone/>
-              <a:defRPr sz="900"/>
+              <a:defRPr sz="1000"/>
             </a:lvl8pPr>
             <a:lvl9pPr marL="3657600" indent="0">
               <a:buNone/>
-              <a:defRPr sz="900"/>
+              <a:defRPr sz="1000"/>
             </a:lvl9pPr>
           </a:lstStyle>
           <a:p>
@@ -3395,7 +2756,13 @@
       </p:sp>
       <p:sp>
         <p:nvSpPr>
-          <p:cNvPr id="8" name="Date Placeholder 7"/>
+          <p:cNvPr id="5" name="Date Placeholder 4">
+            <a:extLst>
+              <a:ext uri="{FF2B5EF4-FFF2-40B4-BE49-F238E27FC236}">
+                <a16:creationId xmlns:a16="http://schemas.microsoft.com/office/drawing/2014/main" id="{B3A68471-8C1B-534A-BC05-B037FF7A20D3}"/>
+              </a:ext>
+            </a:extLst>
+          </p:cNvPr>
           <p:cNvSpPr>
             <a:spLocks noGrp="1"/>
           </p:cNvSpPr>
@@ -3410,7 +2777,7 @@
           <a:p>
             <a:fld id="{4AAD347D-5ACD-4C99-B74B-A9C85AD731AF}" type="datetimeFigureOut">
               <a:rPr lang="en-US" smtClean="0"/>
-              <a:t>6/6/20</a:t>
+              <a:t>6/18/20</a:t>
             </a:fld>
             <a:endParaRPr lang="en-US" dirty="0"/>
           </a:p>
@@ -3418,7 +2785,13 @@
       </p:sp>
       <p:sp>
         <p:nvSpPr>
-          <p:cNvPr id="9" name="Footer Placeholder 8"/>
+          <p:cNvPr id="6" name="Footer Placeholder 5">
+            <a:extLst>
+              <a:ext uri="{FF2B5EF4-FFF2-40B4-BE49-F238E27FC236}">
+                <a16:creationId xmlns:a16="http://schemas.microsoft.com/office/drawing/2014/main" id="{A2597DD0-E3AF-9946-A828-10E0A11EFF27}"/>
+              </a:ext>
+            </a:extLst>
+          </p:cNvPr>
           <p:cNvSpPr>
             <a:spLocks noGrp="1"/>
           </p:cNvSpPr>
@@ -3429,11 +2802,7 @@
         <p:spPr/>
         <p:txBody>
           <a:bodyPr/>
-          <a:lstStyle>
-            <a:lvl1pPr algn="r">
-              <a:defRPr/>
-            </a:lvl1pPr>
-          </a:lstStyle>
+          <a:lstStyle/>
           <a:p>
             <a:endParaRPr lang="en-US" dirty="0"/>
           </a:p>
@@ -3441,7 +2810,13 @@
       </p:sp>
       <p:sp>
         <p:nvSpPr>
-          <p:cNvPr id="11" name="Slide Number Placeholder 10"/>
+          <p:cNvPr id="7" name="Slide Number Placeholder 6">
+            <a:extLst>
+              <a:ext uri="{FF2B5EF4-FFF2-40B4-BE49-F238E27FC236}">
+                <a16:creationId xmlns:a16="http://schemas.microsoft.com/office/drawing/2014/main" id="{F145261A-E11B-A347-B755-1AA332A46AFA}"/>
+              </a:ext>
+            </a:extLst>
+          </p:cNvPr>
           <p:cNvSpPr>
             <a:spLocks noGrp="1"/>
           </p:cNvSpPr>
@@ -3449,23 +2824,10 @@
             <p:ph type="sldNum" sz="quarter" idx="12"/>
           </p:nvPr>
         </p:nvSpPr>
-        <p:spPr>
-          <a:xfrm>
-            <a:off x="10393677" y="6223002"/>
-            <a:ext cx="1463040" cy="274320"/>
-          </a:xfrm>
-        </p:spPr>
+        <p:spPr/>
         <p:txBody>
           <a:bodyPr/>
-          <a:lstStyle>
-            <a:lvl1pPr>
-              <a:defRPr>
-                <a:solidFill>
-                  <a:srgbClr val="FFFFFF"/>
-                </a:solidFill>
-              </a:defRPr>
-            </a:lvl1pPr>
-          </a:lstStyle>
+          <a:lstStyle/>
           <a:p>
             <a:fld id="{D57F1E4F-1CFF-5643-939E-02111984F565}" type="slidenum">
               <a:rPr lang="en-US" smtClean="0"/>
@@ -3475,49 +2837,10 @@
           </a:p>
         </p:txBody>
       </p:sp>
-      <p:sp>
-        <p:nvSpPr>
-          <p:cNvPr id="12" name="Rectangle 11"/>
-          <p:cNvSpPr/>
-          <p:nvPr/>
-        </p:nvSpPr>
-        <p:spPr>
-          <a:xfrm>
-            <a:off x="9157546" y="374904"/>
-            <a:ext cx="2651760" cy="6108192"/>
-          </a:xfrm>
-          <a:prstGeom prst="rect">
-            <a:avLst/>
-          </a:prstGeom>
-          <a:noFill/>
-          <a:ln w="6350" cap="sq">
-            <a:solidFill>
-              <a:srgbClr val="FFFFFF"/>
-            </a:solidFill>
-            <a:miter lim="800000"/>
-          </a:ln>
-        </p:spPr>
-        <p:style>
-          <a:lnRef idx="2">
-            <a:schemeClr val="accent1">
-              <a:shade val="50000"/>
-            </a:schemeClr>
-          </a:lnRef>
-          <a:fillRef idx="1">
-            <a:schemeClr val="accent1"/>
-          </a:fillRef>
-          <a:effectRef idx="0">
-            <a:schemeClr val="accent1"/>
-          </a:effectRef>
-          <a:fontRef idx="minor">
-            <a:schemeClr val="lt1"/>
-          </a:fontRef>
-        </p:style>
-      </p:sp>
     </p:spTree>
     <p:extLst>
       <p:ext uri="{BB962C8B-B14F-4D97-AF65-F5344CB8AC3E}">
-        <p14:creationId xmlns:p14="http://schemas.microsoft.com/office/powerpoint/2010/main" val="3058748976"/>
+        <p14:creationId xmlns:p14="http://schemas.microsoft.com/office/powerpoint/2010/main" val="1611224241"/>
       </p:ext>
     </p:extLst>
   </p:cSld>
@@ -3534,7 +2857,7 @@
 </file>
 
 <file path=ppt/slideLayouts/slideLayout9.xml><?xml version="1.0" encoding="utf-8"?>
-<p:sldLayout xmlns:a="http://schemas.openxmlformats.org/drawingml/2006/main" xmlns:r="http://schemas.openxmlformats.org/officeDocument/2006/relationships" xmlns:p="http://schemas.openxmlformats.org/presentationml/2006/main" showMasterSp="0" type="picTx" preserve="1">
+<p:sldLayout xmlns:a="http://schemas.openxmlformats.org/drawingml/2006/main" xmlns:r="http://schemas.openxmlformats.org/officeDocument/2006/relationships" xmlns:p="http://schemas.openxmlformats.org/presentationml/2006/main" type="picTx" preserve="1">
   <p:cSld name="Picture with Caption">
     <p:spTree>
       <p:nvGrpSpPr>
@@ -3552,45 +2875,13 @@
       </p:grpSpPr>
       <p:sp>
         <p:nvSpPr>
-          <p:cNvPr id="14" name="Rectangle 13"/>
-          <p:cNvSpPr/>
-          <p:nvPr/>
-        </p:nvSpPr>
-        <p:spPr>
-          <a:xfrm>
-            <a:off x="9020386" y="237744"/>
-            <a:ext cx="2926080" cy="6382512"/>
-          </a:xfrm>
-          <a:prstGeom prst="rect">
-            <a:avLst/>
-          </a:prstGeom>
-          <a:solidFill>
-            <a:schemeClr val="accent1"/>
-          </a:solidFill>
-          <a:ln>
-            <a:noFill/>
-          </a:ln>
-        </p:spPr>
-        <p:style>
-          <a:lnRef idx="2">
-            <a:schemeClr val="accent1">
-              <a:shade val="50000"/>
-            </a:schemeClr>
-          </a:lnRef>
-          <a:fillRef idx="1">
-            <a:schemeClr val="accent1"/>
-          </a:fillRef>
-          <a:effectRef idx="0">
-            <a:schemeClr val="accent1"/>
-          </a:effectRef>
-          <a:fontRef idx="minor">
-            <a:schemeClr val="lt1"/>
-          </a:fontRef>
-        </p:style>
-      </p:sp>
-      <p:sp>
-        <p:nvSpPr>
-          <p:cNvPr id="2" name="Title 1"/>
+          <p:cNvPr id="2" name="Title 1">
+            <a:extLst>
+              <a:ext uri="{FF2B5EF4-FFF2-40B4-BE49-F238E27FC236}">
+                <a16:creationId xmlns:a16="http://schemas.microsoft.com/office/drawing/2014/main" id="{352DFBBD-9028-6044-815B-24727361BD1C}"/>
+              </a:ext>
+            </a:extLst>
+          </p:cNvPr>
           <p:cNvSpPr>
             <a:spLocks noGrp="1"/>
           </p:cNvSpPr>
@@ -3600,22 +2891,15 @@
         </p:nvSpPr>
         <p:spPr>
           <a:xfrm>
-            <a:off x="9296400" y="603504"/>
-            <a:ext cx="2432304" cy="1645920"/>
-          </a:xfrm>
-        </p:spPr>
-        <p:txBody>
-          <a:bodyPr anchor="b">
-            <a:noAutofit/>
-          </a:bodyPr>
+            <a:off x="839788" y="457200"/>
+            <a:ext cx="3932237" cy="1600200"/>
+          </a:xfrm>
+        </p:spPr>
+        <p:txBody>
+          <a:bodyPr anchor="b"/>
           <a:lstStyle>
-            <a:lvl1pPr algn="l">
-              <a:defRPr sz="2800" b="0">
-                <a:solidFill>
-                  <a:srgbClr val="FFFFFF"/>
-                </a:solidFill>
-                <a:latin typeface="+mj-lt"/>
-              </a:defRPr>
+            <a:lvl1pPr>
+              <a:defRPr sz="3200"/>
             </a:lvl1pPr>
           </a:lstStyle>
           <a:p>
@@ -3623,15 +2907,21 @@
               <a:rPr lang="en-GB"/>
               <a:t>Click to edit Master title style</a:t>
             </a:r>
-            <a:endParaRPr lang="en-US" dirty="0"/>
-          </a:p>
-        </p:txBody>
-      </p:sp>
-      <p:sp>
-        <p:nvSpPr>
-          <p:cNvPr id="3" name="Picture Placeholder 2"/>
+            <a:endParaRPr lang="en-US"/>
+          </a:p>
+        </p:txBody>
+      </p:sp>
+      <p:sp>
+        <p:nvSpPr>
+          <p:cNvPr id="3" name="Picture Placeholder 2">
+            <a:extLst>
+              <a:ext uri="{FF2B5EF4-FFF2-40B4-BE49-F238E27FC236}">
+                <a16:creationId xmlns:a16="http://schemas.microsoft.com/office/drawing/2014/main" id="{74D822D2-F4D9-2A4B-ADE8-502CF60FB9DD}"/>
+              </a:ext>
+            </a:extLst>
+          </p:cNvPr>
           <p:cNvSpPr>
-            <a:spLocks noGrp="1" noChangeAspect="1"/>
+            <a:spLocks noGrp="1"/>
           </p:cNvSpPr>
           <p:nvPr>
             <p:ph type="pic" idx="1"/>
@@ -3639,21 +2929,12 @@
         </p:nvSpPr>
         <p:spPr>
           <a:xfrm>
-            <a:off x="228599" y="237744"/>
-            <a:ext cx="8531352" cy="6382512"/>
-          </a:xfrm>
-          <a:solidFill>
-            <a:schemeClr val="accent1">
-              <a:lumMod val="60000"/>
-              <a:lumOff val="40000"/>
-            </a:schemeClr>
-          </a:solidFill>
-          <a:ln>
-            <a:noFill/>
-          </a:ln>
-        </p:spPr>
-        <p:txBody>
-          <a:bodyPr anchor="t"/>
+            <a:off x="5183188" y="987425"/>
+            <a:ext cx="6172200" cy="4873625"/>
+          </a:xfrm>
+        </p:spPr>
+        <p:txBody>
+          <a:bodyPr/>
           <a:lstStyle>
             <a:lvl1pPr marL="0" indent="0">
               <a:buNone/>
@@ -3693,17 +2974,19 @@
             </a:lvl9pPr>
           </a:lstStyle>
           <a:p>
-            <a:r>
-              <a:rPr lang="en-GB"/>
-              <a:t>Click icon to add picture</a:t>
-            </a:r>
-            <a:endParaRPr lang="en-US" dirty="0"/>
-          </a:p>
-        </p:txBody>
-      </p:sp>
-      <p:sp>
-        <p:nvSpPr>
-          <p:cNvPr id="4" name="Text Placeholder 3"/>
+            <a:endParaRPr lang="en-US"/>
+          </a:p>
+        </p:txBody>
+      </p:sp>
+      <p:sp>
+        <p:nvSpPr>
+          <p:cNvPr id="4" name="Text Placeholder 3">
+            <a:extLst>
+              <a:ext uri="{FF2B5EF4-FFF2-40B4-BE49-F238E27FC236}">
+                <a16:creationId xmlns:a16="http://schemas.microsoft.com/office/drawing/2014/main" id="{227D5768-B827-9741-84F9-CDF8640381DE}"/>
+              </a:ext>
+            </a:extLst>
+          </p:cNvPr>
           <p:cNvSpPr>
             <a:spLocks noGrp="1"/>
           </p:cNvSpPr>
@@ -3713,60 +2996,48 @@
         </p:nvSpPr>
         <p:spPr>
           <a:xfrm>
-            <a:off x="9296400" y="2286000"/>
-            <a:ext cx="2432304" cy="3502152"/>
-          </a:xfrm>
-        </p:spPr>
-        <p:txBody>
-          <a:bodyPr>
-            <a:normAutofit/>
-          </a:bodyPr>
+            <a:off x="839788" y="2057400"/>
+            <a:ext cx="3932237" cy="3811588"/>
+          </a:xfrm>
+        </p:spPr>
+        <p:txBody>
+          <a:bodyPr/>
           <a:lstStyle>
-            <a:lvl1pPr marL="0" indent="0" algn="l">
-              <a:lnSpc>
-                <a:spcPct val="110000"/>
-              </a:lnSpc>
-              <a:spcBef>
-                <a:spcPts val="800"/>
-              </a:spcBef>
+            <a:lvl1pPr marL="0" indent="0">
               <a:buNone/>
-              <a:defRPr sz="1400">
-                <a:solidFill>
-                  <a:srgbClr val="FFFFFF"/>
-                </a:solidFill>
-              </a:defRPr>
+              <a:defRPr sz="1600"/>
             </a:lvl1pPr>
             <a:lvl2pPr marL="457200" indent="0">
               <a:buNone/>
-              <a:defRPr sz="1200"/>
+              <a:defRPr sz="1400"/>
             </a:lvl2pPr>
             <a:lvl3pPr marL="914400" indent="0">
               <a:buNone/>
-              <a:defRPr sz="1000"/>
+              <a:defRPr sz="1200"/>
             </a:lvl3pPr>
             <a:lvl4pPr marL="1371600" indent="0">
               <a:buNone/>
-              <a:defRPr sz="900"/>
+              <a:defRPr sz="1000"/>
             </a:lvl4pPr>
             <a:lvl5pPr marL="1828800" indent="0">
               <a:buNone/>
-              <a:defRPr sz="900"/>
+              <a:defRPr sz="1000"/>
             </a:lvl5pPr>
             <a:lvl6pPr marL="2286000" indent="0">
               <a:buNone/>
-              <a:defRPr sz="900"/>
+              <a:defRPr sz="1000"/>
             </a:lvl6pPr>
             <a:lvl7pPr marL="2743200" indent="0">
               <a:buNone/>
-              <a:defRPr sz="900"/>
+              <a:defRPr sz="1000"/>
             </a:lvl7pPr>
             <a:lvl8pPr marL="3200400" indent="0">
               <a:buNone/>
-              <a:defRPr sz="900"/>
+              <a:defRPr sz="1000"/>
             </a:lvl8pPr>
             <a:lvl9pPr marL="3657600" indent="0">
               <a:buNone/>
-              <a:defRPr sz="900"/>
+              <a:defRPr sz="1000"/>
             </a:lvl9pPr>
           </a:lstStyle>
           <a:p>
@@ -3780,7 +3051,13 @@
       </p:sp>
       <p:sp>
         <p:nvSpPr>
-          <p:cNvPr id="5" name="Date Placeholder 4"/>
+          <p:cNvPr id="5" name="Date Placeholder 4">
+            <a:extLst>
+              <a:ext uri="{FF2B5EF4-FFF2-40B4-BE49-F238E27FC236}">
+                <a16:creationId xmlns:a16="http://schemas.microsoft.com/office/drawing/2014/main" id="{973CF340-964D-F845-B477-5412DAB86A60}"/>
+              </a:ext>
+            </a:extLst>
+          </p:cNvPr>
           <p:cNvSpPr>
             <a:spLocks noGrp="1"/>
           </p:cNvSpPr>
@@ -3791,26 +3068,11 @@
         <p:spPr/>
         <p:txBody>
           <a:bodyPr/>
-          <a:lstStyle>
-            <a:lvl1pPr>
-              <a:defRPr>
-                <a:solidFill>
-                  <a:srgbClr val="FFFFFF"/>
-                </a:solidFill>
-                <a:effectLst>
-                  <a:outerShdw blurRad="12700" dist="6350" dir="2700000" algn="tl" rotWithShape="0">
-                    <a:prstClr val="black">
-                      <a:alpha val="40000"/>
-                    </a:prstClr>
-                  </a:outerShdw>
-                </a:effectLst>
-              </a:defRPr>
-            </a:lvl1pPr>
-          </a:lstStyle>
+          <a:lstStyle/>
           <a:p>
             <a:fld id="{4509A250-FF31-4206-8172-F9D3106AACB1}" type="datetimeFigureOut">
               <a:rPr lang="en-US" smtClean="0"/>
-              <a:t>6/6/20</a:t>
+              <a:t>6/18/20</a:t>
             </a:fld>
             <a:endParaRPr lang="en-US" dirty="0"/>
           </a:p>
@@ -3818,7 +3080,13 @@
       </p:sp>
       <p:sp>
         <p:nvSpPr>
-          <p:cNvPr id="6" name="Footer Placeholder 5"/>
+          <p:cNvPr id="6" name="Footer Placeholder 5">
+            <a:extLst>
+              <a:ext uri="{FF2B5EF4-FFF2-40B4-BE49-F238E27FC236}">
+                <a16:creationId xmlns:a16="http://schemas.microsoft.com/office/drawing/2014/main" id="{29BE4962-B541-F64E-9729-F62F8583BEC7}"/>
+              </a:ext>
+            </a:extLst>
+          </p:cNvPr>
           <p:cNvSpPr>
             <a:spLocks noGrp="1"/>
           </p:cNvSpPr>
@@ -3829,25 +3097,7 @@
         <p:spPr/>
         <p:txBody>
           <a:bodyPr/>
-          <a:lstStyle>
-            <a:lvl1pPr marL="0" algn="r" defTabSz="914400" rtl="0" eaLnBrk="1" latinLnBrk="0" hangingPunct="1">
-              <a:defRPr lang="en-US" sz="1000" kern="1200" dirty="0">
-                <a:solidFill>
-                  <a:srgbClr val="FFFFFF"/>
-                </a:solidFill>
-                <a:effectLst>
-                  <a:outerShdw blurRad="12700" dist="6350" dir="2700000" algn="tl" rotWithShape="0">
-                    <a:prstClr val="black">
-                      <a:alpha val="40000"/>
-                    </a:prstClr>
-                  </a:outerShdw>
-                </a:effectLst>
-                <a:latin typeface="+mn-lt"/>
-                <a:ea typeface="+mn-ea"/>
-                <a:cs typeface="+mn-cs"/>
-              </a:defRPr>
-            </a:lvl1pPr>
-          </a:lstStyle>
+          <a:lstStyle/>
           <a:p>
             <a:endParaRPr lang="en-US"/>
           </a:p>
@@ -3855,7 +3105,13 @@
       </p:sp>
       <p:sp>
         <p:nvSpPr>
-          <p:cNvPr id="7" name="Slide Number Placeholder 6"/>
+          <p:cNvPr id="7" name="Slide Number Placeholder 6">
+            <a:extLst>
+              <a:ext uri="{FF2B5EF4-FFF2-40B4-BE49-F238E27FC236}">
+                <a16:creationId xmlns:a16="http://schemas.microsoft.com/office/drawing/2014/main" id="{766E2329-71E4-D541-83E8-DBAADBDE245D}"/>
+              </a:ext>
+            </a:extLst>
+          </p:cNvPr>
           <p:cNvSpPr>
             <a:spLocks noGrp="1"/>
           </p:cNvSpPr>
@@ -3863,23 +3119,10 @@
             <p:ph type="sldNum" sz="quarter" idx="12"/>
           </p:nvPr>
         </p:nvSpPr>
-        <p:spPr>
-          <a:xfrm>
-            <a:off x="10396728" y="6227064"/>
-            <a:ext cx="1463040" cy="274320"/>
-          </a:xfrm>
-        </p:spPr>
+        <p:spPr/>
         <p:txBody>
           <a:bodyPr/>
-          <a:lstStyle>
-            <a:lvl1pPr>
-              <a:defRPr>
-                <a:solidFill>
-                  <a:srgbClr val="FFFFFF"/>
-                </a:solidFill>
-              </a:defRPr>
-            </a:lvl1pPr>
-          </a:lstStyle>
+          <a:lstStyle/>
           <a:p>
             <a:fld id="{D57F1E4F-1CFF-5643-939E-02111984F565}" type="slidenum">
               <a:rPr lang="en-US" smtClean="0"/>
@@ -3889,49 +3132,10 @@
           </a:p>
         </p:txBody>
       </p:sp>
-      <p:sp>
-        <p:nvSpPr>
-          <p:cNvPr id="10" name="Rectangle 9"/>
-          <p:cNvSpPr/>
-          <p:nvPr/>
-        </p:nvSpPr>
-        <p:spPr>
-          <a:xfrm>
-            <a:off x="9157546" y="374904"/>
-            <a:ext cx="2651760" cy="6108192"/>
-          </a:xfrm>
-          <a:prstGeom prst="rect">
-            <a:avLst/>
-          </a:prstGeom>
-          <a:noFill/>
-          <a:ln w="6350" cap="sq">
-            <a:solidFill>
-              <a:srgbClr val="FFFFFF"/>
-            </a:solidFill>
-            <a:miter lim="800000"/>
-          </a:ln>
-        </p:spPr>
-        <p:style>
-          <a:lnRef idx="2">
-            <a:schemeClr val="accent1">
-              <a:shade val="50000"/>
-            </a:schemeClr>
-          </a:lnRef>
-          <a:fillRef idx="1">
-            <a:schemeClr val="accent1"/>
-          </a:fillRef>
-          <a:effectRef idx="0">
-            <a:schemeClr val="accent1"/>
-          </a:effectRef>
-          <a:fontRef idx="minor">
-            <a:schemeClr val="lt1"/>
-          </a:fontRef>
-        </p:style>
-      </p:sp>
     </p:spTree>
     <p:extLst>
       <p:ext uri="{BB962C8B-B14F-4D97-AF65-F5344CB8AC3E}">
-        <p14:creationId xmlns:p14="http://schemas.microsoft.com/office/powerpoint/2010/main" val="3371750980"/>
+        <p14:creationId xmlns:p14="http://schemas.microsoft.com/office/powerpoint/2010/main" val="846220930"/>
       </p:ext>
     </p:extLst>
   </p:cSld>
@@ -3945,12 +3149,9 @@
 <p:sldMaster xmlns:a="http://schemas.openxmlformats.org/drawingml/2006/main" xmlns:r="http://schemas.openxmlformats.org/officeDocument/2006/relationships" xmlns:p="http://schemas.openxmlformats.org/presentationml/2006/main">
   <p:cSld>
     <p:bg>
-      <p:bgPr>
-        <a:solidFill>
-          <a:schemeClr val="bg1"/>
-        </a:solidFill>
-        <a:effectLst/>
-      </p:bgPr>
+      <p:bgRef idx="1001">
+        <a:schemeClr val="bg1"/>
+      </p:bgRef>
     </p:bg>
     <p:spTree>
       <p:nvGrpSpPr>
@@ -3968,33 +3169,13 @@
       </p:grpSpPr>
       <p:sp>
         <p:nvSpPr>
-          <p:cNvPr id="7" name="Rectangle 6"/>
-          <p:cNvSpPr/>
-          <p:nvPr/>
-        </p:nvSpPr>
-        <p:spPr>
-          <a:xfrm>
-            <a:off x="234696" y="237744"/>
-            <a:ext cx="11722608" cy="6382512"/>
-          </a:xfrm>
-          <a:prstGeom prst="rect">
-            <a:avLst/>
-          </a:prstGeom>
-          <a:solidFill>
-            <a:schemeClr val="bg2"/>
-          </a:solidFill>
-          <a:ln w="6350" cap="flat" cmpd="sng" algn="ctr">
-            <a:noFill/>
-            <a:prstDash val="solid"/>
-          </a:ln>
-          <a:effectLst>
-            <a:softEdge rad="0"/>
-          </a:effectLst>
-        </p:spPr>
-      </p:sp>
-      <p:sp>
-        <p:nvSpPr>
-          <p:cNvPr id="2" name="Title Placeholder 1"/>
+          <p:cNvPr id="2" name="Title Placeholder 1">
+            <a:extLst>
+              <a:ext uri="{FF2B5EF4-FFF2-40B4-BE49-F238E27FC236}">
+                <a16:creationId xmlns:a16="http://schemas.microsoft.com/office/drawing/2014/main" id="{98573549-E396-FF49-922E-0C1F446265D5}"/>
+              </a:ext>
+            </a:extLst>
+          </p:cNvPr>
           <p:cNvSpPr>
             <a:spLocks noGrp="1"/>
           </p:cNvSpPr>
@@ -4004,8 +3185,8 @@
         </p:nvSpPr>
         <p:spPr>
           <a:xfrm>
-            <a:off x="1066800" y="642594"/>
-            <a:ext cx="10058400" cy="1371600"/>
+            <a:off x="838200" y="365125"/>
+            <a:ext cx="10515600" cy="1325563"/>
           </a:xfrm>
           <a:prstGeom prst="rect">
             <a:avLst/>
@@ -4018,7 +3199,7 @@
           <a:lstStyle/>
           <a:p>
             <a:r>
-              <a:rPr lang="en-GB"/>
+              <a:rPr lang="en-GB" dirty="0"/>
               <a:t>Click to edit Master title style</a:t>
             </a:r>
             <a:endParaRPr lang="en-US" dirty="0"/>
@@ -4027,7 +3208,13 @@
       </p:sp>
       <p:sp>
         <p:nvSpPr>
-          <p:cNvPr id="3" name="Text Placeholder 2"/>
+          <p:cNvPr id="3" name="Text Placeholder 2">
+            <a:extLst>
+              <a:ext uri="{FF2B5EF4-FFF2-40B4-BE49-F238E27FC236}">
+                <a16:creationId xmlns:a16="http://schemas.microsoft.com/office/drawing/2014/main" id="{73E813F2-8067-7849-AF4F-B83F187814A5}"/>
+              </a:ext>
+            </a:extLst>
+          </p:cNvPr>
           <p:cNvSpPr>
             <a:spLocks noGrp="1"/>
           </p:cNvSpPr>
@@ -4037,8 +3224,8 @@
         </p:nvSpPr>
         <p:spPr>
           <a:xfrm>
-            <a:off x="1066800" y="2103120"/>
-            <a:ext cx="10058400" cy="3931920"/>
+            <a:off x="838200" y="1825625"/>
+            <a:ext cx="10515600" cy="4351338"/>
           </a:xfrm>
           <a:prstGeom prst="rect">
             <a:avLst/>
@@ -4052,35 +3239,35 @@
           <a:p>
             <a:pPr lvl="0"/>
             <a:r>
-              <a:rPr lang="en-GB"/>
+              <a:rPr lang="en-GB" dirty="0"/>
               <a:t>Click to edit Master text styles</a:t>
             </a:r>
           </a:p>
           <a:p>
             <a:pPr lvl="1"/>
             <a:r>
-              <a:rPr lang="en-GB"/>
+              <a:rPr lang="en-GB" dirty="0"/>
               <a:t>Second level</a:t>
             </a:r>
           </a:p>
           <a:p>
             <a:pPr lvl="2"/>
             <a:r>
-              <a:rPr lang="en-GB"/>
+              <a:rPr lang="en-GB" dirty="0"/>
               <a:t>Third level</a:t>
             </a:r>
           </a:p>
           <a:p>
             <a:pPr lvl="3"/>
             <a:r>
-              <a:rPr lang="en-GB"/>
+              <a:rPr lang="en-GB" dirty="0"/>
               <a:t>Fourth level</a:t>
             </a:r>
           </a:p>
           <a:p>
             <a:pPr lvl="4"/>
             <a:r>
-              <a:rPr lang="en-GB"/>
+              <a:rPr lang="en-GB" dirty="0"/>
               <a:t>Fifth level</a:t>
             </a:r>
             <a:endParaRPr lang="en-US" dirty="0"/>
@@ -4089,7 +3276,13 @@
       </p:sp>
       <p:sp>
         <p:nvSpPr>
-          <p:cNvPr id="4" name="Date Placeholder 3"/>
+          <p:cNvPr id="4" name="Date Placeholder 3">
+            <a:extLst>
+              <a:ext uri="{FF2B5EF4-FFF2-40B4-BE49-F238E27FC236}">
+                <a16:creationId xmlns:a16="http://schemas.microsoft.com/office/drawing/2014/main" id="{7A1B0ECA-CF97-0745-831E-85864992647E}"/>
+              </a:ext>
+            </a:extLst>
+          </p:cNvPr>
           <p:cNvSpPr>
             <a:spLocks noGrp="1"/>
           </p:cNvSpPr>
@@ -4099,22 +3292,21 @@
         </p:nvSpPr>
         <p:spPr>
           <a:xfrm>
-            <a:off x="274320" y="6307672"/>
-            <a:ext cx="2743200" cy="274320"/>
+            <a:off x="838200" y="6356350"/>
+            <a:ext cx="2743200" cy="365125"/>
           </a:xfrm>
           <a:prstGeom prst="rect">
             <a:avLst/>
           </a:prstGeom>
         </p:spPr>
         <p:txBody>
-          <a:bodyPr vert="horz" lIns="91440" tIns="45720" rIns="91440" bIns="45720" rtlCol="0" anchor="b"/>
+          <a:bodyPr vert="horz" lIns="91440" tIns="45720" rIns="91440" bIns="45720" rtlCol="0" anchor="ctr"/>
           <a:lstStyle>
             <a:lvl1pPr algn="l">
-              <a:defRPr sz="1000">
+              <a:defRPr sz="1200">
                 <a:solidFill>
                   <a:schemeClr val="tx1">
-                    <a:lumMod val="75000"/>
-                    <a:lumOff val="25000"/>
+                    <a:tint val="75000"/>
                   </a:schemeClr>
                 </a:solidFill>
               </a:defRPr>
@@ -4123,7 +3315,7 @@
           <a:p>
             <a:fld id="{4AAD347D-5ACD-4C99-B74B-A9C85AD731AF}" type="datetimeFigureOut">
               <a:rPr lang="en-US" smtClean="0"/>
-              <a:t>6/6/20</a:t>
+              <a:t>6/18/20</a:t>
             </a:fld>
             <a:endParaRPr lang="en-US" dirty="0"/>
           </a:p>
@@ -4131,7 +3323,13 @@
       </p:sp>
       <p:sp>
         <p:nvSpPr>
-          <p:cNvPr id="5" name="Footer Placeholder 4"/>
+          <p:cNvPr id="5" name="Footer Placeholder 4">
+            <a:extLst>
+              <a:ext uri="{FF2B5EF4-FFF2-40B4-BE49-F238E27FC236}">
+                <a16:creationId xmlns:a16="http://schemas.microsoft.com/office/drawing/2014/main" id="{FDC149BB-2AE8-5E41-837A-EA314D7DCF4F}"/>
+              </a:ext>
+            </a:extLst>
+          </p:cNvPr>
           <p:cNvSpPr>
             <a:spLocks noGrp="1"/>
           </p:cNvSpPr>
@@ -4141,22 +3339,21 @@
         </p:nvSpPr>
         <p:spPr>
           <a:xfrm>
-            <a:off x="3489960" y="6307672"/>
-            <a:ext cx="5212080" cy="274320"/>
+            <a:off x="4038600" y="6356350"/>
+            <a:ext cx="4114800" cy="365125"/>
           </a:xfrm>
           <a:prstGeom prst="rect">
             <a:avLst/>
           </a:prstGeom>
         </p:spPr>
         <p:txBody>
-          <a:bodyPr vert="horz" lIns="91440" tIns="45720" rIns="91440" bIns="45720" rtlCol="0" anchor="b"/>
+          <a:bodyPr vert="horz" lIns="91440" tIns="45720" rIns="91440" bIns="45720" rtlCol="0" anchor="ctr"/>
           <a:lstStyle>
             <a:lvl1pPr algn="ctr">
-              <a:defRPr sz="1000">
+              <a:defRPr sz="1200">
                 <a:solidFill>
                   <a:schemeClr val="tx1">
-                    <a:lumMod val="75000"/>
-                    <a:lumOff val="25000"/>
+                    <a:tint val="75000"/>
                   </a:schemeClr>
                 </a:solidFill>
               </a:defRPr>
@@ -4169,7 +3366,13 @@
       </p:sp>
       <p:sp>
         <p:nvSpPr>
-          <p:cNvPr id="6" name="Slide Number Placeholder 5"/>
+          <p:cNvPr id="6" name="Slide Number Placeholder 5">
+            <a:extLst>
+              <a:ext uri="{FF2B5EF4-FFF2-40B4-BE49-F238E27FC236}">
+                <a16:creationId xmlns:a16="http://schemas.microsoft.com/office/drawing/2014/main" id="{20F90DE2-6900-A447-A375-946EDCC5C3F0}"/>
+              </a:ext>
+            </a:extLst>
+          </p:cNvPr>
           <p:cNvSpPr>
             <a:spLocks noGrp="1"/>
           </p:cNvSpPr>
@@ -4179,22 +3382,21 @@
         </p:nvSpPr>
         <p:spPr>
           <a:xfrm>
-            <a:off x="10469880" y="6307672"/>
-            <a:ext cx="1463040" cy="274320"/>
+            <a:off x="8610600" y="6356350"/>
+            <a:ext cx="2743200" cy="365125"/>
           </a:xfrm>
           <a:prstGeom prst="rect">
             <a:avLst/>
           </a:prstGeom>
         </p:spPr>
         <p:txBody>
-          <a:bodyPr vert="horz" lIns="91440" tIns="45720" rIns="91440" bIns="45720" rtlCol="0" anchor="b"/>
+          <a:bodyPr vert="horz" lIns="91440" tIns="45720" rIns="91440" bIns="45720" rtlCol="0" anchor="ctr"/>
           <a:lstStyle>
             <a:lvl1pPr algn="r">
-              <a:defRPr sz="1000">
+              <a:defRPr sz="1200">
                 <a:solidFill>
                   <a:schemeClr val="tx1">
-                    <a:lumMod val="75000"/>
-                    <a:lumOff val="25000"/>
+                    <a:tint val="75000"/>
                   </a:schemeClr>
                 </a:solidFill>
               </a:defRPr>
@@ -4212,23 +3414,23 @@
     </p:spTree>
     <p:extLst>
       <p:ext uri="{BB962C8B-B14F-4D97-AF65-F5344CB8AC3E}">
-        <p14:creationId xmlns:p14="http://schemas.microsoft.com/office/powerpoint/2010/main" val="2281518641"/>
+        <p14:creationId xmlns:p14="http://schemas.microsoft.com/office/powerpoint/2010/main" val="2405196431"/>
       </p:ext>
     </p:extLst>
   </p:cSld>
   <p:clrMap bg1="lt1" tx1="dk1" bg2="lt2" tx2="dk2" accent1="accent1" accent2="accent2" accent3="accent3" accent4="accent4" accent5="accent5" accent6="accent6" hlink="hlink" folHlink="folHlink"/>
   <p:sldLayoutIdLst>
-    <p:sldLayoutId id="2147483943" r:id="rId1"/>
-    <p:sldLayoutId id="2147483944" r:id="rId2"/>
-    <p:sldLayoutId id="2147483945" r:id="rId3"/>
-    <p:sldLayoutId id="2147483946" r:id="rId4"/>
-    <p:sldLayoutId id="2147483947" r:id="rId5"/>
-    <p:sldLayoutId id="2147483948" r:id="rId6"/>
-    <p:sldLayoutId id="2147483949" r:id="rId7"/>
-    <p:sldLayoutId id="2147483950" r:id="rId8"/>
-    <p:sldLayoutId id="2147483951" r:id="rId9"/>
-    <p:sldLayoutId id="2147483952" r:id="rId10"/>
-    <p:sldLayoutId id="2147483953" r:id="rId11"/>
+    <p:sldLayoutId id="2147483955" r:id="rId1"/>
+    <p:sldLayoutId id="2147483956" r:id="rId2"/>
+    <p:sldLayoutId id="2147483957" r:id="rId3"/>
+    <p:sldLayoutId id="2147483958" r:id="rId4"/>
+    <p:sldLayoutId id="2147483959" r:id="rId5"/>
+    <p:sldLayoutId id="2147483960" r:id="rId6"/>
+    <p:sldLayoutId id="2147483961" r:id="rId7"/>
+    <p:sldLayoutId id="2147483962" r:id="rId8"/>
+    <p:sldLayoutId id="2147483963" r:id="rId9"/>
+    <p:sldLayoutId id="2147483964" r:id="rId10"/>
+    <p:sldLayoutId id="2147483965" r:id="rId11"/>
   </p:sldLayoutIdLst>
   <p:hf sldNum="0" hdr="0" ftr="0" dt="0"/>
   <p:txStyles>
@@ -4241,39 +3443,128 @@
           <a:spcPct val="0"/>
         </a:spcBef>
         <a:buNone/>
-        <a:defRPr lang="en-US" sz="4800" kern="1200" cap="none" spc="0" baseline="0" dirty="0">
+        <a:defRPr sz="4400" kern="1200">
           <a:solidFill>
-            <a:schemeClr val="tx1">
-              <a:lumMod val="85000"/>
-              <a:lumOff val="15000"/>
+            <a:schemeClr val="tx2">
+              <a:lumMod val="75000"/>
             </a:schemeClr>
           </a:solidFill>
-          <a:effectLst/>
           <a:latin typeface="+mj-lt"/>
+          <a:ea typeface="+mj-ea"/>
+          <a:cs typeface="+mj-cs"/>
+        </a:defRPr>
+      </a:lvl1pPr>
+    </p:titleStyle>
+    <p:bodyStyle>
+      <a:lvl1pPr marL="228600" indent="-228600" algn="l" defTabSz="914400" rtl="0" eaLnBrk="1" latinLnBrk="0" hangingPunct="1">
+        <a:lnSpc>
+          <a:spcPct val="90000"/>
+        </a:lnSpc>
+        <a:spcBef>
+          <a:spcPts val="1000"/>
+        </a:spcBef>
+        <a:buFont typeface="Arial" panose="020B0604020202020204" pitchFamily="34" charset="0"/>
+        <a:buChar char="•"/>
+        <a:defRPr sz="2800" kern="1200">
+          <a:solidFill>
+            <a:schemeClr val="tx2">
+              <a:lumMod val="75000"/>
+            </a:schemeClr>
+          </a:solidFill>
+          <a:latin typeface="+mn-lt"/>
           <a:ea typeface="+mn-ea"/>
           <a:cs typeface="+mn-cs"/>
         </a:defRPr>
       </a:lvl1pPr>
-    </p:titleStyle>
-    <p:bodyStyle>
-      <a:lvl1pPr marL="182880" indent="-182880" algn="l" defTabSz="914400" rtl="0" eaLnBrk="1" latinLnBrk="0" hangingPunct="1">
+      <a:lvl2pPr marL="685800" indent="-228600" algn="l" defTabSz="914400" rtl="0" eaLnBrk="1" latinLnBrk="0" hangingPunct="1">
         <a:lnSpc>
-          <a:spcPct val="100000"/>
+          <a:spcPct val="90000"/>
         </a:lnSpc>
         <a:spcBef>
-          <a:spcPts val="900"/>
+          <a:spcPts val="500"/>
         </a:spcBef>
-        <a:spcAft>
-          <a:spcPts val="0"/>
-        </a:spcAft>
-        <a:buClr>
-          <a:schemeClr val="tx1">
-            <a:lumMod val="85000"/>
-            <a:lumOff val="15000"/>
-          </a:schemeClr>
-        </a:buClr>
-        <a:buFont typeface="Garamond" pitchFamily="18" charset="0"/>
-        <a:buChar char="◦"/>
+        <a:buFont typeface="Arial" panose="020B0604020202020204" pitchFamily="34" charset="0"/>
+        <a:buChar char="•"/>
+        <a:defRPr sz="2400" kern="1200">
+          <a:solidFill>
+            <a:schemeClr val="tx2">
+              <a:lumMod val="75000"/>
+            </a:schemeClr>
+          </a:solidFill>
+          <a:latin typeface="+mn-lt"/>
+          <a:ea typeface="+mn-ea"/>
+          <a:cs typeface="+mn-cs"/>
+        </a:defRPr>
+      </a:lvl2pPr>
+      <a:lvl3pPr marL="1143000" indent="-228600" algn="l" defTabSz="914400" rtl="0" eaLnBrk="1" latinLnBrk="0" hangingPunct="1">
+        <a:lnSpc>
+          <a:spcPct val="90000"/>
+        </a:lnSpc>
+        <a:spcBef>
+          <a:spcPts val="500"/>
+        </a:spcBef>
+        <a:buFont typeface="Arial" panose="020B0604020202020204" pitchFamily="34" charset="0"/>
+        <a:buChar char="•"/>
+        <a:defRPr sz="2000" kern="1200">
+          <a:solidFill>
+            <a:schemeClr val="tx2">
+              <a:lumMod val="75000"/>
+            </a:schemeClr>
+          </a:solidFill>
+          <a:latin typeface="+mn-lt"/>
+          <a:ea typeface="+mn-ea"/>
+          <a:cs typeface="+mn-cs"/>
+        </a:defRPr>
+      </a:lvl3pPr>
+      <a:lvl4pPr marL="1600200" indent="-228600" algn="l" defTabSz="914400" rtl="0" eaLnBrk="1" latinLnBrk="0" hangingPunct="1">
+        <a:lnSpc>
+          <a:spcPct val="90000"/>
+        </a:lnSpc>
+        <a:spcBef>
+          <a:spcPts val="500"/>
+        </a:spcBef>
+        <a:buFont typeface="Arial" panose="020B0604020202020204" pitchFamily="34" charset="0"/>
+        <a:buChar char="•"/>
+        <a:defRPr sz="1800" kern="1200">
+          <a:solidFill>
+            <a:schemeClr val="tx2">
+              <a:lumMod val="75000"/>
+            </a:schemeClr>
+          </a:solidFill>
+          <a:latin typeface="+mn-lt"/>
+          <a:ea typeface="+mn-ea"/>
+          <a:cs typeface="+mn-cs"/>
+        </a:defRPr>
+      </a:lvl4pPr>
+      <a:lvl5pPr marL="2057400" indent="-228600" algn="l" defTabSz="914400" rtl="0" eaLnBrk="1" latinLnBrk="0" hangingPunct="1">
+        <a:lnSpc>
+          <a:spcPct val="90000"/>
+        </a:lnSpc>
+        <a:spcBef>
+          <a:spcPts val="500"/>
+        </a:spcBef>
+        <a:buFont typeface="Arial" panose="020B0604020202020204" pitchFamily="34" charset="0"/>
+        <a:buChar char="•"/>
+        <a:defRPr sz="1800" kern="1200">
+          <a:solidFill>
+            <a:schemeClr val="tx2">
+              <a:lumMod val="75000"/>
+            </a:schemeClr>
+          </a:solidFill>
+          <a:latin typeface="+mn-lt"/>
+          <a:ea typeface="+mn-ea"/>
+          <a:cs typeface="+mn-cs"/>
+        </a:defRPr>
+      </a:lvl5pPr>
+      <a:lvl6pPr marL="2514600" indent="-228600" algn="l" defTabSz="914400" rtl="0" eaLnBrk="1" latinLnBrk="0" hangingPunct="1">
+        <a:lnSpc>
+          <a:spcPct val="90000"/>
+        </a:lnSpc>
+        <a:spcBef>
+          <a:spcPts val="500"/>
+        </a:spcBef>
+        <a:buFont typeface="Arial" panose="020B0604020202020204" pitchFamily="34" charset="0"/>
+        <a:buChar char="•"/>
         <a:defRPr sz="1800" kern="1200">
           <a:solidFill>
             <a:schemeClr val="tx1"/>
@@ -4282,143 +3573,17 @@
           <a:ea typeface="+mn-ea"/>
           <a:cs typeface="+mn-cs"/>
         </a:defRPr>
-      </a:lvl1pPr>
-      <a:lvl2pPr marL="457200" indent="-182880" algn="l" defTabSz="914400" rtl="0" eaLnBrk="1" latinLnBrk="0" hangingPunct="1">
+      </a:lvl6pPr>
+      <a:lvl7pPr marL="2971800" indent="-228600" algn="l" defTabSz="914400" rtl="0" eaLnBrk="1" latinLnBrk="0" hangingPunct="1">
         <a:lnSpc>
-          <a:spcPct val="100000"/>
+          <a:spcPct val="90000"/>
         </a:lnSpc>
         <a:spcBef>
           <a:spcPts val="500"/>
         </a:spcBef>
-        <a:buClr>
-          <a:schemeClr val="tx1">
-            <a:lumMod val="85000"/>
-            <a:lumOff val="15000"/>
-          </a:schemeClr>
-        </a:buClr>
-        <a:buFont typeface="Garamond" pitchFamily="18" charset="0"/>
-        <a:buChar char="◦"/>
-        <a:defRPr sz="1600" kern="1200">
-          <a:solidFill>
-            <a:schemeClr val="tx1"/>
-          </a:solidFill>
-          <a:latin typeface="+mn-lt"/>
-          <a:ea typeface="+mn-ea"/>
-          <a:cs typeface="+mn-cs"/>
-        </a:defRPr>
-      </a:lvl2pPr>
-      <a:lvl3pPr marL="731520" indent="-182880" algn="l" defTabSz="914400" rtl="0" eaLnBrk="1" latinLnBrk="0" hangingPunct="1">
-        <a:lnSpc>
-          <a:spcPct val="100000"/>
-        </a:lnSpc>
-        <a:spcBef>
-          <a:spcPts val="500"/>
-        </a:spcBef>
-        <a:buClr>
-          <a:schemeClr val="tx1">
-            <a:lumMod val="85000"/>
-            <a:lumOff val="15000"/>
-          </a:schemeClr>
-        </a:buClr>
-        <a:buFont typeface="Garamond" pitchFamily="18" charset="0"/>
-        <a:buChar char="◦"/>
-        <a:defRPr sz="1400" kern="1200">
-          <a:solidFill>
-            <a:schemeClr val="tx1"/>
-          </a:solidFill>
-          <a:latin typeface="+mn-lt"/>
-          <a:ea typeface="+mn-ea"/>
-          <a:cs typeface="+mn-cs"/>
-        </a:defRPr>
-      </a:lvl3pPr>
-      <a:lvl4pPr marL="1005840" indent="-182880" algn="l" defTabSz="914400" rtl="0" eaLnBrk="1" latinLnBrk="0" hangingPunct="1">
-        <a:lnSpc>
-          <a:spcPct val="100000"/>
-        </a:lnSpc>
-        <a:spcBef>
-          <a:spcPts val="500"/>
-        </a:spcBef>
-        <a:buClr>
-          <a:schemeClr val="tx1">
-            <a:lumMod val="85000"/>
-            <a:lumOff val="15000"/>
-          </a:schemeClr>
-        </a:buClr>
-        <a:buFont typeface="Garamond" pitchFamily="18" charset="0"/>
-        <a:buChar char="◦"/>
-        <a:defRPr sz="1400" kern="1200">
-          <a:solidFill>
-            <a:schemeClr val="tx1"/>
-          </a:solidFill>
-          <a:latin typeface="+mn-lt"/>
-          <a:ea typeface="+mn-ea"/>
-          <a:cs typeface="+mn-cs"/>
-        </a:defRPr>
-      </a:lvl4pPr>
-      <a:lvl5pPr marL="1280160" indent="-182880" algn="l" defTabSz="914400" rtl="0" eaLnBrk="1" latinLnBrk="0" hangingPunct="1">
-        <a:lnSpc>
-          <a:spcPct val="100000"/>
-        </a:lnSpc>
-        <a:spcBef>
-          <a:spcPts val="500"/>
-        </a:spcBef>
-        <a:buClr>
-          <a:schemeClr val="tx1">
-            <a:lumMod val="85000"/>
-            <a:lumOff val="15000"/>
-          </a:schemeClr>
-        </a:buClr>
-        <a:buFont typeface="Garamond" pitchFamily="18" charset="0"/>
-        <a:buChar char="◦"/>
-        <a:defRPr sz="1400" kern="1200">
-          <a:solidFill>
-            <a:schemeClr val="tx1"/>
-          </a:solidFill>
-          <a:latin typeface="+mn-lt"/>
-          <a:ea typeface="+mn-ea"/>
-          <a:cs typeface="+mn-cs"/>
-        </a:defRPr>
-      </a:lvl5pPr>
-      <a:lvl6pPr marL="1600000" indent="-228600" algn="l" defTabSz="914400" rtl="0" eaLnBrk="1" latinLnBrk="0" hangingPunct="1">
-        <a:lnSpc>
-          <a:spcPct val="100000"/>
-        </a:lnSpc>
-        <a:spcBef>
-          <a:spcPts val="500"/>
-        </a:spcBef>
-        <a:buClr>
-          <a:schemeClr val="tx1">
-            <a:lumMod val="85000"/>
-            <a:lumOff val="15000"/>
-          </a:schemeClr>
-        </a:buClr>
-        <a:buFont typeface="Garamond" pitchFamily="18" charset="0"/>
-        <a:buChar char="◦"/>
-        <a:defRPr sz="1400" kern="1200">
-          <a:solidFill>
-            <a:schemeClr val="tx1"/>
-          </a:solidFill>
-          <a:latin typeface="+mn-lt"/>
-          <a:ea typeface="+mn-ea"/>
-          <a:cs typeface="+mn-cs"/>
-        </a:defRPr>
-      </a:lvl6pPr>
-      <a:lvl7pPr marL="1900000" indent="-228600" algn="l" defTabSz="914400" rtl="0" eaLnBrk="1" latinLnBrk="0" hangingPunct="1">
-        <a:lnSpc>
-          <a:spcPct val="100000"/>
-        </a:lnSpc>
-        <a:spcBef>
-          <a:spcPts val="500"/>
-        </a:spcBef>
-        <a:buClr>
-          <a:schemeClr val="tx1">
-            <a:lumMod val="85000"/>
-            <a:lumOff val="15000"/>
-          </a:schemeClr>
-        </a:buClr>
-        <a:buFont typeface="Garamond" pitchFamily="18" charset="0"/>
-        <a:buChar char="◦"/>
-        <a:defRPr sz="1400" kern="1200">
+        <a:buFont typeface="Arial" panose="020B0604020202020204" pitchFamily="34" charset="0"/>
+        <a:buChar char="•"/>
+        <a:defRPr sz="1800" kern="1200">
           <a:solidFill>
             <a:schemeClr val="tx1"/>
           </a:solidFill>
@@ -4427,22 +3592,16 @@
           <a:cs typeface="+mn-cs"/>
         </a:defRPr>
       </a:lvl7pPr>
-      <a:lvl8pPr marL="2200000" indent="-228600" algn="l" defTabSz="914400" rtl="0" eaLnBrk="1" latinLnBrk="0" hangingPunct="1">
+      <a:lvl8pPr marL="3429000" indent="-228600" algn="l" defTabSz="914400" rtl="0" eaLnBrk="1" latinLnBrk="0" hangingPunct="1">
         <a:lnSpc>
-          <a:spcPct val="100000"/>
+          <a:spcPct val="90000"/>
         </a:lnSpc>
         <a:spcBef>
           <a:spcPts val="500"/>
         </a:spcBef>
-        <a:buClr>
-          <a:schemeClr val="tx1">
-            <a:lumMod val="85000"/>
-            <a:lumOff val="15000"/>
-          </a:schemeClr>
-        </a:buClr>
-        <a:buFont typeface="Garamond" pitchFamily="18" charset="0"/>
-        <a:buChar char="◦"/>
-        <a:defRPr sz="1400" kern="1200">
+        <a:buFont typeface="Arial" panose="020B0604020202020204" pitchFamily="34" charset="0"/>
+        <a:buChar char="•"/>
+        <a:defRPr sz="1800" kern="1200">
           <a:solidFill>
             <a:schemeClr val="tx1"/>
           </a:solidFill>
@@ -4451,22 +3610,16 @@
           <a:cs typeface="+mn-cs"/>
         </a:defRPr>
       </a:lvl8pPr>
-      <a:lvl9pPr marL="2500000" indent="-228600" algn="l" defTabSz="914400" rtl="0" eaLnBrk="1" latinLnBrk="0" hangingPunct="1">
+      <a:lvl9pPr marL="3886200" indent="-228600" algn="l" defTabSz="914400" rtl="0" eaLnBrk="1" latinLnBrk="0" hangingPunct="1">
         <a:lnSpc>
-          <a:spcPct val="100000"/>
+          <a:spcPct val="90000"/>
         </a:lnSpc>
         <a:spcBef>
           <a:spcPts val="500"/>
         </a:spcBef>
-        <a:buClr>
-          <a:schemeClr val="tx1">
-            <a:lumMod val="85000"/>
-            <a:lumOff val="15000"/>
-          </a:schemeClr>
-        </a:buClr>
-        <a:buFont typeface="Garamond" pitchFamily="18" charset="0"/>
-        <a:buChar char="◦"/>
-        <a:defRPr sz="1400" kern="1200">
+        <a:buFont typeface="Arial" panose="020B0604020202020204" pitchFamily="34" charset="0"/>
+        <a:buChar char="•"/>
+        <a:defRPr sz="1800" kern="1200">
           <a:solidFill>
             <a:schemeClr val="tx1"/>
           </a:solidFill>
@@ -4585,32 +3738,9 @@
   <p:cSld>
     <p:bg>
       <p:bgPr>
-        <a:gradFill rotWithShape="1">
-          <a:gsLst>
-            <a:gs pos="0">
-              <a:schemeClr val="bg2">
-                <a:tint val="90000"/>
-                <a:shade val="92000"/>
-                <a:satMod val="160000"/>
-              </a:schemeClr>
-            </a:gs>
-            <a:gs pos="77000">
-              <a:schemeClr val="bg2">
-                <a:tint val="100000"/>
-                <a:shade val="73000"/>
-                <a:satMod val="155000"/>
-              </a:schemeClr>
-            </a:gs>
-            <a:gs pos="100000">
-              <a:schemeClr val="bg2">
-                <a:tint val="100000"/>
-                <a:shade val="67000"/>
-                <a:satMod val="145000"/>
-              </a:schemeClr>
-            </a:gs>
-          </a:gsLst>
-          <a:lin ang="5400000" scaled="0"/>
-        </a:gradFill>
+        <a:solidFill>
+          <a:schemeClr val="tx1"/>
+        </a:solidFill>
         <a:effectLst/>
       </p:bgPr>
     </p:bg>
@@ -4630,130 +3760,6 @@
       </p:grpSpPr>
       <p:sp>
         <p:nvSpPr>
-          <p:cNvPr id="8" name="Rectangle 7">
-            <a:extLst>
-              <a:ext uri="{FF2B5EF4-FFF2-40B4-BE49-F238E27FC236}">
-                <a16:creationId xmlns:a16="http://schemas.microsoft.com/office/drawing/2014/main" id="{AA927C3B-99B6-4CC8-9B17-E037F8499584}"/>
-              </a:ext>
-              <a:ext uri="{C183D7F6-B498-43B3-948B-1728B52AA6E4}">
-                <adec:decorative xmlns:adec="http://schemas.microsoft.com/office/drawing/2017/decorative" val="1"/>
-              </a:ext>
-            </a:extLst>
-          </p:cNvPr>
-          <p:cNvSpPr>
-            <a:spLocks noGrp="1" noRot="1" noChangeAspect="1" noMove="1" noResize="1" noEditPoints="1" noAdjustHandles="1" noChangeArrowheads="1" noChangeShapeType="1" noTextEdit="1"/>
-          </p:cNvSpPr>
-          <p:nvPr>
-            <p:extLst>
-              <p:ext uri="{386F3935-93C4-4BCD-93E2-E3B085C9AB24}">
-                <p16:designElem xmlns:p16="http://schemas.microsoft.com/office/powerpoint/2015/main" val="1"/>
-              </p:ext>
-            </p:extLst>
-          </p:nvPr>
-        </p:nvSpPr>
-        <p:spPr>
-          <a:xfrm>
-            <a:off x="0" y="0"/>
-            <a:ext cx="12192000" cy="6858000"/>
-          </a:xfrm>
-          <a:prstGeom prst="rect">
-            <a:avLst/>
-          </a:prstGeom>
-          <a:solidFill>
-            <a:schemeClr val="tx2"/>
-          </a:solidFill>
-          <a:ln w="6350" cap="sq" cmpd="sng" algn="ctr">
-            <a:noFill/>
-            <a:prstDash val="solid"/>
-            <a:miter lim="800000"/>
-          </a:ln>
-          <a:effectLst/>
-        </p:spPr>
-      </p:sp>
-      <p:sp>
-        <p:nvSpPr>
-          <p:cNvPr id="10" name="Rectangle 9">
-            <a:extLst>
-              <a:ext uri="{FF2B5EF4-FFF2-40B4-BE49-F238E27FC236}">
-                <a16:creationId xmlns:a16="http://schemas.microsoft.com/office/drawing/2014/main" id="{1C1D606D-4DA3-4806-8F40-02982F4AD00D}"/>
-              </a:ext>
-              <a:ext uri="{C183D7F6-B498-43B3-948B-1728B52AA6E4}">
-                <adec:decorative xmlns:adec="http://schemas.microsoft.com/office/drawing/2017/decorative" val="1"/>
-              </a:ext>
-            </a:extLst>
-          </p:cNvPr>
-          <p:cNvSpPr>
-            <a:spLocks noGrp="1" noRot="1" noChangeAspect="1" noMove="1" noResize="1" noEditPoints="1" noAdjustHandles="1" noChangeArrowheads="1" noChangeShapeType="1" noTextEdit="1"/>
-          </p:cNvSpPr>
-          <p:nvPr>
-            <p:extLst>
-              <p:ext uri="{386F3935-93C4-4BCD-93E2-E3B085C9AB24}">
-                <p16:designElem xmlns:p16="http://schemas.microsoft.com/office/powerpoint/2015/main" val="1"/>
-              </p:ext>
-            </p:extLst>
-          </p:nvPr>
-        </p:nvSpPr>
-        <p:spPr>
-          <a:xfrm>
-            <a:off x="643242" y="643464"/>
-            <a:ext cx="10905291" cy="5571072"/>
-          </a:xfrm>
-          <a:prstGeom prst="rect">
-            <a:avLst/>
-          </a:prstGeom>
-          <a:solidFill>
-            <a:srgbClr val="FFFFFF"/>
-          </a:solidFill>
-          <a:ln w="9525" cap="flat" cmpd="sng" algn="ctr">
-            <a:noFill/>
-            <a:prstDash val="solid"/>
-          </a:ln>
-          <a:effectLst>
-            <a:softEdge rad="0"/>
-          </a:effectLst>
-        </p:spPr>
-      </p:sp>
-      <p:sp useBgFill="1">
-        <p:nvSpPr>
-          <p:cNvPr id="12" name="Rectangle 11">
-            <a:extLst>
-              <a:ext uri="{FF2B5EF4-FFF2-40B4-BE49-F238E27FC236}">
-                <a16:creationId xmlns:a16="http://schemas.microsoft.com/office/drawing/2014/main" id="{CD7A4F52-D451-483C-8243-5B0F83B91D28}"/>
-              </a:ext>
-              <a:ext uri="{C183D7F6-B498-43B3-948B-1728B52AA6E4}">
-                <adec:decorative xmlns:adec="http://schemas.microsoft.com/office/drawing/2017/decorative" val="1"/>
-              </a:ext>
-            </a:extLst>
-          </p:cNvPr>
-          <p:cNvSpPr>
-            <a:spLocks noGrp="1" noRot="1" noChangeAspect="1" noMove="1" noResize="1" noEditPoints="1" noAdjustHandles="1" noChangeArrowheads="1" noChangeShapeType="1" noTextEdit="1"/>
-          </p:cNvSpPr>
-          <p:nvPr>
-            <p:extLst>
-              <p:ext uri="{386F3935-93C4-4BCD-93E2-E3B085C9AB24}">
-                <p16:designElem xmlns:p16="http://schemas.microsoft.com/office/powerpoint/2015/main" val="1"/>
-              </p:ext>
-            </p:extLst>
-          </p:nvPr>
-        </p:nvSpPr>
-        <p:spPr>
-          <a:xfrm>
-            <a:off x="806680" y="809244"/>
-            <a:ext cx="10579608" cy="5239512"/>
-          </a:xfrm>
-          <a:prstGeom prst="rect">
-            <a:avLst/>
-          </a:prstGeom>
-          <a:ln w="6350" cap="sq" cmpd="sng" algn="ctr">
-            <a:noFill/>
-            <a:prstDash val="solid"/>
-            <a:miter lim="800000"/>
-          </a:ln>
-          <a:effectLst/>
-        </p:spPr>
-      </p:sp>
-      <p:sp>
-        <p:nvSpPr>
           <p:cNvPr id="2" name="Title 1">
             <a:extLst>
               <a:ext uri="{FF2B5EF4-FFF2-40B4-BE49-F238E27FC236}">
@@ -4765,29 +3771,45 @@
             <a:spLocks noGrp="1"/>
           </p:cNvSpPr>
           <p:nvPr>
-            <p:ph type="ctrTitle"/>
+            <p:ph type="title"/>
           </p:nvPr>
         </p:nvSpPr>
-        <p:spPr>
-          <a:xfrm>
-            <a:off x="1141883" y="1260389"/>
-            <a:ext cx="6704658" cy="4335616"/>
-          </a:xfrm>
-        </p:spPr>
+        <p:spPr/>
         <p:txBody>
           <a:bodyPr>
-            <a:normAutofit/>
+            <a:normAutofit fontScale="90000"/>
           </a:bodyPr>
           <a:lstStyle/>
           <a:p>
-            <a:pPr algn="r"/>
+            <a:pPr algn="ctr"/>
             <a:r>
               <a:rPr lang="en-US" sz="5400" cap="none" dirty="0">
                 <a:solidFill>
-                  <a:schemeClr val="tx1"/>
-                </a:solidFill>
-              </a:rPr>
-              <a:t>Introduction to programming  (Python)</a:t>
+                  <a:schemeClr val="bg2">
+                    <a:lumMod val="75000"/>
+                  </a:schemeClr>
+                </a:solidFill>
+              </a:rPr>
+              <a:t>Introduction to programming  </a:t>
+            </a:r>
+            <a:br>
+              <a:rPr lang="en-US" sz="5400" cap="none" dirty="0">
+                <a:solidFill>
+                  <a:schemeClr val="bg2">
+                    <a:lumMod val="75000"/>
+                  </a:schemeClr>
+                </a:solidFill>
+              </a:rPr>
+            </a:br>
+            <a:r>
+              <a:rPr lang="en-US" sz="5400" cap="none" dirty="0">
+                <a:solidFill>
+                  <a:schemeClr val="bg2">
+                    <a:lumMod val="75000"/>
+                  </a:schemeClr>
+                </a:solidFill>
+              </a:rPr>
+              <a:t>(Python)</a:t>
             </a:r>
           </a:p>
         </p:txBody>
@@ -4805,103 +3827,63 @@
             <a:spLocks noGrp="1"/>
           </p:cNvSpPr>
           <p:nvPr>
-            <p:ph type="subTitle" idx="1"/>
+            <p:ph idx="1"/>
           </p:nvPr>
         </p:nvSpPr>
-        <p:spPr>
-          <a:xfrm>
-            <a:off x="8413205" y="1260389"/>
-            <a:ext cx="2658449" cy="4334006"/>
-          </a:xfrm>
-        </p:spPr>
+        <p:spPr/>
         <p:txBody>
           <a:bodyPr anchor="ctr">
             <a:normAutofit/>
           </a:bodyPr>
           <a:lstStyle/>
           <a:p>
-            <a:pPr algn="l">
+            <a:pPr marL="0" indent="0" algn="ctr">
               <a:spcAft>
                 <a:spcPts val="600"/>
               </a:spcAft>
+              <a:buNone/>
             </a:pPr>
             <a:r>
-              <a:rPr lang="en-US" sz="2000" cap="none" dirty="0"/>
+              <a:rPr lang="en-US" sz="2000" cap="none" dirty="0">
+                <a:solidFill>
+                  <a:schemeClr val="bg2">
+                    <a:lumMod val="75000"/>
+                  </a:schemeClr>
+                </a:solidFill>
+              </a:rPr>
               <a:t>Session</a:t>
             </a:r>
             <a:r>
-              <a:rPr lang="en-US" sz="2000" dirty="0"/>
+              <a:rPr lang="en-US" sz="2000" dirty="0">
+                <a:solidFill>
+                  <a:schemeClr val="bg2">
+                    <a:lumMod val="75000"/>
+                  </a:schemeClr>
+                </a:solidFill>
+              </a:rPr>
               <a:t> #7</a:t>
             </a:r>
           </a:p>
           <a:p>
-            <a:pPr algn="l">
+            <a:pPr marL="0" indent="0" algn="ctr">
               <a:spcAft>
                 <a:spcPts val="600"/>
               </a:spcAft>
+              <a:buNone/>
             </a:pPr>
             <a:r>
-              <a:rPr lang="en-US" sz="2000" dirty="0"/>
+              <a:rPr lang="en-US" sz="2000" dirty="0">
+                <a:solidFill>
+                  <a:schemeClr val="bg2">
+                    <a:lumMod val="75000"/>
+                  </a:schemeClr>
+                </a:solidFill>
+              </a:rPr>
               <a:t>Set</a:t>
             </a:r>
           </a:p>
         </p:txBody>
       </p:sp>
-      <p:cxnSp>
-        <p:nvCxnSpPr>
-          <p:cNvPr id="14" name="Straight Connector 13">
-            <a:extLst>
-              <a:ext uri="{FF2B5EF4-FFF2-40B4-BE49-F238E27FC236}">
-                <a16:creationId xmlns:a16="http://schemas.microsoft.com/office/drawing/2014/main" id="{23413C9D-32A8-4475-92E1-327E029906D9}"/>
-              </a:ext>
-              <a:ext uri="{C183D7F6-B498-43B3-948B-1728B52AA6E4}">
-                <adec:decorative xmlns:adec="http://schemas.microsoft.com/office/drawing/2017/decorative" val="1"/>
-              </a:ext>
-            </a:extLst>
-          </p:cNvPr>
-          <p:cNvCxnSpPr>
-            <a:cxnSpLocks noGrp="1" noRot="1" noChangeAspect="1" noMove="1" noResize="1" noEditPoints="1" noAdjustHandles="1" noChangeArrowheads="1" noChangeShapeType="1"/>
-          </p:cNvCxnSpPr>
-          <p:nvPr>
-            <p:extLst>
-              <p:ext uri="{386F3935-93C4-4BCD-93E2-E3B085C9AB24}">
-                <p16:designElem xmlns:p16="http://schemas.microsoft.com/office/powerpoint/2015/main" val="1"/>
-              </p:ext>
-            </p:extLst>
-          </p:nvPr>
-        </p:nvCxnSpPr>
-        <p:spPr>
-          <a:xfrm>
-            <a:off x="8129872" y="2057401"/>
-            <a:ext cx="0" cy="2743200"/>
-          </a:xfrm>
-          <a:prstGeom prst="line">
-            <a:avLst/>
-          </a:prstGeom>
-          <a:ln w="15875">
-            <a:solidFill>
-              <a:schemeClr val="tx1">
-                <a:lumMod val="75000"/>
-                <a:lumOff val="25000"/>
-              </a:schemeClr>
-            </a:solidFill>
-          </a:ln>
-        </p:spPr>
-        <p:style>
-          <a:lnRef idx="1">
-            <a:schemeClr val="accent1"/>
-          </a:lnRef>
-          <a:fillRef idx="0">
-            <a:schemeClr val="accent1"/>
-          </a:fillRef>
-          <a:effectRef idx="0">
-            <a:schemeClr val="accent1"/>
-          </a:effectRef>
-          <a:fontRef idx="minor">
-            <a:schemeClr val="tx1"/>
-          </a:fontRef>
-        </p:style>
-      </p:cxnSp>
     </p:spTree>
     <p:extLst>
       <p:ext uri="{BB962C8B-B14F-4D97-AF65-F5344CB8AC3E}">
@@ -4934,208 +3916,6 @@
       </p:grpSpPr>
       <p:sp>
         <p:nvSpPr>
-          <p:cNvPr id="4" name="Rectangle 3">
-            <a:extLst>
-              <a:ext uri="{FF2B5EF4-FFF2-40B4-BE49-F238E27FC236}">
-                <a16:creationId xmlns:a16="http://schemas.microsoft.com/office/drawing/2014/main" id="{EE690EA6-50DB-D644-98F6-833A1658D2A5}"/>
-              </a:ext>
-              <a:ext uri="{C183D7F6-B498-43B3-948B-1728B52AA6E4}">
-                <adec:decorative xmlns:adec="http://schemas.microsoft.com/office/drawing/2017/decorative" val="1"/>
-              </a:ext>
-            </a:extLst>
-          </p:cNvPr>
-          <p:cNvSpPr>
-            <a:spLocks noGrp="1" noRot="1" noChangeAspect="1" noMove="1" noResize="1" noEditPoints="1" noAdjustHandles="1" noChangeArrowheads="1" noChangeShapeType="1" noTextEdit="1"/>
-          </p:cNvSpPr>
-          <p:nvPr>
-            <p:extLst>
-              <p:ext uri="{386F3935-93C4-4BCD-93E2-E3B085C9AB24}">
-                <p16:designElem xmlns:p16="http://schemas.microsoft.com/office/powerpoint/2015/main" val="1"/>
-              </p:ext>
-            </p:extLst>
-          </p:nvPr>
-        </p:nvSpPr>
-        <p:spPr>
-          <a:xfrm>
-            <a:off x="0" y="0"/>
-            <a:ext cx="12192001" cy="6858000"/>
-          </a:xfrm>
-          <a:prstGeom prst="rect">
-            <a:avLst/>
-          </a:prstGeom>
-          <a:solidFill>
-            <a:schemeClr val="accent1"/>
-          </a:solidFill>
-          <a:ln>
-            <a:noFill/>
-          </a:ln>
-        </p:spPr>
-        <p:style>
-          <a:lnRef idx="2">
-            <a:schemeClr val="accent1">
-              <a:shade val="50000"/>
-            </a:schemeClr>
-          </a:lnRef>
-          <a:fillRef idx="1">
-            <a:schemeClr val="accent1"/>
-          </a:fillRef>
-          <a:effectRef idx="0">
-            <a:schemeClr val="accent1"/>
-          </a:effectRef>
-          <a:fontRef idx="minor">
-            <a:schemeClr val="lt1"/>
-          </a:fontRef>
-        </p:style>
-        <p:txBody>
-          <a:bodyPr rot="0" spcFirstLastPara="0" vert="horz" wrap="square" lIns="91440" tIns="45720" rIns="91440" bIns="45720" numCol="1" spcCol="0" rtlCol="0" fromWordArt="0" anchor="ctr" anchorCtr="0" forceAA="0" compatLnSpc="1">
-            <a:prstTxWarp prst="textNoShape">
-              <a:avLst/>
-            </a:prstTxWarp>
-            <a:noAutofit/>
-          </a:bodyPr>
-          <a:lstStyle>
-            <a:defPPr>
-              <a:defRPr lang="en-US"/>
-            </a:defPPr>
-            <a:lvl1pPr marL="0" algn="l" defTabSz="914400" rtl="0" eaLnBrk="1" latinLnBrk="0" hangingPunct="1">
-              <a:defRPr sz="1800" kern="1200">
-                <a:solidFill>
-                  <a:schemeClr val="lt1"/>
-                </a:solidFill>
-                <a:latin typeface="+mn-lt"/>
-                <a:ea typeface="+mn-ea"/>
-                <a:cs typeface="+mn-cs"/>
-              </a:defRPr>
-            </a:lvl1pPr>
-            <a:lvl2pPr marL="457200" algn="l" defTabSz="914400" rtl="0" eaLnBrk="1" latinLnBrk="0" hangingPunct="1">
-              <a:defRPr sz="1800" kern="1200">
-                <a:solidFill>
-                  <a:schemeClr val="lt1"/>
-                </a:solidFill>
-                <a:latin typeface="+mn-lt"/>
-                <a:ea typeface="+mn-ea"/>
-                <a:cs typeface="+mn-cs"/>
-              </a:defRPr>
-            </a:lvl2pPr>
-            <a:lvl3pPr marL="914400" algn="l" defTabSz="914400" rtl="0" eaLnBrk="1" latinLnBrk="0" hangingPunct="1">
-              <a:defRPr sz="1800" kern="1200">
-                <a:solidFill>
-                  <a:schemeClr val="lt1"/>
-                </a:solidFill>
-                <a:latin typeface="+mn-lt"/>
-                <a:ea typeface="+mn-ea"/>
-                <a:cs typeface="+mn-cs"/>
-              </a:defRPr>
-            </a:lvl3pPr>
-            <a:lvl4pPr marL="1371600" algn="l" defTabSz="914400" rtl="0" eaLnBrk="1" latinLnBrk="0" hangingPunct="1">
-              <a:defRPr sz="1800" kern="1200">
-                <a:solidFill>
-                  <a:schemeClr val="lt1"/>
-                </a:solidFill>
-                <a:latin typeface="+mn-lt"/>
-                <a:ea typeface="+mn-ea"/>
-                <a:cs typeface="+mn-cs"/>
-              </a:defRPr>
-            </a:lvl4pPr>
-            <a:lvl5pPr marL="1828800" algn="l" defTabSz="914400" rtl="0" eaLnBrk="1" latinLnBrk="0" hangingPunct="1">
-              <a:defRPr sz="1800" kern="1200">
-                <a:solidFill>
-                  <a:schemeClr val="lt1"/>
-                </a:solidFill>
-                <a:latin typeface="+mn-lt"/>
-                <a:ea typeface="+mn-ea"/>
-                <a:cs typeface="+mn-cs"/>
-              </a:defRPr>
-            </a:lvl5pPr>
-            <a:lvl6pPr marL="2286000" algn="l" defTabSz="914400" rtl="0" eaLnBrk="1" latinLnBrk="0" hangingPunct="1">
-              <a:defRPr sz="1800" kern="1200">
-                <a:solidFill>
-                  <a:schemeClr val="lt1"/>
-                </a:solidFill>
-                <a:latin typeface="+mn-lt"/>
-                <a:ea typeface="+mn-ea"/>
-                <a:cs typeface="+mn-cs"/>
-              </a:defRPr>
-            </a:lvl6pPr>
-            <a:lvl7pPr marL="2743200" algn="l" defTabSz="914400" rtl="0" eaLnBrk="1" latinLnBrk="0" hangingPunct="1">
-              <a:defRPr sz="1800" kern="1200">
-                <a:solidFill>
-                  <a:schemeClr val="lt1"/>
-                </a:solidFill>
-                <a:latin typeface="+mn-lt"/>
-                <a:ea typeface="+mn-ea"/>
-                <a:cs typeface="+mn-cs"/>
-              </a:defRPr>
-            </a:lvl7pPr>
-            <a:lvl8pPr marL="3200400" algn="l" defTabSz="914400" rtl="0" eaLnBrk="1" latinLnBrk="0" hangingPunct="1">
-              <a:defRPr sz="1800" kern="1200">
-                <a:solidFill>
-                  <a:schemeClr val="lt1"/>
-                </a:solidFill>
-                <a:latin typeface="+mn-lt"/>
-                <a:ea typeface="+mn-ea"/>
-                <a:cs typeface="+mn-cs"/>
-              </a:defRPr>
-            </a:lvl8pPr>
-            <a:lvl9pPr marL="3657600" algn="l" defTabSz="914400" rtl="0" eaLnBrk="1" latinLnBrk="0" hangingPunct="1">
-              <a:defRPr sz="1800" kern="1200">
-                <a:solidFill>
-                  <a:schemeClr val="lt1"/>
-                </a:solidFill>
-                <a:latin typeface="+mn-lt"/>
-                <a:ea typeface="+mn-ea"/>
-                <a:cs typeface="+mn-cs"/>
-              </a:defRPr>
-            </a:lvl9pPr>
-          </a:lstStyle>
-          <a:p>
-            <a:pPr algn="ctr"/>
-            <a:endParaRPr lang="en-US"/>
-          </a:p>
-        </p:txBody>
-      </p:sp>
-      <p:sp useBgFill="1">
-        <p:nvSpPr>
-          <p:cNvPr id="5" name="Rectangle 4">
-            <a:extLst>
-              <a:ext uri="{FF2B5EF4-FFF2-40B4-BE49-F238E27FC236}">
-                <a16:creationId xmlns:a16="http://schemas.microsoft.com/office/drawing/2014/main" id="{01761BD8-EF55-E44D-9145-CEF1E8D20A42}"/>
-              </a:ext>
-              <a:ext uri="{C183D7F6-B498-43B3-948B-1728B52AA6E4}">
-                <adec:decorative xmlns:adec="http://schemas.microsoft.com/office/drawing/2017/decorative" val="1"/>
-              </a:ext>
-            </a:extLst>
-          </p:cNvPr>
-          <p:cNvSpPr>
-            <a:spLocks noGrp="1" noRot="1" noChangeAspect="1" noMove="1" noResize="1" noEditPoints="1" noAdjustHandles="1" noChangeArrowheads="1" noChangeShapeType="1" noTextEdit="1"/>
-          </p:cNvSpPr>
-          <p:nvPr>
-            <p:extLst>
-              <p:ext uri="{386F3935-93C4-4BCD-93E2-E3B085C9AB24}">
-                <p16:designElem xmlns:p16="http://schemas.microsoft.com/office/powerpoint/2015/main" val="1"/>
-              </p:ext>
-            </p:extLst>
-          </p:nvPr>
-        </p:nvSpPr>
-        <p:spPr>
-          <a:xfrm>
-            <a:off x="210312" y="226665"/>
-            <a:ext cx="11722608" cy="6382512"/>
-          </a:xfrm>
-          <a:prstGeom prst="rect">
-            <a:avLst/>
-          </a:prstGeom>
-          <a:ln w="6350" cap="flat" cmpd="sng" algn="ctr">
-            <a:noFill/>
-            <a:prstDash val="solid"/>
-          </a:ln>
-          <a:effectLst>
-            <a:softEdge rad="0"/>
-          </a:effectLst>
-        </p:spPr>
-      </p:sp>
-      <p:sp>
-        <p:nvSpPr>
           <p:cNvPr id="6" name="Title 1">
             <a:extLst>
               <a:ext uri="{FF2B5EF4-FFF2-40B4-BE49-F238E27FC236}">
@@ -6006,208 +4786,6 @@
           <a:chExt cx="0" cy="0"/>
         </a:xfrm>
       </p:grpSpPr>
-      <p:sp>
-        <p:nvSpPr>
-          <p:cNvPr id="4" name="Rectangle 3">
-            <a:extLst>
-              <a:ext uri="{FF2B5EF4-FFF2-40B4-BE49-F238E27FC236}">
-                <a16:creationId xmlns:a16="http://schemas.microsoft.com/office/drawing/2014/main" id="{FF70D847-3498-CF4A-8A5E-EA3B82F6114D}"/>
-              </a:ext>
-              <a:ext uri="{C183D7F6-B498-43B3-948B-1728B52AA6E4}">
-                <adec:decorative xmlns:adec="http://schemas.microsoft.com/office/drawing/2017/decorative" val="1"/>
-              </a:ext>
-            </a:extLst>
-          </p:cNvPr>
-          <p:cNvSpPr>
-            <a:spLocks noGrp="1" noRot="1" noChangeAspect="1" noMove="1" noResize="1" noEditPoints="1" noAdjustHandles="1" noChangeArrowheads="1" noChangeShapeType="1" noTextEdit="1"/>
-          </p:cNvSpPr>
-          <p:nvPr>
-            <p:extLst>
-              <p:ext uri="{386F3935-93C4-4BCD-93E2-E3B085C9AB24}">
-                <p16:designElem xmlns:p16="http://schemas.microsoft.com/office/powerpoint/2015/main" val="1"/>
-              </p:ext>
-            </p:extLst>
-          </p:nvPr>
-        </p:nvSpPr>
-        <p:spPr>
-          <a:xfrm>
-            <a:off x="0" y="0"/>
-            <a:ext cx="12192001" cy="6858000"/>
-          </a:xfrm>
-          <a:prstGeom prst="rect">
-            <a:avLst/>
-          </a:prstGeom>
-          <a:solidFill>
-            <a:schemeClr val="accent1"/>
-          </a:solidFill>
-          <a:ln>
-            <a:noFill/>
-          </a:ln>
-        </p:spPr>
-        <p:style>
-          <a:lnRef idx="2">
-            <a:schemeClr val="accent1">
-              <a:shade val="50000"/>
-            </a:schemeClr>
-          </a:lnRef>
-          <a:fillRef idx="1">
-            <a:schemeClr val="accent1"/>
-          </a:fillRef>
-          <a:effectRef idx="0">
-            <a:schemeClr val="accent1"/>
-          </a:effectRef>
-          <a:fontRef idx="minor">
-            <a:schemeClr val="lt1"/>
-          </a:fontRef>
-        </p:style>
-        <p:txBody>
-          <a:bodyPr rot="0" spcFirstLastPara="0" vert="horz" wrap="square" lIns="91440" tIns="45720" rIns="91440" bIns="45720" numCol="1" spcCol="0" rtlCol="0" fromWordArt="0" anchor="ctr" anchorCtr="0" forceAA="0" compatLnSpc="1">
-            <a:prstTxWarp prst="textNoShape">
-              <a:avLst/>
-            </a:prstTxWarp>
-            <a:noAutofit/>
-          </a:bodyPr>
-          <a:lstStyle>
-            <a:defPPr>
-              <a:defRPr lang="en-US"/>
-            </a:defPPr>
-            <a:lvl1pPr marL="0" algn="l" defTabSz="914400" rtl="0" eaLnBrk="1" latinLnBrk="0" hangingPunct="1">
-              <a:defRPr sz="1800" kern="1200">
-                <a:solidFill>
-                  <a:schemeClr val="lt1"/>
-                </a:solidFill>
-                <a:latin typeface="+mn-lt"/>
-                <a:ea typeface="+mn-ea"/>
-                <a:cs typeface="+mn-cs"/>
-              </a:defRPr>
-            </a:lvl1pPr>
-            <a:lvl2pPr marL="457200" algn="l" defTabSz="914400" rtl="0" eaLnBrk="1" latinLnBrk="0" hangingPunct="1">
-              <a:defRPr sz="1800" kern="1200">
-                <a:solidFill>
-                  <a:schemeClr val="lt1"/>
-                </a:solidFill>
-                <a:latin typeface="+mn-lt"/>
-                <a:ea typeface="+mn-ea"/>
-                <a:cs typeface="+mn-cs"/>
-              </a:defRPr>
-            </a:lvl2pPr>
-            <a:lvl3pPr marL="914400" algn="l" defTabSz="914400" rtl="0" eaLnBrk="1" latinLnBrk="0" hangingPunct="1">
-              <a:defRPr sz="1800" kern="1200">
-                <a:solidFill>
-                  <a:schemeClr val="lt1"/>
-                </a:solidFill>
-                <a:latin typeface="+mn-lt"/>
-                <a:ea typeface="+mn-ea"/>
-                <a:cs typeface="+mn-cs"/>
-              </a:defRPr>
-            </a:lvl3pPr>
-            <a:lvl4pPr marL="1371600" algn="l" defTabSz="914400" rtl="0" eaLnBrk="1" latinLnBrk="0" hangingPunct="1">
-              <a:defRPr sz="1800" kern="1200">
-                <a:solidFill>
-                  <a:schemeClr val="lt1"/>
-                </a:solidFill>
-                <a:latin typeface="+mn-lt"/>
-                <a:ea typeface="+mn-ea"/>
-                <a:cs typeface="+mn-cs"/>
-              </a:defRPr>
-            </a:lvl4pPr>
-            <a:lvl5pPr marL="1828800" algn="l" defTabSz="914400" rtl="0" eaLnBrk="1" latinLnBrk="0" hangingPunct="1">
-              <a:defRPr sz="1800" kern="1200">
-                <a:solidFill>
-                  <a:schemeClr val="lt1"/>
-                </a:solidFill>
-                <a:latin typeface="+mn-lt"/>
-                <a:ea typeface="+mn-ea"/>
-                <a:cs typeface="+mn-cs"/>
-              </a:defRPr>
-            </a:lvl5pPr>
-            <a:lvl6pPr marL="2286000" algn="l" defTabSz="914400" rtl="0" eaLnBrk="1" latinLnBrk="0" hangingPunct="1">
-              <a:defRPr sz="1800" kern="1200">
-                <a:solidFill>
-                  <a:schemeClr val="lt1"/>
-                </a:solidFill>
-                <a:latin typeface="+mn-lt"/>
-                <a:ea typeface="+mn-ea"/>
-                <a:cs typeface="+mn-cs"/>
-              </a:defRPr>
-            </a:lvl6pPr>
-            <a:lvl7pPr marL="2743200" algn="l" defTabSz="914400" rtl="0" eaLnBrk="1" latinLnBrk="0" hangingPunct="1">
-              <a:defRPr sz="1800" kern="1200">
-                <a:solidFill>
-                  <a:schemeClr val="lt1"/>
-                </a:solidFill>
-                <a:latin typeface="+mn-lt"/>
-                <a:ea typeface="+mn-ea"/>
-                <a:cs typeface="+mn-cs"/>
-              </a:defRPr>
-            </a:lvl7pPr>
-            <a:lvl8pPr marL="3200400" algn="l" defTabSz="914400" rtl="0" eaLnBrk="1" latinLnBrk="0" hangingPunct="1">
-              <a:defRPr sz="1800" kern="1200">
-                <a:solidFill>
-                  <a:schemeClr val="lt1"/>
-                </a:solidFill>
-                <a:latin typeface="+mn-lt"/>
-                <a:ea typeface="+mn-ea"/>
-                <a:cs typeface="+mn-cs"/>
-              </a:defRPr>
-            </a:lvl8pPr>
-            <a:lvl9pPr marL="3657600" algn="l" defTabSz="914400" rtl="0" eaLnBrk="1" latinLnBrk="0" hangingPunct="1">
-              <a:defRPr sz="1800" kern="1200">
-                <a:solidFill>
-                  <a:schemeClr val="lt1"/>
-                </a:solidFill>
-                <a:latin typeface="+mn-lt"/>
-                <a:ea typeface="+mn-ea"/>
-                <a:cs typeface="+mn-cs"/>
-              </a:defRPr>
-            </a:lvl9pPr>
-          </a:lstStyle>
-          <a:p>
-            <a:pPr algn="ctr"/>
-            <a:endParaRPr lang="en-US"/>
-          </a:p>
-        </p:txBody>
-      </p:sp>
-      <p:sp useBgFill="1">
-        <p:nvSpPr>
-          <p:cNvPr id="5" name="Rectangle 4">
-            <a:extLst>
-              <a:ext uri="{FF2B5EF4-FFF2-40B4-BE49-F238E27FC236}">
-                <a16:creationId xmlns:a16="http://schemas.microsoft.com/office/drawing/2014/main" id="{10C25654-541A-9644-A1C5-FF87C2B645D1}"/>
-              </a:ext>
-              <a:ext uri="{C183D7F6-B498-43B3-948B-1728B52AA6E4}">
-                <adec:decorative xmlns:adec="http://schemas.microsoft.com/office/drawing/2017/decorative" val="1"/>
-              </a:ext>
-            </a:extLst>
-          </p:cNvPr>
-          <p:cNvSpPr>
-            <a:spLocks noGrp="1" noRot="1" noChangeAspect="1" noMove="1" noResize="1" noEditPoints="1" noAdjustHandles="1" noChangeArrowheads="1" noChangeShapeType="1" noTextEdit="1"/>
-          </p:cNvSpPr>
-          <p:nvPr>
-            <p:extLst>
-              <p:ext uri="{386F3935-93C4-4BCD-93E2-E3B085C9AB24}">
-                <p16:designElem xmlns:p16="http://schemas.microsoft.com/office/powerpoint/2015/main" val="1"/>
-              </p:ext>
-            </p:extLst>
-          </p:nvPr>
-        </p:nvSpPr>
-        <p:spPr>
-          <a:xfrm>
-            <a:off x="210312" y="226665"/>
-            <a:ext cx="11722608" cy="6382512"/>
-          </a:xfrm>
-          <a:prstGeom prst="rect">
-            <a:avLst/>
-          </a:prstGeom>
-          <a:ln w="6350" cap="flat" cmpd="sng" algn="ctr">
-            <a:noFill/>
-            <a:prstDash val="solid"/>
-          </a:ln>
-          <a:effectLst>
-            <a:softEdge rad="0"/>
-          </a:effectLst>
-        </p:spPr>
-      </p:sp>
       <p:sp>
         <p:nvSpPr>
           <p:cNvPr id="6" name="Title 1">
@@ -7172,208 +5750,6 @@
       </p:grpSpPr>
       <p:sp>
         <p:nvSpPr>
-          <p:cNvPr id="8" name="Rectangle 7">
-            <a:extLst>
-              <a:ext uri="{FF2B5EF4-FFF2-40B4-BE49-F238E27FC236}">
-                <a16:creationId xmlns:a16="http://schemas.microsoft.com/office/drawing/2014/main" id="{70120F84-A866-4D9F-8B1C-9120A013D654}"/>
-              </a:ext>
-              <a:ext uri="{C183D7F6-B498-43B3-948B-1728B52AA6E4}">
-                <adec:decorative xmlns:adec="http://schemas.microsoft.com/office/drawing/2017/decorative" val="1"/>
-              </a:ext>
-            </a:extLst>
-          </p:cNvPr>
-          <p:cNvSpPr>
-            <a:spLocks noGrp="1" noRot="1" noChangeAspect="1" noMove="1" noResize="1" noEditPoints="1" noAdjustHandles="1" noChangeArrowheads="1" noChangeShapeType="1" noTextEdit="1"/>
-          </p:cNvSpPr>
-          <p:nvPr>
-            <p:extLst>
-              <p:ext uri="{386F3935-93C4-4BCD-93E2-E3B085C9AB24}">
-                <p16:designElem xmlns:p16="http://schemas.microsoft.com/office/powerpoint/2015/main" val="1"/>
-              </p:ext>
-            </p:extLst>
-          </p:nvPr>
-        </p:nvSpPr>
-        <p:spPr>
-          <a:xfrm>
-            <a:off x="0" y="0"/>
-            <a:ext cx="12192001" cy="6858000"/>
-          </a:xfrm>
-          <a:prstGeom prst="rect">
-            <a:avLst/>
-          </a:prstGeom>
-          <a:solidFill>
-            <a:schemeClr val="accent1"/>
-          </a:solidFill>
-          <a:ln>
-            <a:noFill/>
-          </a:ln>
-        </p:spPr>
-        <p:style>
-          <a:lnRef idx="2">
-            <a:schemeClr val="accent1">
-              <a:shade val="50000"/>
-            </a:schemeClr>
-          </a:lnRef>
-          <a:fillRef idx="1">
-            <a:schemeClr val="accent1"/>
-          </a:fillRef>
-          <a:effectRef idx="0">
-            <a:schemeClr val="accent1"/>
-          </a:effectRef>
-          <a:fontRef idx="minor">
-            <a:schemeClr val="lt1"/>
-          </a:fontRef>
-        </p:style>
-        <p:txBody>
-          <a:bodyPr rot="0" spcFirstLastPara="0" vert="horz" wrap="square" lIns="91440" tIns="45720" rIns="91440" bIns="45720" numCol="1" spcCol="0" rtlCol="0" fromWordArt="0" anchor="ctr" anchorCtr="0" forceAA="0" compatLnSpc="1">
-            <a:prstTxWarp prst="textNoShape">
-              <a:avLst/>
-            </a:prstTxWarp>
-            <a:noAutofit/>
-          </a:bodyPr>
-          <a:lstStyle>
-            <a:defPPr>
-              <a:defRPr lang="en-US"/>
-            </a:defPPr>
-            <a:lvl1pPr marL="0" algn="l" defTabSz="914400" rtl="0" eaLnBrk="1" latinLnBrk="0" hangingPunct="1">
-              <a:defRPr sz="1800" kern="1200">
-                <a:solidFill>
-                  <a:schemeClr val="lt1"/>
-                </a:solidFill>
-                <a:latin typeface="+mn-lt"/>
-                <a:ea typeface="+mn-ea"/>
-                <a:cs typeface="+mn-cs"/>
-              </a:defRPr>
-            </a:lvl1pPr>
-            <a:lvl2pPr marL="457200" algn="l" defTabSz="914400" rtl="0" eaLnBrk="1" latinLnBrk="0" hangingPunct="1">
-              <a:defRPr sz="1800" kern="1200">
-                <a:solidFill>
-                  <a:schemeClr val="lt1"/>
-                </a:solidFill>
-                <a:latin typeface="+mn-lt"/>
-                <a:ea typeface="+mn-ea"/>
-                <a:cs typeface="+mn-cs"/>
-              </a:defRPr>
-            </a:lvl2pPr>
-            <a:lvl3pPr marL="914400" algn="l" defTabSz="914400" rtl="0" eaLnBrk="1" latinLnBrk="0" hangingPunct="1">
-              <a:defRPr sz="1800" kern="1200">
-                <a:solidFill>
-                  <a:schemeClr val="lt1"/>
-                </a:solidFill>
-                <a:latin typeface="+mn-lt"/>
-                <a:ea typeface="+mn-ea"/>
-                <a:cs typeface="+mn-cs"/>
-              </a:defRPr>
-            </a:lvl3pPr>
-            <a:lvl4pPr marL="1371600" algn="l" defTabSz="914400" rtl="0" eaLnBrk="1" latinLnBrk="0" hangingPunct="1">
-              <a:defRPr sz="1800" kern="1200">
-                <a:solidFill>
-                  <a:schemeClr val="lt1"/>
-                </a:solidFill>
-                <a:latin typeface="+mn-lt"/>
-                <a:ea typeface="+mn-ea"/>
-                <a:cs typeface="+mn-cs"/>
-              </a:defRPr>
-            </a:lvl4pPr>
-            <a:lvl5pPr marL="1828800" algn="l" defTabSz="914400" rtl="0" eaLnBrk="1" latinLnBrk="0" hangingPunct="1">
-              <a:defRPr sz="1800" kern="1200">
-                <a:solidFill>
-                  <a:schemeClr val="lt1"/>
-                </a:solidFill>
-                <a:latin typeface="+mn-lt"/>
-                <a:ea typeface="+mn-ea"/>
-                <a:cs typeface="+mn-cs"/>
-              </a:defRPr>
-            </a:lvl5pPr>
-            <a:lvl6pPr marL="2286000" algn="l" defTabSz="914400" rtl="0" eaLnBrk="1" latinLnBrk="0" hangingPunct="1">
-              <a:defRPr sz="1800" kern="1200">
-                <a:solidFill>
-                  <a:schemeClr val="lt1"/>
-                </a:solidFill>
-                <a:latin typeface="+mn-lt"/>
-                <a:ea typeface="+mn-ea"/>
-                <a:cs typeface="+mn-cs"/>
-              </a:defRPr>
-            </a:lvl6pPr>
-            <a:lvl7pPr marL="2743200" algn="l" defTabSz="914400" rtl="0" eaLnBrk="1" latinLnBrk="0" hangingPunct="1">
-              <a:defRPr sz="1800" kern="1200">
-                <a:solidFill>
-                  <a:schemeClr val="lt1"/>
-                </a:solidFill>
-                <a:latin typeface="+mn-lt"/>
-                <a:ea typeface="+mn-ea"/>
-                <a:cs typeface="+mn-cs"/>
-              </a:defRPr>
-            </a:lvl7pPr>
-            <a:lvl8pPr marL="3200400" algn="l" defTabSz="914400" rtl="0" eaLnBrk="1" latinLnBrk="0" hangingPunct="1">
-              <a:defRPr sz="1800" kern="1200">
-                <a:solidFill>
-                  <a:schemeClr val="lt1"/>
-                </a:solidFill>
-                <a:latin typeface="+mn-lt"/>
-                <a:ea typeface="+mn-ea"/>
-                <a:cs typeface="+mn-cs"/>
-              </a:defRPr>
-            </a:lvl8pPr>
-            <a:lvl9pPr marL="3657600" algn="l" defTabSz="914400" rtl="0" eaLnBrk="1" latinLnBrk="0" hangingPunct="1">
-              <a:defRPr sz="1800" kern="1200">
-                <a:solidFill>
-                  <a:schemeClr val="lt1"/>
-                </a:solidFill>
-                <a:latin typeface="+mn-lt"/>
-                <a:ea typeface="+mn-ea"/>
-                <a:cs typeface="+mn-cs"/>
-              </a:defRPr>
-            </a:lvl9pPr>
-          </a:lstStyle>
-          <a:p>
-            <a:pPr algn="ctr"/>
-            <a:endParaRPr lang="en-US"/>
-          </a:p>
-        </p:txBody>
-      </p:sp>
-      <p:sp useBgFill="1">
-        <p:nvSpPr>
-          <p:cNvPr id="10" name="Rectangle 9">
-            <a:extLst>
-              <a:ext uri="{FF2B5EF4-FFF2-40B4-BE49-F238E27FC236}">
-                <a16:creationId xmlns:a16="http://schemas.microsoft.com/office/drawing/2014/main" id="{252FEFEF-6AC0-46B6-AC09-11FC56196FA4}"/>
-              </a:ext>
-              <a:ext uri="{C183D7F6-B498-43B3-948B-1728B52AA6E4}">
-                <adec:decorative xmlns:adec="http://schemas.microsoft.com/office/drawing/2017/decorative" val="1"/>
-              </a:ext>
-            </a:extLst>
-          </p:cNvPr>
-          <p:cNvSpPr>
-            <a:spLocks noGrp="1" noRot="1" noChangeAspect="1" noMove="1" noResize="1" noEditPoints="1" noAdjustHandles="1" noChangeArrowheads="1" noChangeShapeType="1" noTextEdit="1"/>
-          </p:cNvSpPr>
-          <p:nvPr>
-            <p:extLst>
-              <p:ext uri="{386F3935-93C4-4BCD-93E2-E3B085C9AB24}">
-                <p16:designElem xmlns:p16="http://schemas.microsoft.com/office/powerpoint/2015/main" val="1"/>
-              </p:ext>
-            </p:extLst>
-          </p:nvPr>
-        </p:nvSpPr>
-        <p:spPr>
-          <a:xfrm>
-            <a:off x="210312" y="226665"/>
-            <a:ext cx="11722608" cy="6382512"/>
-          </a:xfrm>
-          <a:prstGeom prst="rect">
-            <a:avLst/>
-          </a:prstGeom>
-          <a:ln w="6350" cap="flat" cmpd="sng" algn="ctr">
-            <a:noFill/>
-            <a:prstDash val="solid"/>
-          </a:ln>
-          <a:effectLst>
-            <a:softEdge rad="0"/>
-          </a:effectLst>
-        </p:spPr>
-      </p:sp>
-      <p:sp>
-        <p:nvSpPr>
           <p:cNvPr id="2" name="Title 1">
             <a:extLst>
               <a:ext uri="{FF2B5EF4-FFF2-40B4-BE49-F238E27FC236}">
@@ -7390,7 +5766,7 @@
         </p:nvSpPr>
         <p:spPr>
           <a:xfrm>
-            <a:off x="1175512" y="870132"/>
+            <a:off x="914401" y="0"/>
             <a:ext cx="9792208" cy="1527078"/>
           </a:xfrm>
         </p:spPr>
@@ -7431,13 +5807,13 @@
         </p:nvSpPr>
         <p:spPr>
           <a:xfrm>
-            <a:off x="1175512" y="2557849"/>
-            <a:ext cx="9792208" cy="3407862"/>
+            <a:off x="914401" y="1335640"/>
+            <a:ext cx="10053320" cy="5522360"/>
           </a:xfrm>
         </p:spPr>
         <p:txBody>
           <a:bodyPr>
-            <a:normAutofit fontScale="85000" lnSpcReduction="10000"/>
+            <a:normAutofit fontScale="55000" lnSpcReduction="20000"/>
           </a:bodyPr>
           <a:lstStyle/>
           <a:p>
@@ -7465,425 +5841,500 @@
             </a:r>
           </a:p>
           <a:p>
-            <a:r>
-              <a:rPr lang="en-US" b="1" dirty="0" err="1">
-                <a:solidFill>
-                  <a:schemeClr val="tx2">
-                    <a:lumMod val="75000"/>
-                  </a:schemeClr>
-                </a:solidFill>
-              </a:rPr>
-              <a:t>intersection_update</a:t>
-            </a:r>
-            <a:r>
-              <a:rPr lang="en-US" b="1" dirty="0">
-                <a:solidFill>
-                  <a:schemeClr val="tx2">
-                    <a:lumMod val="75000"/>
-                  </a:schemeClr>
-                </a:solidFill>
-              </a:rPr>
-              <a:t>(*others)</a:t>
-            </a:r>
-            <a:r>
-              <a:rPr lang="en-US" dirty="0">
-                <a:solidFill>
-                  <a:schemeClr val="tx2">
-                    <a:lumMod val="75000"/>
-                  </a:schemeClr>
-                </a:solidFill>
-              </a:rPr>
-              <a:t> set &amp;= other &amp; ... Update the set, keeping only elements found in it and all others.</a:t>
-            </a:r>
-          </a:p>
-          <a:p>
-            <a:r>
-              <a:rPr lang="en-US" b="1" dirty="0" err="1">
-                <a:solidFill>
-                  <a:schemeClr val="tx2">
-                    <a:lumMod val="75000"/>
-                  </a:schemeClr>
-                </a:solidFill>
-                <a:latin typeface="Consolas" panose="020B0609020204030204" pitchFamily="49" charset="0"/>
-                <a:cs typeface="Consolas" panose="020B0609020204030204" pitchFamily="49" charset="0"/>
-              </a:rPr>
-              <a:t>difference_update</a:t>
-            </a:r>
-            <a:r>
-              <a:rPr lang="en-US" b="1" dirty="0">
-                <a:solidFill>
-                  <a:schemeClr val="tx2">
-                    <a:lumMod val="75000"/>
-                  </a:schemeClr>
-                </a:solidFill>
-                <a:latin typeface="Consolas" panose="020B0609020204030204" pitchFamily="49" charset="0"/>
-                <a:cs typeface="Consolas" panose="020B0609020204030204" pitchFamily="49" charset="0"/>
-              </a:rPr>
-              <a:t>(*others) </a:t>
-            </a:r>
-            <a:r>
-              <a:rPr lang="en-US" dirty="0">
-                <a:solidFill>
-                  <a:schemeClr val="tx2">
-                    <a:lumMod val="75000"/>
-                  </a:schemeClr>
-                </a:solidFill>
-              </a:rPr>
-              <a:t>set -= other | ... Update the set, removing elements found in others.</a:t>
-            </a:r>
-          </a:p>
-          <a:p>
-            <a:r>
-              <a:rPr lang="en-US" b="1" dirty="0" err="1">
-                <a:solidFill>
-                  <a:schemeClr val="tx2">
-                    <a:lumMod val="75000"/>
-                  </a:schemeClr>
-                </a:solidFill>
-              </a:rPr>
-              <a:t>symmetric_difference_update</a:t>
-            </a:r>
-            <a:r>
-              <a:rPr lang="en-US" b="1" dirty="0">
-                <a:solidFill>
-                  <a:schemeClr val="tx2">
-                    <a:lumMod val="75000"/>
-                  </a:schemeClr>
-                </a:solidFill>
-              </a:rPr>
-              <a:t>(other)</a:t>
-            </a:r>
-            <a:r>
-              <a:rPr lang="en-US" dirty="0">
-                <a:solidFill>
-                  <a:schemeClr val="tx2">
-                    <a:lumMod val="75000"/>
-                  </a:schemeClr>
-                </a:solidFill>
-              </a:rPr>
-              <a:t> set ^= other Update the set, keeping only elements found in either set, but not in both.</a:t>
-            </a:r>
-          </a:p>
-          <a:p>
-            <a:r>
-              <a:rPr lang="en-US" b="1" dirty="0">
-                <a:solidFill>
-                  <a:schemeClr val="tx2">
-                    <a:lumMod val="75000"/>
-                  </a:schemeClr>
-                </a:solidFill>
-                <a:latin typeface="Consolas" panose="020B0609020204030204" pitchFamily="49" charset="0"/>
-                <a:cs typeface="Consolas" panose="020B0609020204030204" pitchFamily="49" charset="0"/>
-              </a:rPr>
-              <a:t>add(</a:t>
-            </a:r>
-            <a:r>
-              <a:rPr lang="en-US" b="1" dirty="0" err="1">
-                <a:solidFill>
-                  <a:schemeClr val="tx2">
-                    <a:lumMod val="75000"/>
-                  </a:schemeClr>
-                </a:solidFill>
-                <a:latin typeface="Consolas" panose="020B0609020204030204" pitchFamily="49" charset="0"/>
-                <a:cs typeface="Consolas" panose="020B0609020204030204" pitchFamily="49" charset="0"/>
-              </a:rPr>
-              <a:t>elem</a:t>
-            </a:r>
-            <a:r>
-              <a:rPr lang="en-US" b="1" dirty="0">
-                <a:solidFill>
-                  <a:schemeClr val="tx2">
-                    <a:lumMod val="75000"/>
-                  </a:schemeClr>
-                </a:solidFill>
-                <a:latin typeface="Consolas" panose="020B0609020204030204" pitchFamily="49" charset="0"/>
-                <a:cs typeface="Consolas" panose="020B0609020204030204" pitchFamily="49" charset="0"/>
-              </a:rPr>
-              <a:t>)</a:t>
-            </a:r>
-            <a:r>
-              <a:rPr lang="en-US" dirty="0">
-                <a:solidFill>
-                  <a:schemeClr val="tx2">
-                    <a:lumMod val="75000"/>
-                  </a:schemeClr>
-                </a:solidFill>
-              </a:rPr>
-              <a:t> Add element </a:t>
-            </a:r>
-            <a:r>
-              <a:rPr lang="en-US" dirty="0" err="1">
-                <a:solidFill>
-                  <a:schemeClr val="tx2">
-                    <a:lumMod val="75000"/>
-                  </a:schemeClr>
-                </a:solidFill>
-              </a:rPr>
-              <a:t>elem</a:t>
-            </a:r>
-            <a:r>
-              <a:rPr lang="en-US" dirty="0">
-                <a:solidFill>
-                  <a:schemeClr val="tx2">
-                    <a:lumMod val="75000"/>
-                  </a:schemeClr>
-                </a:solidFill>
-              </a:rPr>
-              <a:t> to the set.</a:t>
-            </a:r>
-          </a:p>
-          <a:p>
-            <a:r>
-              <a:rPr lang="en-US" b="1" dirty="0">
-                <a:solidFill>
-                  <a:schemeClr val="tx2">
-                    <a:lumMod val="75000"/>
-                  </a:schemeClr>
-                </a:solidFill>
-                <a:latin typeface="Consolas" panose="020B0609020204030204" pitchFamily="49" charset="0"/>
-                <a:cs typeface="Consolas" panose="020B0609020204030204" pitchFamily="49" charset="0"/>
-              </a:rPr>
-              <a:t>remove(</a:t>
-            </a:r>
-            <a:r>
-              <a:rPr lang="en-US" b="1" dirty="0" err="1">
-                <a:solidFill>
-                  <a:schemeClr val="tx2">
-                    <a:lumMod val="75000"/>
-                  </a:schemeClr>
-                </a:solidFill>
-                <a:latin typeface="Consolas" panose="020B0609020204030204" pitchFamily="49" charset="0"/>
-                <a:cs typeface="Consolas" panose="020B0609020204030204" pitchFamily="49" charset="0"/>
-              </a:rPr>
-              <a:t>elem</a:t>
-            </a:r>
-            <a:r>
-              <a:rPr lang="en-US" b="1" dirty="0">
-                <a:solidFill>
-                  <a:schemeClr val="tx2">
-                    <a:lumMod val="75000"/>
-                  </a:schemeClr>
-                </a:solidFill>
-                <a:latin typeface="Consolas" panose="020B0609020204030204" pitchFamily="49" charset="0"/>
-                <a:cs typeface="Consolas" panose="020B0609020204030204" pitchFamily="49" charset="0"/>
-              </a:rPr>
-              <a:t>) </a:t>
-            </a:r>
-            <a:r>
-              <a:rPr lang="en-US" dirty="0">
-                <a:solidFill>
-                  <a:schemeClr val="tx2">
-                    <a:lumMod val="75000"/>
-                  </a:schemeClr>
-                </a:solidFill>
-              </a:rPr>
-              <a:t>Remove element </a:t>
-            </a:r>
-            <a:r>
-              <a:rPr lang="en-US" dirty="0" err="1">
-                <a:solidFill>
-                  <a:schemeClr val="tx2">
-                    <a:lumMod val="75000"/>
-                  </a:schemeClr>
-                </a:solidFill>
-              </a:rPr>
-              <a:t>elem</a:t>
-            </a:r>
-            <a:r>
-              <a:rPr lang="en-US" dirty="0">
-                <a:solidFill>
-                  <a:schemeClr val="tx2">
-                    <a:lumMod val="75000"/>
-                  </a:schemeClr>
-                </a:solidFill>
-              </a:rPr>
-              <a:t> from the set. Raises </a:t>
-            </a:r>
-            <a:r>
-              <a:rPr lang="en-US" dirty="0" err="1">
-                <a:solidFill>
-                  <a:schemeClr val="tx2">
-                    <a:lumMod val="75000"/>
-                  </a:schemeClr>
-                </a:solidFill>
-              </a:rPr>
-              <a:t>KeyError</a:t>
-            </a:r>
-            <a:r>
-              <a:rPr lang="en-US" dirty="0">
-                <a:solidFill>
-                  <a:schemeClr val="tx2">
-                    <a:lumMod val="75000"/>
-                  </a:schemeClr>
-                </a:solidFill>
-              </a:rPr>
-              <a:t> if </a:t>
-            </a:r>
-            <a:r>
-              <a:rPr lang="en-US" dirty="0" err="1">
-                <a:solidFill>
-                  <a:schemeClr val="tx2">
-                    <a:lumMod val="75000"/>
-                  </a:schemeClr>
-                </a:solidFill>
-              </a:rPr>
-              <a:t>elem</a:t>
-            </a:r>
-            <a:r>
-              <a:rPr lang="en-US" dirty="0">
-                <a:solidFill>
-                  <a:schemeClr val="tx2">
-                    <a:lumMod val="75000"/>
-                  </a:schemeClr>
-                </a:solidFill>
-              </a:rPr>
-              <a:t> is not contained in the set.</a:t>
-            </a:r>
-          </a:p>
-          <a:p>
-            <a:r>
-              <a:rPr lang="en-US" b="1" dirty="0">
-                <a:solidFill>
-                  <a:schemeClr val="tx2">
-                    <a:lumMod val="75000"/>
-                  </a:schemeClr>
-                </a:solidFill>
-                <a:latin typeface="Consolas" panose="020B0609020204030204" pitchFamily="49" charset="0"/>
-                <a:cs typeface="Consolas" panose="020B0609020204030204" pitchFamily="49" charset="0"/>
-              </a:rPr>
-              <a:t>discard(</a:t>
-            </a:r>
-            <a:r>
-              <a:rPr lang="en-US" b="1" dirty="0" err="1">
-                <a:solidFill>
-                  <a:schemeClr val="tx2">
-                    <a:lumMod val="75000"/>
-                  </a:schemeClr>
-                </a:solidFill>
-                <a:latin typeface="Consolas" panose="020B0609020204030204" pitchFamily="49" charset="0"/>
-                <a:cs typeface="Consolas" panose="020B0609020204030204" pitchFamily="49" charset="0"/>
-              </a:rPr>
-              <a:t>elem</a:t>
-            </a:r>
-            <a:r>
-              <a:rPr lang="en-US" b="1" dirty="0">
-                <a:solidFill>
-                  <a:schemeClr val="tx2">
-                    <a:lumMod val="75000"/>
-                  </a:schemeClr>
-                </a:solidFill>
-                <a:latin typeface="Consolas" panose="020B0609020204030204" pitchFamily="49" charset="0"/>
-                <a:cs typeface="Consolas" panose="020B0609020204030204" pitchFamily="49" charset="0"/>
-              </a:rPr>
-              <a:t>)</a:t>
-            </a:r>
-            <a:r>
-              <a:rPr lang="en-US" dirty="0">
-                <a:solidFill>
-                  <a:schemeClr val="tx2">
-                    <a:lumMod val="75000"/>
-                  </a:schemeClr>
-                </a:solidFill>
-              </a:rPr>
-              <a:t> Remove element </a:t>
-            </a:r>
-            <a:r>
-              <a:rPr lang="en-US" dirty="0" err="1">
-                <a:solidFill>
-                  <a:schemeClr val="tx2">
-                    <a:lumMod val="75000"/>
-                  </a:schemeClr>
-                </a:solidFill>
-              </a:rPr>
-              <a:t>elem</a:t>
-            </a:r>
-            <a:r>
-              <a:rPr lang="en-US" dirty="0">
-                <a:solidFill>
-                  <a:schemeClr val="tx2">
-                    <a:lumMod val="75000"/>
-                  </a:schemeClr>
-                </a:solidFill>
-              </a:rPr>
-              <a:t> from the set if it is present.</a:t>
-            </a:r>
-          </a:p>
-          <a:p>
-            <a:r>
-              <a:rPr lang="en-US" b="1" dirty="0">
-                <a:solidFill>
-                  <a:schemeClr val="tx2">
-                    <a:lumMod val="75000"/>
-                  </a:schemeClr>
-                </a:solidFill>
-                <a:latin typeface="Consolas" panose="020B0609020204030204" pitchFamily="49" charset="0"/>
-                <a:cs typeface="Consolas" panose="020B0609020204030204" pitchFamily="49" charset="0"/>
-              </a:rPr>
-              <a:t>pop()</a:t>
-            </a:r>
-            <a:r>
-              <a:rPr lang="en-US" dirty="0">
-                <a:solidFill>
-                  <a:schemeClr val="tx2">
-                    <a:lumMod val="75000"/>
-                  </a:schemeClr>
-                </a:solidFill>
-              </a:rPr>
-              <a:t> Remove and return an arbitrary element from the set. Raises </a:t>
-            </a:r>
-            <a:r>
-              <a:rPr lang="en-US" dirty="0" err="1">
-                <a:solidFill>
-                  <a:schemeClr val="tx2">
-                    <a:lumMod val="75000"/>
-                  </a:schemeClr>
-                </a:solidFill>
-              </a:rPr>
-              <a:t>KeyError</a:t>
-            </a:r>
-            <a:r>
-              <a:rPr lang="en-US" dirty="0">
-                <a:solidFill>
-                  <a:schemeClr val="tx2">
-                    <a:lumMod val="75000"/>
-                  </a:schemeClr>
-                </a:solidFill>
-              </a:rPr>
-              <a:t> if the set is empty.</a:t>
-            </a:r>
-          </a:p>
-          <a:p>
-            <a:r>
-              <a:rPr lang="en-US" b="1" dirty="0">
-                <a:solidFill>
-                  <a:schemeClr val="tx2">
-                    <a:lumMod val="75000"/>
-                  </a:schemeClr>
-                </a:solidFill>
-                <a:latin typeface="Consolas" panose="020B0609020204030204" pitchFamily="49" charset="0"/>
-                <a:cs typeface="Consolas" panose="020B0609020204030204" pitchFamily="49" charset="0"/>
-              </a:rPr>
-              <a:t>clear() </a:t>
-            </a:r>
-            <a:r>
-              <a:rPr lang="en-US" dirty="0">
-                <a:solidFill>
-                  <a:schemeClr val="tx2">
-                    <a:lumMod val="75000"/>
-                  </a:schemeClr>
-                </a:solidFill>
-              </a:rPr>
-              <a:t>Remove all elements from the set.</a:t>
-            </a:r>
-          </a:p>
-          <a:p>
-            <a:endParaRPr lang="en-US" dirty="0">
+            <a:endParaRPr lang="en-US" b="1" dirty="0">
               <a:solidFill>
                 <a:schemeClr val="tx2">
                   <a:lumMod val="75000"/>
                 </a:schemeClr>
               </a:solidFill>
             </a:endParaRPr>
+          </a:p>
+          <a:p>
+            <a:r>
+              <a:rPr lang="en-US" b="1" dirty="0" err="1">
+                <a:solidFill>
+                  <a:schemeClr val="tx2">
+                    <a:lumMod val="75000"/>
+                  </a:schemeClr>
+                </a:solidFill>
+              </a:rPr>
+              <a:t>intersection_update</a:t>
+            </a:r>
+            <a:r>
+              <a:rPr lang="en-US" b="1" dirty="0">
+                <a:solidFill>
+                  <a:schemeClr val="tx2">
+                    <a:lumMod val="75000"/>
+                  </a:schemeClr>
+                </a:solidFill>
+              </a:rPr>
+              <a:t>(*others)</a:t>
+            </a:r>
+            <a:r>
+              <a:rPr lang="en-US" dirty="0">
+                <a:solidFill>
+                  <a:schemeClr val="tx2">
+                    <a:lumMod val="75000"/>
+                  </a:schemeClr>
+                </a:solidFill>
+              </a:rPr>
+              <a:t> set &amp;= other &amp; ... Update the set, keeping only elements found in it and all others.</a:t>
+            </a:r>
+          </a:p>
+          <a:p>
+            <a:endParaRPr lang="en-US" b="1" dirty="0">
+              <a:solidFill>
+                <a:schemeClr val="tx2">
+                  <a:lumMod val="75000"/>
+                </a:schemeClr>
+              </a:solidFill>
+              <a:latin typeface="Consolas" panose="020B0609020204030204" pitchFamily="49" charset="0"/>
+              <a:cs typeface="Consolas" panose="020B0609020204030204" pitchFamily="49" charset="0"/>
+            </a:endParaRPr>
+          </a:p>
+          <a:p>
+            <a:r>
+              <a:rPr lang="en-US" b="1" dirty="0" err="1">
+                <a:solidFill>
+                  <a:schemeClr val="tx2">
+                    <a:lumMod val="75000"/>
+                  </a:schemeClr>
+                </a:solidFill>
+                <a:latin typeface="Consolas" panose="020B0609020204030204" pitchFamily="49" charset="0"/>
+                <a:cs typeface="Consolas" panose="020B0609020204030204" pitchFamily="49" charset="0"/>
+              </a:rPr>
+              <a:t>difference_update</a:t>
+            </a:r>
+            <a:r>
+              <a:rPr lang="en-US" b="1" dirty="0">
+                <a:solidFill>
+                  <a:schemeClr val="tx2">
+                    <a:lumMod val="75000"/>
+                  </a:schemeClr>
+                </a:solidFill>
+                <a:latin typeface="Consolas" panose="020B0609020204030204" pitchFamily="49" charset="0"/>
+                <a:cs typeface="Consolas" panose="020B0609020204030204" pitchFamily="49" charset="0"/>
+              </a:rPr>
+              <a:t>(*others) </a:t>
+            </a:r>
+            <a:r>
+              <a:rPr lang="en-US" dirty="0">
+                <a:solidFill>
+                  <a:schemeClr val="tx2">
+                    <a:lumMod val="75000"/>
+                  </a:schemeClr>
+                </a:solidFill>
+              </a:rPr>
+              <a:t>set -= other | ... Update the set, removing elements found in others.</a:t>
+            </a:r>
+          </a:p>
+          <a:p>
+            <a:endParaRPr lang="en-US" b="1" dirty="0">
+              <a:solidFill>
+                <a:schemeClr val="tx2">
+                  <a:lumMod val="75000"/>
+                </a:schemeClr>
+              </a:solidFill>
+            </a:endParaRPr>
+          </a:p>
+          <a:p>
+            <a:r>
+              <a:rPr lang="en-US" b="1" dirty="0" err="1">
+                <a:solidFill>
+                  <a:schemeClr val="tx2">
+                    <a:lumMod val="75000"/>
+                  </a:schemeClr>
+                </a:solidFill>
+              </a:rPr>
+              <a:t>symmetric_difference_update</a:t>
+            </a:r>
+            <a:r>
+              <a:rPr lang="en-US" b="1" dirty="0">
+                <a:solidFill>
+                  <a:schemeClr val="tx2">
+                    <a:lumMod val="75000"/>
+                  </a:schemeClr>
+                </a:solidFill>
+              </a:rPr>
+              <a:t>(other)</a:t>
+            </a:r>
+            <a:r>
+              <a:rPr lang="en-US" dirty="0">
+                <a:solidFill>
+                  <a:schemeClr val="tx2">
+                    <a:lumMod val="75000"/>
+                  </a:schemeClr>
+                </a:solidFill>
+              </a:rPr>
+              <a:t> set ^= other Update the set, keeping only elements found in either set, but not in both.</a:t>
+            </a:r>
+          </a:p>
+          <a:p>
+            <a:endParaRPr lang="en-US" b="1" dirty="0">
+              <a:solidFill>
+                <a:schemeClr val="tx2">
+                  <a:lumMod val="75000"/>
+                </a:schemeClr>
+              </a:solidFill>
+              <a:latin typeface="Consolas" panose="020B0609020204030204" pitchFamily="49" charset="0"/>
+              <a:cs typeface="Consolas" panose="020B0609020204030204" pitchFamily="49" charset="0"/>
+            </a:endParaRPr>
+          </a:p>
+          <a:p>
+            <a:r>
+              <a:rPr lang="en-US" b="1" dirty="0">
+                <a:solidFill>
+                  <a:schemeClr val="tx2">
+                    <a:lumMod val="75000"/>
+                  </a:schemeClr>
+                </a:solidFill>
+                <a:latin typeface="Consolas" panose="020B0609020204030204" pitchFamily="49" charset="0"/>
+                <a:cs typeface="Consolas" panose="020B0609020204030204" pitchFamily="49" charset="0"/>
+              </a:rPr>
+              <a:t>add(</a:t>
+            </a:r>
+            <a:r>
+              <a:rPr lang="en-US" b="1" dirty="0" err="1">
+                <a:solidFill>
+                  <a:schemeClr val="tx2">
+                    <a:lumMod val="75000"/>
+                  </a:schemeClr>
+                </a:solidFill>
+                <a:latin typeface="Consolas" panose="020B0609020204030204" pitchFamily="49" charset="0"/>
+                <a:cs typeface="Consolas" panose="020B0609020204030204" pitchFamily="49" charset="0"/>
+              </a:rPr>
+              <a:t>elem</a:t>
+            </a:r>
+            <a:r>
+              <a:rPr lang="en-US" b="1" dirty="0">
+                <a:solidFill>
+                  <a:schemeClr val="tx2">
+                    <a:lumMod val="75000"/>
+                  </a:schemeClr>
+                </a:solidFill>
+                <a:latin typeface="Consolas" panose="020B0609020204030204" pitchFamily="49" charset="0"/>
+                <a:cs typeface="Consolas" panose="020B0609020204030204" pitchFamily="49" charset="0"/>
+              </a:rPr>
+              <a:t>)</a:t>
+            </a:r>
+            <a:r>
+              <a:rPr lang="en-US" dirty="0">
+                <a:solidFill>
+                  <a:schemeClr val="tx2">
+                    <a:lumMod val="75000"/>
+                  </a:schemeClr>
+                </a:solidFill>
+              </a:rPr>
+              <a:t> Add element </a:t>
+            </a:r>
+            <a:r>
+              <a:rPr lang="en-US" dirty="0" err="1">
+                <a:solidFill>
+                  <a:schemeClr val="tx2">
+                    <a:lumMod val="75000"/>
+                  </a:schemeClr>
+                </a:solidFill>
+              </a:rPr>
+              <a:t>elem</a:t>
+            </a:r>
+            <a:r>
+              <a:rPr lang="en-US" dirty="0">
+                <a:solidFill>
+                  <a:schemeClr val="tx2">
+                    <a:lumMod val="75000"/>
+                  </a:schemeClr>
+                </a:solidFill>
+              </a:rPr>
+              <a:t> to the set.</a:t>
+            </a:r>
+          </a:p>
+          <a:p>
+            <a:endParaRPr lang="en-US" b="1" dirty="0">
+              <a:solidFill>
+                <a:schemeClr val="tx2">
+                  <a:lumMod val="75000"/>
+                </a:schemeClr>
+              </a:solidFill>
+              <a:latin typeface="Consolas" panose="020B0609020204030204" pitchFamily="49" charset="0"/>
+              <a:cs typeface="Consolas" panose="020B0609020204030204" pitchFamily="49" charset="0"/>
+            </a:endParaRPr>
+          </a:p>
+          <a:p>
+            <a:r>
+              <a:rPr lang="en-US" b="1" dirty="0">
+                <a:solidFill>
+                  <a:schemeClr val="tx2">
+                    <a:lumMod val="75000"/>
+                  </a:schemeClr>
+                </a:solidFill>
+                <a:latin typeface="Consolas" panose="020B0609020204030204" pitchFamily="49" charset="0"/>
+                <a:cs typeface="Consolas" panose="020B0609020204030204" pitchFamily="49" charset="0"/>
+              </a:rPr>
+              <a:t>remove(</a:t>
+            </a:r>
+            <a:r>
+              <a:rPr lang="en-US" b="1" dirty="0" err="1">
+                <a:solidFill>
+                  <a:schemeClr val="tx2">
+                    <a:lumMod val="75000"/>
+                  </a:schemeClr>
+                </a:solidFill>
+                <a:latin typeface="Consolas" panose="020B0609020204030204" pitchFamily="49" charset="0"/>
+                <a:cs typeface="Consolas" panose="020B0609020204030204" pitchFamily="49" charset="0"/>
+              </a:rPr>
+              <a:t>elem</a:t>
+            </a:r>
+            <a:r>
+              <a:rPr lang="en-US" b="1" dirty="0">
+                <a:solidFill>
+                  <a:schemeClr val="tx2">
+                    <a:lumMod val="75000"/>
+                  </a:schemeClr>
+                </a:solidFill>
+                <a:latin typeface="Consolas" panose="020B0609020204030204" pitchFamily="49" charset="0"/>
+                <a:cs typeface="Consolas" panose="020B0609020204030204" pitchFamily="49" charset="0"/>
+              </a:rPr>
+              <a:t>) </a:t>
+            </a:r>
+            <a:r>
+              <a:rPr lang="en-US" dirty="0">
+                <a:solidFill>
+                  <a:schemeClr val="tx2">
+                    <a:lumMod val="75000"/>
+                  </a:schemeClr>
+                </a:solidFill>
+              </a:rPr>
+              <a:t>Remove element </a:t>
+            </a:r>
+            <a:r>
+              <a:rPr lang="en-US" dirty="0" err="1">
+                <a:solidFill>
+                  <a:schemeClr val="tx2">
+                    <a:lumMod val="75000"/>
+                  </a:schemeClr>
+                </a:solidFill>
+              </a:rPr>
+              <a:t>elem</a:t>
+            </a:r>
+            <a:r>
+              <a:rPr lang="en-US" dirty="0">
+                <a:solidFill>
+                  <a:schemeClr val="tx2">
+                    <a:lumMod val="75000"/>
+                  </a:schemeClr>
+                </a:solidFill>
+              </a:rPr>
+              <a:t> from the set. Raises </a:t>
+            </a:r>
+            <a:r>
+              <a:rPr lang="en-US" dirty="0" err="1">
+                <a:solidFill>
+                  <a:schemeClr val="tx2">
+                    <a:lumMod val="75000"/>
+                  </a:schemeClr>
+                </a:solidFill>
+              </a:rPr>
+              <a:t>KeyError</a:t>
+            </a:r>
+            <a:r>
+              <a:rPr lang="en-US" dirty="0">
+                <a:solidFill>
+                  <a:schemeClr val="tx2">
+                    <a:lumMod val="75000"/>
+                  </a:schemeClr>
+                </a:solidFill>
+              </a:rPr>
+              <a:t> if </a:t>
+            </a:r>
+            <a:r>
+              <a:rPr lang="en-US" dirty="0" err="1">
+                <a:solidFill>
+                  <a:schemeClr val="tx2">
+                    <a:lumMod val="75000"/>
+                  </a:schemeClr>
+                </a:solidFill>
+              </a:rPr>
+              <a:t>elem</a:t>
+            </a:r>
+            <a:r>
+              <a:rPr lang="en-US" dirty="0">
+                <a:solidFill>
+                  <a:schemeClr val="tx2">
+                    <a:lumMod val="75000"/>
+                  </a:schemeClr>
+                </a:solidFill>
+              </a:rPr>
+              <a:t> is not contained in the set.</a:t>
+            </a:r>
+          </a:p>
+          <a:p>
+            <a:endParaRPr lang="en-US" b="1" dirty="0">
+              <a:solidFill>
+                <a:schemeClr val="tx2">
+                  <a:lumMod val="75000"/>
+                </a:schemeClr>
+              </a:solidFill>
+              <a:latin typeface="Consolas" panose="020B0609020204030204" pitchFamily="49" charset="0"/>
+              <a:cs typeface="Consolas" panose="020B0609020204030204" pitchFamily="49" charset="0"/>
+            </a:endParaRPr>
+          </a:p>
+          <a:p>
+            <a:r>
+              <a:rPr lang="en-US" b="1" dirty="0">
+                <a:solidFill>
+                  <a:schemeClr val="tx2">
+                    <a:lumMod val="75000"/>
+                  </a:schemeClr>
+                </a:solidFill>
+                <a:latin typeface="Consolas" panose="020B0609020204030204" pitchFamily="49" charset="0"/>
+                <a:cs typeface="Consolas" panose="020B0609020204030204" pitchFamily="49" charset="0"/>
+              </a:rPr>
+              <a:t>discard(</a:t>
+            </a:r>
+            <a:r>
+              <a:rPr lang="en-US" b="1" dirty="0" err="1">
+                <a:solidFill>
+                  <a:schemeClr val="tx2">
+                    <a:lumMod val="75000"/>
+                  </a:schemeClr>
+                </a:solidFill>
+                <a:latin typeface="Consolas" panose="020B0609020204030204" pitchFamily="49" charset="0"/>
+                <a:cs typeface="Consolas" panose="020B0609020204030204" pitchFamily="49" charset="0"/>
+              </a:rPr>
+              <a:t>elem</a:t>
+            </a:r>
+            <a:r>
+              <a:rPr lang="en-US" b="1" dirty="0">
+                <a:solidFill>
+                  <a:schemeClr val="tx2">
+                    <a:lumMod val="75000"/>
+                  </a:schemeClr>
+                </a:solidFill>
+                <a:latin typeface="Consolas" panose="020B0609020204030204" pitchFamily="49" charset="0"/>
+                <a:cs typeface="Consolas" panose="020B0609020204030204" pitchFamily="49" charset="0"/>
+              </a:rPr>
+              <a:t>)</a:t>
+            </a:r>
+            <a:r>
+              <a:rPr lang="en-US" dirty="0">
+                <a:solidFill>
+                  <a:schemeClr val="tx2">
+                    <a:lumMod val="75000"/>
+                  </a:schemeClr>
+                </a:solidFill>
+              </a:rPr>
+              <a:t> Remove element </a:t>
+            </a:r>
+            <a:r>
+              <a:rPr lang="en-US" dirty="0" err="1">
+                <a:solidFill>
+                  <a:schemeClr val="tx2">
+                    <a:lumMod val="75000"/>
+                  </a:schemeClr>
+                </a:solidFill>
+              </a:rPr>
+              <a:t>elem</a:t>
+            </a:r>
+            <a:r>
+              <a:rPr lang="en-US" dirty="0">
+                <a:solidFill>
+                  <a:schemeClr val="tx2">
+                    <a:lumMod val="75000"/>
+                  </a:schemeClr>
+                </a:solidFill>
+              </a:rPr>
+              <a:t> from the set if it is present.</a:t>
+            </a:r>
+          </a:p>
+          <a:p>
+            <a:endParaRPr lang="en-US" b="1" dirty="0">
+              <a:solidFill>
+                <a:schemeClr val="tx2">
+                  <a:lumMod val="75000"/>
+                </a:schemeClr>
+              </a:solidFill>
+              <a:latin typeface="Consolas" panose="020B0609020204030204" pitchFamily="49" charset="0"/>
+              <a:cs typeface="Consolas" panose="020B0609020204030204" pitchFamily="49" charset="0"/>
+            </a:endParaRPr>
+          </a:p>
+          <a:p>
+            <a:r>
+              <a:rPr lang="en-US" b="1" dirty="0">
+                <a:solidFill>
+                  <a:schemeClr val="tx2">
+                    <a:lumMod val="75000"/>
+                  </a:schemeClr>
+                </a:solidFill>
+                <a:latin typeface="Consolas" panose="020B0609020204030204" pitchFamily="49" charset="0"/>
+                <a:cs typeface="Consolas" panose="020B0609020204030204" pitchFamily="49" charset="0"/>
+              </a:rPr>
+              <a:t>pop()</a:t>
+            </a:r>
+            <a:r>
+              <a:rPr lang="en-US" dirty="0">
+                <a:solidFill>
+                  <a:schemeClr val="tx2">
+                    <a:lumMod val="75000"/>
+                  </a:schemeClr>
+                </a:solidFill>
+              </a:rPr>
+              <a:t> Remove and return an arbitrary element from the set. Raises </a:t>
+            </a:r>
+            <a:r>
+              <a:rPr lang="en-US" dirty="0" err="1">
+                <a:solidFill>
+                  <a:schemeClr val="tx2">
+                    <a:lumMod val="75000"/>
+                  </a:schemeClr>
+                </a:solidFill>
+              </a:rPr>
+              <a:t>KeyError</a:t>
+            </a:r>
+            <a:r>
+              <a:rPr lang="en-US" dirty="0">
+                <a:solidFill>
+                  <a:schemeClr val="tx2">
+                    <a:lumMod val="75000"/>
+                  </a:schemeClr>
+                </a:solidFill>
+              </a:rPr>
+              <a:t> if the set is empty.</a:t>
+            </a:r>
+          </a:p>
+          <a:p>
+            <a:endParaRPr lang="en-US" b="1" dirty="0">
+              <a:solidFill>
+                <a:schemeClr val="tx2">
+                  <a:lumMod val="75000"/>
+                </a:schemeClr>
+              </a:solidFill>
+              <a:latin typeface="Consolas" panose="020B0609020204030204" pitchFamily="49" charset="0"/>
+              <a:cs typeface="Consolas" panose="020B0609020204030204" pitchFamily="49" charset="0"/>
+            </a:endParaRPr>
+          </a:p>
+          <a:p>
+            <a:r>
+              <a:rPr lang="en-US" b="1" dirty="0">
+                <a:solidFill>
+                  <a:schemeClr val="tx2">
+                    <a:lumMod val="75000"/>
+                  </a:schemeClr>
+                </a:solidFill>
+                <a:latin typeface="Consolas" panose="020B0609020204030204" pitchFamily="49" charset="0"/>
+                <a:cs typeface="Consolas" panose="020B0609020204030204" pitchFamily="49" charset="0"/>
+              </a:rPr>
+              <a:t>clear() </a:t>
+            </a:r>
+            <a:r>
+              <a:rPr lang="en-US" dirty="0">
+                <a:solidFill>
+                  <a:schemeClr val="tx2">
+                    <a:lumMod val="75000"/>
+                  </a:schemeClr>
+                </a:solidFill>
+              </a:rPr>
+              <a:t>Remove all elements from the set.</a:t>
+            </a:r>
           </a:p>
         </p:txBody>
       </p:sp>
@@ -7927,208 +6378,6 @@
       </p:grpSpPr>
       <p:sp>
         <p:nvSpPr>
-          <p:cNvPr id="8" name="Rectangle 7">
-            <a:extLst>
-              <a:ext uri="{FF2B5EF4-FFF2-40B4-BE49-F238E27FC236}">
-                <a16:creationId xmlns:a16="http://schemas.microsoft.com/office/drawing/2014/main" id="{70120F84-A866-4D9F-8B1C-9120A013D654}"/>
-              </a:ext>
-              <a:ext uri="{C183D7F6-B498-43B3-948B-1728B52AA6E4}">
-                <adec:decorative xmlns:adec="http://schemas.microsoft.com/office/drawing/2017/decorative" val="1"/>
-              </a:ext>
-            </a:extLst>
-          </p:cNvPr>
-          <p:cNvSpPr>
-            <a:spLocks noGrp="1" noRot="1" noChangeAspect="1" noMove="1" noResize="1" noEditPoints="1" noAdjustHandles="1" noChangeArrowheads="1" noChangeShapeType="1" noTextEdit="1"/>
-          </p:cNvSpPr>
-          <p:nvPr>
-            <p:extLst>
-              <p:ext uri="{386F3935-93C4-4BCD-93E2-E3B085C9AB24}">
-                <p16:designElem xmlns:p16="http://schemas.microsoft.com/office/powerpoint/2015/main" val="1"/>
-              </p:ext>
-            </p:extLst>
-          </p:nvPr>
-        </p:nvSpPr>
-        <p:spPr>
-          <a:xfrm>
-            <a:off x="0" y="0"/>
-            <a:ext cx="12192001" cy="6858000"/>
-          </a:xfrm>
-          <a:prstGeom prst="rect">
-            <a:avLst/>
-          </a:prstGeom>
-          <a:solidFill>
-            <a:schemeClr val="accent1"/>
-          </a:solidFill>
-          <a:ln>
-            <a:noFill/>
-          </a:ln>
-        </p:spPr>
-        <p:style>
-          <a:lnRef idx="2">
-            <a:schemeClr val="accent1">
-              <a:shade val="50000"/>
-            </a:schemeClr>
-          </a:lnRef>
-          <a:fillRef idx="1">
-            <a:schemeClr val="accent1"/>
-          </a:fillRef>
-          <a:effectRef idx="0">
-            <a:schemeClr val="accent1"/>
-          </a:effectRef>
-          <a:fontRef idx="minor">
-            <a:schemeClr val="lt1"/>
-          </a:fontRef>
-        </p:style>
-        <p:txBody>
-          <a:bodyPr rot="0" spcFirstLastPara="0" vert="horz" wrap="square" lIns="91440" tIns="45720" rIns="91440" bIns="45720" numCol="1" spcCol="0" rtlCol="0" fromWordArt="0" anchor="ctr" anchorCtr="0" forceAA="0" compatLnSpc="1">
-            <a:prstTxWarp prst="textNoShape">
-              <a:avLst/>
-            </a:prstTxWarp>
-            <a:noAutofit/>
-          </a:bodyPr>
-          <a:lstStyle>
-            <a:defPPr>
-              <a:defRPr lang="en-US"/>
-            </a:defPPr>
-            <a:lvl1pPr marL="0" algn="l" defTabSz="914400" rtl="0" eaLnBrk="1" latinLnBrk="0" hangingPunct="1">
-              <a:defRPr sz="1800" kern="1200">
-                <a:solidFill>
-                  <a:schemeClr val="lt1"/>
-                </a:solidFill>
-                <a:latin typeface="+mn-lt"/>
-                <a:ea typeface="+mn-ea"/>
-                <a:cs typeface="+mn-cs"/>
-              </a:defRPr>
-            </a:lvl1pPr>
-            <a:lvl2pPr marL="457200" algn="l" defTabSz="914400" rtl="0" eaLnBrk="1" latinLnBrk="0" hangingPunct="1">
-              <a:defRPr sz="1800" kern="1200">
-                <a:solidFill>
-                  <a:schemeClr val="lt1"/>
-                </a:solidFill>
-                <a:latin typeface="+mn-lt"/>
-                <a:ea typeface="+mn-ea"/>
-                <a:cs typeface="+mn-cs"/>
-              </a:defRPr>
-            </a:lvl2pPr>
-            <a:lvl3pPr marL="914400" algn="l" defTabSz="914400" rtl="0" eaLnBrk="1" latinLnBrk="0" hangingPunct="1">
-              <a:defRPr sz="1800" kern="1200">
-                <a:solidFill>
-                  <a:schemeClr val="lt1"/>
-                </a:solidFill>
-                <a:latin typeface="+mn-lt"/>
-                <a:ea typeface="+mn-ea"/>
-                <a:cs typeface="+mn-cs"/>
-              </a:defRPr>
-            </a:lvl3pPr>
-            <a:lvl4pPr marL="1371600" algn="l" defTabSz="914400" rtl="0" eaLnBrk="1" latinLnBrk="0" hangingPunct="1">
-              <a:defRPr sz="1800" kern="1200">
-                <a:solidFill>
-                  <a:schemeClr val="lt1"/>
-                </a:solidFill>
-                <a:latin typeface="+mn-lt"/>
-                <a:ea typeface="+mn-ea"/>
-                <a:cs typeface="+mn-cs"/>
-              </a:defRPr>
-            </a:lvl4pPr>
-            <a:lvl5pPr marL="1828800" algn="l" defTabSz="914400" rtl="0" eaLnBrk="1" latinLnBrk="0" hangingPunct="1">
-              <a:defRPr sz="1800" kern="1200">
-                <a:solidFill>
-                  <a:schemeClr val="lt1"/>
-                </a:solidFill>
-                <a:latin typeface="+mn-lt"/>
-                <a:ea typeface="+mn-ea"/>
-                <a:cs typeface="+mn-cs"/>
-              </a:defRPr>
-            </a:lvl5pPr>
-            <a:lvl6pPr marL="2286000" algn="l" defTabSz="914400" rtl="0" eaLnBrk="1" latinLnBrk="0" hangingPunct="1">
-              <a:defRPr sz="1800" kern="1200">
-                <a:solidFill>
-                  <a:schemeClr val="lt1"/>
-                </a:solidFill>
-                <a:latin typeface="+mn-lt"/>
-                <a:ea typeface="+mn-ea"/>
-                <a:cs typeface="+mn-cs"/>
-              </a:defRPr>
-            </a:lvl6pPr>
-            <a:lvl7pPr marL="2743200" algn="l" defTabSz="914400" rtl="0" eaLnBrk="1" latinLnBrk="0" hangingPunct="1">
-              <a:defRPr sz="1800" kern="1200">
-                <a:solidFill>
-                  <a:schemeClr val="lt1"/>
-                </a:solidFill>
-                <a:latin typeface="+mn-lt"/>
-                <a:ea typeface="+mn-ea"/>
-                <a:cs typeface="+mn-cs"/>
-              </a:defRPr>
-            </a:lvl7pPr>
-            <a:lvl8pPr marL="3200400" algn="l" defTabSz="914400" rtl="0" eaLnBrk="1" latinLnBrk="0" hangingPunct="1">
-              <a:defRPr sz="1800" kern="1200">
-                <a:solidFill>
-                  <a:schemeClr val="lt1"/>
-                </a:solidFill>
-                <a:latin typeface="+mn-lt"/>
-                <a:ea typeface="+mn-ea"/>
-                <a:cs typeface="+mn-cs"/>
-              </a:defRPr>
-            </a:lvl8pPr>
-            <a:lvl9pPr marL="3657600" algn="l" defTabSz="914400" rtl="0" eaLnBrk="1" latinLnBrk="0" hangingPunct="1">
-              <a:defRPr sz="1800" kern="1200">
-                <a:solidFill>
-                  <a:schemeClr val="lt1"/>
-                </a:solidFill>
-                <a:latin typeface="+mn-lt"/>
-                <a:ea typeface="+mn-ea"/>
-                <a:cs typeface="+mn-cs"/>
-              </a:defRPr>
-            </a:lvl9pPr>
-          </a:lstStyle>
-          <a:p>
-            <a:pPr algn="ctr"/>
-            <a:endParaRPr lang="en-US"/>
-          </a:p>
-        </p:txBody>
-      </p:sp>
-      <p:sp useBgFill="1">
-        <p:nvSpPr>
-          <p:cNvPr id="10" name="Rectangle 9">
-            <a:extLst>
-              <a:ext uri="{FF2B5EF4-FFF2-40B4-BE49-F238E27FC236}">
-                <a16:creationId xmlns:a16="http://schemas.microsoft.com/office/drawing/2014/main" id="{252FEFEF-6AC0-46B6-AC09-11FC56196FA4}"/>
-              </a:ext>
-              <a:ext uri="{C183D7F6-B498-43B3-948B-1728B52AA6E4}">
-                <adec:decorative xmlns:adec="http://schemas.microsoft.com/office/drawing/2017/decorative" val="1"/>
-              </a:ext>
-            </a:extLst>
-          </p:cNvPr>
-          <p:cNvSpPr>
-            <a:spLocks noGrp="1" noRot="1" noChangeAspect="1" noMove="1" noResize="1" noEditPoints="1" noAdjustHandles="1" noChangeArrowheads="1" noChangeShapeType="1" noTextEdit="1"/>
-          </p:cNvSpPr>
-          <p:nvPr>
-            <p:extLst>
-              <p:ext uri="{386F3935-93C4-4BCD-93E2-E3B085C9AB24}">
-                <p16:designElem xmlns:p16="http://schemas.microsoft.com/office/powerpoint/2015/main" val="1"/>
-              </p:ext>
-            </p:extLst>
-          </p:nvPr>
-        </p:nvSpPr>
-        <p:spPr>
-          <a:xfrm>
-            <a:off x="210312" y="226665"/>
-            <a:ext cx="11722608" cy="6382512"/>
-          </a:xfrm>
-          <a:prstGeom prst="rect">
-            <a:avLst/>
-          </a:prstGeom>
-          <a:ln w="6350" cap="flat" cmpd="sng" algn="ctr">
-            <a:noFill/>
-            <a:prstDash val="solid"/>
-          </a:ln>
-          <a:effectLst>
-            <a:softEdge rad="0"/>
-          </a:effectLst>
-        </p:spPr>
-      </p:sp>
-      <p:sp>
-        <p:nvSpPr>
           <p:cNvPr id="2" name="Title 1">
             <a:extLst>
               <a:ext uri="{FF2B5EF4-FFF2-40B4-BE49-F238E27FC236}">
@@ -8192,7 +6441,7 @@
         </p:spPr>
         <p:txBody>
           <a:bodyPr>
-            <a:normAutofit/>
+            <a:normAutofit fontScale="92500" lnSpcReduction="20000"/>
           </a:bodyPr>
           <a:lstStyle/>
           <a:p>
@@ -8445,208 +6694,6 @@
       </p:grpSpPr>
       <p:sp>
         <p:nvSpPr>
-          <p:cNvPr id="8" name="Rectangle 7">
-            <a:extLst>
-              <a:ext uri="{FF2B5EF4-FFF2-40B4-BE49-F238E27FC236}">
-                <a16:creationId xmlns:a16="http://schemas.microsoft.com/office/drawing/2014/main" id="{70120F84-A866-4D9F-8B1C-9120A013D654}"/>
-              </a:ext>
-              <a:ext uri="{C183D7F6-B498-43B3-948B-1728B52AA6E4}">
-                <adec:decorative xmlns:adec="http://schemas.microsoft.com/office/drawing/2017/decorative" val="1"/>
-              </a:ext>
-            </a:extLst>
-          </p:cNvPr>
-          <p:cNvSpPr>
-            <a:spLocks noGrp="1" noRot="1" noChangeAspect="1" noMove="1" noResize="1" noEditPoints="1" noAdjustHandles="1" noChangeArrowheads="1" noChangeShapeType="1" noTextEdit="1"/>
-          </p:cNvSpPr>
-          <p:nvPr>
-            <p:extLst>
-              <p:ext uri="{386F3935-93C4-4BCD-93E2-E3B085C9AB24}">
-                <p16:designElem xmlns:p16="http://schemas.microsoft.com/office/powerpoint/2015/main" val="1"/>
-              </p:ext>
-            </p:extLst>
-          </p:nvPr>
-        </p:nvSpPr>
-        <p:spPr>
-          <a:xfrm>
-            <a:off x="0" y="0"/>
-            <a:ext cx="12192001" cy="6858000"/>
-          </a:xfrm>
-          <a:prstGeom prst="rect">
-            <a:avLst/>
-          </a:prstGeom>
-          <a:solidFill>
-            <a:schemeClr val="accent1"/>
-          </a:solidFill>
-          <a:ln>
-            <a:noFill/>
-          </a:ln>
-        </p:spPr>
-        <p:style>
-          <a:lnRef idx="2">
-            <a:schemeClr val="accent1">
-              <a:shade val="50000"/>
-            </a:schemeClr>
-          </a:lnRef>
-          <a:fillRef idx="1">
-            <a:schemeClr val="accent1"/>
-          </a:fillRef>
-          <a:effectRef idx="0">
-            <a:schemeClr val="accent1"/>
-          </a:effectRef>
-          <a:fontRef idx="minor">
-            <a:schemeClr val="lt1"/>
-          </a:fontRef>
-        </p:style>
-        <p:txBody>
-          <a:bodyPr rot="0" spcFirstLastPara="0" vert="horz" wrap="square" lIns="91440" tIns="45720" rIns="91440" bIns="45720" numCol="1" spcCol="0" rtlCol="0" fromWordArt="0" anchor="ctr" anchorCtr="0" forceAA="0" compatLnSpc="1">
-            <a:prstTxWarp prst="textNoShape">
-              <a:avLst/>
-            </a:prstTxWarp>
-            <a:noAutofit/>
-          </a:bodyPr>
-          <a:lstStyle>
-            <a:defPPr>
-              <a:defRPr lang="en-US"/>
-            </a:defPPr>
-            <a:lvl1pPr marL="0" algn="l" defTabSz="914400" rtl="0" eaLnBrk="1" latinLnBrk="0" hangingPunct="1">
-              <a:defRPr sz="1800" kern="1200">
-                <a:solidFill>
-                  <a:schemeClr val="lt1"/>
-                </a:solidFill>
-                <a:latin typeface="+mn-lt"/>
-                <a:ea typeface="+mn-ea"/>
-                <a:cs typeface="+mn-cs"/>
-              </a:defRPr>
-            </a:lvl1pPr>
-            <a:lvl2pPr marL="457200" algn="l" defTabSz="914400" rtl="0" eaLnBrk="1" latinLnBrk="0" hangingPunct="1">
-              <a:defRPr sz="1800" kern="1200">
-                <a:solidFill>
-                  <a:schemeClr val="lt1"/>
-                </a:solidFill>
-                <a:latin typeface="+mn-lt"/>
-                <a:ea typeface="+mn-ea"/>
-                <a:cs typeface="+mn-cs"/>
-              </a:defRPr>
-            </a:lvl2pPr>
-            <a:lvl3pPr marL="914400" algn="l" defTabSz="914400" rtl="0" eaLnBrk="1" latinLnBrk="0" hangingPunct="1">
-              <a:defRPr sz="1800" kern="1200">
-                <a:solidFill>
-                  <a:schemeClr val="lt1"/>
-                </a:solidFill>
-                <a:latin typeface="+mn-lt"/>
-                <a:ea typeface="+mn-ea"/>
-                <a:cs typeface="+mn-cs"/>
-              </a:defRPr>
-            </a:lvl3pPr>
-            <a:lvl4pPr marL="1371600" algn="l" defTabSz="914400" rtl="0" eaLnBrk="1" latinLnBrk="0" hangingPunct="1">
-              <a:defRPr sz="1800" kern="1200">
-                <a:solidFill>
-                  <a:schemeClr val="lt1"/>
-                </a:solidFill>
-                <a:latin typeface="+mn-lt"/>
-                <a:ea typeface="+mn-ea"/>
-                <a:cs typeface="+mn-cs"/>
-              </a:defRPr>
-            </a:lvl4pPr>
-            <a:lvl5pPr marL="1828800" algn="l" defTabSz="914400" rtl="0" eaLnBrk="1" latinLnBrk="0" hangingPunct="1">
-              <a:defRPr sz="1800" kern="1200">
-                <a:solidFill>
-                  <a:schemeClr val="lt1"/>
-                </a:solidFill>
-                <a:latin typeface="+mn-lt"/>
-                <a:ea typeface="+mn-ea"/>
-                <a:cs typeface="+mn-cs"/>
-              </a:defRPr>
-            </a:lvl5pPr>
-            <a:lvl6pPr marL="2286000" algn="l" defTabSz="914400" rtl="0" eaLnBrk="1" latinLnBrk="0" hangingPunct="1">
-              <a:defRPr sz="1800" kern="1200">
-                <a:solidFill>
-                  <a:schemeClr val="lt1"/>
-                </a:solidFill>
-                <a:latin typeface="+mn-lt"/>
-                <a:ea typeface="+mn-ea"/>
-                <a:cs typeface="+mn-cs"/>
-              </a:defRPr>
-            </a:lvl6pPr>
-            <a:lvl7pPr marL="2743200" algn="l" defTabSz="914400" rtl="0" eaLnBrk="1" latinLnBrk="0" hangingPunct="1">
-              <a:defRPr sz="1800" kern="1200">
-                <a:solidFill>
-                  <a:schemeClr val="lt1"/>
-                </a:solidFill>
-                <a:latin typeface="+mn-lt"/>
-                <a:ea typeface="+mn-ea"/>
-                <a:cs typeface="+mn-cs"/>
-              </a:defRPr>
-            </a:lvl7pPr>
-            <a:lvl8pPr marL="3200400" algn="l" defTabSz="914400" rtl="0" eaLnBrk="1" latinLnBrk="0" hangingPunct="1">
-              <a:defRPr sz="1800" kern="1200">
-                <a:solidFill>
-                  <a:schemeClr val="lt1"/>
-                </a:solidFill>
-                <a:latin typeface="+mn-lt"/>
-                <a:ea typeface="+mn-ea"/>
-                <a:cs typeface="+mn-cs"/>
-              </a:defRPr>
-            </a:lvl8pPr>
-            <a:lvl9pPr marL="3657600" algn="l" defTabSz="914400" rtl="0" eaLnBrk="1" latinLnBrk="0" hangingPunct="1">
-              <a:defRPr sz="1800" kern="1200">
-                <a:solidFill>
-                  <a:schemeClr val="lt1"/>
-                </a:solidFill>
-                <a:latin typeface="+mn-lt"/>
-                <a:ea typeface="+mn-ea"/>
-                <a:cs typeface="+mn-cs"/>
-              </a:defRPr>
-            </a:lvl9pPr>
-          </a:lstStyle>
-          <a:p>
-            <a:pPr algn="ctr"/>
-            <a:endParaRPr lang="en-US"/>
-          </a:p>
-        </p:txBody>
-      </p:sp>
-      <p:sp useBgFill="1">
-        <p:nvSpPr>
-          <p:cNvPr id="10" name="Rectangle 9">
-            <a:extLst>
-              <a:ext uri="{FF2B5EF4-FFF2-40B4-BE49-F238E27FC236}">
-                <a16:creationId xmlns:a16="http://schemas.microsoft.com/office/drawing/2014/main" id="{252FEFEF-6AC0-46B6-AC09-11FC56196FA4}"/>
-              </a:ext>
-              <a:ext uri="{C183D7F6-B498-43B3-948B-1728B52AA6E4}">
-                <adec:decorative xmlns:adec="http://schemas.microsoft.com/office/drawing/2017/decorative" val="1"/>
-              </a:ext>
-            </a:extLst>
-          </p:cNvPr>
-          <p:cNvSpPr>
-            <a:spLocks noGrp="1" noRot="1" noChangeAspect="1" noMove="1" noResize="1" noEditPoints="1" noAdjustHandles="1" noChangeArrowheads="1" noChangeShapeType="1" noTextEdit="1"/>
-          </p:cNvSpPr>
-          <p:nvPr>
-            <p:extLst>
-              <p:ext uri="{386F3935-93C4-4BCD-93E2-E3B085C9AB24}">
-                <p16:designElem xmlns:p16="http://schemas.microsoft.com/office/powerpoint/2015/main" val="1"/>
-              </p:ext>
-            </p:extLst>
-          </p:nvPr>
-        </p:nvSpPr>
-        <p:spPr>
-          <a:xfrm>
-            <a:off x="210312" y="226665"/>
-            <a:ext cx="11722608" cy="6382512"/>
-          </a:xfrm>
-          <a:prstGeom prst="rect">
-            <a:avLst/>
-          </a:prstGeom>
-          <a:ln w="6350" cap="flat" cmpd="sng" algn="ctr">
-            <a:noFill/>
-            <a:prstDash val="solid"/>
-          </a:ln>
-          <a:effectLst>
-            <a:softEdge rad="0"/>
-          </a:effectLst>
-        </p:spPr>
-      </p:sp>
-      <p:sp>
-        <p:nvSpPr>
           <p:cNvPr id="2" name="Title 1">
             <a:extLst>
               <a:ext uri="{FF2B5EF4-FFF2-40B4-BE49-F238E27FC236}">
@@ -8710,7 +6757,7 @@
         </p:spPr>
         <p:txBody>
           <a:bodyPr>
-            <a:normAutofit fontScale="92500"/>
+            <a:normAutofit fontScale="70000" lnSpcReduction="20000"/>
           </a:bodyPr>
           <a:lstStyle/>
           <a:p>
@@ -8857,208 +6904,6 @@
       </p:grpSpPr>
       <p:sp>
         <p:nvSpPr>
-          <p:cNvPr id="8" name="Rectangle 7">
-            <a:extLst>
-              <a:ext uri="{FF2B5EF4-FFF2-40B4-BE49-F238E27FC236}">
-                <a16:creationId xmlns:a16="http://schemas.microsoft.com/office/drawing/2014/main" id="{70120F84-A866-4D9F-8B1C-9120A013D654}"/>
-              </a:ext>
-              <a:ext uri="{C183D7F6-B498-43B3-948B-1728B52AA6E4}">
-                <adec:decorative xmlns:adec="http://schemas.microsoft.com/office/drawing/2017/decorative" val="1"/>
-              </a:ext>
-            </a:extLst>
-          </p:cNvPr>
-          <p:cNvSpPr>
-            <a:spLocks noGrp="1" noRot="1" noChangeAspect="1" noMove="1" noResize="1" noEditPoints="1" noAdjustHandles="1" noChangeArrowheads="1" noChangeShapeType="1" noTextEdit="1"/>
-          </p:cNvSpPr>
-          <p:nvPr>
-            <p:extLst>
-              <p:ext uri="{386F3935-93C4-4BCD-93E2-E3B085C9AB24}">
-                <p16:designElem xmlns:p16="http://schemas.microsoft.com/office/powerpoint/2015/main" val="1"/>
-              </p:ext>
-            </p:extLst>
-          </p:nvPr>
-        </p:nvSpPr>
-        <p:spPr>
-          <a:xfrm>
-            <a:off x="0" y="0"/>
-            <a:ext cx="12192001" cy="6858000"/>
-          </a:xfrm>
-          <a:prstGeom prst="rect">
-            <a:avLst/>
-          </a:prstGeom>
-          <a:solidFill>
-            <a:schemeClr val="accent1"/>
-          </a:solidFill>
-          <a:ln>
-            <a:noFill/>
-          </a:ln>
-        </p:spPr>
-        <p:style>
-          <a:lnRef idx="2">
-            <a:schemeClr val="accent1">
-              <a:shade val="50000"/>
-            </a:schemeClr>
-          </a:lnRef>
-          <a:fillRef idx="1">
-            <a:schemeClr val="accent1"/>
-          </a:fillRef>
-          <a:effectRef idx="0">
-            <a:schemeClr val="accent1"/>
-          </a:effectRef>
-          <a:fontRef idx="minor">
-            <a:schemeClr val="lt1"/>
-          </a:fontRef>
-        </p:style>
-        <p:txBody>
-          <a:bodyPr rot="0" spcFirstLastPara="0" vert="horz" wrap="square" lIns="91440" tIns="45720" rIns="91440" bIns="45720" numCol="1" spcCol="0" rtlCol="0" fromWordArt="0" anchor="ctr" anchorCtr="0" forceAA="0" compatLnSpc="1">
-            <a:prstTxWarp prst="textNoShape">
-              <a:avLst/>
-            </a:prstTxWarp>
-            <a:noAutofit/>
-          </a:bodyPr>
-          <a:lstStyle>
-            <a:defPPr>
-              <a:defRPr lang="en-US"/>
-            </a:defPPr>
-            <a:lvl1pPr marL="0" algn="l" defTabSz="914400" rtl="0" eaLnBrk="1" latinLnBrk="0" hangingPunct="1">
-              <a:defRPr sz="1800" kern="1200">
-                <a:solidFill>
-                  <a:schemeClr val="lt1"/>
-                </a:solidFill>
-                <a:latin typeface="+mn-lt"/>
-                <a:ea typeface="+mn-ea"/>
-                <a:cs typeface="+mn-cs"/>
-              </a:defRPr>
-            </a:lvl1pPr>
-            <a:lvl2pPr marL="457200" algn="l" defTabSz="914400" rtl="0" eaLnBrk="1" latinLnBrk="0" hangingPunct="1">
-              <a:defRPr sz="1800" kern="1200">
-                <a:solidFill>
-                  <a:schemeClr val="lt1"/>
-                </a:solidFill>
-                <a:latin typeface="+mn-lt"/>
-                <a:ea typeface="+mn-ea"/>
-                <a:cs typeface="+mn-cs"/>
-              </a:defRPr>
-            </a:lvl2pPr>
-            <a:lvl3pPr marL="914400" algn="l" defTabSz="914400" rtl="0" eaLnBrk="1" latinLnBrk="0" hangingPunct="1">
-              <a:defRPr sz="1800" kern="1200">
-                <a:solidFill>
-                  <a:schemeClr val="lt1"/>
-                </a:solidFill>
-                <a:latin typeface="+mn-lt"/>
-                <a:ea typeface="+mn-ea"/>
-                <a:cs typeface="+mn-cs"/>
-              </a:defRPr>
-            </a:lvl3pPr>
-            <a:lvl4pPr marL="1371600" algn="l" defTabSz="914400" rtl="0" eaLnBrk="1" latinLnBrk="0" hangingPunct="1">
-              <a:defRPr sz="1800" kern="1200">
-                <a:solidFill>
-                  <a:schemeClr val="lt1"/>
-                </a:solidFill>
-                <a:latin typeface="+mn-lt"/>
-                <a:ea typeface="+mn-ea"/>
-                <a:cs typeface="+mn-cs"/>
-              </a:defRPr>
-            </a:lvl4pPr>
-            <a:lvl5pPr marL="1828800" algn="l" defTabSz="914400" rtl="0" eaLnBrk="1" latinLnBrk="0" hangingPunct="1">
-              <a:defRPr sz="1800" kern="1200">
-                <a:solidFill>
-                  <a:schemeClr val="lt1"/>
-                </a:solidFill>
-                <a:latin typeface="+mn-lt"/>
-                <a:ea typeface="+mn-ea"/>
-                <a:cs typeface="+mn-cs"/>
-              </a:defRPr>
-            </a:lvl5pPr>
-            <a:lvl6pPr marL="2286000" algn="l" defTabSz="914400" rtl="0" eaLnBrk="1" latinLnBrk="0" hangingPunct="1">
-              <a:defRPr sz="1800" kern="1200">
-                <a:solidFill>
-                  <a:schemeClr val="lt1"/>
-                </a:solidFill>
-                <a:latin typeface="+mn-lt"/>
-                <a:ea typeface="+mn-ea"/>
-                <a:cs typeface="+mn-cs"/>
-              </a:defRPr>
-            </a:lvl6pPr>
-            <a:lvl7pPr marL="2743200" algn="l" defTabSz="914400" rtl="0" eaLnBrk="1" latinLnBrk="0" hangingPunct="1">
-              <a:defRPr sz="1800" kern="1200">
-                <a:solidFill>
-                  <a:schemeClr val="lt1"/>
-                </a:solidFill>
-                <a:latin typeface="+mn-lt"/>
-                <a:ea typeface="+mn-ea"/>
-                <a:cs typeface="+mn-cs"/>
-              </a:defRPr>
-            </a:lvl7pPr>
-            <a:lvl8pPr marL="3200400" algn="l" defTabSz="914400" rtl="0" eaLnBrk="1" latinLnBrk="0" hangingPunct="1">
-              <a:defRPr sz="1800" kern="1200">
-                <a:solidFill>
-                  <a:schemeClr val="lt1"/>
-                </a:solidFill>
-                <a:latin typeface="+mn-lt"/>
-                <a:ea typeface="+mn-ea"/>
-                <a:cs typeface="+mn-cs"/>
-              </a:defRPr>
-            </a:lvl8pPr>
-            <a:lvl9pPr marL="3657600" algn="l" defTabSz="914400" rtl="0" eaLnBrk="1" latinLnBrk="0" hangingPunct="1">
-              <a:defRPr sz="1800" kern="1200">
-                <a:solidFill>
-                  <a:schemeClr val="lt1"/>
-                </a:solidFill>
-                <a:latin typeface="+mn-lt"/>
-                <a:ea typeface="+mn-ea"/>
-                <a:cs typeface="+mn-cs"/>
-              </a:defRPr>
-            </a:lvl9pPr>
-          </a:lstStyle>
-          <a:p>
-            <a:pPr algn="ctr"/>
-            <a:endParaRPr lang="en-US"/>
-          </a:p>
-        </p:txBody>
-      </p:sp>
-      <p:sp useBgFill="1">
-        <p:nvSpPr>
-          <p:cNvPr id="10" name="Rectangle 9">
-            <a:extLst>
-              <a:ext uri="{FF2B5EF4-FFF2-40B4-BE49-F238E27FC236}">
-                <a16:creationId xmlns:a16="http://schemas.microsoft.com/office/drawing/2014/main" id="{252FEFEF-6AC0-46B6-AC09-11FC56196FA4}"/>
-              </a:ext>
-              <a:ext uri="{C183D7F6-B498-43B3-948B-1728B52AA6E4}">
-                <adec:decorative xmlns:adec="http://schemas.microsoft.com/office/drawing/2017/decorative" val="1"/>
-              </a:ext>
-            </a:extLst>
-          </p:cNvPr>
-          <p:cNvSpPr>
-            <a:spLocks noGrp="1" noRot="1" noChangeAspect="1" noMove="1" noResize="1" noEditPoints="1" noAdjustHandles="1" noChangeArrowheads="1" noChangeShapeType="1" noTextEdit="1"/>
-          </p:cNvSpPr>
-          <p:nvPr>
-            <p:extLst>
-              <p:ext uri="{386F3935-93C4-4BCD-93E2-E3B085C9AB24}">
-                <p16:designElem xmlns:p16="http://schemas.microsoft.com/office/powerpoint/2015/main" val="1"/>
-              </p:ext>
-            </p:extLst>
-          </p:nvPr>
-        </p:nvSpPr>
-        <p:spPr>
-          <a:xfrm>
-            <a:off x="210312" y="226665"/>
-            <a:ext cx="11722608" cy="6382512"/>
-          </a:xfrm>
-          <a:prstGeom prst="rect">
-            <a:avLst/>
-          </a:prstGeom>
-          <a:ln w="6350" cap="flat" cmpd="sng" algn="ctr">
-            <a:noFill/>
-            <a:prstDash val="solid"/>
-          </a:ln>
-          <a:effectLst>
-            <a:softEdge rad="0"/>
-          </a:effectLst>
-        </p:spPr>
-      </p:sp>
-      <p:sp>
-        <p:nvSpPr>
           <p:cNvPr id="2" name="Title 1">
             <a:extLst>
               <a:ext uri="{FF2B5EF4-FFF2-40B4-BE49-F238E27FC236}">
@@ -9405,7 +7250,7 @@
           </a:lstStyle>
           <a:p>
             <a:r>
-              <a:rPr lang="en-US">
+              <a:rPr lang="en-US" dirty="0">
                 <a:solidFill>
                   <a:schemeClr val="tx2">
                     <a:lumMod val="75000"/>
@@ -9414,12 +7259,12 @@
                 <a:latin typeface="Consolas" panose="020B0609020204030204" pitchFamily="49" charset="0"/>
                 <a:cs typeface="Consolas" panose="020B0609020204030204" pitchFamily="49" charset="0"/>
               </a:rPr>
-              <a:t>boolean	</a:t>
-            </a:r>
-          </a:p>
-          <a:p>
-            <a:r>
-              <a:rPr lang="en-US">
+              <a:t>bool	</a:t>
+            </a:r>
+          </a:p>
+          <a:p>
+            <a:r>
+              <a:rPr lang="en-US" dirty="0">
                 <a:solidFill>
                   <a:schemeClr val="tx2">
                     <a:lumMod val="75000"/>
@@ -9429,57 +7274,6 @@
                 <a:cs typeface="Consolas" panose="020B0609020204030204" pitchFamily="49" charset="0"/>
               </a:rPr>
               <a:t>int		</a:t>
-            </a:r>
-            <a:endParaRPr lang="en-US" i="1">
-              <a:solidFill>
-                <a:schemeClr val="tx2">
-                  <a:lumMod val="75000"/>
-                </a:schemeClr>
-              </a:solidFill>
-              <a:latin typeface="Consolas" panose="020B0609020204030204" pitchFamily="49" charset="0"/>
-              <a:cs typeface="Consolas" panose="020B0609020204030204" pitchFamily="49" charset="0"/>
-            </a:endParaRPr>
-          </a:p>
-          <a:p>
-            <a:r>
-              <a:rPr lang="en-US" i="1">
-                <a:solidFill>
-                  <a:schemeClr val="tx2">
-                    <a:lumMod val="75000"/>
-                  </a:schemeClr>
-                </a:solidFill>
-                <a:latin typeface="Consolas" panose="020B0609020204030204" pitchFamily="49" charset="0"/>
-                <a:cs typeface="Consolas" panose="020B0609020204030204" pitchFamily="49" charset="0"/>
-              </a:rPr>
-              <a:t>float	</a:t>
-            </a:r>
-          </a:p>
-          <a:p>
-            <a:r>
-              <a:rPr lang="en-US" i="1">
-                <a:solidFill>
-                  <a:schemeClr val="tx2">
-                    <a:lumMod val="75000"/>
-                  </a:schemeClr>
-                </a:solidFill>
-                <a:latin typeface="Consolas" panose="020B0609020204030204" pitchFamily="49" charset="0"/>
-                <a:cs typeface="Consolas" panose="020B0609020204030204" pitchFamily="49" charset="0"/>
-              </a:rPr>
-              <a:t>Complex</a:t>
-            </a:r>
-          </a:p>
-          <a:p>
-            <a:r>
-              <a:rPr lang="en-US" i="1">
-                <a:solidFill>
-                  <a:schemeClr val="tx2">
-                    <a:lumMod val="75000"/>
-                  </a:schemeClr>
-                </a:solidFill>
-                <a:latin typeface="Consolas" panose="020B0609020204030204" pitchFamily="49" charset="0"/>
-                <a:cs typeface="Consolas" panose="020B0609020204030204" pitchFamily="49" charset="0"/>
-              </a:rPr>
-              <a:t>char	</a:t>
             </a:r>
             <a:endParaRPr lang="en-US" i="1" dirty="0">
               <a:solidFill>
@@ -9490,6 +7284,48 @@
               <a:latin typeface="Consolas" panose="020B0609020204030204" pitchFamily="49" charset="0"/>
               <a:cs typeface="Consolas" panose="020B0609020204030204" pitchFamily="49" charset="0"/>
             </a:endParaRPr>
+          </a:p>
+          <a:p>
+            <a:r>
+              <a:rPr lang="en-US" i="1" dirty="0">
+                <a:solidFill>
+                  <a:schemeClr val="tx2">
+                    <a:lumMod val="75000"/>
+                  </a:schemeClr>
+                </a:solidFill>
+                <a:latin typeface="Consolas" panose="020B0609020204030204" pitchFamily="49" charset="0"/>
+                <a:cs typeface="Consolas" panose="020B0609020204030204" pitchFamily="49" charset="0"/>
+              </a:rPr>
+              <a:t>float	</a:t>
+            </a:r>
+          </a:p>
+          <a:p>
+            <a:r>
+              <a:rPr lang="en-US" i="1" dirty="0">
+                <a:solidFill>
+                  <a:schemeClr val="tx2">
+                    <a:lumMod val="75000"/>
+                  </a:schemeClr>
+                </a:solidFill>
+                <a:latin typeface="Consolas" panose="020B0609020204030204" pitchFamily="49" charset="0"/>
+                <a:cs typeface="Consolas" panose="020B0609020204030204" pitchFamily="49" charset="0"/>
+              </a:rPr>
+              <a:t>Complex</a:t>
+            </a:r>
+          </a:p>
+          <a:p>
+            <a:r>
+              <a:rPr lang="en-US" i="1" dirty="0">
+                <a:solidFill>
+                  <a:schemeClr val="tx2">
+                    <a:lumMod val="75000"/>
+                  </a:schemeClr>
+                </a:solidFill>
+                <a:latin typeface="Consolas" panose="020B0609020204030204" pitchFamily="49" charset="0"/>
+                <a:cs typeface="Consolas" panose="020B0609020204030204" pitchFamily="49" charset="0"/>
+              </a:rPr>
+              <a:t>char	</a:t>
+            </a:r>
           </a:p>
         </p:txBody>
       </p:sp>
@@ -9533,208 +7369,6 @@
       </p:grpSpPr>
       <p:sp>
         <p:nvSpPr>
-          <p:cNvPr id="8" name="Rectangle 7">
-            <a:extLst>
-              <a:ext uri="{FF2B5EF4-FFF2-40B4-BE49-F238E27FC236}">
-                <a16:creationId xmlns:a16="http://schemas.microsoft.com/office/drawing/2014/main" id="{70120F84-A866-4D9F-8B1C-9120A013D654}"/>
-              </a:ext>
-              <a:ext uri="{C183D7F6-B498-43B3-948B-1728B52AA6E4}">
-                <adec:decorative xmlns:adec="http://schemas.microsoft.com/office/drawing/2017/decorative" val="1"/>
-              </a:ext>
-            </a:extLst>
-          </p:cNvPr>
-          <p:cNvSpPr>
-            <a:spLocks noGrp="1" noRot="1" noChangeAspect="1" noMove="1" noResize="1" noEditPoints="1" noAdjustHandles="1" noChangeArrowheads="1" noChangeShapeType="1" noTextEdit="1"/>
-          </p:cNvSpPr>
-          <p:nvPr>
-            <p:extLst>
-              <p:ext uri="{386F3935-93C4-4BCD-93E2-E3B085C9AB24}">
-                <p16:designElem xmlns:p16="http://schemas.microsoft.com/office/powerpoint/2015/main" val="1"/>
-              </p:ext>
-            </p:extLst>
-          </p:nvPr>
-        </p:nvSpPr>
-        <p:spPr>
-          <a:xfrm>
-            <a:off x="0" y="0"/>
-            <a:ext cx="12192001" cy="6858000"/>
-          </a:xfrm>
-          <a:prstGeom prst="rect">
-            <a:avLst/>
-          </a:prstGeom>
-          <a:solidFill>
-            <a:schemeClr val="accent1"/>
-          </a:solidFill>
-          <a:ln>
-            <a:noFill/>
-          </a:ln>
-        </p:spPr>
-        <p:style>
-          <a:lnRef idx="2">
-            <a:schemeClr val="accent1">
-              <a:shade val="50000"/>
-            </a:schemeClr>
-          </a:lnRef>
-          <a:fillRef idx="1">
-            <a:schemeClr val="accent1"/>
-          </a:fillRef>
-          <a:effectRef idx="0">
-            <a:schemeClr val="accent1"/>
-          </a:effectRef>
-          <a:fontRef idx="minor">
-            <a:schemeClr val="lt1"/>
-          </a:fontRef>
-        </p:style>
-        <p:txBody>
-          <a:bodyPr rot="0" spcFirstLastPara="0" vert="horz" wrap="square" lIns="91440" tIns="45720" rIns="91440" bIns="45720" numCol="1" spcCol="0" rtlCol="0" fromWordArt="0" anchor="ctr" anchorCtr="0" forceAA="0" compatLnSpc="1">
-            <a:prstTxWarp prst="textNoShape">
-              <a:avLst/>
-            </a:prstTxWarp>
-            <a:noAutofit/>
-          </a:bodyPr>
-          <a:lstStyle>
-            <a:defPPr>
-              <a:defRPr lang="en-US"/>
-            </a:defPPr>
-            <a:lvl1pPr marL="0" algn="l" defTabSz="914400" rtl="0" eaLnBrk="1" latinLnBrk="0" hangingPunct="1">
-              <a:defRPr sz="1800" kern="1200">
-                <a:solidFill>
-                  <a:schemeClr val="lt1"/>
-                </a:solidFill>
-                <a:latin typeface="+mn-lt"/>
-                <a:ea typeface="+mn-ea"/>
-                <a:cs typeface="+mn-cs"/>
-              </a:defRPr>
-            </a:lvl1pPr>
-            <a:lvl2pPr marL="457200" algn="l" defTabSz="914400" rtl="0" eaLnBrk="1" latinLnBrk="0" hangingPunct="1">
-              <a:defRPr sz="1800" kern="1200">
-                <a:solidFill>
-                  <a:schemeClr val="lt1"/>
-                </a:solidFill>
-                <a:latin typeface="+mn-lt"/>
-                <a:ea typeface="+mn-ea"/>
-                <a:cs typeface="+mn-cs"/>
-              </a:defRPr>
-            </a:lvl2pPr>
-            <a:lvl3pPr marL="914400" algn="l" defTabSz="914400" rtl="0" eaLnBrk="1" latinLnBrk="0" hangingPunct="1">
-              <a:defRPr sz="1800" kern="1200">
-                <a:solidFill>
-                  <a:schemeClr val="lt1"/>
-                </a:solidFill>
-                <a:latin typeface="+mn-lt"/>
-                <a:ea typeface="+mn-ea"/>
-                <a:cs typeface="+mn-cs"/>
-              </a:defRPr>
-            </a:lvl3pPr>
-            <a:lvl4pPr marL="1371600" algn="l" defTabSz="914400" rtl="0" eaLnBrk="1" latinLnBrk="0" hangingPunct="1">
-              <a:defRPr sz="1800" kern="1200">
-                <a:solidFill>
-                  <a:schemeClr val="lt1"/>
-                </a:solidFill>
-                <a:latin typeface="+mn-lt"/>
-                <a:ea typeface="+mn-ea"/>
-                <a:cs typeface="+mn-cs"/>
-              </a:defRPr>
-            </a:lvl4pPr>
-            <a:lvl5pPr marL="1828800" algn="l" defTabSz="914400" rtl="0" eaLnBrk="1" latinLnBrk="0" hangingPunct="1">
-              <a:defRPr sz="1800" kern="1200">
-                <a:solidFill>
-                  <a:schemeClr val="lt1"/>
-                </a:solidFill>
-                <a:latin typeface="+mn-lt"/>
-                <a:ea typeface="+mn-ea"/>
-                <a:cs typeface="+mn-cs"/>
-              </a:defRPr>
-            </a:lvl5pPr>
-            <a:lvl6pPr marL="2286000" algn="l" defTabSz="914400" rtl="0" eaLnBrk="1" latinLnBrk="0" hangingPunct="1">
-              <a:defRPr sz="1800" kern="1200">
-                <a:solidFill>
-                  <a:schemeClr val="lt1"/>
-                </a:solidFill>
-                <a:latin typeface="+mn-lt"/>
-                <a:ea typeface="+mn-ea"/>
-                <a:cs typeface="+mn-cs"/>
-              </a:defRPr>
-            </a:lvl6pPr>
-            <a:lvl7pPr marL="2743200" algn="l" defTabSz="914400" rtl="0" eaLnBrk="1" latinLnBrk="0" hangingPunct="1">
-              <a:defRPr sz="1800" kern="1200">
-                <a:solidFill>
-                  <a:schemeClr val="lt1"/>
-                </a:solidFill>
-                <a:latin typeface="+mn-lt"/>
-                <a:ea typeface="+mn-ea"/>
-                <a:cs typeface="+mn-cs"/>
-              </a:defRPr>
-            </a:lvl7pPr>
-            <a:lvl8pPr marL="3200400" algn="l" defTabSz="914400" rtl="0" eaLnBrk="1" latinLnBrk="0" hangingPunct="1">
-              <a:defRPr sz="1800" kern="1200">
-                <a:solidFill>
-                  <a:schemeClr val="lt1"/>
-                </a:solidFill>
-                <a:latin typeface="+mn-lt"/>
-                <a:ea typeface="+mn-ea"/>
-                <a:cs typeface="+mn-cs"/>
-              </a:defRPr>
-            </a:lvl8pPr>
-            <a:lvl9pPr marL="3657600" algn="l" defTabSz="914400" rtl="0" eaLnBrk="1" latinLnBrk="0" hangingPunct="1">
-              <a:defRPr sz="1800" kern="1200">
-                <a:solidFill>
-                  <a:schemeClr val="lt1"/>
-                </a:solidFill>
-                <a:latin typeface="+mn-lt"/>
-                <a:ea typeface="+mn-ea"/>
-                <a:cs typeface="+mn-cs"/>
-              </a:defRPr>
-            </a:lvl9pPr>
-          </a:lstStyle>
-          <a:p>
-            <a:pPr algn="ctr"/>
-            <a:endParaRPr lang="en-US"/>
-          </a:p>
-        </p:txBody>
-      </p:sp>
-      <p:sp useBgFill="1">
-        <p:nvSpPr>
-          <p:cNvPr id="10" name="Rectangle 9">
-            <a:extLst>
-              <a:ext uri="{FF2B5EF4-FFF2-40B4-BE49-F238E27FC236}">
-                <a16:creationId xmlns:a16="http://schemas.microsoft.com/office/drawing/2014/main" id="{252FEFEF-6AC0-46B6-AC09-11FC56196FA4}"/>
-              </a:ext>
-              <a:ext uri="{C183D7F6-B498-43B3-948B-1728B52AA6E4}">
-                <adec:decorative xmlns:adec="http://schemas.microsoft.com/office/drawing/2017/decorative" val="1"/>
-              </a:ext>
-            </a:extLst>
-          </p:cNvPr>
-          <p:cNvSpPr>
-            <a:spLocks noGrp="1" noRot="1" noChangeAspect="1" noMove="1" noResize="1" noEditPoints="1" noAdjustHandles="1" noChangeArrowheads="1" noChangeShapeType="1" noTextEdit="1"/>
-          </p:cNvSpPr>
-          <p:nvPr>
-            <p:extLst>
-              <p:ext uri="{386F3935-93C4-4BCD-93E2-E3B085C9AB24}">
-                <p16:designElem xmlns:p16="http://schemas.microsoft.com/office/powerpoint/2015/main" val="1"/>
-              </p:ext>
-            </p:extLst>
-          </p:nvPr>
-        </p:nvSpPr>
-        <p:spPr>
-          <a:xfrm>
-            <a:off x="210312" y="226665"/>
-            <a:ext cx="11722608" cy="6382512"/>
-          </a:xfrm>
-          <a:prstGeom prst="rect">
-            <a:avLst/>
-          </a:prstGeom>
-          <a:ln w="6350" cap="flat" cmpd="sng" algn="ctr">
-            <a:noFill/>
-            <a:prstDash val="solid"/>
-          </a:ln>
-          <a:effectLst>
-            <a:softEdge rad="0"/>
-          </a:effectLst>
-        </p:spPr>
-      </p:sp>
-      <p:sp>
-        <p:nvSpPr>
           <p:cNvPr id="2" name="Title 1">
             <a:extLst>
               <a:ext uri="{FF2B5EF4-FFF2-40B4-BE49-F238E27FC236}">
@@ -10368,208 +8002,6 @@
       </p:grpSpPr>
       <p:sp>
         <p:nvSpPr>
-          <p:cNvPr id="8" name="Rectangle 7">
-            <a:extLst>
-              <a:ext uri="{FF2B5EF4-FFF2-40B4-BE49-F238E27FC236}">
-                <a16:creationId xmlns:a16="http://schemas.microsoft.com/office/drawing/2014/main" id="{70120F84-A866-4D9F-8B1C-9120A013D654}"/>
-              </a:ext>
-              <a:ext uri="{C183D7F6-B498-43B3-948B-1728B52AA6E4}">
-                <adec:decorative xmlns:adec="http://schemas.microsoft.com/office/drawing/2017/decorative" val="1"/>
-              </a:ext>
-            </a:extLst>
-          </p:cNvPr>
-          <p:cNvSpPr>
-            <a:spLocks noGrp="1" noRot="1" noChangeAspect="1" noMove="1" noResize="1" noEditPoints="1" noAdjustHandles="1" noChangeArrowheads="1" noChangeShapeType="1" noTextEdit="1"/>
-          </p:cNvSpPr>
-          <p:nvPr>
-            <p:extLst>
-              <p:ext uri="{386F3935-93C4-4BCD-93E2-E3B085C9AB24}">
-                <p16:designElem xmlns:p16="http://schemas.microsoft.com/office/powerpoint/2015/main" val="1"/>
-              </p:ext>
-            </p:extLst>
-          </p:nvPr>
-        </p:nvSpPr>
-        <p:spPr>
-          <a:xfrm>
-            <a:off x="0" y="0"/>
-            <a:ext cx="12192001" cy="6858000"/>
-          </a:xfrm>
-          <a:prstGeom prst="rect">
-            <a:avLst/>
-          </a:prstGeom>
-          <a:solidFill>
-            <a:schemeClr val="accent1"/>
-          </a:solidFill>
-          <a:ln>
-            <a:noFill/>
-          </a:ln>
-        </p:spPr>
-        <p:style>
-          <a:lnRef idx="2">
-            <a:schemeClr val="accent1">
-              <a:shade val="50000"/>
-            </a:schemeClr>
-          </a:lnRef>
-          <a:fillRef idx="1">
-            <a:schemeClr val="accent1"/>
-          </a:fillRef>
-          <a:effectRef idx="0">
-            <a:schemeClr val="accent1"/>
-          </a:effectRef>
-          <a:fontRef idx="minor">
-            <a:schemeClr val="lt1"/>
-          </a:fontRef>
-        </p:style>
-        <p:txBody>
-          <a:bodyPr rot="0" spcFirstLastPara="0" vert="horz" wrap="square" lIns="91440" tIns="45720" rIns="91440" bIns="45720" numCol="1" spcCol="0" rtlCol="0" fromWordArt="0" anchor="ctr" anchorCtr="0" forceAA="0" compatLnSpc="1">
-            <a:prstTxWarp prst="textNoShape">
-              <a:avLst/>
-            </a:prstTxWarp>
-            <a:noAutofit/>
-          </a:bodyPr>
-          <a:lstStyle>
-            <a:defPPr>
-              <a:defRPr lang="en-US"/>
-            </a:defPPr>
-            <a:lvl1pPr marL="0" algn="l" defTabSz="914400" rtl="0" eaLnBrk="1" latinLnBrk="0" hangingPunct="1">
-              <a:defRPr sz="1800" kern="1200">
-                <a:solidFill>
-                  <a:schemeClr val="lt1"/>
-                </a:solidFill>
-                <a:latin typeface="+mn-lt"/>
-                <a:ea typeface="+mn-ea"/>
-                <a:cs typeface="+mn-cs"/>
-              </a:defRPr>
-            </a:lvl1pPr>
-            <a:lvl2pPr marL="457200" algn="l" defTabSz="914400" rtl="0" eaLnBrk="1" latinLnBrk="0" hangingPunct="1">
-              <a:defRPr sz="1800" kern="1200">
-                <a:solidFill>
-                  <a:schemeClr val="lt1"/>
-                </a:solidFill>
-                <a:latin typeface="+mn-lt"/>
-                <a:ea typeface="+mn-ea"/>
-                <a:cs typeface="+mn-cs"/>
-              </a:defRPr>
-            </a:lvl2pPr>
-            <a:lvl3pPr marL="914400" algn="l" defTabSz="914400" rtl="0" eaLnBrk="1" latinLnBrk="0" hangingPunct="1">
-              <a:defRPr sz="1800" kern="1200">
-                <a:solidFill>
-                  <a:schemeClr val="lt1"/>
-                </a:solidFill>
-                <a:latin typeface="+mn-lt"/>
-                <a:ea typeface="+mn-ea"/>
-                <a:cs typeface="+mn-cs"/>
-              </a:defRPr>
-            </a:lvl3pPr>
-            <a:lvl4pPr marL="1371600" algn="l" defTabSz="914400" rtl="0" eaLnBrk="1" latinLnBrk="0" hangingPunct="1">
-              <a:defRPr sz="1800" kern="1200">
-                <a:solidFill>
-                  <a:schemeClr val="lt1"/>
-                </a:solidFill>
-                <a:latin typeface="+mn-lt"/>
-                <a:ea typeface="+mn-ea"/>
-                <a:cs typeface="+mn-cs"/>
-              </a:defRPr>
-            </a:lvl4pPr>
-            <a:lvl5pPr marL="1828800" algn="l" defTabSz="914400" rtl="0" eaLnBrk="1" latinLnBrk="0" hangingPunct="1">
-              <a:defRPr sz="1800" kern="1200">
-                <a:solidFill>
-                  <a:schemeClr val="lt1"/>
-                </a:solidFill>
-                <a:latin typeface="+mn-lt"/>
-                <a:ea typeface="+mn-ea"/>
-                <a:cs typeface="+mn-cs"/>
-              </a:defRPr>
-            </a:lvl5pPr>
-            <a:lvl6pPr marL="2286000" algn="l" defTabSz="914400" rtl="0" eaLnBrk="1" latinLnBrk="0" hangingPunct="1">
-              <a:defRPr sz="1800" kern="1200">
-                <a:solidFill>
-                  <a:schemeClr val="lt1"/>
-                </a:solidFill>
-                <a:latin typeface="+mn-lt"/>
-                <a:ea typeface="+mn-ea"/>
-                <a:cs typeface="+mn-cs"/>
-              </a:defRPr>
-            </a:lvl6pPr>
-            <a:lvl7pPr marL="2743200" algn="l" defTabSz="914400" rtl="0" eaLnBrk="1" latinLnBrk="0" hangingPunct="1">
-              <a:defRPr sz="1800" kern="1200">
-                <a:solidFill>
-                  <a:schemeClr val="lt1"/>
-                </a:solidFill>
-                <a:latin typeface="+mn-lt"/>
-                <a:ea typeface="+mn-ea"/>
-                <a:cs typeface="+mn-cs"/>
-              </a:defRPr>
-            </a:lvl7pPr>
-            <a:lvl8pPr marL="3200400" algn="l" defTabSz="914400" rtl="0" eaLnBrk="1" latinLnBrk="0" hangingPunct="1">
-              <a:defRPr sz="1800" kern="1200">
-                <a:solidFill>
-                  <a:schemeClr val="lt1"/>
-                </a:solidFill>
-                <a:latin typeface="+mn-lt"/>
-                <a:ea typeface="+mn-ea"/>
-                <a:cs typeface="+mn-cs"/>
-              </a:defRPr>
-            </a:lvl8pPr>
-            <a:lvl9pPr marL="3657600" algn="l" defTabSz="914400" rtl="0" eaLnBrk="1" latinLnBrk="0" hangingPunct="1">
-              <a:defRPr sz="1800" kern="1200">
-                <a:solidFill>
-                  <a:schemeClr val="lt1"/>
-                </a:solidFill>
-                <a:latin typeface="+mn-lt"/>
-                <a:ea typeface="+mn-ea"/>
-                <a:cs typeface="+mn-cs"/>
-              </a:defRPr>
-            </a:lvl9pPr>
-          </a:lstStyle>
-          <a:p>
-            <a:pPr algn="ctr"/>
-            <a:endParaRPr lang="en-US"/>
-          </a:p>
-        </p:txBody>
-      </p:sp>
-      <p:sp useBgFill="1">
-        <p:nvSpPr>
-          <p:cNvPr id="10" name="Rectangle 9">
-            <a:extLst>
-              <a:ext uri="{FF2B5EF4-FFF2-40B4-BE49-F238E27FC236}">
-                <a16:creationId xmlns:a16="http://schemas.microsoft.com/office/drawing/2014/main" id="{252FEFEF-6AC0-46B6-AC09-11FC56196FA4}"/>
-              </a:ext>
-              <a:ext uri="{C183D7F6-B498-43B3-948B-1728B52AA6E4}">
-                <adec:decorative xmlns:adec="http://schemas.microsoft.com/office/drawing/2017/decorative" val="1"/>
-              </a:ext>
-            </a:extLst>
-          </p:cNvPr>
-          <p:cNvSpPr>
-            <a:spLocks noGrp="1" noRot="1" noChangeAspect="1" noMove="1" noResize="1" noEditPoints="1" noAdjustHandles="1" noChangeArrowheads="1" noChangeShapeType="1" noTextEdit="1"/>
-          </p:cNvSpPr>
-          <p:nvPr>
-            <p:extLst>
-              <p:ext uri="{386F3935-93C4-4BCD-93E2-E3B085C9AB24}">
-                <p16:designElem xmlns:p16="http://schemas.microsoft.com/office/powerpoint/2015/main" val="1"/>
-              </p:ext>
-            </p:extLst>
-          </p:nvPr>
-        </p:nvSpPr>
-        <p:spPr>
-          <a:xfrm>
-            <a:off x="210312" y="226665"/>
-            <a:ext cx="11722608" cy="6382512"/>
-          </a:xfrm>
-          <a:prstGeom prst="rect">
-            <a:avLst/>
-          </a:prstGeom>
-          <a:ln w="6350" cap="flat" cmpd="sng" algn="ctr">
-            <a:noFill/>
-            <a:prstDash val="solid"/>
-          </a:ln>
-          <a:effectLst>
-            <a:softEdge rad="0"/>
-          </a:effectLst>
-        </p:spPr>
-      </p:sp>
-      <p:sp>
-        <p:nvSpPr>
           <p:cNvPr id="2" name="Title 1">
             <a:extLst>
               <a:ext uri="{FF2B5EF4-FFF2-40B4-BE49-F238E27FC236}">
@@ -10733,7 +8165,7 @@
         </p:nvSpPr>
         <p:spPr>
           <a:xfrm flipH="1">
-            <a:off x="1949521" y="3384617"/>
+            <a:off x="2411858" y="3877777"/>
             <a:ext cx="2064694" cy="2031325"/>
           </a:xfrm>
           <a:prstGeom prst="rect">
@@ -10860,7 +8292,7 @@
         </p:nvSpPr>
         <p:spPr>
           <a:xfrm flipH="1">
-            <a:off x="6326449" y="3417921"/>
+            <a:off x="6357271" y="3914507"/>
             <a:ext cx="2064694" cy="1200329"/>
           </a:xfrm>
           <a:prstGeom prst="rect">
@@ -11010,208 +8442,6 @@
           <a:chExt cx="0" cy="0"/>
         </a:xfrm>
       </p:grpSpPr>
-      <p:sp>
-        <p:nvSpPr>
-          <p:cNvPr id="8" name="Rectangle 7">
-            <a:extLst>
-              <a:ext uri="{FF2B5EF4-FFF2-40B4-BE49-F238E27FC236}">
-                <a16:creationId xmlns:a16="http://schemas.microsoft.com/office/drawing/2014/main" id="{70120F84-A866-4D9F-8B1C-9120A013D654}"/>
-              </a:ext>
-              <a:ext uri="{C183D7F6-B498-43B3-948B-1728B52AA6E4}">
-                <adec:decorative xmlns:adec="http://schemas.microsoft.com/office/drawing/2017/decorative" val="1"/>
-              </a:ext>
-            </a:extLst>
-          </p:cNvPr>
-          <p:cNvSpPr>
-            <a:spLocks noGrp="1" noRot="1" noChangeAspect="1" noMove="1" noResize="1" noEditPoints="1" noAdjustHandles="1" noChangeArrowheads="1" noChangeShapeType="1" noTextEdit="1"/>
-          </p:cNvSpPr>
-          <p:nvPr>
-            <p:extLst>
-              <p:ext uri="{386F3935-93C4-4BCD-93E2-E3B085C9AB24}">
-                <p16:designElem xmlns:p16="http://schemas.microsoft.com/office/powerpoint/2015/main" val="1"/>
-              </p:ext>
-            </p:extLst>
-          </p:nvPr>
-        </p:nvSpPr>
-        <p:spPr>
-          <a:xfrm>
-            <a:off x="0" y="0"/>
-            <a:ext cx="12192001" cy="6858000"/>
-          </a:xfrm>
-          <a:prstGeom prst="rect">
-            <a:avLst/>
-          </a:prstGeom>
-          <a:solidFill>
-            <a:schemeClr val="accent1"/>
-          </a:solidFill>
-          <a:ln>
-            <a:noFill/>
-          </a:ln>
-        </p:spPr>
-        <p:style>
-          <a:lnRef idx="2">
-            <a:schemeClr val="accent1">
-              <a:shade val="50000"/>
-            </a:schemeClr>
-          </a:lnRef>
-          <a:fillRef idx="1">
-            <a:schemeClr val="accent1"/>
-          </a:fillRef>
-          <a:effectRef idx="0">
-            <a:schemeClr val="accent1"/>
-          </a:effectRef>
-          <a:fontRef idx="minor">
-            <a:schemeClr val="lt1"/>
-          </a:fontRef>
-        </p:style>
-        <p:txBody>
-          <a:bodyPr rot="0" spcFirstLastPara="0" vert="horz" wrap="square" lIns="91440" tIns="45720" rIns="91440" bIns="45720" numCol="1" spcCol="0" rtlCol="0" fromWordArt="0" anchor="ctr" anchorCtr="0" forceAA="0" compatLnSpc="1">
-            <a:prstTxWarp prst="textNoShape">
-              <a:avLst/>
-            </a:prstTxWarp>
-            <a:noAutofit/>
-          </a:bodyPr>
-          <a:lstStyle>
-            <a:defPPr>
-              <a:defRPr lang="en-US"/>
-            </a:defPPr>
-            <a:lvl1pPr marL="0" algn="l" defTabSz="914400" rtl="0" eaLnBrk="1" latinLnBrk="0" hangingPunct="1">
-              <a:defRPr sz="1800" kern="1200">
-                <a:solidFill>
-                  <a:schemeClr val="lt1"/>
-                </a:solidFill>
-                <a:latin typeface="+mn-lt"/>
-                <a:ea typeface="+mn-ea"/>
-                <a:cs typeface="+mn-cs"/>
-              </a:defRPr>
-            </a:lvl1pPr>
-            <a:lvl2pPr marL="457200" algn="l" defTabSz="914400" rtl="0" eaLnBrk="1" latinLnBrk="0" hangingPunct="1">
-              <a:defRPr sz="1800" kern="1200">
-                <a:solidFill>
-                  <a:schemeClr val="lt1"/>
-                </a:solidFill>
-                <a:latin typeface="+mn-lt"/>
-                <a:ea typeface="+mn-ea"/>
-                <a:cs typeface="+mn-cs"/>
-              </a:defRPr>
-            </a:lvl2pPr>
-            <a:lvl3pPr marL="914400" algn="l" defTabSz="914400" rtl="0" eaLnBrk="1" latinLnBrk="0" hangingPunct="1">
-              <a:defRPr sz="1800" kern="1200">
-                <a:solidFill>
-                  <a:schemeClr val="lt1"/>
-                </a:solidFill>
-                <a:latin typeface="+mn-lt"/>
-                <a:ea typeface="+mn-ea"/>
-                <a:cs typeface="+mn-cs"/>
-              </a:defRPr>
-            </a:lvl3pPr>
-            <a:lvl4pPr marL="1371600" algn="l" defTabSz="914400" rtl="0" eaLnBrk="1" latinLnBrk="0" hangingPunct="1">
-              <a:defRPr sz="1800" kern="1200">
-                <a:solidFill>
-                  <a:schemeClr val="lt1"/>
-                </a:solidFill>
-                <a:latin typeface="+mn-lt"/>
-                <a:ea typeface="+mn-ea"/>
-                <a:cs typeface="+mn-cs"/>
-              </a:defRPr>
-            </a:lvl4pPr>
-            <a:lvl5pPr marL="1828800" algn="l" defTabSz="914400" rtl="0" eaLnBrk="1" latinLnBrk="0" hangingPunct="1">
-              <a:defRPr sz="1800" kern="1200">
-                <a:solidFill>
-                  <a:schemeClr val="lt1"/>
-                </a:solidFill>
-                <a:latin typeface="+mn-lt"/>
-                <a:ea typeface="+mn-ea"/>
-                <a:cs typeface="+mn-cs"/>
-              </a:defRPr>
-            </a:lvl5pPr>
-            <a:lvl6pPr marL="2286000" algn="l" defTabSz="914400" rtl="0" eaLnBrk="1" latinLnBrk="0" hangingPunct="1">
-              <a:defRPr sz="1800" kern="1200">
-                <a:solidFill>
-                  <a:schemeClr val="lt1"/>
-                </a:solidFill>
-                <a:latin typeface="+mn-lt"/>
-                <a:ea typeface="+mn-ea"/>
-                <a:cs typeface="+mn-cs"/>
-              </a:defRPr>
-            </a:lvl6pPr>
-            <a:lvl7pPr marL="2743200" algn="l" defTabSz="914400" rtl="0" eaLnBrk="1" latinLnBrk="0" hangingPunct="1">
-              <a:defRPr sz="1800" kern="1200">
-                <a:solidFill>
-                  <a:schemeClr val="lt1"/>
-                </a:solidFill>
-                <a:latin typeface="+mn-lt"/>
-                <a:ea typeface="+mn-ea"/>
-                <a:cs typeface="+mn-cs"/>
-              </a:defRPr>
-            </a:lvl7pPr>
-            <a:lvl8pPr marL="3200400" algn="l" defTabSz="914400" rtl="0" eaLnBrk="1" latinLnBrk="0" hangingPunct="1">
-              <a:defRPr sz="1800" kern="1200">
-                <a:solidFill>
-                  <a:schemeClr val="lt1"/>
-                </a:solidFill>
-                <a:latin typeface="+mn-lt"/>
-                <a:ea typeface="+mn-ea"/>
-                <a:cs typeface="+mn-cs"/>
-              </a:defRPr>
-            </a:lvl8pPr>
-            <a:lvl9pPr marL="3657600" algn="l" defTabSz="914400" rtl="0" eaLnBrk="1" latinLnBrk="0" hangingPunct="1">
-              <a:defRPr sz="1800" kern="1200">
-                <a:solidFill>
-                  <a:schemeClr val="lt1"/>
-                </a:solidFill>
-                <a:latin typeface="+mn-lt"/>
-                <a:ea typeface="+mn-ea"/>
-                <a:cs typeface="+mn-cs"/>
-              </a:defRPr>
-            </a:lvl9pPr>
-          </a:lstStyle>
-          <a:p>
-            <a:pPr algn="ctr"/>
-            <a:endParaRPr lang="en-US"/>
-          </a:p>
-        </p:txBody>
-      </p:sp>
-      <p:sp useBgFill="1">
-        <p:nvSpPr>
-          <p:cNvPr id="10" name="Rectangle 9">
-            <a:extLst>
-              <a:ext uri="{FF2B5EF4-FFF2-40B4-BE49-F238E27FC236}">
-                <a16:creationId xmlns:a16="http://schemas.microsoft.com/office/drawing/2014/main" id="{252FEFEF-6AC0-46B6-AC09-11FC56196FA4}"/>
-              </a:ext>
-              <a:ext uri="{C183D7F6-B498-43B3-948B-1728B52AA6E4}">
-                <adec:decorative xmlns:adec="http://schemas.microsoft.com/office/drawing/2017/decorative" val="1"/>
-              </a:ext>
-            </a:extLst>
-          </p:cNvPr>
-          <p:cNvSpPr>
-            <a:spLocks noGrp="1" noRot="1" noChangeAspect="1" noMove="1" noResize="1" noEditPoints="1" noAdjustHandles="1" noChangeArrowheads="1" noChangeShapeType="1" noTextEdit="1"/>
-          </p:cNvSpPr>
-          <p:nvPr>
-            <p:extLst>
-              <p:ext uri="{386F3935-93C4-4BCD-93E2-E3B085C9AB24}">
-                <p16:designElem xmlns:p16="http://schemas.microsoft.com/office/powerpoint/2015/main" val="1"/>
-              </p:ext>
-            </p:extLst>
-          </p:nvPr>
-        </p:nvSpPr>
-        <p:spPr>
-          <a:xfrm>
-            <a:off x="210312" y="226665"/>
-            <a:ext cx="11722608" cy="6382512"/>
-          </a:xfrm>
-          <a:prstGeom prst="rect">
-            <a:avLst/>
-          </a:prstGeom>
-          <a:ln w="6350" cap="flat" cmpd="sng" algn="ctr">
-            <a:noFill/>
-            <a:prstDash val="solid"/>
-          </a:ln>
-          <a:effectLst>
-            <a:softEdge rad="0"/>
-          </a:effectLst>
-        </p:spPr>
-      </p:sp>
       <p:sp>
         <p:nvSpPr>
           <p:cNvPr id="2" name="Title 1">
@@ -11630,208 +8860,6 @@
       </p:grpSpPr>
       <p:sp>
         <p:nvSpPr>
-          <p:cNvPr id="8" name="Rectangle 7">
-            <a:extLst>
-              <a:ext uri="{FF2B5EF4-FFF2-40B4-BE49-F238E27FC236}">
-                <a16:creationId xmlns:a16="http://schemas.microsoft.com/office/drawing/2014/main" id="{70120F84-A866-4D9F-8B1C-9120A013D654}"/>
-              </a:ext>
-              <a:ext uri="{C183D7F6-B498-43B3-948B-1728B52AA6E4}">
-                <adec:decorative xmlns:adec="http://schemas.microsoft.com/office/drawing/2017/decorative" val="1"/>
-              </a:ext>
-            </a:extLst>
-          </p:cNvPr>
-          <p:cNvSpPr>
-            <a:spLocks noGrp="1" noRot="1" noChangeAspect="1" noMove="1" noResize="1" noEditPoints="1" noAdjustHandles="1" noChangeArrowheads="1" noChangeShapeType="1" noTextEdit="1"/>
-          </p:cNvSpPr>
-          <p:nvPr>
-            <p:extLst>
-              <p:ext uri="{386F3935-93C4-4BCD-93E2-E3B085C9AB24}">
-                <p16:designElem xmlns:p16="http://schemas.microsoft.com/office/powerpoint/2015/main" val="1"/>
-              </p:ext>
-            </p:extLst>
-          </p:nvPr>
-        </p:nvSpPr>
-        <p:spPr>
-          <a:xfrm>
-            <a:off x="0" y="0"/>
-            <a:ext cx="12192001" cy="6858000"/>
-          </a:xfrm>
-          <a:prstGeom prst="rect">
-            <a:avLst/>
-          </a:prstGeom>
-          <a:solidFill>
-            <a:schemeClr val="accent1"/>
-          </a:solidFill>
-          <a:ln>
-            <a:noFill/>
-          </a:ln>
-        </p:spPr>
-        <p:style>
-          <a:lnRef idx="2">
-            <a:schemeClr val="accent1">
-              <a:shade val="50000"/>
-            </a:schemeClr>
-          </a:lnRef>
-          <a:fillRef idx="1">
-            <a:schemeClr val="accent1"/>
-          </a:fillRef>
-          <a:effectRef idx="0">
-            <a:schemeClr val="accent1"/>
-          </a:effectRef>
-          <a:fontRef idx="minor">
-            <a:schemeClr val="lt1"/>
-          </a:fontRef>
-        </p:style>
-        <p:txBody>
-          <a:bodyPr rot="0" spcFirstLastPara="0" vert="horz" wrap="square" lIns="91440" tIns="45720" rIns="91440" bIns="45720" numCol="1" spcCol="0" rtlCol="0" fromWordArt="0" anchor="ctr" anchorCtr="0" forceAA="0" compatLnSpc="1">
-            <a:prstTxWarp prst="textNoShape">
-              <a:avLst/>
-            </a:prstTxWarp>
-            <a:noAutofit/>
-          </a:bodyPr>
-          <a:lstStyle>
-            <a:defPPr>
-              <a:defRPr lang="en-US"/>
-            </a:defPPr>
-            <a:lvl1pPr marL="0" algn="l" defTabSz="914400" rtl="0" eaLnBrk="1" latinLnBrk="0" hangingPunct="1">
-              <a:defRPr sz="1800" kern="1200">
-                <a:solidFill>
-                  <a:schemeClr val="lt1"/>
-                </a:solidFill>
-                <a:latin typeface="+mn-lt"/>
-                <a:ea typeface="+mn-ea"/>
-                <a:cs typeface="+mn-cs"/>
-              </a:defRPr>
-            </a:lvl1pPr>
-            <a:lvl2pPr marL="457200" algn="l" defTabSz="914400" rtl="0" eaLnBrk="1" latinLnBrk="0" hangingPunct="1">
-              <a:defRPr sz="1800" kern="1200">
-                <a:solidFill>
-                  <a:schemeClr val="lt1"/>
-                </a:solidFill>
-                <a:latin typeface="+mn-lt"/>
-                <a:ea typeface="+mn-ea"/>
-                <a:cs typeface="+mn-cs"/>
-              </a:defRPr>
-            </a:lvl2pPr>
-            <a:lvl3pPr marL="914400" algn="l" defTabSz="914400" rtl="0" eaLnBrk="1" latinLnBrk="0" hangingPunct="1">
-              <a:defRPr sz="1800" kern="1200">
-                <a:solidFill>
-                  <a:schemeClr val="lt1"/>
-                </a:solidFill>
-                <a:latin typeface="+mn-lt"/>
-                <a:ea typeface="+mn-ea"/>
-                <a:cs typeface="+mn-cs"/>
-              </a:defRPr>
-            </a:lvl3pPr>
-            <a:lvl4pPr marL="1371600" algn="l" defTabSz="914400" rtl="0" eaLnBrk="1" latinLnBrk="0" hangingPunct="1">
-              <a:defRPr sz="1800" kern="1200">
-                <a:solidFill>
-                  <a:schemeClr val="lt1"/>
-                </a:solidFill>
-                <a:latin typeface="+mn-lt"/>
-                <a:ea typeface="+mn-ea"/>
-                <a:cs typeface="+mn-cs"/>
-              </a:defRPr>
-            </a:lvl4pPr>
-            <a:lvl5pPr marL="1828800" algn="l" defTabSz="914400" rtl="0" eaLnBrk="1" latinLnBrk="0" hangingPunct="1">
-              <a:defRPr sz="1800" kern="1200">
-                <a:solidFill>
-                  <a:schemeClr val="lt1"/>
-                </a:solidFill>
-                <a:latin typeface="+mn-lt"/>
-                <a:ea typeface="+mn-ea"/>
-                <a:cs typeface="+mn-cs"/>
-              </a:defRPr>
-            </a:lvl5pPr>
-            <a:lvl6pPr marL="2286000" algn="l" defTabSz="914400" rtl="0" eaLnBrk="1" latinLnBrk="0" hangingPunct="1">
-              <a:defRPr sz="1800" kern="1200">
-                <a:solidFill>
-                  <a:schemeClr val="lt1"/>
-                </a:solidFill>
-                <a:latin typeface="+mn-lt"/>
-                <a:ea typeface="+mn-ea"/>
-                <a:cs typeface="+mn-cs"/>
-              </a:defRPr>
-            </a:lvl6pPr>
-            <a:lvl7pPr marL="2743200" algn="l" defTabSz="914400" rtl="0" eaLnBrk="1" latinLnBrk="0" hangingPunct="1">
-              <a:defRPr sz="1800" kern="1200">
-                <a:solidFill>
-                  <a:schemeClr val="lt1"/>
-                </a:solidFill>
-                <a:latin typeface="+mn-lt"/>
-                <a:ea typeface="+mn-ea"/>
-                <a:cs typeface="+mn-cs"/>
-              </a:defRPr>
-            </a:lvl7pPr>
-            <a:lvl8pPr marL="3200400" algn="l" defTabSz="914400" rtl="0" eaLnBrk="1" latinLnBrk="0" hangingPunct="1">
-              <a:defRPr sz="1800" kern="1200">
-                <a:solidFill>
-                  <a:schemeClr val="lt1"/>
-                </a:solidFill>
-                <a:latin typeface="+mn-lt"/>
-                <a:ea typeface="+mn-ea"/>
-                <a:cs typeface="+mn-cs"/>
-              </a:defRPr>
-            </a:lvl8pPr>
-            <a:lvl9pPr marL="3657600" algn="l" defTabSz="914400" rtl="0" eaLnBrk="1" latinLnBrk="0" hangingPunct="1">
-              <a:defRPr sz="1800" kern="1200">
-                <a:solidFill>
-                  <a:schemeClr val="lt1"/>
-                </a:solidFill>
-                <a:latin typeface="+mn-lt"/>
-                <a:ea typeface="+mn-ea"/>
-                <a:cs typeface="+mn-cs"/>
-              </a:defRPr>
-            </a:lvl9pPr>
-          </a:lstStyle>
-          <a:p>
-            <a:pPr algn="ctr"/>
-            <a:endParaRPr lang="en-US"/>
-          </a:p>
-        </p:txBody>
-      </p:sp>
-      <p:sp useBgFill="1">
-        <p:nvSpPr>
-          <p:cNvPr id="10" name="Rectangle 9">
-            <a:extLst>
-              <a:ext uri="{FF2B5EF4-FFF2-40B4-BE49-F238E27FC236}">
-                <a16:creationId xmlns:a16="http://schemas.microsoft.com/office/drawing/2014/main" id="{252FEFEF-6AC0-46B6-AC09-11FC56196FA4}"/>
-              </a:ext>
-              <a:ext uri="{C183D7F6-B498-43B3-948B-1728B52AA6E4}">
-                <adec:decorative xmlns:adec="http://schemas.microsoft.com/office/drawing/2017/decorative" val="1"/>
-              </a:ext>
-            </a:extLst>
-          </p:cNvPr>
-          <p:cNvSpPr>
-            <a:spLocks noGrp="1" noRot="1" noChangeAspect="1" noMove="1" noResize="1" noEditPoints="1" noAdjustHandles="1" noChangeArrowheads="1" noChangeShapeType="1" noTextEdit="1"/>
-          </p:cNvSpPr>
-          <p:nvPr>
-            <p:extLst>
-              <p:ext uri="{386F3935-93C4-4BCD-93E2-E3B085C9AB24}">
-                <p16:designElem xmlns:p16="http://schemas.microsoft.com/office/powerpoint/2015/main" val="1"/>
-              </p:ext>
-            </p:extLst>
-          </p:nvPr>
-        </p:nvSpPr>
-        <p:spPr>
-          <a:xfrm>
-            <a:off x="210312" y="226665"/>
-            <a:ext cx="11722608" cy="6382512"/>
-          </a:xfrm>
-          <a:prstGeom prst="rect">
-            <a:avLst/>
-          </a:prstGeom>
-          <a:ln w="6350" cap="flat" cmpd="sng" algn="ctr">
-            <a:noFill/>
-            <a:prstDash val="solid"/>
-          </a:ln>
-          <a:effectLst>
-            <a:softEdge rad="0"/>
-          </a:effectLst>
-        </p:spPr>
-      </p:sp>
-      <p:sp>
-        <p:nvSpPr>
           <p:cNvPr id="2" name="Title 1">
             <a:extLst>
               <a:ext uri="{FF2B5EF4-FFF2-40B4-BE49-F238E27FC236}">
@@ -11914,7 +8942,7 @@
         </p:spPr>
         <p:txBody>
           <a:bodyPr>
-            <a:normAutofit/>
+            <a:normAutofit lnSpcReduction="10000"/>
           </a:bodyPr>
           <a:lstStyle/>
           <a:p>
@@ -12224,208 +9252,6 @@
       </p:grpSpPr>
       <p:sp>
         <p:nvSpPr>
-          <p:cNvPr id="8" name="Rectangle 7">
-            <a:extLst>
-              <a:ext uri="{FF2B5EF4-FFF2-40B4-BE49-F238E27FC236}">
-                <a16:creationId xmlns:a16="http://schemas.microsoft.com/office/drawing/2014/main" id="{70120F84-A866-4D9F-8B1C-9120A013D654}"/>
-              </a:ext>
-              <a:ext uri="{C183D7F6-B498-43B3-948B-1728B52AA6E4}">
-                <adec:decorative xmlns:adec="http://schemas.microsoft.com/office/drawing/2017/decorative" val="1"/>
-              </a:ext>
-            </a:extLst>
-          </p:cNvPr>
-          <p:cNvSpPr>
-            <a:spLocks noGrp="1" noRot="1" noChangeAspect="1" noMove="1" noResize="1" noEditPoints="1" noAdjustHandles="1" noChangeArrowheads="1" noChangeShapeType="1" noTextEdit="1"/>
-          </p:cNvSpPr>
-          <p:nvPr>
-            <p:extLst>
-              <p:ext uri="{386F3935-93C4-4BCD-93E2-E3B085C9AB24}">
-                <p16:designElem xmlns:p16="http://schemas.microsoft.com/office/powerpoint/2015/main" val="1"/>
-              </p:ext>
-            </p:extLst>
-          </p:nvPr>
-        </p:nvSpPr>
-        <p:spPr>
-          <a:xfrm>
-            <a:off x="0" y="0"/>
-            <a:ext cx="12192001" cy="6858000"/>
-          </a:xfrm>
-          <a:prstGeom prst="rect">
-            <a:avLst/>
-          </a:prstGeom>
-          <a:solidFill>
-            <a:schemeClr val="accent1"/>
-          </a:solidFill>
-          <a:ln>
-            <a:noFill/>
-          </a:ln>
-        </p:spPr>
-        <p:style>
-          <a:lnRef idx="2">
-            <a:schemeClr val="accent1">
-              <a:shade val="50000"/>
-            </a:schemeClr>
-          </a:lnRef>
-          <a:fillRef idx="1">
-            <a:schemeClr val="accent1"/>
-          </a:fillRef>
-          <a:effectRef idx="0">
-            <a:schemeClr val="accent1"/>
-          </a:effectRef>
-          <a:fontRef idx="minor">
-            <a:schemeClr val="lt1"/>
-          </a:fontRef>
-        </p:style>
-        <p:txBody>
-          <a:bodyPr rot="0" spcFirstLastPara="0" vert="horz" wrap="square" lIns="91440" tIns="45720" rIns="91440" bIns="45720" numCol="1" spcCol="0" rtlCol="0" fromWordArt="0" anchor="ctr" anchorCtr="0" forceAA="0" compatLnSpc="1">
-            <a:prstTxWarp prst="textNoShape">
-              <a:avLst/>
-            </a:prstTxWarp>
-            <a:noAutofit/>
-          </a:bodyPr>
-          <a:lstStyle>
-            <a:defPPr>
-              <a:defRPr lang="en-US"/>
-            </a:defPPr>
-            <a:lvl1pPr marL="0" algn="l" defTabSz="914400" rtl="0" eaLnBrk="1" latinLnBrk="0" hangingPunct="1">
-              <a:defRPr sz="1800" kern="1200">
-                <a:solidFill>
-                  <a:schemeClr val="lt1"/>
-                </a:solidFill>
-                <a:latin typeface="+mn-lt"/>
-                <a:ea typeface="+mn-ea"/>
-                <a:cs typeface="+mn-cs"/>
-              </a:defRPr>
-            </a:lvl1pPr>
-            <a:lvl2pPr marL="457200" algn="l" defTabSz="914400" rtl="0" eaLnBrk="1" latinLnBrk="0" hangingPunct="1">
-              <a:defRPr sz="1800" kern="1200">
-                <a:solidFill>
-                  <a:schemeClr val="lt1"/>
-                </a:solidFill>
-                <a:latin typeface="+mn-lt"/>
-                <a:ea typeface="+mn-ea"/>
-                <a:cs typeface="+mn-cs"/>
-              </a:defRPr>
-            </a:lvl2pPr>
-            <a:lvl3pPr marL="914400" algn="l" defTabSz="914400" rtl="0" eaLnBrk="1" latinLnBrk="0" hangingPunct="1">
-              <a:defRPr sz="1800" kern="1200">
-                <a:solidFill>
-                  <a:schemeClr val="lt1"/>
-                </a:solidFill>
-                <a:latin typeface="+mn-lt"/>
-                <a:ea typeface="+mn-ea"/>
-                <a:cs typeface="+mn-cs"/>
-              </a:defRPr>
-            </a:lvl3pPr>
-            <a:lvl4pPr marL="1371600" algn="l" defTabSz="914400" rtl="0" eaLnBrk="1" latinLnBrk="0" hangingPunct="1">
-              <a:defRPr sz="1800" kern="1200">
-                <a:solidFill>
-                  <a:schemeClr val="lt1"/>
-                </a:solidFill>
-                <a:latin typeface="+mn-lt"/>
-                <a:ea typeface="+mn-ea"/>
-                <a:cs typeface="+mn-cs"/>
-              </a:defRPr>
-            </a:lvl4pPr>
-            <a:lvl5pPr marL="1828800" algn="l" defTabSz="914400" rtl="0" eaLnBrk="1" latinLnBrk="0" hangingPunct="1">
-              <a:defRPr sz="1800" kern="1200">
-                <a:solidFill>
-                  <a:schemeClr val="lt1"/>
-                </a:solidFill>
-                <a:latin typeface="+mn-lt"/>
-                <a:ea typeface="+mn-ea"/>
-                <a:cs typeface="+mn-cs"/>
-              </a:defRPr>
-            </a:lvl5pPr>
-            <a:lvl6pPr marL="2286000" algn="l" defTabSz="914400" rtl="0" eaLnBrk="1" latinLnBrk="0" hangingPunct="1">
-              <a:defRPr sz="1800" kern="1200">
-                <a:solidFill>
-                  <a:schemeClr val="lt1"/>
-                </a:solidFill>
-                <a:latin typeface="+mn-lt"/>
-                <a:ea typeface="+mn-ea"/>
-                <a:cs typeface="+mn-cs"/>
-              </a:defRPr>
-            </a:lvl6pPr>
-            <a:lvl7pPr marL="2743200" algn="l" defTabSz="914400" rtl="0" eaLnBrk="1" latinLnBrk="0" hangingPunct="1">
-              <a:defRPr sz="1800" kern="1200">
-                <a:solidFill>
-                  <a:schemeClr val="lt1"/>
-                </a:solidFill>
-                <a:latin typeface="+mn-lt"/>
-                <a:ea typeface="+mn-ea"/>
-                <a:cs typeface="+mn-cs"/>
-              </a:defRPr>
-            </a:lvl7pPr>
-            <a:lvl8pPr marL="3200400" algn="l" defTabSz="914400" rtl="0" eaLnBrk="1" latinLnBrk="0" hangingPunct="1">
-              <a:defRPr sz="1800" kern="1200">
-                <a:solidFill>
-                  <a:schemeClr val="lt1"/>
-                </a:solidFill>
-                <a:latin typeface="+mn-lt"/>
-                <a:ea typeface="+mn-ea"/>
-                <a:cs typeface="+mn-cs"/>
-              </a:defRPr>
-            </a:lvl8pPr>
-            <a:lvl9pPr marL="3657600" algn="l" defTabSz="914400" rtl="0" eaLnBrk="1" latinLnBrk="0" hangingPunct="1">
-              <a:defRPr sz="1800" kern="1200">
-                <a:solidFill>
-                  <a:schemeClr val="lt1"/>
-                </a:solidFill>
-                <a:latin typeface="+mn-lt"/>
-                <a:ea typeface="+mn-ea"/>
-                <a:cs typeface="+mn-cs"/>
-              </a:defRPr>
-            </a:lvl9pPr>
-          </a:lstStyle>
-          <a:p>
-            <a:pPr algn="ctr"/>
-            <a:endParaRPr lang="en-US"/>
-          </a:p>
-        </p:txBody>
-      </p:sp>
-      <p:sp useBgFill="1">
-        <p:nvSpPr>
-          <p:cNvPr id="10" name="Rectangle 9">
-            <a:extLst>
-              <a:ext uri="{FF2B5EF4-FFF2-40B4-BE49-F238E27FC236}">
-                <a16:creationId xmlns:a16="http://schemas.microsoft.com/office/drawing/2014/main" id="{252FEFEF-6AC0-46B6-AC09-11FC56196FA4}"/>
-              </a:ext>
-              <a:ext uri="{C183D7F6-B498-43B3-948B-1728B52AA6E4}">
-                <adec:decorative xmlns:adec="http://schemas.microsoft.com/office/drawing/2017/decorative" val="1"/>
-              </a:ext>
-            </a:extLst>
-          </p:cNvPr>
-          <p:cNvSpPr>
-            <a:spLocks noGrp="1" noRot="1" noChangeAspect="1" noMove="1" noResize="1" noEditPoints="1" noAdjustHandles="1" noChangeArrowheads="1" noChangeShapeType="1" noTextEdit="1"/>
-          </p:cNvSpPr>
-          <p:nvPr>
-            <p:extLst>
-              <p:ext uri="{386F3935-93C4-4BCD-93E2-E3B085C9AB24}">
-                <p16:designElem xmlns:p16="http://schemas.microsoft.com/office/powerpoint/2015/main" val="1"/>
-              </p:ext>
-            </p:extLst>
-          </p:nvPr>
-        </p:nvSpPr>
-        <p:spPr>
-          <a:xfrm>
-            <a:off x="210312" y="226665"/>
-            <a:ext cx="11722608" cy="6382512"/>
-          </a:xfrm>
-          <a:prstGeom prst="rect">
-            <a:avLst/>
-          </a:prstGeom>
-          <a:ln w="6350" cap="flat" cmpd="sng" algn="ctr">
-            <a:noFill/>
-            <a:prstDash val="solid"/>
-          </a:ln>
-          <a:effectLst>
-            <a:softEdge rad="0"/>
-          </a:effectLst>
-        </p:spPr>
-      </p:sp>
-      <p:sp>
-        <p:nvSpPr>
           <p:cNvPr id="2" name="Title 1">
             <a:extLst>
               <a:ext uri="{FF2B5EF4-FFF2-40B4-BE49-F238E27FC236}">
@@ -13150,208 +9976,6 @@
       </p:grpSpPr>
       <p:sp>
         <p:nvSpPr>
-          <p:cNvPr id="8" name="Rectangle 7">
-            <a:extLst>
-              <a:ext uri="{FF2B5EF4-FFF2-40B4-BE49-F238E27FC236}">
-                <a16:creationId xmlns:a16="http://schemas.microsoft.com/office/drawing/2014/main" id="{70120F84-A866-4D9F-8B1C-9120A013D654}"/>
-              </a:ext>
-              <a:ext uri="{C183D7F6-B498-43B3-948B-1728B52AA6E4}">
-                <adec:decorative xmlns:adec="http://schemas.microsoft.com/office/drawing/2017/decorative" val="1"/>
-              </a:ext>
-            </a:extLst>
-          </p:cNvPr>
-          <p:cNvSpPr>
-            <a:spLocks noGrp="1" noRot="1" noChangeAspect="1" noMove="1" noResize="1" noEditPoints="1" noAdjustHandles="1" noChangeArrowheads="1" noChangeShapeType="1" noTextEdit="1"/>
-          </p:cNvSpPr>
-          <p:nvPr>
-            <p:extLst>
-              <p:ext uri="{386F3935-93C4-4BCD-93E2-E3B085C9AB24}">
-                <p16:designElem xmlns:p16="http://schemas.microsoft.com/office/powerpoint/2015/main" val="1"/>
-              </p:ext>
-            </p:extLst>
-          </p:nvPr>
-        </p:nvSpPr>
-        <p:spPr>
-          <a:xfrm>
-            <a:off x="0" y="0"/>
-            <a:ext cx="12192001" cy="6858000"/>
-          </a:xfrm>
-          <a:prstGeom prst="rect">
-            <a:avLst/>
-          </a:prstGeom>
-          <a:solidFill>
-            <a:schemeClr val="accent1"/>
-          </a:solidFill>
-          <a:ln>
-            <a:noFill/>
-          </a:ln>
-        </p:spPr>
-        <p:style>
-          <a:lnRef idx="2">
-            <a:schemeClr val="accent1">
-              <a:shade val="50000"/>
-            </a:schemeClr>
-          </a:lnRef>
-          <a:fillRef idx="1">
-            <a:schemeClr val="accent1"/>
-          </a:fillRef>
-          <a:effectRef idx="0">
-            <a:schemeClr val="accent1"/>
-          </a:effectRef>
-          <a:fontRef idx="minor">
-            <a:schemeClr val="lt1"/>
-          </a:fontRef>
-        </p:style>
-        <p:txBody>
-          <a:bodyPr rot="0" spcFirstLastPara="0" vert="horz" wrap="square" lIns="91440" tIns="45720" rIns="91440" bIns="45720" numCol="1" spcCol="0" rtlCol="0" fromWordArt="0" anchor="ctr" anchorCtr="0" forceAA="0" compatLnSpc="1">
-            <a:prstTxWarp prst="textNoShape">
-              <a:avLst/>
-            </a:prstTxWarp>
-            <a:noAutofit/>
-          </a:bodyPr>
-          <a:lstStyle>
-            <a:defPPr>
-              <a:defRPr lang="en-US"/>
-            </a:defPPr>
-            <a:lvl1pPr marL="0" algn="l" defTabSz="914400" rtl="0" eaLnBrk="1" latinLnBrk="0" hangingPunct="1">
-              <a:defRPr sz="1800" kern="1200">
-                <a:solidFill>
-                  <a:schemeClr val="lt1"/>
-                </a:solidFill>
-                <a:latin typeface="+mn-lt"/>
-                <a:ea typeface="+mn-ea"/>
-                <a:cs typeface="+mn-cs"/>
-              </a:defRPr>
-            </a:lvl1pPr>
-            <a:lvl2pPr marL="457200" algn="l" defTabSz="914400" rtl="0" eaLnBrk="1" latinLnBrk="0" hangingPunct="1">
-              <a:defRPr sz="1800" kern="1200">
-                <a:solidFill>
-                  <a:schemeClr val="lt1"/>
-                </a:solidFill>
-                <a:latin typeface="+mn-lt"/>
-                <a:ea typeface="+mn-ea"/>
-                <a:cs typeface="+mn-cs"/>
-              </a:defRPr>
-            </a:lvl2pPr>
-            <a:lvl3pPr marL="914400" algn="l" defTabSz="914400" rtl="0" eaLnBrk="1" latinLnBrk="0" hangingPunct="1">
-              <a:defRPr sz="1800" kern="1200">
-                <a:solidFill>
-                  <a:schemeClr val="lt1"/>
-                </a:solidFill>
-                <a:latin typeface="+mn-lt"/>
-                <a:ea typeface="+mn-ea"/>
-                <a:cs typeface="+mn-cs"/>
-              </a:defRPr>
-            </a:lvl3pPr>
-            <a:lvl4pPr marL="1371600" algn="l" defTabSz="914400" rtl="0" eaLnBrk="1" latinLnBrk="0" hangingPunct="1">
-              <a:defRPr sz="1800" kern="1200">
-                <a:solidFill>
-                  <a:schemeClr val="lt1"/>
-                </a:solidFill>
-                <a:latin typeface="+mn-lt"/>
-                <a:ea typeface="+mn-ea"/>
-                <a:cs typeface="+mn-cs"/>
-              </a:defRPr>
-            </a:lvl4pPr>
-            <a:lvl5pPr marL="1828800" algn="l" defTabSz="914400" rtl="0" eaLnBrk="1" latinLnBrk="0" hangingPunct="1">
-              <a:defRPr sz="1800" kern="1200">
-                <a:solidFill>
-                  <a:schemeClr val="lt1"/>
-                </a:solidFill>
-                <a:latin typeface="+mn-lt"/>
-                <a:ea typeface="+mn-ea"/>
-                <a:cs typeface="+mn-cs"/>
-              </a:defRPr>
-            </a:lvl5pPr>
-            <a:lvl6pPr marL="2286000" algn="l" defTabSz="914400" rtl="0" eaLnBrk="1" latinLnBrk="0" hangingPunct="1">
-              <a:defRPr sz="1800" kern="1200">
-                <a:solidFill>
-                  <a:schemeClr val="lt1"/>
-                </a:solidFill>
-                <a:latin typeface="+mn-lt"/>
-                <a:ea typeface="+mn-ea"/>
-                <a:cs typeface="+mn-cs"/>
-              </a:defRPr>
-            </a:lvl6pPr>
-            <a:lvl7pPr marL="2743200" algn="l" defTabSz="914400" rtl="0" eaLnBrk="1" latinLnBrk="0" hangingPunct="1">
-              <a:defRPr sz="1800" kern="1200">
-                <a:solidFill>
-                  <a:schemeClr val="lt1"/>
-                </a:solidFill>
-                <a:latin typeface="+mn-lt"/>
-                <a:ea typeface="+mn-ea"/>
-                <a:cs typeface="+mn-cs"/>
-              </a:defRPr>
-            </a:lvl7pPr>
-            <a:lvl8pPr marL="3200400" algn="l" defTabSz="914400" rtl="0" eaLnBrk="1" latinLnBrk="0" hangingPunct="1">
-              <a:defRPr sz="1800" kern="1200">
-                <a:solidFill>
-                  <a:schemeClr val="lt1"/>
-                </a:solidFill>
-                <a:latin typeface="+mn-lt"/>
-                <a:ea typeface="+mn-ea"/>
-                <a:cs typeface="+mn-cs"/>
-              </a:defRPr>
-            </a:lvl8pPr>
-            <a:lvl9pPr marL="3657600" algn="l" defTabSz="914400" rtl="0" eaLnBrk="1" latinLnBrk="0" hangingPunct="1">
-              <a:defRPr sz="1800" kern="1200">
-                <a:solidFill>
-                  <a:schemeClr val="lt1"/>
-                </a:solidFill>
-                <a:latin typeface="+mn-lt"/>
-                <a:ea typeface="+mn-ea"/>
-                <a:cs typeface="+mn-cs"/>
-              </a:defRPr>
-            </a:lvl9pPr>
-          </a:lstStyle>
-          <a:p>
-            <a:pPr algn="ctr"/>
-            <a:endParaRPr lang="en-US"/>
-          </a:p>
-        </p:txBody>
-      </p:sp>
-      <p:sp useBgFill="1">
-        <p:nvSpPr>
-          <p:cNvPr id="10" name="Rectangle 9">
-            <a:extLst>
-              <a:ext uri="{FF2B5EF4-FFF2-40B4-BE49-F238E27FC236}">
-                <a16:creationId xmlns:a16="http://schemas.microsoft.com/office/drawing/2014/main" id="{252FEFEF-6AC0-46B6-AC09-11FC56196FA4}"/>
-              </a:ext>
-              <a:ext uri="{C183D7F6-B498-43B3-948B-1728B52AA6E4}">
-                <adec:decorative xmlns:adec="http://schemas.microsoft.com/office/drawing/2017/decorative" val="1"/>
-              </a:ext>
-            </a:extLst>
-          </p:cNvPr>
-          <p:cNvSpPr>
-            <a:spLocks noGrp="1" noRot="1" noChangeAspect="1" noMove="1" noResize="1" noEditPoints="1" noAdjustHandles="1" noChangeArrowheads="1" noChangeShapeType="1" noTextEdit="1"/>
-          </p:cNvSpPr>
-          <p:nvPr>
-            <p:extLst>
-              <p:ext uri="{386F3935-93C4-4BCD-93E2-E3B085C9AB24}">
-                <p16:designElem xmlns:p16="http://schemas.microsoft.com/office/powerpoint/2015/main" val="1"/>
-              </p:ext>
-            </p:extLst>
-          </p:nvPr>
-        </p:nvSpPr>
-        <p:spPr>
-          <a:xfrm>
-            <a:off x="210312" y="226665"/>
-            <a:ext cx="11722608" cy="6382512"/>
-          </a:xfrm>
-          <a:prstGeom prst="rect">
-            <a:avLst/>
-          </a:prstGeom>
-          <a:ln w="6350" cap="flat" cmpd="sng" algn="ctr">
-            <a:noFill/>
-            <a:prstDash val="solid"/>
-          </a:ln>
-          <a:effectLst>
-            <a:softEdge rad="0"/>
-          </a:effectLst>
-        </p:spPr>
-      </p:sp>
-      <p:sp>
-        <p:nvSpPr>
           <p:cNvPr id="2" name="Title 1">
             <a:extLst>
               <a:ext uri="{FF2B5EF4-FFF2-40B4-BE49-F238E27FC236}">
@@ -14364,41 +10988,66 @@
       </p:grpSpPr>
       <p:sp>
         <p:nvSpPr>
-          <p:cNvPr id="4" name="Rectangle 3">
-            <a:extLst>
-              <a:ext uri="{FF2B5EF4-FFF2-40B4-BE49-F238E27FC236}">
-                <a16:creationId xmlns:a16="http://schemas.microsoft.com/office/drawing/2014/main" id="{6B0E2C1B-2491-8D49-B094-54528BCDA29A}"/>
-              </a:ext>
-              <a:ext uri="{C183D7F6-B498-43B3-948B-1728B52AA6E4}">
-                <adec:decorative xmlns:adec="http://schemas.microsoft.com/office/drawing/2017/decorative" val="1"/>
+          <p:cNvPr id="6" name="Title 1">
+            <a:extLst>
+              <a:ext uri="{FF2B5EF4-FFF2-40B4-BE49-F238E27FC236}">
+                <a16:creationId xmlns:a16="http://schemas.microsoft.com/office/drawing/2014/main" id="{F2953D25-6E53-AF4B-86A8-F3A32ADA4720}"/>
               </a:ext>
             </a:extLst>
           </p:cNvPr>
           <p:cNvSpPr>
-            <a:spLocks noGrp="1" noRot="1" noChangeAspect="1" noMove="1" noResize="1" noEditPoints="1" noAdjustHandles="1" noChangeArrowheads="1" noChangeShapeType="1" noTextEdit="1"/>
+            <a:spLocks noGrp="1"/>
           </p:cNvSpPr>
           <p:nvPr>
-            <p:extLst>
-              <p:ext uri="{386F3935-93C4-4BCD-93E2-E3B085C9AB24}">
-                <p16:designElem xmlns:p16="http://schemas.microsoft.com/office/powerpoint/2015/main" val="1"/>
-              </p:ext>
-            </p:extLst>
+            <p:ph type="title"/>
           </p:nvPr>
         </p:nvSpPr>
         <p:spPr>
           <a:xfrm>
-            <a:off x="0" y="0"/>
-            <a:ext cx="12192001" cy="6858000"/>
-          </a:xfrm>
-          <a:prstGeom prst="rect">
+            <a:off x="1175512" y="870132"/>
+            <a:ext cx="9792208" cy="1527078"/>
+          </a:xfrm>
+        </p:spPr>
+        <p:txBody>
+          <a:bodyPr>
+            <a:normAutofit/>
+          </a:bodyPr>
+          <a:lstStyle/>
+          <a:p>
+            <a:r>
+              <a:rPr lang="en-US" dirty="0">
+                <a:solidFill>
+                  <a:schemeClr val="tx2">
+                    <a:lumMod val="75000"/>
+                  </a:schemeClr>
+                </a:solidFill>
+              </a:rPr>
+              <a:t>Intersection</a:t>
+            </a:r>
+          </a:p>
+        </p:txBody>
+      </p:sp>
+      <p:sp>
+        <p:nvSpPr>
+          <p:cNvPr id="7" name="Oval 6">
+            <a:extLst>
+              <a:ext uri="{FF2B5EF4-FFF2-40B4-BE49-F238E27FC236}">
+                <a16:creationId xmlns:a16="http://schemas.microsoft.com/office/drawing/2014/main" id="{C32CFE7C-BADD-8D42-B9F9-9BE9B90AA1C7}"/>
+              </a:ext>
+            </a:extLst>
+          </p:cNvPr>
+          <p:cNvSpPr/>
+          <p:nvPr/>
+        </p:nvSpPr>
+        <p:spPr>
+          <a:xfrm>
+            <a:off x="1175512" y="2252132"/>
+            <a:ext cx="1904060" cy="1597492"/>
+          </a:xfrm>
+          <a:prstGeom prst="ellipse">
             <a:avLst/>
           </a:prstGeom>
-          <a:solidFill>
-            <a:schemeClr val="accent1"/>
-          </a:solidFill>
-          <a:ln>
-            <a:noFill/>
-          </a:ln>
+          <a:noFill/>
         </p:spPr>
         <p:style>
           <a:lnRef idx="2">
@@ -14417,178 +11066,39 @@
           </a:fontRef>
         </p:style>
         <p:txBody>
-          <a:bodyPr rot="0" spcFirstLastPara="0" vert="horz" wrap="square" lIns="91440" tIns="45720" rIns="91440" bIns="45720" numCol="1" spcCol="0" rtlCol="0" fromWordArt="0" anchor="ctr" anchorCtr="0" forceAA="0" compatLnSpc="1">
-            <a:prstTxWarp prst="textNoShape">
-              <a:avLst/>
-            </a:prstTxWarp>
-            <a:noAutofit/>
-          </a:bodyPr>
-          <a:lstStyle>
-            <a:defPPr>
-              <a:defRPr lang="en-US"/>
-            </a:defPPr>
-            <a:lvl1pPr marL="0" algn="l" defTabSz="914400" rtl="0" eaLnBrk="1" latinLnBrk="0" hangingPunct="1">
-              <a:defRPr sz="1800" kern="1200">
-                <a:solidFill>
-                  <a:schemeClr val="lt1"/>
-                </a:solidFill>
-                <a:latin typeface="+mn-lt"/>
-                <a:ea typeface="+mn-ea"/>
-                <a:cs typeface="+mn-cs"/>
-              </a:defRPr>
-            </a:lvl1pPr>
-            <a:lvl2pPr marL="457200" algn="l" defTabSz="914400" rtl="0" eaLnBrk="1" latinLnBrk="0" hangingPunct="1">
-              <a:defRPr sz="1800" kern="1200">
-                <a:solidFill>
-                  <a:schemeClr val="lt1"/>
-                </a:solidFill>
-                <a:latin typeface="+mn-lt"/>
-                <a:ea typeface="+mn-ea"/>
-                <a:cs typeface="+mn-cs"/>
-              </a:defRPr>
-            </a:lvl2pPr>
-            <a:lvl3pPr marL="914400" algn="l" defTabSz="914400" rtl="0" eaLnBrk="1" latinLnBrk="0" hangingPunct="1">
-              <a:defRPr sz="1800" kern="1200">
-                <a:solidFill>
-                  <a:schemeClr val="lt1"/>
-                </a:solidFill>
-                <a:latin typeface="+mn-lt"/>
-                <a:ea typeface="+mn-ea"/>
-                <a:cs typeface="+mn-cs"/>
-              </a:defRPr>
-            </a:lvl3pPr>
-            <a:lvl4pPr marL="1371600" algn="l" defTabSz="914400" rtl="0" eaLnBrk="1" latinLnBrk="0" hangingPunct="1">
-              <a:defRPr sz="1800" kern="1200">
-                <a:solidFill>
-                  <a:schemeClr val="lt1"/>
-                </a:solidFill>
-                <a:latin typeface="+mn-lt"/>
-                <a:ea typeface="+mn-ea"/>
-                <a:cs typeface="+mn-cs"/>
-              </a:defRPr>
-            </a:lvl4pPr>
-            <a:lvl5pPr marL="1828800" algn="l" defTabSz="914400" rtl="0" eaLnBrk="1" latinLnBrk="0" hangingPunct="1">
-              <a:defRPr sz="1800" kern="1200">
-                <a:solidFill>
-                  <a:schemeClr val="lt1"/>
-                </a:solidFill>
-                <a:latin typeface="+mn-lt"/>
-                <a:ea typeface="+mn-ea"/>
-                <a:cs typeface="+mn-cs"/>
-              </a:defRPr>
-            </a:lvl5pPr>
-            <a:lvl6pPr marL="2286000" algn="l" defTabSz="914400" rtl="0" eaLnBrk="1" latinLnBrk="0" hangingPunct="1">
-              <a:defRPr sz="1800" kern="1200">
-                <a:solidFill>
-                  <a:schemeClr val="lt1"/>
-                </a:solidFill>
-                <a:latin typeface="+mn-lt"/>
-                <a:ea typeface="+mn-ea"/>
-                <a:cs typeface="+mn-cs"/>
-              </a:defRPr>
-            </a:lvl6pPr>
-            <a:lvl7pPr marL="2743200" algn="l" defTabSz="914400" rtl="0" eaLnBrk="1" latinLnBrk="0" hangingPunct="1">
-              <a:defRPr sz="1800" kern="1200">
-                <a:solidFill>
-                  <a:schemeClr val="lt1"/>
-                </a:solidFill>
-                <a:latin typeface="+mn-lt"/>
-                <a:ea typeface="+mn-ea"/>
-                <a:cs typeface="+mn-cs"/>
-              </a:defRPr>
-            </a:lvl7pPr>
-            <a:lvl8pPr marL="3200400" algn="l" defTabSz="914400" rtl="0" eaLnBrk="1" latinLnBrk="0" hangingPunct="1">
-              <a:defRPr sz="1800" kern="1200">
-                <a:solidFill>
-                  <a:schemeClr val="lt1"/>
-                </a:solidFill>
-                <a:latin typeface="+mn-lt"/>
-                <a:ea typeface="+mn-ea"/>
-                <a:cs typeface="+mn-cs"/>
-              </a:defRPr>
-            </a:lvl8pPr>
-            <a:lvl9pPr marL="3657600" algn="l" defTabSz="914400" rtl="0" eaLnBrk="1" latinLnBrk="0" hangingPunct="1">
-              <a:defRPr sz="1800" kern="1200">
-                <a:solidFill>
-                  <a:schemeClr val="lt1"/>
-                </a:solidFill>
-                <a:latin typeface="+mn-lt"/>
-                <a:ea typeface="+mn-ea"/>
-                <a:cs typeface="+mn-cs"/>
-              </a:defRPr>
-            </a:lvl9pPr>
-          </a:lstStyle>
+          <a:bodyPr rtlCol="0" anchor="ctr"/>
+          <a:lstStyle/>
           <a:p>
             <a:pPr algn="ctr"/>
             <a:endParaRPr lang="en-US"/>
           </a:p>
         </p:txBody>
       </p:sp>
-      <p:sp useBgFill="1">
-        <p:nvSpPr>
-          <p:cNvPr id="5" name="Rectangle 4">
-            <a:extLst>
-              <a:ext uri="{FF2B5EF4-FFF2-40B4-BE49-F238E27FC236}">
-                <a16:creationId xmlns:a16="http://schemas.microsoft.com/office/drawing/2014/main" id="{7BF40641-511A-3841-9ABF-7AF27A7B2087}"/>
-              </a:ext>
-              <a:ext uri="{C183D7F6-B498-43B3-948B-1728B52AA6E4}">
-                <adec:decorative xmlns:adec="http://schemas.microsoft.com/office/drawing/2017/decorative" val="1"/>
-              </a:ext>
-            </a:extLst>
-          </p:cNvPr>
-          <p:cNvSpPr>
-            <a:spLocks noGrp="1" noRot="1" noChangeAspect="1" noMove="1" noResize="1" noEditPoints="1" noAdjustHandles="1" noChangeArrowheads="1" noChangeShapeType="1" noTextEdit="1"/>
-          </p:cNvSpPr>
-          <p:nvPr>
-            <p:extLst>
-              <p:ext uri="{386F3935-93C4-4BCD-93E2-E3B085C9AB24}">
-                <p16:designElem xmlns:p16="http://schemas.microsoft.com/office/powerpoint/2015/main" val="1"/>
-              </p:ext>
-            </p:extLst>
-          </p:nvPr>
-        </p:nvSpPr>
-        <p:spPr>
-          <a:xfrm>
-            <a:off x="210312" y="226665"/>
-            <a:ext cx="11722608" cy="6382512"/>
+      <p:sp>
+        <p:nvSpPr>
+          <p:cNvPr id="8" name="TextBox 7">
+            <a:extLst>
+              <a:ext uri="{FF2B5EF4-FFF2-40B4-BE49-F238E27FC236}">
+                <a16:creationId xmlns:a16="http://schemas.microsoft.com/office/drawing/2014/main" id="{EA6EB7ED-91B5-8046-A4A1-C008589DAC8C}"/>
+              </a:ext>
+            </a:extLst>
+          </p:cNvPr>
+          <p:cNvSpPr txBox="1"/>
+          <p:nvPr/>
+        </p:nvSpPr>
+        <p:spPr>
+          <a:xfrm>
+            <a:off x="1842848" y="2476315"/>
+            <a:ext cx="569387" cy="369332"/>
           </a:xfrm>
           <a:prstGeom prst="rect">
             <a:avLst/>
           </a:prstGeom>
-          <a:ln w="6350" cap="flat" cmpd="sng" algn="ctr">
-            <a:noFill/>
-            <a:prstDash val="solid"/>
-          </a:ln>
-          <a:effectLst>
-            <a:softEdge rad="0"/>
-          </a:effectLst>
-        </p:spPr>
-      </p:sp>
-      <p:sp>
-        <p:nvSpPr>
-          <p:cNvPr id="6" name="Title 1">
-            <a:extLst>
-              <a:ext uri="{FF2B5EF4-FFF2-40B4-BE49-F238E27FC236}">
-                <a16:creationId xmlns:a16="http://schemas.microsoft.com/office/drawing/2014/main" id="{F2953D25-6E53-AF4B-86A8-F3A32ADA4720}"/>
-              </a:ext>
-            </a:extLst>
-          </p:cNvPr>
-          <p:cNvSpPr>
-            <a:spLocks noGrp="1"/>
-          </p:cNvSpPr>
-          <p:nvPr>
-            <p:ph type="title"/>
-          </p:nvPr>
-        </p:nvSpPr>
-        <p:spPr>
-          <a:xfrm>
-            <a:off x="1175512" y="870132"/>
-            <a:ext cx="9792208" cy="1527078"/>
-          </a:xfrm>
-        </p:spPr>
-        <p:txBody>
-          <a:bodyPr>
-            <a:normAutofit/>
+          <a:noFill/>
+        </p:spPr>
+        <p:txBody>
+          <a:bodyPr wrap="none" rtlCol="0">
+            <a:spAutoFit/>
           </a:bodyPr>
           <a:lstStyle/>
           <a:p>
@@ -14600,17 +11110,140 @@
                   </a:schemeClr>
                 </a:solidFill>
               </a:rPr>
-              <a:t>Intersection</a:t>
-            </a:r>
-          </a:p>
-        </p:txBody>
-      </p:sp>
-      <p:sp>
-        <p:nvSpPr>
-          <p:cNvPr id="7" name="Oval 6">
-            <a:extLst>
-              <a:ext uri="{FF2B5EF4-FFF2-40B4-BE49-F238E27FC236}">
-                <a16:creationId xmlns:a16="http://schemas.microsoft.com/office/drawing/2014/main" id="{C32CFE7C-BADD-8D42-B9F9-9BE9B90AA1C7}"/>
+              <a:t>429</a:t>
+            </a:r>
+          </a:p>
+        </p:txBody>
+      </p:sp>
+      <p:sp>
+        <p:nvSpPr>
+          <p:cNvPr id="9" name="TextBox 8">
+            <a:extLst>
+              <a:ext uri="{FF2B5EF4-FFF2-40B4-BE49-F238E27FC236}">
+                <a16:creationId xmlns:a16="http://schemas.microsoft.com/office/drawing/2014/main" id="{C5A68914-D85A-654D-BB66-4AB37954622A}"/>
+              </a:ext>
+            </a:extLst>
+          </p:cNvPr>
+          <p:cNvSpPr txBox="1"/>
+          <p:nvPr/>
+        </p:nvSpPr>
+        <p:spPr>
+          <a:xfrm>
+            <a:off x="1175512" y="3072312"/>
+            <a:ext cx="761747" cy="369332"/>
+          </a:xfrm>
+          <a:prstGeom prst="rect">
+            <a:avLst/>
+          </a:prstGeom>
+          <a:noFill/>
+        </p:spPr>
+        <p:txBody>
+          <a:bodyPr wrap="none" rtlCol="0">
+            <a:spAutoFit/>
+          </a:bodyPr>
+          <a:lstStyle/>
+          <a:p>
+            <a:r>
+              <a:rPr lang="en-US" dirty="0">
+                <a:solidFill>
+                  <a:schemeClr val="tx2">
+                    <a:lumMod val="75000"/>
+                  </a:schemeClr>
+                </a:solidFill>
+              </a:rPr>
+              <a:t>1.169</a:t>
+            </a:r>
+          </a:p>
+        </p:txBody>
+      </p:sp>
+      <p:sp>
+        <p:nvSpPr>
+          <p:cNvPr id="10" name="TextBox 9">
+            <a:extLst>
+              <a:ext uri="{FF2B5EF4-FFF2-40B4-BE49-F238E27FC236}">
+                <a16:creationId xmlns:a16="http://schemas.microsoft.com/office/drawing/2014/main" id="{03F5C04F-2757-E649-9D12-989CB6B97378}"/>
+              </a:ext>
+            </a:extLst>
+          </p:cNvPr>
+          <p:cNvSpPr txBox="1"/>
+          <p:nvPr/>
+        </p:nvSpPr>
+        <p:spPr>
+          <a:xfrm>
+            <a:off x="2279025" y="3075964"/>
+            <a:ext cx="458780" cy="369332"/>
+          </a:xfrm>
+          <a:prstGeom prst="rect">
+            <a:avLst/>
+          </a:prstGeom>
+          <a:noFill/>
+        </p:spPr>
+        <p:txBody>
+          <a:bodyPr wrap="none" rtlCol="0">
+            <a:spAutoFit/>
+          </a:bodyPr>
+          <a:lstStyle/>
+          <a:p>
+            <a:r>
+              <a:rPr lang="en-US" dirty="0">
+                <a:solidFill>
+                  <a:schemeClr val="tx2">
+                    <a:lumMod val="75000"/>
+                  </a:schemeClr>
+                </a:solidFill>
+              </a:rPr>
+              <a:t>‘Z’</a:t>
+            </a:r>
+          </a:p>
+        </p:txBody>
+      </p:sp>
+      <p:sp>
+        <p:nvSpPr>
+          <p:cNvPr id="11" name="TextBox 10">
+            <a:extLst>
+              <a:ext uri="{FF2B5EF4-FFF2-40B4-BE49-F238E27FC236}">
+                <a16:creationId xmlns:a16="http://schemas.microsoft.com/office/drawing/2014/main" id="{430F36A0-9000-114C-B3FE-6748D149538A}"/>
+              </a:ext>
+            </a:extLst>
+          </p:cNvPr>
+          <p:cNvSpPr txBox="1"/>
+          <p:nvPr/>
+        </p:nvSpPr>
+        <p:spPr>
+          <a:xfrm>
+            <a:off x="1621634" y="3982280"/>
+            <a:ext cx="790601" cy="369332"/>
+          </a:xfrm>
+          <a:prstGeom prst="rect">
+            <a:avLst/>
+          </a:prstGeom>
+          <a:noFill/>
+        </p:spPr>
+        <p:txBody>
+          <a:bodyPr wrap="none" rtlCol="0">
+            <a:spAutoFit/>
+          </a:bodyPr>
+          <a:lstStyle/>
+          <a:p>
+            <a:r>
+              <a:rPr lang="en-US" dirty="0">
+                <a:solidFill>
+                  <a:schemeClr val="tx2">
+                    <a:lumMod val="75000"/>
+                  </a:schemeClr>
+                </a:solidFill>
+              </a:rPr>
+              <a:t>set_A</a:t>
+            </a:r>
+          </a:p>
+        </p:txBody>
+      </p:sp>
+      <p:sp>
+        <p:nvSpPr>
+          <p:cNvPr id="12" name="Oval 11">
+            <a:extLst>
+              <a:ext uri="{FF2B5EF4-FFF2-40B4-BE49-F238E27FC236}">
+                <a16:creationId xmlns:a16="http://schemas.microsoft.com/office/drawing/2014/main" id="{FFFB3869-A085-1C49-A18B-9D6B9EE5B0C1}"/>
               </a:ext>
             </a:extLst>
           </p:cNvPr>
@@ -14619,7 +11252,7 @@
         </p:nvSpPr>
         <p:spPr>
           <a:xfrm>
-            <a:off x="1175512" y="2252132"/>
+            <a:off x="4044772" y="2273566"/>
             <a:ext cx="1904060" cy="1597492"/>
           </a:xfrm>
           <a:prstGeom prst="ellipse">
@@ -14654,10 +11287,10 @@
       </p:sp>
       <p:sp>
         <p:nvSpPr>
-          <p:cNvPr id="8" name="TextBox 7">
-            <a:extLst>
-              <a:ext uri="{FF2B5EF4-FFF2-40B4-BE49-F238E27FC236}">
-                <a16:creationId xmlns:a16="http://schemas.microsoft.com/office/drawing/2014/main" id="{EA6EB7ED-91B5-8046-A4A1-C008589DAC8C}"/>
+          <p:cNvPr id="13" name="TextBox 12">
+            <a:extLst>
+              <a:ext uri="{FF2B5EF4-FFF2-40B4-BE49-F238E27FC236}">
+                <a16:creationId xmlns:a16="http://schemas.microsoft.com/office/drawing/2014/main" id="{35AE9FF8-C0FD-824C-AB45-9DC9C8C95532}"/>
               </a:ext>
             </a:extLst>
           </p:cNvPr>
@@ -14666,8 +11299,8 @@
         </p:nvSpPr>
         <p:spPr>
           <a:xfrm>
-            <a:off x="1842848" y="2476315"/>
-            <a:ext cx="569387" cy="369332"/>
+            <a:off x="4394026" y="2508404"/>
+            <a:ext cx="1101584" cy="369332"/>
           </a:xfrm>
           <a:prstGeom prst="rect">
             <a:avLst/>
@@ -14688,17 +11321,17 @@
                   </a:schemeClr>
                 </a:solidFill>
               </a:rPr>
-              <a:t>429</a:t>
-            </a:r>
-          </a:p>
-        </p:txBody>
-      </p:sp>
-      <p:sp>
-        <p:nvSpPr>
-          <p:cNvPr id="9" name="TextBox 8">
-            <a:extLst>
-              <a:ext uri="{FF2B5EF4-FFF2-40B4-BE49-F238E27FC236}">
-                <a16:creationId xmlns:a16="http://schemas.microsoft.com/office/drawing/2014/main" id="{C5A68914-D85A-654D-BB66-4AB37954622A}"/>
+              <a:t>“grape”</a:t>
+            </a:r>
+          </a:p>
+        </p:txBody>
+      </p:sp>
+      <p:sp>
+        <p:nvSpPr>
+          <p:cNvPr id="14" name="TextBox 13">
+            <a:extLst>
+              <a:ext uri="{FF2B5EF4-FFF2-40B4-BE49-F238E27FC236}">
+                <a16:creationId xmlns:a16="http://schemas.microsoft.com/office/drawing/2014/main" id="{D82BF45E-226A-454B-B15B-4458D0ABD4D2}"/>
               </a:ext>
             </a:extLst>
           </p:cNvPr>
@@ -14707,8 +11340,8 @@
         </p:nvSpPr>
         <p:spPr>
           <a:xfrm>
-            <a:off x="1175512" y="3072312"/>
-            <a:ext cx="761747" cy="369332"/>
+            <a:off x="4159456" y="3097326"/>
+            <a:ext cx="569387" cy="369332"/>
           </a:xfrm>
           <a:prstGeom prst="rect">
             <a:avLst/>
@@ -14729,17 +11362,17 @@
                   </a:schemeClr>
                 </a:solidFill>
               </a:rPr>
-              <a:t>1.169</a:t>
-            </a:r>
-          </a:p>
-        </p:txBody>
-      </p:sp>
-      <p:sp>
-        <p:nvSpPr>
-          <p:cNvPr id="10" name="TextBox 9">
-            <a:extLst>
-              <a:ext uri="{FF2B5EF4-FFF2-40B4-BE49-F238E27FC236}">
-                <a16:creationId xmlns:a16="http://schemas.microsoft.com/office/drawing/2014/main" id="{03F5C04F-2757-E649-9D12-989CB6B97378}"/>
+              <a:t>111</a:t>
+            </a:r>
+          </a:p>
+        </p:txBody>
+      </p:sp>
+      <p:sp>
+        <p:nvSpPr>
+          <p:cNvPr id="15" name="TextBox 14">
+            <a:extLst>
+              <a:ext uri="{FF2B5EF4-FFF2-40B4-BE49-F238E27FC236}">
+                <a16:creationId xmlns:a16="http://schemas.microsoft.com/office/drawing/2014/main" id="{61D341AC-75FA-B443-8975-74FFBD315DB2}"/>
               </a:ext>
             </a:extLst>
           </p:cNvPr>
@@ -14748,7 +11381,7 @@
         </p:nvSpPr>
         <p:spPr>
           <a:xfrm>
-            <a:off x="2279025" y="3075964"/>
+            <a:off x="5148285" y="3097398"/>
             <a:ext cx="458780" cy="369332"/>
           </a:xfrm>
           <a:prstGeom prst="rect">
@@ -14777,10 +11410,10 @@
       </p:sp>
       <p:sp>
         <p:nvSpPr>
-          <p:cNvPr id="11" name="TextBox 10">
-            <a:extLst>
-              <a:ext uri="{FF2B5EF4-FFF2-40B4-BE49-F238E27FC236}">
-                <a16:creationId xmlns:a16="http://schemas.microsoft.com/office/drawing/2014/main" id="{430F36A0-9000-114C-B3FE-6748D149538A}"/>
+          <p:cNvPr id="16" name="TextBox 15">
+            <a:extLst>
+              <a:ext uri="{FF2B5EF4-FFF2-40B4-BE49-F238E27FC236}">
+                <a16:creationId xmlns:a16="http://schemas.microsoft.com/office/drawing/2014/main" id="{A6E9D3D3-3965-DA44-9DBB-C66791D81A58}"/>
               </a:ext>
             </a:extLst>
           </p:cNvPr>
@@ -14789,8 +11422,8 @@
         </p:nvSpPr>
         <p:spPr>
           <a:xfrm>
-            <a:off x="1621634" y="3982280"/>
-            <a:ext cx="790601" cy="369332"/>
+            <a:off x="4490894" y="4003714"/>
+            <a:ext cx="752129" cy="369332"/>
           </a:xfrm>
           <a:prstGeom prst="rect">
             <a:avLst/>
@@ -14811,17 +11444,17 @@
                   </a:schemeClr>
                 </a:solidFill>
               </a:rPr>
-              <a:t>set_A</a:t>
-            </a:r>
-          </a:p>
-        </p:txBody>
-      </p:sp>
-      <p:sp>
-        <p:nvSpPr>
-          <p:cNvPr id="12" name="Oval 11">
-            <a:extLst>
-              <a:ext uri="{FF2B5EF4-FFF2-40B4-BE49-F238E27FC236}">
-                <a16:creationId xmlns:a16="http://schemas.microsoft.com/office/drawing/2014/main" id="{FFFB3869-A085-1C49-A18B-9D6B9EE5B0C1}"/>
+              <a:t>set_B</a:t>
+            </a:r>
+          </a:p>
+        </p:txBody>
+      </p:sp>
+      <p:sp>
+        <p:nvSpPr>
+          <p:cNvPr id="17" name="Oval 16">
+            <a:extLst>
+              <a:ext uri="{FF2B5EF4-FFF2-40B4-BE49-F238E27FC236}">
+                <a16:creationId xmlns:a16="http://schemas.microsoft.com/office/drawing/2014/main" id="{DB40A83D-0EA1-8044-8213-805FF1C22FE5}"/>
               </a:ext>
             </a:extLst>
           </p:cNvPr>
@@ -14830,7 +11463,7 @@
         </p:nvSpPr>
         <p:spPr>
           <a:xfrm>
-            <a:off x="4044772" y="2273566"/>
+            <a:off x="7655177" y="2164344"/>
             <a:ext cx="1904060" cy="1597492"/>
           </a:xfrm>
           <a:prstGeom prst="ellipse">
@@ -14865,10 +11498,10 @@
       </p:sp>
       <p:sp>
         <p:nvSpPr>
-          <p:cNvPr id="13" name="TextBox 12">
-            <a:extLst>
-              <a:ext uri="{FF2B5EF4-FFF2-40B4-BE49-F238E27FC236}">
-                <a16:creationId xmlns:a16="http://schemas.microsoft.com/office/drawing/2014/main" id="{35AE9FF8-C0FD-824C-AB45-9DC9C8C95532}"/>
+          <p:cNvPr id="20" name="TextBox 19">
+            <a:extLst>
+              <a:ext uri="{FF2B5EF4-FFF2-40B4-BE49-F238E27FC236}">
+                <a16:creationId xmlns:a16="http://schemas.microsoft.com/office/drawing/2014/main" id="{4560ACD1-A69B-0447-905D-85A88ACB6F20}"/>
               </a:ext>
             </a:extLst>
           </p:cNvPr>
@@ -14877,8 +11510,8 @@
         </p:nvSpPr>
         <p:spPr>
           <a:xfrm>
-            <a:off x="4394026" y="2508404"/>
-            <a:ext cx="1101584" cy="369332"/>
+            <a:off x="8377817" y="2764802"/>
+            <a:ext cx="458780" cy="369332"/>
           </a:xfrm>
           <a:prstGeom prst="rect">
             <a:avLst/>
@@ -14899,17 +11532,17 @@
                   </a:schemeClr>
                 </a:solidFill>
               </a:rPr>
-              <a:t>“grape”</a:t>
-            </a:r>
-          </a:p>
-        </p:txBody>
-      </p:sp>
-      <p:sp>
-        <p:nvSpPr>
-          <p:cNvPr id="14" name="TextBox 13">
-            <a:extLst>
-              <a:ext uri="{FF2B5EF4-FFF2-40B4-BE49-F238E27FC236}">
-                <a16:creationId xmlns:a16="http://schemas.microsoft.com/office/drawing/2014/main" id="{D82BF45E-226A-454B-B15B-4458D0ABD4D2}"/>
+              <a:t>‘Z’</a:t>
+            </a:r>
+          </a:p>
+        </p:txBody>
+      </p:sp>
+      <p:sp>
+        <p:nvSpPr>
+          <p:cNvPr id="21" name="TextBox 20">
+            <a:extLst>
+              <a:ext uri="{FF2B5EF4-FFF2-40B4-BE49-F238E27FC236}">
+                <a16:creationId xmlns:a16="http://schemas.microsoft.com/office/drawing/2014/main" id="{73DACB55-6995-7447-859A-B9E4629B0B03}"/>
               </a:ext>
             </a:extLst>
           </p:cNvPr>
@@ -14918,8 +11551,8 @@
         </p:nvSpPr>
         <p:spPr>
           <a:xfrm>
-            <a:off x="4159456" y="3097326"/>
-            <a:ext cx="569387" cy="369332"/>
+            <a:off x="8101299" y="3894492"/>
+            <a:ext cx="1207382" cy="369332"/>
           </a:xfrm>
           <a:prstGeom prst="rect">
             <a:avLst/>
@@ -14933,106 +11566,31 @@
           <a:lstStyle/>
           <a:p>
             <a:r>
-              <a:rPr lang="en-US" dirty="0">
-                <a:solidFill>
-                  <a:schemeClr val="tx2">
-                    <a:lumMod val="75000"/>
-                  </a:schemeClr>
-                </a:solidFill>
-              </a:rPr>
-              <a:t>111</a:t>
-            </a:r>
-          </a:p>
-        </p:txBody>
-      </p:sp>
-      <p:sp>
-        <p:nvSpPr>
-          <p:cNvPr id="15" name="TextBox 14">
-            <a:extLst>
-              <a:ext uri="{FF2B5EF4-FFF2-40B4-BE49-F238E27FC236}">
-                <a16:creationId xmlns:a16="http://schemas.microsoft.com/office/drawing/2014/main" id="{61D341AC-75FA-B443-8975-74FFBD315DB2}"/>
-              </a:ext>
-            </a:extLst>
-          </p:cNvPr>
-          <p:cNvSpPr txBox="1"/>
-          <p:nvPr/>
-        </p:nvSpPr>
-        <p:spPr>
-          <a:xfrm>
-            <a:off x="5148285" y="3097398"/>
-            <a:ext cx="458780" cy="369332"/>
-          </a:xfrm>
-          <a:prstGeom prst="rect">
-            <a:avLst/>
-          </a:prstGeom>
-          <a:noFill/>
-        </p:spPr>
-        <p:txBody>
-          <a:bodyPr wrap="none" rtlCol="0">
-            <a:spAutoFit/>
-          </a:bodyPr>
-          <a:lstStyle/>
-          <a:p>
-            <a:r>
-              <a:rPr lang="en-US" dirty="0">
-                <a:solidFill>
-                  <a:schemeClr val="tx2">
-                    <a:lumMod val="75000"/>
-                  </a:schemeClr>
-                </a:solidFill>
-              </a:rPr>
-              <a:t>‘Z’</a:t>
-            </a:r>
-          </a:p>
-        </p:txBody>
-      </p:sp>
-      <p:sp>
-        <p:nvSpPr>
-          <p:cNvPr id="16" name="TextBox 15">
-            <a:extLst>
-              <a:ext uri="{FF2B5EF4-FFF2-40B4-BE49-F238E27FC236}">
-                <a16:creationId xmlns:a16="http://schemas.microsoft.com/office/drawing/2014/main" id="{A6E9D3D3-3965-DA44-9DBB-C66791D81A58}"/>
-              </a:ext>
-            </a:extLst>
-          </p:cNvPr>
-          <p:cNvSpPr txBox="1"/>
-          <p:nvPr/>
-        </p:nvSpPr>
-        <p:spPr>
-          <a:xfrm>
-            <a:off x="4490894" y="4003714"/>
-            <a:ext cx="752129" cy="369332"/>
-          </a:xfrm>
-          <a:prstGeom prst="rect">
-            <a:avLst/>
-          </a:prstGeom>
-          <a:noFill/>
-        </p:spPr>
-        <p:txBody>
-          <a:bodyPr wrap="none" rtlCol="0">
-            <a:spAutoFit/>
-          </a:bodyPr>
-          <a:lstStyle/>
-          <a:p>
-            <a:r>
-              <a:rPr lang="en-US" dirty="0">
-                <a:solidFill>
-                  <a:schemeClr val="tx2">
-                    <a:lumMod val="75000"/>
-                  </a:schemeClr>
-                </a:solidFill>
-              </a:rPr>
-              <a:t>set_B</a:t>
-            </a:r>
-          </a:p>
-        </p:txBody>
-      </p:sp>
-      <p:sp>
-        <p:nvSpPr>
-          <p:cNvPr id="17" name="Oval 16">
-            <a:extLst>
-              <a:ext uri="{FF2B5EF4-FFF2-40B4-BE49-F238E27FC236}">
-                <a16:creationId xmlns:a16="http://schemas.microsoft.com/office/drawing/2014/main" id="{DB40A83D-0EA1-8044-8213-805FF1C22FE5}"/>
+              <a:rPr lang="en-US" dirty="0" err="1">
+                <a:solidFill>
+                  <a:schemeClr val="tx2">
+                    <a:lumMod val="75000"/>
+                  </a:schemeClr>
+                </a:solidFill>
+              </a:rPr>
+              <a:t>set_A_I_B</a:t>
+            </a:r>
+            <a:endParaRPr lang="en-US" dirty="0">
+              <a:solidFill>
+                <a:schemeClr val="tx2">
+                  <a:lumMod val="75000"/>
+                </a:schemeClr>
+              </a:solidFill>
+            </a:endParaRPr>
+          </a:p>
+        </p:txBody>
+      </p:sp>
+      <p:sp>
+        <p:nvSpPr>
+          <p:cNvPr id="24" name="Block Arc 23">
+            <a:extLst>
+              <a:ext uri="{FF2B5EF4-FFF2-40B4-BE49-F238E27FC236}">
+                <a16:creationId xmlns:a16="http://schemas.microsoft.com/office/drawing/2014/main" id="{9EBAA6A9-C3E2-9845-9465-C2442B633070}"/>
               </a:ext>
             </a:extLst>
           </p:cNvPr>
@@ -15041,13 +11599,16 @@
         </p:nvSpPr>
         <p:spPr>
           <a:xfrm>
-            <a:off x="7655177" y="2164344"/>
-            <a:ext cx="1904060" cy="1597492"/>
-          </a:xfrm>
-          <a:prstGeom prst="ellipse">
-            <a:avLst/>
+            <a:off x="3197689" y="2623875"/>
+            <a:ext cx="728965" cy="2104497"/>
+          </a:xfrm>
+          <a:prstGeom prst="blockArc">
+            <a:avLst>
+              <a:gd name="adj1" fmla="val 10800000"/>
+              <a:gd name="adj2" fmla="val 21542438"/>
+              <a:gd name="adj3" fmla="val 2168"/>
+            </a:avLst>
           </a:prstGeom>
-          <a:noFill/>
         </p:spPr>
         <p:style>
           <a:lnRef idx="2">
@@ -15070,94 +11631,9 @@
           <a:lstStyle/>
           <a:p>
             <a:pPr algn="ctr"/>
-            <a:endParaRPr lang="en-US"/>
-          </a:p>
-        </p:txBody>
-      </p:sp>
-      <p:sp>
-        <p:nvSpPr>
-          <p:cNvPr id="20" name="TextBox 19">
-            <a:extLst>
-              <a:ext uri="{FF2B5EF4-FFF2-40B4-BE49-F238E27FC236}">
-                <a16:creationId xmlns:a16="http://schemas.microsoft.com/office/drawing/2014/main" id="{4560ACD1-A69B-0447-905D-85A88ACB6F20}"/>
-              </a:ext>
-            </a:extLst>
-          </p:cNvPr>
-          <p:cNvSpPr txBox="1"/>
-          <p:nvPr/>
-        </p:nvSpPr>
-        <p:spPr>
-          <a:xfrm>
-            <a:off x="8377817" y="2764802"/>
-            <a:ext cx="458780" cy="369332"/>
-          </a:xfrm>
-          <a:prstGeom prst="rect">
-            <a:avLst/>
-          </a:prstGeom>
-          <a:noFill/>
-        </p:spPr>
-        <p:txBody>
-          <a:bodyPr wrap="none" rtlCol="0">
-            <a:spAutoFit/>
-          </a:bodyPr>
-          <a:lstStyle/>
-          <a:p>
-            <a:r>
-              <a:rPr lang="en-US" dirty="0">
-                <a:solidFill>
-                  <a:schemeClr val="tx2">
-                    <a:lumMod val="75000"/>
-                  </a:schemeClr>
-                </a:solidFill>
-              </a:rPr>
-              <a:t>‘Z’</a:t>
-            </a:r>
-          </a:p>
-        </p:txBody>
-      </p:sp>
-      <p:sp>
-        <p:nvSpPr>
-          <p:cNvPr id="21" name="TextBox 20">
-            <a:extLst>
-              <a:ext uri="{FF2B5EF4-FFF2-40B4-BE49-F238E27FC236}">
-                <a16:creationId xmlns:a16="http://schemas.microsoft.com/office/drawing/2014/main" id="{73DACB55-6995-7447-859A-B9E4629B0B03}"/>
-              </a:ext>
-            </a:extLst>
-          </p:cNvPr>
-          <p:cNvSpPr txBox="1"/>
-          <p:nvPr/>
-        </p:nvSpPr>
-        <p:spPr>
-          <a:xfrm>
-            <a:off x="8101299" y="3894492"/>
-            <a:ext cx="1207382" cy="369332"/>
-          </a:xfrm>
-          <a:prstGeom prst="rect">
-            <a:avLst/>
-          </a:prstGeom>
-          <a:noFill/>
-        </p:spPr>
-        <p:txBody>
-          <a:bodyPr wrap="none" rtlCol="0">
-            <a:spAutoFit/>
-          </a:bodyPr>
-          <a:lstStyle/>
-          <a:p>
-            <a:r>
-              <a:rPr lang="en-US" dirty="0" err="1">
-                <a:solidFill>
-                  <a:schemeClr val="tx2">
-                    <a:lumMod val="75000"/>
-                  </a:schemeClr>
-                </a:solidFill>
-              </a:rPr>
-              <a:t>set_A_I_B</a:t>
-            </a:r>
-            <a:endParaRPr lang="en-US" dirty="0">
+            <a:endParaRPr lang="en-US">
               <a:solidFill>
-                <a:schemeClr val="tx2">
-                  <a:lumMod val="75000"/>
-                </a:schemeClr>
+                <a:schemeClr val="tx1"/>
               </a:solidFill>
             </a:endParaRPr>
           </a:p>
@@ -15165,10 +11641,10 @@
       </p:sp>
       <p:sp>
         <p:nvSpPr>
-          <p:cNvPr id="24" name="Block Arc 23">
-            <a:extLst>
-              <a:ext uri="{FF2B5EF4-FFF2-40B4-BE49-F238E27FC236}">
-                <a16:creationId xmlns:a16="http://schemas.microsoft.com/office/drawing/2014/main" id="{9EBAA6A9-C3E2-9845-9465-C2442B633070}"/>
+          <p:cNvPr id="25" name="Right Arrow 24">
+            <a:extLst>
+              <a:ext uri="{FF2B5EF4-FFF2-40B4-BE49-F238E27FC236}">
+                <a16:creationId xmlns:a16="http://schemas.microsoft.com/office/drawing/2014/main" id="{4320565C-9174-F640-865C-AC41FA42B974}"/>
               </a:ext>
             </a:extLst>
           </p:cNvPr>
@@ -15177,15 +11653,11 @@
         </p:nvSpPr>
         <p:spPr>
           <a:xfrm>
-            <a:off x="3197689" y="2623875"/>
-            <a:ext cx="728965" cy="2104497"/>
-          </a:xfrm>
-          <a:prstGeom prst="blockArc">
-            <a:avLst>
-              <a:gd name="adj1" fmla="val 10800000"/>
-              <a:gd name="adj2" fmla="val 21542438"/>
-              <a:gd name="adj3" fmla="val 2168"/>
-            </a:avLst>
+            <a:off x="6291072" y="2845647"/>
+            <a:ext cx="1152144" cy="103821"/>
+          </a:xfrm>
+          <a:prstGeom prst="rightArrow">
+            <a:avLst/>
           </a:prstGeom>
         </p:spPr>
         <p:style>
@@ -15209,56 +11681,6 @@
           <a:lstStyle/>
           <a:p>
             <a:pPr algn="ctr"/>
-            <a:endParaRPr lang="en-US">
-              <a:solidFill>
-                <a:schemeClr val="tx1"/>
-              </a:solidFill>
-            </a:endParaRPr>
-          </a:p>
-        </p:txBody>
-      </p:sp>
-      <p:sp>
-        <p:nvSpPr>
-          <p:cNvPr id="25" name="Right Arrow 24">
-            <a:extLst>
-              <a:ext uri="{FF2B5EF4-FFF2-40B4-BE49-F238E27FC236}">
-                <a16:creationId xmlns:a16="http://schemas.microsoft.com/office/drawing/2014/main" id="{4320565C-9174-F640-865C-AC41FA42B974}"/>
-              </a:ext>
-            </a:extLst>
-          </p:cNvPr>
-          <p:cNvSpPr/>
-          <p:nvPr/>
-        </p:nvSpPr>
-        <p:spPr>
-          <a:xfrm>
-            <a:off x="6291072" y="2845647"/>
-            <a:ext cx="1152144" cy="103821"/>
-          </a:xfrm>
-          <a:prstGeom prst="rightArrow">
-            <a:avLst/>
-          </a:prstGeom>
-        </p:spPr>
-        <p:style>
-          <a:lnRef idx="2">
-            <a:schemeClr val="accent1">
-              <a:shade val="50000"/>
-            </a:schemeClr>
-          </a:lnRef>
-          <a:fillRef idx="1">
-            <a:schemeClr val="accent1"/>
-          </a:fillRef>
-          <a:effectRef idx="0">
-            <a:schemeClr val="accent1"/>
-          </a:effectRef>
-          <a:fontRef idx="minor">
-            <a:schemeClr val="lt1"/>
-          </a:fontRef>
-        </p:style>
-        <p:txBody>
-          <a:bodyPr rtlCol="0" anchor="ctr"/>
-          <a:lstStyle/>
-          <a:p>
-            <a:pPr algn="ctr"/>
             <a:endParaRPr lang="en-US"/>
           </a:p>
         </p:txBody>
@@ -15396,14 +11818,14 @@
 </file>
 
 <file path=ppt/theme/theme1.xml><?xml version="1.0" encoding="utf-8"?>
-<a:theme xmlns:a="http://schemas.openxmlformats.org/drawingml/2006/main" name="Savon">
+<a:theme xmlns:a="http://schemas.openxmlformats.org/drawingml/2006/main" name="Office Theme">
   <a:themeElements>
-    <a:clrScheme name="Savon">
+    <a:clrScheme name="Custom 1">
       <a:dk1>
-        <a:sysClr val="windowText" lastClr="000000"/>
+        <a:srgbClr val="000000"/>
       </a:dk1>
       <a:lt1>
-        <a:sysClr val="window" lastClr="FFFFFF"/>
+        <a:srgbClr val="FFFFFF"/>
       </a:lt1>
       <a:dk2>
         <a:srgbClr val="1485A4"/>
@@ -15436,18 +11858,70 @@
         <a:srgbClr val="739D9B"/>
       </a:folHlink>
     </a:clrScheme>
-    <a:fontScheme name="Savon">
+    <a:fontScheme name="Office">
       <a:majorFont>
-        <a:latin typeface="Century Gothic" panose="020B0502020202020204"/>
+        <a:latin typeface="Calibri Light" panose="020F0302020204030204"/>
         <a:ea typeface=""/>
         <a:cs typeface=""/>
-        <a:font script="Jpan" typeface="ＭＳ ゴシック"/>
+        <a:font script="Jpan" typeface="游ゴシック Light"/>
         <a:font script="Hang" typeface="맑은 고딕"/>
-        <a:font script="Hans" typeface="宋体"/>
+        <a:font script="Hans" typeface="等线 Light"/>
         <a:font script="Hant" typeface="新細明體"/>
-        <a:font script="Arab" typeface="Tahoma"/>
-        <a:font script="Hebr" typeface="Gisha"/>
-        <a:font script="Thai" typeface="DilleniaUPC"/>
+        <a:font script="Arab" typeface="Times New Roman"/>
+        <a:font script="Hebr" typeface="Times New Roman"/>
+        <a:font script="Thai" typeface="Angsana New"/>
+        <a:font script="Ethi" typeface="Nyala"/>
+        <a:font script="Beng" typeface="Vrinda"/>
+        <a:font script="Gujr" typeface="Shruti"/>
+        <a:font script="Khmr" typeface="MoolBoran"/>
+        <a:font script="Knda" typeface="Tunga"/>
+        <a:font script="Guru" typeface="Raavi"/>
+        <a:font script="Cans" typeface="Euphemia"/>
+        <a:font script="Cher" typeface="Plantagenet Cherokee"/>
+        <a:font script="Yiii" typeface="Microsoft Yi Baiti"/>
+        <a:font script="Tibt" typeface="Microsoft Himalaya"/>
+        <a:font script="Thaa" typeface="MV Boli"/>
+        <a:font script="Deva" typeface="Mangal"/>
+        <a:font script="Telu" typeface="Gautami"/>
+        <a:font script="Taml" typeface="Latha"/>
+        <a:font script="Syrc" typeface="Estrangelo Edessa"/>
+        <a:font script="Orya" typeface="Kalinga"/>
+        <a:font script="Mlym" typeface="Kartika"/>
+        <a:font script="Laoo" typeface="DokChampa"/>
+        <a:font script="Sinh" typeface="Iskoola Pota"/>
+        <a:font script="Mong" typeface="Mongolian Baiti"/>
+        <a:font script="Viet" typeface="Times New Roman"/>
+        <a:font script="Uigh" typeface="Microsoft Uighur"/>
+        <a:font script="Geor" typeface="Sylfaen"/>
+        <a:font script="Armn" typeface="Arial"/>
+        <a:font script="Bugi" typeface="Leelawadee UI"/>
+        <a:font script="Bopo" typeface="Microsoft JhengHei"/>
+        <a:font script="Java" typeface="Javanese Text"/>
+        <a:font script="Lisu" typeface="Segoe UI"/>
+        <a:font script="Mymr" typeface="Myanmar Text"/>
+        <a:font script="Nkoo" typeface="Ebrima"/>
+        <a:font script="Olck" typeface="Nirmala UI"/>
+        <a:font script="Osma" typeface="Ebrima"/>
+        <a:font script="Phag" typeface="Phagspa"/>
+        <a:font script="Syrn" typeface="Estrangelo Edessa"/>
+        <a:font script="Syrj" typeface="Estrangelo Edessa"/>
+        <a:font script="Syre" typeface="Estrangelo Edessa"/>
+        <a:font script="Sora" typeface="Nirmala UI"/>
+        <a:font script="Tale" typeface="Microsoft Tai Le"/>
+        <a:font script="Talu" typeface="Microsoft New Tai Lue"/>
+        <a:font script="Tfng" typeface="Ebrima"/>
+      </a:majorFont>
+      <a:minorFont>
+        <a:latin typeface="Calibri" panose="020F0502020204030204"/>
+        <a:ea typeface=""/>
+        <a:cs typeface=""/>
+        <a:font script="Jpan" typeface="游ゴシック"/>
+        <a:font script="Hang" typeface="맑은 고딕"/>
+        <a:font script="Hans" typeface="等线"/>
+        <a:font script="Hant" typeface="新細明體"/>
+        <a:font script="Arab" typeface="Arial"/>
+        <a:font script="Hebr" typeface="Arial"/>
+        <a:font script="Thai" typeface="Cordia New"/>
         <a:font script="Ethi" typeface="Nyala"/>
         <a:font script="Beng" typeface="Vrinda"/>
         <a:font script="Gujr" typeface="Shruti"/>
@@ -15468,47 +11942,29 @@
         <a:font script="Laoo" typeface="DokChampa"/>
         <a:font script="Sinh" typeface="Iskoola Pota"/>
         <a:font script="Mong" typeface="Mongolian Baiti"/>
-        <a:font script="Viet" typeface="Tahoma"/>
+        <a:font script="Viet" typeface="Arial"/>
         <a:font script="Uigh" typeface="Microsoft Uighur"/>
         <a:font script="Geor" typeface="Sylfaen"/>
-      </a:majorFont>
-      <a:minorFont>
-        <a:latin typeface="Century Gothic" panose="020B0502020202020204"/>
-        <a:ea typeface=""/>
-        <a:cs typeface=""/>
-        <a:font script="Jpan" typeface="ＭＳ ゴシック"/>
-        <a:font script="Hang" typeface="맑은 고딕"/>
-        <a:font script="Hans" typeface="宋体"/>
-        <a:font script="Hant" typeface="新細明體"/>
-        <a:font script="Arab" typeface="Tahoma"/>
-        <a:font script="Hebr" typeface="Gisha"/>
-        <a:font script="Thai" typeface="DilleniaUPC"/>
-        <a:font script="Ethi" typeface="Nyala"/>
-        <a:font script="Beng" typeface="Vrinda"/>
-        <a:font script="Gujr" typeface="Shruti"/>
-        <a:font script="Khmr" typeface="DaunPenh"/>
-        <a:font script="Knda" typeface="Tunga"/>
-        <a:font script="Guru" typeface="Raavi"/>
-        <a:font script="Cans" typeface="Euphemia"/>
-        <a:font script="Cher" typeface="Plantagenet Cherokee"/>
-        <a:font script="Yiii" typeface="Microsoft Yi Baiti"/>
-        <a:font script="Tibt" typeface="Microsoft Himalaya"/>
-        <a:font script="Thaa" typeface="MV Boli"/>
-        <a:font script="Deva" typeface="Mangal"/>
-        <a:font script="Telu" typeface="Gautami"/>
-        <a:font script="Taml" typeface="Latha"/>
-        <a:font script="Syrc" typeface="Estrangelo Edessa"/>
-        <a:font script="Orya" typeface="Kalinga"/>
-        <a:font script="Mlym" typeface="Kartika"/>
-        <a:font script="Laoo" typeface="DokChampa"/>
-        <a:font script="Sinh" typeface="Iskoola Pota"/>
-        <a:font script="Mong" typeface="Mongolian Baiti"/>
-        <a:font script="Viet" typeface="Verdana"/>
-        <a:font script="Uigh" typeface="Microsoft Uighur"/>
-        <a:font script="Geor" typeface="Sylfaen"/>
+        <a:font script="Armn" typeface="Arial"/>
+        <a:font script="Bugi" typeface="Leelawadee UI"/>
+        <a:font script="Bopo" typeface="Microsoft JhengHei"/>
+        <a:font script="Java" typeface="Javanese Text"/>
+        <a:font script="Lisu" typeface="Segoe UI"/>
+        <a:font script="Mymr" typeface="Myanmar Text"/>
+        <a:font script="Nkoo" typeface="Ebrima"/>
+        <a:font script="Olck" typeface="Nirmala UI"/>
+        <a:font script="Osma" typeface="Ebrima"/>
+        <a:font script="Phag" typeface="Phagspa"/>
+        <a:font script="Syrn" typeface="Estrangelo Edessa"/>
+        <a:font script="Syrj" typeface="Estrangelo Edessa"/>
+        <a:font script="Syre" typeface="Estrangelo Edessa"/>
+        <a:font script="Sora" typeface="Nirmala UI"/>
+        <a:font script="Tale" typeface="Microsoft Tai Le"/>
+        <a:font script="Talu" typeface="Microsoft New Tai Lue"/>
+        <a:font script="Tfng" typeface="Ebrima"/>
       </a:minorFont>
     </a:fontScheme>
-    <a:fmtScheme name="Savon">
+    <a:fmtScheme name="Office">
       <a:fillStyleLst>
         <a:solidFill>
           <a:schemeClr val="phClr"/>
@@ -15517,23 +11973,23 @@
           <a:gsLst>
             <a:gs pos="0">
               <a:schemeClr val="phClr">
-                <a:tint val="60000"/>
+                <a:lumMod val="110000"/>
                 <a:satMod val="105000"/>
+                <a:tint val="67000"/>
+              </a:schemeClr>
+            </a:gs>
+            <a:gs pos="50000">
+              <a:schemeClr val="phClr">
                 <a:lumMod val="105000"/>
+                <a:satMod val="103000"/>
+                <a:tint val="73000"/>
               </a:schemeClr>
             </a:gs>
             <a:gs pos="100000">
               <a:schemeClr val="phClr">
-                <a:tint val="65000"/>
-                <a:satMod val="100000"/>
-                <a:lumMod val="100000"/>
-              </a:schemeClr>
-            </a:gs>
-            <a:gs pos="100000">
-              <a:schemeClr val="phClr">
-                <a:tint val="70000"/>
-                <a:satMod val="100000"/>
-                <a:lumMod val="100000"/>
+                <a:lumMod val="105000"/>
+                <a:satMod val="109000"/>
+                <a:tint val="81000"/>
               </a:schemeClr>
             </a:gs>
           </a:gsLst>
@@ -15543,22 +11999,23 @@
           <a:gsLst>
             <a:gs pos="0">
               <a:schemeClr val="phClr">
-                <a:satMod val="100000"/>
-                <a:lumMod val="100000"/>
+                <a:satMod val="103000"/>
+                <a:lumMod val="102000"/>
+                <a:tint val="94000"/>
               </a:schemeClr>
             </a:gs>
             <a:gs pos="50000">
               <a:schemeClr val="phClr">
-                <a:shade val="99000"/>
-                <a:satMod val="105000"/>
+                <a:satMod val="110000"/>
                 <a:lumMod val="100000"/>
+                <a:shade val="100000"/>
               </a:schemeClr>
             </a:gs>
             <a:gs pos="100000">
               <a:schemeClr val="phClr">
-                <a:shade val="98000"/>
-                <a:satMod val="105000"/>
-                <a:lumMod val="100000"/>
+                <a:lumMod val="99000"/>
+                <a:satMod val="120000"/>
+                <a:shade val="78000"/>
               </a:schemeClr>
             </a:gs>
           </a:gsLst>
@@ -15571,18 +12028,21 @@
             <a:schemeClr val="phClr"/>
           </a:solidFill>
           <a:prstDash val="solid"/>
+          <a:miter lim="800000"/>
         </a:ln>
         <a:ln w="12700" cap="flat" cmpd="sng" algn="ctr">
           <a:solidFill>
             <a:schemeClr val="phClr"/>
           </a:solidFill>
           <a:prstDash val="solid"/>
+          <a:miter lim="800000"/>
         </a:ln>
         <a:ln w="19050" cap="flat" cmpd="sng" algn="ctr">
           <a:solidFill>
             <a:schemeClr val="phClr"/>
           </a:solidFill>
           <a:prstDash val="solid"/>
+          <a:miter lim="800000"/>
         </a:ln>
       </a:lnStyleLst>
       <a:effectStyleLst>
@@ -15590,13 +12050,7 @@
           <a:effectLst/>
         </a:effectStyle>
         <a:effectStyle>
-          <a:effectLst>
-            <a:outerShdw blurRad="38100" dist="12700" dir="5400000" algn="ctr" rotWithShape="0">
-              <a:srgbClr val="000000">
-                <a:alpha val="63000"/>
-              </a:srgbClr>
-            </a:outerShdw>
-          </a:effectLst>
+          <a:effectLst/>
         </a:effectStyle>
         <a:effectStyle>
           <a:effectLst>
@@ -15606,63 +12060,45 @@
               </a:srgbClr>
             </a:outerShdw>
           </a:effectLst>
-          <a:scene3d>
-            <a:camera prst="orthographicFront">
-              <a:rot lat="0" lon="0" rev="0"/>
-            </a:camera>
-            <a:lightRig rig="flat" dir="tl">
-              <a:rot lat="0" lon="0" rev="4200000"/>
-            </a:lightRig>
-          </a:scene3d>
-          <a:sp3d prstMaterial="flat">
-            <a:bevelT w="50800" h="63500" prst="riblet"/>
-          </a:sp3d>
         </a:effectStyle>
       </a:effectStyleLst>
       <a:bgFillStyleLst>
         <a:solidFill>
           <a:schemeClr val="phClr"/>
         </a:solidFill>
+        <a:solidFill>
+          <a:schemeClr val="phClr">
+            <a:tint val="95000"/>
+            <a:satMod val="170000"/>
+          </a:schemeClr>
+        </a:solidFill>
         <a:gradFill rotWithShape="1">
           <a:gsLst>
             <a:gs pos="0">
               <a:schemeClr val="phClr">
-                <a:tint val="90000"/>
-                <a:shade val="92000"/>
-                <a:satMod val="160000"/>
+                <a:tint val="93000"/>
+                <a:satMod val="150000"/>
+                <a:shade val="98000"/>
+                <a:lumMod val="102000"/>
               </a:schemeClr>
             </a:gs>
-            <a:gs pos="77000">
+            <a:gs pos="50000">
               <a:schemeClr val="phClr">
-                <a:tint val="100000"/>
-                <a:shade val="73000"/>
-                <a:satMod val="155000"/>
+                <a:tint val="98000"/>
+                <a:satMod val="130000"/>
+                <a:shade val="90000"/>
+                <a:lumMod val="103000"/>
               </a:schemeClr>
             </a:gs>
             <a:gs pos="100000">
               <a:schemeClr val="phClr">
-                <a:tint val="100000"/>
-                <a:shade val="67000"/>
-                <a:satMod val="145000"/>
+                <a:shade val="63000"/>
+                <a:satMod val="120000"/>
               </a:schemeClr>
             </a:gs>
           </a:gsLst>
           <a:lin ang="5400000" scaled="0"/>
         </a:gradFill>
-        <a:blipFill rotWithShape="1">
-          <a:blip xmlns:r="http://schemas.openxmlformats.org/officeDocument/2006/relationships" r:embed="rId1">
-            <a:duotone>
-              <a:schemeClr val="phClr">
-                <a:tint val="95000"/>
-              </a:schemeClr>
-              <a:schemeClr val="phClr">
-                <a:shade val="92000"/>
-                <a:satMod val="115000"/>
-              </a:schemeClr>
-            </a:duotone>
-          </a:blip>
-          <a:tile tx="0" ty="0" sx="60000" sy="60000" flip="none" algn="tl"/>
-        </a:blipFill>
       </a:bgFillStyleLst>
     </a:fmtScheme>
   </a:themeElements>
@@ -15670,7 +12106,7 @@
   <a:extraClrSchemeLst/>
   <a:extLst>
     <a:ext uri="{05A4C25C-085E-4340-85A3-A5531E510DB2}">
-      <thm15:themeFamily xmlns:thm15="http://schemas.microsoft.com/office/thememl/2012/main" name="Savon" id="{1306E473-ED32-493B-A2D0-240A757EDD34}" vid="{C20BADFE-D095-436F-9677-9264042809F0}"/>
+      <thm15:themeFamily xmlns:thm15="http://schemas.microsoft.com/office/thememl/2012/main" name="Office Theme" id="{62F939B6-93AF-4DB8-9C6B-D6C7DFDC589F}" vid="{4A3C46E8-61CC-4603-A589-7422A47A8E4A}"/>
     </a:ext>
   </a:extLst>
 </a:theme>

--- a/fundamentals/7-Set.pptx
+++ b/fundamentals/7-Set.pptx
@@ -5,7 +5,7 @@
     <p:sldMasterId id="2147483954" r:id="rId1"/>
   </p:sldMasterIdLst>
   <p:notesMasterIdLst>
-    <p:notesMasterId r:id="rId16"/>
+    <p:notesMasterId r:id="rId18"/>
   </p:notesMasterIdLst>
   <p:sldIdLst>
     <p:sldId id="256" r:id="rId2"/>
@@ -20,8 +20,10 @@
     <p:sldId id="280" r:id="rId11"/>
     <p:sldId id="281" r:id="rId12"/>
     <p:sldId id="282" r:id="rId13"/>
-    <p:sldId id="283" r:id="rId14"/>
-    <p:sldId id="284" r:id="rId15"/>
+    <p:sldId id="286" r:id="rId14"/>
+    <p:sldId id="283" r:id="rId15"/>
+    <p:sldId id="285" r:id="rId16"/>
+    <p:sldId id="284" r:id="rId17"/>
   </p:sldIdLst>
   <p:sldSz cx="12192000" cy="6858000"/>
   <p:notesSz cx="6858000" cy="9144000"/>
@@ -213,7 +215,7 @@
           <a:p>
             <a:fld id="{720C9186-47A3-C54A-A8AF-47B660C0099D}" type="datetimeFigureOut">
               <a:rPr lang="en-US" smtClean="0"/>
-              <a:t>6/18/20</a:t>
+              <a:t>8/12/20</a:t>
             </a:fld>
             <a:endParaRPr lang="en-US"/>
           </a:p>
@@ -630,7 +632,7 @@
           <a:p>
             <a:fld id="{4AAD347D-5ACD-4C99-B74B-A9C85AD731AF}" type="datetimeFigureOut">
               <a:rPr lang="en-US" smtClean="0"/>
-              <a:t>6/18/20</a:t>
+              <a:t>8/12/20</a:t>
             </a:fld>
             <a:endParaRPr lang="en-US" dirty="0"/>
           </a:p>
@@ -830,7 +832,7 @@
           <a:p>
             <a:fld id="{4AAD347D-5ACD-4C99-B74B-A9C85AD731AF}" type="datetimeFigureOut">
               <a:rPr lang="en-US" smtClean="0"/>
-              <a:t>6/18/20</a:t>
+              <a:t>8/12/20</a:t>
             </a:fld>
             <a:endParaRPr lang="en-US" dirty="0"/>
           </a:p>
@@ -1041,7 +1043,7 @@
           <a:p>
             <a:fld id="{4AAD347D-5ACD-4C99-B74B-A9C85AD731AF}" type="datetimeFigureOut">
               <a:rPr lang="en-US" smtClean="0"/>
-              <a:t>6/18/20</a:t>
+              <a:t>8/12/20</a:t>
             </a:fld>
             <a:endParaRPr lang="en-US" dirty="0"/>
           </a:p>
@@ -1242,7 +1244,7 @@
           <a:p>
             <a:fld id="{4AAD347D-5ACD-4C99-B74B-A9C85AD731AF}" type="datetimeFigureOut">
               <a:rPr lang="en-US" smtClean="0"/>
-              <a:t>6/18/20</a:t>
+              <a:t>8/12/20</a:t>
             </a:fld>
             <a:endParaRPr lang="en-US" dirty="0"/>
           </a:p>
@@ -1519,7 +1521,7 @@
           <a:p>
             <a:fld id="{9796027F-7875-4030-9381-8BD8C4F21935}" type="datetimeFigureOut">
               <a:rPr lang="en-US" smtClean="0"/>
-              <a:t>6/18/20</a:t>
+              <a:t>8/12/20</a:t>
             </a:fld>
             <a:endParaRPr lang="en-US" dirty="0"/>
           </a:p>
@@ -1787,7 +1789,7 @@
           <a:p>
             <a:fld id="{4AAD347D-5ACD-4C99-B74B-A9C85AD731AF}" type="datetimeFigureOut">
               <a:rPr lang="en-US" smtClean="0"/>
-              <a:t>6/18/20</a:t>
+              <a:t>8/12/20</a:t>
             </a:fld>
             <a:endParaRPr lang="en-US" dirty="0"/>
           </a:p>
@@ -2208,7 +2210,7 @@
           <a:p>
             <a:fld id="{4AAD347D-5ACD-4C99-B74B-A9C85AD731AF}" type="datetimeFigureOut">
               <a:rPr lang="en-US" smtClean="0"/>
-              <a:t>6/18/20</a:t>
+              <a:t>8/12/20</a:t>
             </a:fld>
             <a:endParaRPr lang="en-US" dirty="0"/>
           </a:p>
@@ -2351,7 +2353,7 @@
           <a:p>
             <a:fld id="{4509A250-FF31-4206-8172-F9D3106AACB1}" type="datetimeFigureOut">
               <a:rPr lang="en-US" smtClean="0"/>
-              <a:t>6/18/20</a:t>
+              <a:t>8/12/20</a:t>
             </a:fld>
             <a:endParaRPr lang="en-US" dirty="0"/>
           </a:p>
@@ -2464,7 +2466,7 @@
           <a:p>
             <a:fld id="{4509A250-FF31-4206-8172-F9D3106AACB1}" type="datetimeFigureOut">
               <a:rPr lang="en-US" smtClean="0"/>
-              <a:t>6/18/20</a:t>
+              <a:t>8/12/20</a:t>
             </a:fld>
             <a:endParaRPr lang="en-US" dirty="0"/>
           </a:p>
@@ -2777,7 +2779,7 @@
           <a:p>
             <a:fld id="{4AAD347D-5ACD-4C99-B74B-A9C85AD731AF}" type="datetimeFigureOut">
               <a:rPr lang="en-US" smtClean="0"/>
-              <a:t>6/18/20</a:t>
+              <a:t>8/12/20</a:t>
             </a:fld>
             <a:endParaRPr lang="en-US" dirty="0"/>
           </a:p>
@@ -3072,7 +3074,7 @@
           <a:p>
             <a:fld id="{4509A250-FF31-4206-8172-F9D3106AACB1}" type="datetimeFigureOut">
               <a:rPr lang="en-US" smtClean="0"/>
-              <a:t>6/18/20</a:t>
+              <a:t>8/12/20</a:t>
             </a:fld>
             <a:endParaRPr lang="en-US" dirty="0"/>
           </a:p>
@@ -3315,7 +3317,7 @@
           <a:p>
             <a:fld id="{4AAD347D-5ACD-4C99-B74B-A9C85AD731AF}" type="datetimeFigureOut">
               <a:rPr lang="en-US" smtClean="0"/>
-              <a:t>6/18/20</a:t>
+              <a:t>8/12/20</a:t>
             </a:fld>
             <a:endParaRPr lang="en-US" dirty="0"/>
           </a:p>
@@ -5813,7 +5815,7 @@
         </p:spPr>
         <p:txBody>
           <a:bodyPr>
-            <a:normAutofit fontScale="55000" lnSpcReduction="20000"/>
+            <a:normAutofit fontScale="92500" lnSpcReduction="10000"/>
           </a:bodyPr>
           <a:lstStyle/>
           <a:p>
@@ -6058,283 +6060,6 @@
               <a:latin typeface="Consolas" panose="020B0609020204030204" pitchFamily="49" charset="0"/>
               <a:cs typeface="Consolas" panose="020B0609020204030204" pitchFamily="49" charset="0"/>
             </a:endParaRPr>
-          </a:p>
-          <a:p>
-            <a:r>
-              <a:rPr lang="en-US" b="1" dirty="0">
-                <a:solidFill>
-                  <a:schemeClr val="tx2">
-                    <a:lumMod val="75000"/>
-                  </a:schemeClr>
-                </a:solidFill>
-                <a:latin typeface="Consolas" panose="020B0609020204030204" pitchFamily="49" charset="0"/>
-                <a:cs typeface="Consolas" panose="020B0609020204030204" pitchFamily="49" charset="0"/>
-              </a:rPr>
-              <a:t>remove(</a:t>
-            </a:r>
-            <a:r>
-              <a:rPr lang="en-US" b="1" dirty="0" err="1">
-                <a:solidFill>
-                  <a:schemeClr val="tx2">
-                    <a:lumMod val="75000"/>
-                  </a:schemeClr>
-                </a:solidFill>
-                <a:latin typeface="Consolas" panose="020B0609020204030204" pitchFamily="49" charset="0"/>
-                <a:cs typeface="Consolas" panose="020B0609020204030204" pitchFamily="49" charset="0"/>
-              </a:rPr>
-              <a:t>elem</a:t>
-            </a:r>
-            <a:r>
-              <a:rPr lang="en-US" b="1" dirty="0">
-                <a:solidFill>
-                  <a:schemeClr val="tx2">
-                    <a:lumMod val="75000"/>
-                  </a:schemeClr>
-                </a:solidFill>
-                <a:latin typeface="Consolas" panose="020B0609020204030204" pitchFamily="49" charset="0"/>
-                <a:cs typeface="Consolas" panose="020B0609020204030204" pitchFamily="49" charset="0"/>
-              </a:rPr>
-              <a:t>) </a:t>
-            </a:r>
-            <a:r>
-              <a:rPr lang="en-US" dirty="0">
-                <a:solidFill>
-                  <a:schemeClr val="tx2">
-                    <a:lumMod val="75000"/>
-                  </a:schemeClr>
-                </a:solidFill>
-              </a:rPr>
-              <a:t>Remove element </a:t>
-            </a:r>
-            <a:r>
-              <a:rPr lang="en-US" dirty="0" err="1">
-                <a:solidFill>
-                  <a:schemeClr val="tx2">
-                    <a:lumMod val="75000"/>
-                  </a:schemeClr>
-                </a:solidFill>
-              </a:rPr>
-              <a:t>elem</a:t>
-            </a:r>
-            <a:r>
-              <a:rPr lang="en-US" dirty="0">
-                <a:solidFill>
-                  <a:schemeClr val="tx2">
-                    <a:lumMod val="75000"/>
-                  </a:schemeClr>
-                </a:solidFill>
-              </a:rPr>
-              <a:t> from the set. Raises </a:t>
-            </a:r>
-            <a:r>
-              <a:rPr lang="en-US" dirty="0" err="1">
-                <a:solidFill>
-                  <a:schemeClr val="tx2">
-                    <a:lumMod val="75000"/>
-                  </a:schemeClr>
-                </a:solidFill>
-              </a:rPr>
-              <a:t>KeyError</a:t>
-            </a:r>
-            <a:r>
-              <a:rPr lang="en-US" dirty="0">
-                <a:solidFill>
-                  <a:schemeClr val="tx2">
-                    <a:lumMod val="75000"/>
-                  </a:schemeClr>
-                </a:solidFill>
-              </a:rPr>
-              <a:t> if </a:t>
-            </a:r>
-            <a:r>
-              <a:rPr lang="en-US" dirty="0" err="1">
-                <a:solidFill>
-                  <a:schemeClr val="tx2">
-                    <a:lumMod val="75000"/>
-                  </a:schemeClr>
-                </a:solidFill>
-              </a:rPr>
-              <a:t>elem</a:t>
-            </a:r>
-            <a:r>
-              <a:rPr lang="en-US" dirty="0">
-                <a:solidFill>
-                  <a:schemeClr val="tx2">
-                    <a:lumMod val="75000"/>
-                  </a:schemeClr>
-                </a:solidFill>
-              </a:rPr>
-              <a:t> is not contained in the set.</a:t>
-            </a:r>
-          </a:p>
-          <a:p>
-            <a:endParaRPr lang="en-US" b="1" dirty="0">
-              <a:solidFill>
-                <a:schemeClr val="tx2">
-                  <a:lumMod val="75000"/>
-                </a:schemeClr>
-              </a:solidFill>
-              <a:latin typeface="Consolas" panose="020B0609020204030204" pitchFamily="49" charset="0"/>
-              <a:cs typeface="Consolas" panose="020B0609020204030204" pitchFamily="49" charset="0"/>
-            </a:endParaRPr>
-          </a:p>
-          <a:p>
-            <a:r>
-              <a:rPr lang="en-US" b="1" dirty="0">
-                <a:solidFill>
-                  <a:schemeClr val="tx2">
-                    <a:lumMod val="75000"/>
-                  </a:schemeClr>
-                </a:solidFill>
-                <a:latin typeface="Consolas" panose="020B0609020204030204" pitchFamily="49" charset="0"/>
-                <a:cs typeface="Consolas" panose="020B0609020204030204" pitchFamily="49" charset="0"/>
-              </a:rPr>
-              <a:t>discard(</a:t>
-            </a:r>
-            <a:r>
-              <a:rPr lang="en-US" b="1" dirty="0" err="1">
-                <a:solidFill>
-                  <a:schemeClr val="tx2">
-                    <a:lumMod val="75000"/>
-                  </a:schemeClr>
-                </a:solidFill>
-                <a:latin typeface="Consolas" panose="020B0609020204030204" pitchFamily="49" charset="0"/>
-                <a:cs typeface="Consolas" panose="020B0609020204030204" pitchFamily="49" charset="0"/>
-              </a:rPr>
-              <a:t>elem</a:t>
-            </a:r>
-            <a:r>
-              <a:rPr lang="en-US" b="1" dirty="0">
-                <a:solidFill>
-                  <a:schemeClr val="tx2">
-                    <a:lumMod val="75000"/>
-                  </a:schemeClr>
-                </a:solidFill>
-                <a:latin typeface="Consolas" panose="020B0609020204030204" pitchFamily="49" charset="0"/>
-                <a:cs typeface="Consolas" panose="020B0609020204030204" pitchFamily="49" charset="0"/>
-              </a:rPr>
-              <a:t>)</a:t>
-            </a:r>
-            <a:r>
-              <a:rPr lang="en-US" dirty="0">
-                <a:solidFill>
-                  <a:schemeClr val="tx2">
-                    <a:lumMod val="75000"/>
-                  </a:schemeClr>
-                </a:solidFill>
-              </a:rPr>
-              <a:t> Remove element </a:t>
-            </a:r>
-            <a:r>
-              <a:rPr lang="en-US" dirty="0" err="1">
-                <a:solidFill>
-                  <a:schemeClr val="tx2">
-                    <a:lumMod val="75000"/>
-                  </a:schemeClr>
-                </a:solidFill>
-              </a:rPr>
-              <a:t>elem</a:t>
-            </a:r>
-            <a:r>
-              <a:rPr lang="en-US" dirty="0">
-                <a:solidFill>
-                  <a:schemeClr val="tx2">
-                    <a:lumMod val="75000"/>
-                  </a:schemeClr>
-                </a:solidFill>
-              </a:rPr>
-              <a:t> from the set if it is present.</a:t>
-            </a:r>
-          </a:p>
-          <a:p>
-            <a:endParaRPr lang="en-US" b="1" dirty="0">
-              <a:solidFill>
-                <a:schemeClr val="tx2">
-                  <a:lumMod val="75000"/>
-                </a:schemeClr>
-              </a:solidFill>
-              <a:latin typeface="Consolas" panose="020B0609020204030204" pitchFamily="49" charset="0"/>
-              <a:cs typeface="Consolas" panose="020B0609020204030204" pitchFamily="49" charset="0"/>
-            </a:endParaRPr>
-          </a:p>
-          <a:p>
-            <a:r>
-              <a:rPr lang="en-US" b="1" dirty="0">
-                <a:solidFill>
-                  <a:schemeClr val="tx2">
-                    <a:lumMod val="75000"/>
-                  </a:schemeClr>
-                </a:solidFill>
-                <a:latin typeface="Consolas" panose="020B0609020204030204" pitchFamily="49" charset="0"/>
-                <a:cs typeface="Consolas" panose="020B0609020204030204" pitchFamily="49" charset="0"/>
-              </a:rPr>
-              <a:t>pop()</a:t>
-            </a:r>
-            <a:r>
-              <a:rPr lang="en-US" dirty="0">
-                <a:solidFill>
-                  <a:schemeClr val="tx2">
-                    <a:lumMod val="75000"/>
-                  </a:schemeClr>
-                </a:solidFill>
-              </a:rPr>
-              <a:t> Remove and return an arbitrary element from the set. Raises </a:t>
-            </a:r>
-            <a:r>
-              <a:rPr lang="en-US" dirty="0" err="1">
-                <a:solidFill>
-                  <a:schemeClr val="tx2">
-                    <a:lumMod val="75000"/>
-                  </a:schemeClr>
-                </a:solidFill>
-              </a:rPr>
-              <a:t>KeyError</a:t>
-            </a:r>
-            <a:r>
-              <a:rPr lang="en-US" dirty="0">
-                <a:solidFill>
-                  <a:schemeClr val="tx2">
-                    <a:lumMod val="75000"/>
-                  </a:schemeClr>
-                </a:solidFill>
-              </a:rPr>
-              <a:t> if the set is empty.</a:t>
-            </a:r>
-          </a:p>
-          <a:p>
-            <a:endParaRPr lang="en-US" b="1" dirty="0">
-              <a:solidFill>
-                <a:schemeClr val="tx2">
-                  <a:lumMod val="75000"/>
-                </a:schemeClr>
-              </a:solidFill>
-              <a:latin typeface="Consolas" panose="020B0609020204030204" pitchFamily="49" charset="0"/>
-              <a:cs typeface="Consolas" panose="020B0609020204030204" pitchFamily="49" charset="0"/>
-            </a:endParaRPr>
-          </a:p>
-          <a:p>
-            <a:r>
-              <a:rPr lang="en-US" b="1" dirty="0">
-                <a:solidFill>
-                  <a:schemeClr val="tx2">
-                    <a:lumMod val="75000"/>
-                  </a:schemeClr>
-                </a:solidFill>
-                <a:latin typeface="Consolas" panose="020B0609020204030204" pitchFamily="49" charset="0"/>
-                <a:cs typeface="Consolas" panose="020B0609020204030204" pitchFamily="49" charset="0"/>
-              </a:rPr>
-              <a:t>clear() </a:t>
-            </a:r>
-            <a:r>
-              <a:rPr lang="en-US" dirty="0">
-                <a:solidFill>
-                  <a:schemeClr val="tx2">
-                    <a:lumMod val="75000"/>
-                  </a:schemeClr>
-                </a:solidFill>
-              </a:rPr>
-              <a:t>Remove all elements from the set.</a:t>
-            </a:r>
           </a:p>
         </p:txBody>
       </p:sp>
@@ -6354,14 +6079,6 @@
 <file path=ppt/slides/slide13.xml><?xml version="1.0" encoding="utf-8"?>
 <p:sld xmlns:a="http://schemas.openxmlformats.org/drawingml/2006/main" xmlns:r="http://schemas.openxmlformats.org/officeDocument/2006/relationships" xmlns:p="http://schemas.openxmlformats.org/presentationml/2006/main">
   <p:cSld>
-    <p:bg>
-      <p:bgPr>
-        <a:solidFill>
-          <a:schemeClr val="bg1"/>
-        </a:solidFill>
-        <a:effectLst/>
-      </p:bgPr>
-    </p:bg>
     <p:spTree>
       <p:nvGrpSpPr>
         <p:cNvPr id="1" name=""/>
@@ -6378,51 +6095,10 @@
       </p:grpSpPr>
       <p:sp>
         <p:nvSpPr>
-          <p:cNvPr id="2" name="Title 1">
-            <a:extLst>
-              <a:ext uri="{FF2B5EF4-FFF2-40B4-BE49-F238E27FC236}">
-                <a16:creationId xmlns:a16="http://schemas.microsoft.com/office/drawing/2014/main" id="{D6DB001F-B6AE-A14E-8017-DE33E26EAD9D}"/>
-              </a:ext>
-            </a:extLst>
-          </p:cNvPr>
-          <p:cNvSpPr>
-            <a:spLocks noGrp="1"/>
-          </p:cNvSpPr>
-          <p:nvPr>
-            <p:ph type="title"/>
-          </p:nvPr>
-        </p:nvSpPr>
-        <p:spPr>
-          <a:xfrm>
-            <a:off x="1175512" y="870132"/>
-            <a:ext cx="9792208" cy="1527078"/>
-          </a:xfrm>
-        </p:spPr>
-        <p:txBody>
-          <a:bodyPr>
-            <a:normAutofit/>
-          </a:bodyPr>
-          <a:lstStyle/>
-          <a:p>
-            <a:r>
-              <a:rPr lang="en-US" dirty="0">
-                <a:solidFill>
-                  <a:schemeClr val="tx2">
-                    <a:lumMod val="75000"/>
-                  </a:schemeClr>
-                </a:solidFill>
-              </a:rPr>
-              <a:t>Frozenset</a:t>
-            </a:r>
-          </a:p>
-        </p:txBody>
-      </p:sp>
-      <p:sp>
-        <p:nvSpPr>
           <p:cNvPr id="3" name="Content Placeholder 2">
             <a:extLst>
               <a:ext uri="{FF2B5EF4-FFF2-40B4-BE49-F238E27FC236}">
-                <a16:creationId xmlns:a16="http://schemas.microsoft.com/office/drawing/2014/main" id="{9FD0CF55-E955-3E4E-9AA9-0202855DEBEC}"/>
+                <a16:creationId xmlns:a16="http://schemas.microsoft.com/office/drawing/2014/main" id="{909FDBA1-7B9C-6A42-B484-7B69CF19F10F}"/>
               </a:ext>
             </a:extLst>
           </p:cNvPr>
@@ -6435,229 +6111,160 @@
         </p:nvSpPr>
         <p:spPr>
           <a:xfrm>
-            <a:off x="1175512" y="2557849"/>
-            <a:ext cx="9792208" cy="3407862"/>
-          </a:xfrm>
-        </p:spPr>
-        <p:txBody>
-          <a:bodyPr>
-            <a:normAutofit fontScale="92500" lnSpcReduction="20000"/>
-          </a:bodyPr>
-          <a:lstStyle/>
-          <a:p>
-            <a:r>
-              <a:rPr lang="en-US" dirty="0">
-                <a:solidFill>
-                  <a:schemeClr val="tx2">
-                    <a:lumMod val="75000"/>
-                  </a:schemeClr>
-                </a:solidFill>
-              </a:rPr>
-              <a:t>Frozenset is a set but is also </a:t>
-            </a:r>
+            <a:off x="811658" y="924674"/>
+            <a:ext cx="10542142" cy="5252289"/>
+          </a:xfrm>
+        </p:spPr>
+        <p:txBody>
+          <a:bodyPr/>
+          <a:lstStyle/>
+          <a:p>
             <a:r>
               <a:rPr lang="en-US" b="1" dirty="0">
-                <a:solidFill>
-                  <a:schemeClr val="tx2">
-                    <a:lumMod val="75000"/>
-                  </a:schemeClr>
-                </a:solidFill>
-              </a:rPr>
-              <a:t>immutable</a:t>
-            </a:r>
-          </a:p>
-          <a:p>
-            <a:r>
-              <a:rPr lang="en-US" dirty="0">
-                <a:solidFill>
-                  <a:schemeClr val="tx2">
-                    <a:lumMod val="75000"/>
-                  </a:schemeClr>
-                </a:solidFill>
                 <a:latin typeface="Consolas" panose="020B0609020204030204" pitchFamily="49" charset="0"/>
                 <a:cs typeface="Consolas" panose="020B0609020204030204" pitchFamily="49" charset="0"/>
               </a:rPr>
-              <a:t>$ </a:t>
-            </a:r>
-            <a:r>
-              <a:rPr lang="en-US" dirty="0" err="1">
-                <a:solidFill>
-                  <a:schemeClr val="tx2">
-                    <a:lumMod val="75000"/>
-                  </a:schemeClr>
-                </a:solidFill>
+              <a:t>remove(</a:t>
+            </a:r>
+            <a:r>
+              <a:rPr lang="en-US" b="1" dirty="0" err="1">
                 <a:latin typeface="Consolas" panose="020B0609020204030204" pitchFamily="49" charset="0"/>
                 <a:cs typeface="Consolas" panose="020B0609020204030204" pitchFamily="49" charset="0"/>
               </a:rPr>
-              <a:t>fset</a:t>
-            </a:r>
-            <a:r>
-              <a:rPr lang="en-US" dirty="0">
-                <a:solidFill>
-                  <a:schemeClr val="tx2">
-                    <a:lumMod val="75000"/>
-                  </a:schemeClr>
-                </a:solidFill>
+              <a:t>elem</a:t>
+            </a:r>
+            <a:r>
+              <a:rPr lang="en-US" b="1" dirty="0">
                 <a:latin typeface="Consolas" panose="020B0609020204030204" pitchFamily="49" charset="0"/>
                 <a:cs typeface="Consolas" panose="020B0609020204030204" pitchFamily="49" charset="0"/>
               </a:rPr>
-              <a:t> = frozenset( { 5, “five”, ‘f’ } )</a:t>
-            </a:r>
-          </a:p>
-          <a:p>
-            <a:r>
-              <a:rPr lang="en-US" dirty="0">
-                <a:solidFill>
-                  <a:schemeClr val="tx2">
-                    <a:lumMod val="75000"/>
-                  </a:schemeClr>
-                </a:solidFill>
-                <a:latin typeface="Consolas" panose="020B0609020204030204" pitchFamily="49" charset="0"/>
-                <a:cs typeface="Consolas" panose="020B0609020204030204" pitchFamily="49" charset="0"/>
-              </a:rPr>
-              <a:t>membership</a:t>
-            </a:r>
-          </a:p>
-          <a:p>
-            <a:r>
-              <a:rPr lang="en-US" dirty="0">
-                <a:solidFill>
-                  <a:schemeClr val="tx2">
-                    <a:lumMod val="75000"/>
-                  </a:schemeClr>
-                </a:solidFill>
-                <a:latin typeface="Consolas" panose="020B0609020204030204" pitchFamily="49" charset="0"/>
-                <a:cs typeface="Consolas" panose="020B0609020204030204" pitchFamily="49" charset="0"/>
-              </a:rPr>
-              <a:t>subset</a:t>
-            </a:r>
-          </a:p>
-          <a:p>
-            <a:r>
-              <a:rPr lang="en-US" dirty="0">
-                <a:solidFill>
-                  <a:schemeClr val="tx2">
-                    <a:lumMod val="75000"/>
-                  </a:schemeClr>
-                </a:solidFill>
-                <a:latin typeface="Consolas" panose="020B0609020204030204" pitchFamily="49" charset="0"/>
-                <a:cs typeface="Consolas" panose="020B0609020204030204" pitchFamily="49" charset="0"/>
-              </a:rPr>
-              <a:t>union</a:t>
-            </a:r>
-          </a:p>
-          <a:p>
-            <a:r>
-              <a:rPr lang="en-US" dirty="0">
-                <a:solidFill>
-                  <a:schemeClr val="tx2">
-                    <a:lumMod val="75000"/>
-                  </a:schemeClr>
-                </a:solidFill>
-                <a:latin typeface="Consolas" panose="020B0609020204030204" pitchFamily="49" charset="0"/>
-                <a:cs typeface="Consolas" panose="020B0609020204030204" pitchFamily="49" charset="0"/>
-              </a:rPr>
-              <a:t>intersection</a:t>
-            </a:r>
-          </a:p>
-          <a:p>
-            <a:r>
-              <a:rPr lang="en-US" dirty="0">
-                <a:solidFill>
-                  <a:schemeClr val="tx2">
-                    <a:lumMod val="75000"/>
-                  </a:schemeClr>
-                </a:solidFill>
-                <a:latin typeface="Consolas" panose="020B0609020204030204" pitchFamily="49" charset="0"/>
-                <a:cs typeface="Consolas" panose="020B0609020204030204" pitchFamily="49" charset="0"/>
-              </a:rPr>
-              <a:t>difference</a:t>
-            </a:r>
-          </a:p>
-          <a:p>
-            <a:r>
-              <a:rPr lang="en-US" dirty="0" err="1">
-                <a:solidFill>
-                  <a:schemeClr val="tx2">
-                    <a:lumMod val="75000"/>
-                  </a:schemeClr>
-                </a:solidFill>
-                <a:latin typeface="Consolas" panose="020B0609020204030204" pitchFamily="49" charset="0"/>
-                <a:cs typeface="Consolas" panose="020B0609020204030204" pitchFamily="49" charset="0"/>
-              </a:rPr>
-              <a:t>symmetric_difference</a:t>
-            </a:r>
-            <a:endParaRPr lang="en-US" dirty="0">
-              <a:solidFill>
-                <a:schemeClr val="tx2">
-                  <a:lumMod val="75000"/>
-                </a:schemeClr>
-              </a:solidFill>
+              <a:t>) </a:t>
+            </a:r>
+            <a:r>
+              <a:rPr lang="en-US" dirty="0"/>
+              <a:t>Remove element </a:t>
+            </a:r>
+            <a:r>
+              <a:rPr lang="en-US" dirty="0" err="1"/>
+              <a:t>elem</a:t>
+            </a:r>
+            <a:r>
+              <a:rPr lang="en-US" dirty="0"/>
+              <a:t> from the set. Raises </a:t>
+            </a:r>
+            <a:r>
+              <a:rPr lang="en-US" dirty="0" err="1"/>
+              <a:t>KeyError</a:t>
+            </a:r>
+            <a:r>
+              <a:rPr lang="en-US" dirty="0"/>
+              <a:t> if </a:t>
+            </a:r>
+            <a:r>
+              <a:rPr lang="en-US" dirty="0" err="1"/>
+              <a:t>elem</a:t>
+            </a:r>
+            <a:r>
+              <a:rPr lang="en-US" dirty="0"/>
+              <a:t> is not contained in the set.</a:t>
+            </a:r>
+          </a:p>
+          <a:p>
+            <a:endParaRPr lang="en-US" b="1" dirty="0">
               <a:latin typeface="Consolas" panose="020B0609020204030204" pitchFamily="49" charset="0"/>
               <a:cs typeface="Consolas" panose="020B0609020204030204" pitchFamily="49" charset="0"/>
             </a:endParaRPr>
           </a:p>
-        </p:txBody>
-      </p:sp>
-      <p:sp>
-        <p:nvSpPr>
-          <p:cNvPr id="4" name="TextBox 3">
-            <a:extLst>
-              <a:ext uri="{FF2B5EF4-FFF2-40B4-BE49-F238E27FC236}">
-                <a16:creationId xmlns:a16="http://schemas.microsoft.com/office/drawing/2014/main" id="{B5E6F5D9-3EE5-774F-BA49-4D6C5A5BDF22}"/>
-              </a:ext>
-            </a:extLst>
-          </p:cNvPr>
-          <p:cNvSpPr txBox="1"/>
-          <p:nvPr/>
-        </p:nvSpPr>
-        <p:spPr>
-          <a:xfrm>
-            <a:off x="3227832" y="5961414"/>
-            <a:ext cx="4490332" cy="646331"/>
-          </a:xfrm>
-          <a:prstGeom prst="rect">
-            <a:avLst/>
-          </a:prstGeom>
-          <a:noFill/>
-        </p:spPr>
-        <p:txBody>
-          <a:bodyPr wrap="none" rtlCol="0">
-            <a:spAutoFit/>
-          </a:bodyPr>
-          <a:lstStyle/>
-          <a:p>
-            <a:r>
-              <a:rPr lang="en-US" dirty="0">
-                <a:solidFill>
-                  <a:schemeClr val="tx2">
-                    <a:lumMod val="75000"/>
-                  </a:schemeClr>
-                </a:solidFill>
+          <a:p>
+            <a:r>
+              <a:rPr lang="en-US" b="1" dirty="0">
                 <a:latin typeface="Consolas" panose="020B0609020204030204" pitchFamily="49" charset="0"/>
                 <a:cs typeface="Consolas" panose="020B0609020204030204" pitchFamily="49" charset="0"/>
               </a:rPr>
-              <a:t># A set can contain a frozenset</a:t>
-            </a:r>
-          </a:p>
-          <a:p>
-            <a:r>
-              <a:rPr lang="en-US" dirty="0">
-                <a:solidFill>
-                  <a:srgbClr val="FF0000"/>
-                </a:solidFill>
+              <a:t>discard(</a:t>
+            </a:r>
+            <a:r>
+              <a:rPr lang="en-US" b="1" dirty="0" err="1">
                 <a:latin typeface="Consolas" panose="020B0609020204030204" pitchFamily="49" charset="0"/>
                 <a:cs typeface="Consolas" panose="020B0609020204030204" pitchFamily="49" charset="0"/>
               </a:rPr>
-              <a:t># A frozenset cannot contain a set</a:t>
-            </a:r>
+              <a:t>elem</a:t>
+            </a:r>
+            <a:r>
+              <a:rPr lang="en-US" b="1" dirty="0">
+                <a:latin typeface="Consolas" panose="020B0609020204030204" pitchFamily="49" charset="0"/>
+                <a:cs typeface="Consolas" panose="020B0609020204030204" pitchFamily="49" charset="0"/>
+              </a:rPr>
+              <a:t>)</a:t>
+            </a:r>
+            <a:r>
+              <a:rPr lang="en-US" dirty="0"/>
+              <a:t> Remove element </a:t>
+            </a:r>
+            <a:r>
+              <a:rPr lang="en-US" dirty="0" err="1"/>
+              <a:t>elem</a:t>
+            </a:r>
+            <a:r>
+              <a:rPr lang="en-US" dirty="0"/>
+              <a:t> from the set if it is present.</a:t>
+            </a:r>
+          </a:p>
+          <a:p>
+            <a:endParaRPr lang="en-US" b="1" dirty="0">
+              <a:latin typeface="Consolas" panose="020B0609020204030204" pitchFamily="49" charset="0"/>
+              <a:cs typeface="Consolas" panose="020B0609020204030204" pitchFamily="49" charset="0"/>
+            </a:endParaRPr>
+          </a:p>
+          <a:p>
+            <a:r>
+              <a:rPr lang="en-US" b="1" dirty="0">
+                <a:latin typeface="Consolas" panose="020B0609020204030204" pitchFamily="49" charset="0"/>
+                <a:cs typeface="Consolas" panose="020B0609020204030204" pitchFamily="49" charset="0"/>
+              </a:rPr>
+              <a:t>pop()</a:t>
+            </a:r>
+            <a:r>
+              <a:rPr lang="en-US" dirty="0"/>
+              <a:t> Remove and return an arbitrary element from the set. Raises </a:t>
+            </a:r>
+            <a:r>
+              <a:rPr lang="en-US" dirty="0" err="1"/>
+              <a:t>KeyError</a:t>
+            </a:r>
+            <a:r>
+              <a:rPr lang="en-US" dirty="0"/>
+              <a:t> if the set is empty.</a:t>
+            </a:r>
+          </a:p>
+          <a:p>
+            <a:endParaRPr lang="en-US" b="1" dirty="0">
+              <a:latin typeface="Consolas" panose="020B0609020204030204" pitchFamily="49" charset="0"/>
+              <a:cs typeface="Consolas" panose="020B0609020204030204" pitchFamily="49" charset="0"/>
+            </a:endParaRPr>
+          </a:p>
+          <a:p>
+            <a:r>
+              <a:rPr lang="en-US" b="1" dirty="0">
+                <a:latin typeface="Consolas" panose="020B0609020204030204" pitchFamily="49" charset="0"/>
+                <a:cs typeface="Consolas" panose="020B0609020204030204" pitchFamily="49" charset="0"/>
+              </a:rPr>
+              <a:t>clear() </a:t>
+            </a:r>
+            <a:r>
+              <a:rPr lang="en-US" dirty="0"/>
+              <a:t>Remove all elements from the set.</a:t>
+            </a:r>
+          </a:p>
+          <a:p>
+            <a:endParaRPr lang="en-US" dirty="0"/>
           </a:p>
         </p:txBody>
       </p:sp>
     </p:spTree>
     <p:extLst>
       <p:ext uri="{BB962C8B-B14F-4D97-AF65-F5344CB8AC3E}">
-        <p14:creationId xmlns:p14="http://schemas.microsoft.com/office/powerpoint/2010/main" val="3691368440"/>
+        <p14:creationId xmlns:p14="http://schemas.microsoft.com/office/powerpoint/2010/main" val="3041167175"/>
       </p:ext>
     </p:extLst>
   </p:cSld>
@@ -6697,7 +6304,7 @@
           <p:cNvPr id="2" name="Title 1">
             <a:extLst>
               <a:ext uri="{FF2B5EF4-FFF2-40B4-BE49-F238E27FC236}">
-                <a16:creationId xmlns:a16="http://schemas.microsoft.com/office/drawing/2014/main" id="{20404047-9EB1-AE49-833E-4570DD2E0571}"/>
+                <a16:creationId xmlns:a16="http://schemas.microsoft.com/office/drawing/2014/main" id="{D6DB001F-B6AE-A14E-8017-DE33E26EAD9D}"/>
               </a:ext>
             </a:extLst>
           </p:cNvPr>
@@ -6728,7 +6335,7 @@
                   </a:schemeClr>
                 </a:solidFill>
               </a:rPr>
-              <a:t>Exercises</a:t>
+              <a:t>Frozenset</a:t>
             </a:r>
           </a:p>
         </p:txBody>
@@ -6738,7 +6345,7 @@
           <p:cNvPr id="3" name="Content Placeholder 2">
             <a:extLst>
               <a:ext uri="{FF2B5EF4-FFF2-40B4-BE49-F238E27FC236}">
-                <a16:creationId xmlns:a16="http://schemas.microsoft.com/office/drawing/2014/main" id="{A82F16F2-1066-DD45-81FD-C06CDE640212}"/>
+                <a16:creationId xmlns:a16="http://schemas.microsoft.com/office/drawing/2014/main" id="{9FD0CF55-E955-3E4E-9AA9-0202855DEBEC}"/>
               </a:ext>
             </a:extLst>
           </p:cNvPr>
@@ -6751,6 +6358,858 @@
         </p:nvSpPr>
         <p:spPr>
           <a:xfrm>
+            <a:off x="1175512" y="2568123"/>
+            <a:ext cx="9792208" cy="3407862"/>
+          </a:xfrm>
+        </p:spPr>
+        <p:txBody>
+          <a:bodyPr>
+            <a:normAutofit fontScale="92500" lnSpcReduction="20000"/>
+          </a:bodyPr>
+          <a:lstStyle/>
+          <a:p>
+            <a:r>
+              <a:rPr lang="en-US" dirty="0">
+                <a:solidFill>
+                  <a:schemeClr val="tx2">
+                    <a:lumMod val="75000"/>
+                  </a:schemeClr>
+                </a:solidFill>
+              </a:rPr>
+              <a:t>Frozenset is a set but is also </a:t>
+            </a:r>
+            <a:r>
+              <a:rPr lang="en-US" b="1" dirty="0">
+                <a:solidFill>
+                  <a:schemeClr val="tx2">
+                    <a:lumMod val="75000"/>
+                  </a:schemeClr>
+                </a:solidFill>
+              </a:rPr>
+              <a:t>immutable</a:t>
+            </a:r>
+          </a:p>
+          <a:p>
+            <a:r>
+              <a:rPr lang="en-US" dirty="0">
+                <a:solidFill>
+                  <a:schemeClr val="tx2">
+                    <a:lumMod val="75000"/>
+                  </a:schemeClr>
+                </a:solidFill>
+                <a:latin typeface="Consolas" panose="020B0609020204030204" pitchFamily="49" charset="0"/>
+                <a:cs typeface="Consolas" panose="020B0609020204030204" pitchFamily="49" charset="0"/>
+              </a:rPr>
+              <a:t>$ </a:t>
+            </a:r>
+            <a:r>
+              <a:rPr lang="en-US" dirty="0" err="1">
+                <a:solidFill>
+                  <a:schemeClr val="tx2">
+                    <a:lumMod val="75000"/>
+                  </a:schemeClr>
+                </a:solidFill>
+                <a:latin typeface="Consolas" panose="020B0609020204030204" pitchFamily="49" charset="0"/>
+                <a:cs typeface="Consolas" panose="020B0609020204030204" pitchFamily="49" charset="0"/>
+              </a:rPr>
+              <a:t>fset</a:t>
+            </a:r>
+            <a:r>
+              <a:rPr lang="en-US" dirty="0">
+                <a:solidFill>
+                  <a:schemeClr val="tx2">
+                    <a:lumMod val="75000"/>
+                  </a:schemeClr>
+                </a:solidFill>
+                <a:latin typeface="Consolas" panose="020B0609020204030204" pitchFamily="49" charset="0"/>
+                <a:cs typeface="Consolas" panose="020B0609020204030204" pitchFamily="49" charset="0"/>
+              </a:rPr>
+              <a:t> = frozenset( { 5, “five”, ‘f’ } )</a:t>
+            </a:r>
+          </a:p>
+          <a:p>
+            <a:r>
+              <a:rPr lang="en-US" dirty="0">
+                <a:solidFill>
+                  <a:schemeClr val="tx2">
+                    <a:lumMod val="75000"/>
+                  </a:schemeClr>
+                </a:solidFill>
+                <a:latin typeface="Consolas" panose="020B0609020204030204" pitchFamily="49" charset="0"/>
+                <a:cs typeface="Consolas" panose="020B0609020204030204" pitchFamily="49" charset="0"/>
+              </a:rPr>
+              <a:t>membership</a:t>
+            </a:r>
+          </a:p>
+          <a:p>
+            <a:r>
+              <a:rPr lang="en-US" dirty="0">
+                <a:solidFill>
+                  <a:schemeClr val="tx2">
+                    <a:lumMod val="75000"/>
+                  </a:schemeClr>
+                </a:solidFill>
+                <a:latin typeface="Consolas" panose="020B0609020204030204" pitchFamily="49" charset="0"/>
+                <a:cs typeface="Consolas" panose="020B0609020204030204" pitchFamily="49" charset="0"/>
+              </a:rPr>
+              <a:t>subset</a:t>
+            </a:r>
+          </a:p>
+          <a:p>
+            <a:r>
+              <a:rPr lang="en-US" dirty="0">
+                <a:solidFill>
+                  <a:schemeClr val="tx2">
+                    <a:lumMod val="75000"/>
+                  </a:schemeClr>
+                </a:solidFill>
+                <a:latin typeface="Consolas" panose="020B0609020204030204" pitchFamily="49" charset="0"/>
+                <a:cs typeface="Consolas" panose="020B0609020204030204" pitchFamily="49" charset="0"/>
+              </a:rPr>
+              <a:t>union</a:t>
+            </a:r>
+          </a:p>
+          <a:p>
+            <a:r>
+              <a:rPr lang="en-US" dirty="0">
+                <a:solidFill>
+                  <a:schemeClr val="tx2">
+                    <a:lumMod val="75000"/>
+                  </a:schemeClr>
+                </a:solidFill>
+                <a:latin typeface="Consolas" panose="020B0609020204030204" pitchFamily="49" charset="0"/>
+                <a:cs typeface="Consolas" panose="020B0609020204030204" pitchFamily="49" charset="0"/>
+              </a:rPr>
+              <a:t>intersection</a:t>
+            </a:r>
+          </a:p>
+          <a:p>
+            <a:r>
+              <a:rPr lang="en-US" dirty="0">
+                <a:solidFill>
+                  <a:schemeClr val="tx2">
+                    <a:lumMod val="75000"/>
+                  </a:schemeClr>
+                </a:solidFill>
+                <a:latin typeface="Consolas" panose="020B0609020204030204" pitchFamily="49" charset="0"/>
+                <a:cs typeface="Consolas" panose="020B0609020204030204" pitchFamily="49" charset="0"/>
+              </a:rPr>
+              <a:t>difference</a:t>
+            </a:r>
+          </a:p>
+          <a:p>
+            <a:r>
+              <a:rPr lang="en-US" dirty="0" err="1">
+                <a:solidFill>
+                  <a:schemeClr val="tx2">
+                    <a:lumMod val="75000"/>
+                  </a:schemeClr>
+                </a:solidFill>
+                <a:latin typeface="Consolas" panose="020B0609020204030204" pitchFamily="49" charset="0"/>
+                <a:cs typeface="Consolas" panose="020B0609020204030204" pitchFamily="49" charset="0"/>
+              </a:rPr>
+              <a:t>symmetric_difference</a:t>
+            </a:r>
+            <a:endParaRPr lang="en-US" dirty="0">
+              <a:solidFill>
+                <a:schemeClr val="tx2">
+                  <a:lumMod val="75000"/>
+                </a:schemeClr>
+              </a:solidFill>
+              <a:latin typeface="Consolas" panose="020B0609020204030204" pitchFamily="49" charset="0"/>
+              <a:cs typeface="Consolas" panose="020B0609020204030204" pitchFamily="49" charset="0"/>
+            </a:endParaRPr>
+          </a:p>
+        </p:txBody>
+      </p:sp>
+      <p:sp>
+        <p:nvSpPr>
+          <p:cNvPr id="4" name="TextBox 3">
+            <a:extLst>
+              <a:ext uri="{FF2B5EF4-FFF2-40B4-BE49-F238E27FC236}">
+                <a16:creationId xmlns:a16="http://schemas.microsoft.com/office/drawing/2014/main" id="{B5E6F5D9-3EE5-774F-BA49-4D6C5A5BDF22}"/>
+              </a:ext>
+            </a:extLst>
+          </p:cNvPr>
+          <p:cNvSpPr txBox="1"/>
+          <p:nvPr/>
+        </p:nvSpPr>
+        <p:spPr>
+          <a:xfrm>
+            <a:off x="3227832" y="5961414"/>
+            <a:ext cx="4490332" cy="646331"/>
+          </a:xfrm>
+          <a:prstGeom prst="rect">
+            <a:avLst/>
+          </a:prstGeom>
+          <a:noFill/>
+        </p:spPr>
+        <p:txBody>
+          <a:bodyPr wrap="none" rtlCol="0">
+            <a:spAutoFit/>
+          </a:bodyPr>
+          <a:lstStyle/>
+          <a:p>
+            <a:r>
+              <a:rPr lang="en-US" dirty="0">
+                <a:solidFill>
+                  <a:schemeClr val="tx2">
+                    <a:lumMod val="75000"/>
+                  </a:schemeClr>
+                </a:solidFill>
+                <a:latin typeface="Consolas" panose="020B0609020204030204" pitchFamily="49" charset="0"/>
+                <a:cs typeface="Consolas" panose="020B0609020204030204" pitchFamily="49" charset="0"/>
+              </a:rPr>
+              <a:t># A set can contain a frozenset</a:t>
+            </a:r>
+          </a:p>
+          <a:p>
+            <a:r>
+              <a:rPr lang="en-US" dirty="0">
+                <a:solidFill>
+                  <a:srgbClr val="FF0000"/>
+                </a:solidFill>
+                <a:latin typeface="Consolas" panose="020B0609020204030204" pitchFamily="49" charset="0"/>
+                <a:cs typeface="Consolas" panose="020B0609020204030204" pitchFamily="49" charset="0"/>
+              </a:rPr>
+              <a:t># A frozenset cannot contain a set</a:t>
+            </a:r>
+          </a:p>
+        </p:txBody>
+      </p:sp>
+    </p:spTree>
+    <p:extLst>
+      <p:ext uri="{BB962C8B-B14F-4D97-AF65-F5344CB8AC3E}">
+        <p14:creationId xmlns:p14="http://schemas.microsoft.com/office/powerpoint/2010/main" val="3691368440"/>
+      </p:ext>
+    </p:extLst>
+  </p:cSld>
+  <p:clrMapOvr>
+    <a:masterClrMapping/>
+  </p:clrMapOvr>
+</p:sld>
+</file>
+
+<file path=ppt/slides/slide15.xml><?xml version="1.0" encoding="utf-8"?>
+<p:sld xmlns:a="http://schemas.openxmlformats.org/drawingml/2006/main" xmlns:r="http://schemas.openxmlformats.org/officeDocument/2006/relationships" xmlns:p="http://schemas.openxmlformats.org/presentationml/2006/main">
+  <p:cSld>
+    <p:spTree>
+      <p:nvGrpSpPr>
+        <p:cNvPr id="1" name=""/>
+        <p:cNvGrpSpPr/>
+        <p:nvPr/>
+      </p:nvGrpSpPr>
+      <p:grpSpPr>
+        <a:xfrm>
+          <a:off x="0" y="0"/>
+          <a:ext cx="0" cy="0"/>
+          <a:chOff x="0" y="0"/>
+          <a:chExt cx="0" cy="0"/>
+        </a:xfrm>
+      </p:grpSpPr>
+      <p:sp>
+        <p:nvSpPr>
+          <p:cNvPr id="2" name="Title 1">
+            <a:extLst>
+              <a:ext uri="{FF2B5EF4-FFF2-40B4-BE49-F238E27FC236}">
+                <a16:creationId xmlns:a16="http://schemas.microsoft.com/office/drawing/2014/main" id="{7ABAF061-B59F-AD41-8BD4-1828516FCEBD}"/>
+              </a:ext>
+            </a:extLst>
+          </p:cNvPr>
+          <p:cNvSpPr>
+            <a:spLocks noGrp="1"/>
+          </p:cNvSpPr>
+          <p:nvPr>
+            <p:ph type="title"/>
+          </p:nvPr>
+        </p:nvSpPr>
+        <p:spPr/>
+        <p:txBody>
+          <a:bodyPr/>
+          <a:lstStyle/>
+          <a:p>
+            <a:r>
+              <a:rPr lang="en-US" dirty="0"/>
+              <a:t>List versus Set</a:t>
+            </a:r>
+          </a:p>
+        </p:txBody>
+      </p:sp>
+      <p:sp>
+        <p:nvSpPr>
+          <p:cNvPr id="3" name="Content Placeholder 2">
+            <a:extLst>
+              <a:ext uri="{FF2B5EF4-FFF2-40B4-BE49-F238E27FC236}">
+                <a16:creationId xmlns:a16="http://schemas.microsoft.com/office/drawing/2014/main" id="{7C354B4E-781F-D444-81AF-27C6BB0D9AAD}"/>
+              </a:ext>
+            </a:extLst>
+          </p:cNvPr>
+          <p:cNvSpPr>
+            <a:spLocks noGrp="1"/>
+          </p:cNvSpPr>
+          <p:nvPr>
+            <p:ph idx="1"/>
+          </p:nvPr>
+        </p:nvSpPr>
+        <p:spPr>
+          <a:xfrm>
+            <a:off x="838200" y="1825625"/>
+            <a:ext cx="10515600" cy="4667250"/>
+          </a:xfrm>
+        </p:spPr>
+        <p:txBody>
+          <a:bodyPr>
+            <a:normAutofit fontScale="92500" lnSpcReduction="20000"/>
+          </a:bodyPr>
+          <a:lstStyle/>
+          <a:p>
+            <a:pPr marL="0" indent="0">
+              <a:buNone/>
+            </a:pPr>
+            <a:r>
+              <a:rPr lang="en-US" dirty="0"/>
+              <a:t>Rule of thumb</a:t>
+            </a:r>
+          </a:p>
+          <a:p>
+            <a:pPr marL="0" indent="0">
+              <a:buNone/>
+            </a:pPr>
+            <a:endParaRPr lang="en-US" dirty="0"/>
+          </a:p>
+          <a:p>
+            <a:pPr marL="0" indent="0">
+              <a:buNone/>
+            </a:pPr>
+            <a:r>
+              <a:rPr lang="en-US" dirty="0"/>
+              <a:t>When you have </a:t>
+            </a:r>
+            <a:r>
+              <a:rPr lang="en-US" b="1" dirty="0"/>
+              <a:t>frequent inserts, frequent deletes, frequent accesses</a:t>
+            </a:r>
+            <a:r>
+              <a:rPr lang="en-US" dirty="0"/>
+              <a:t>, throughout the execution of a program, use</a:t>
+            </a:r>
+          </a:p>
+          <a:p>
+            <a:pPr marL="0" indent="0">
+              <a:buNone/>
+            </a:pPr>
+            <a:r>
+              <a:rPr lang="en-US" b="1" dirty="0"/>
+              <a:t>List</a:t>
+            </a:r>
+          </a:p>
+          <a:p>
+            <a:pPr marL="0" indent="0">
+              <a:buNone/>
+            </a:pPr>
+            <a:endParaRPr lang="en-US" b="1" dirty="0"/>
+          </a:p>
+          <a:p>
+            <a:pPr marL="0" indent="0">
+              <a:buNone/>
+            </a:pPr>
+            <a:r>
+              <a:rPr lang="en-US" dirty="0"/>
+              <a:t>When you have </a:t>
+            </a:r>
+            <a:r>
+              <a:rPr lang="en-US" b="1" dirty="0"/>
+              <a:t>infrequent inserts, infrequent deletes, frequent accesses</a:t>
+            </a:r>
+            <a:r>
+              <a:rPr lang="en-US" dirty="0"/>
+              <a:t>, throughout the execution of a program, use</a:t>
+            </a:r>
+          </a:p>
+          <a:p>
+            <a:pPr marL="0" indent="0">
+              <a:buNone/>
+            </a:pPr>
+            <a:r>
+              <a:rPr lang="en-US" b="1" dirty="0"/>
+              <a:t>Set</a:t>
+            </a:r>
+          </a:p>
+          <a:p>
+            <a:pPr marL="0" indent="0">
+              <a:buNone/>
+            </a:pPr>
+            <a:endParaRPr lang="en-US" sz="1700" b="1" dirty="0">
+              <a:solidFill>
+                <a:srgbClr val="D06A22"/>
+              </a:solidFill>
+            </a:endParaRPr>
+          </a:p>
+          <a:p>
+            <a:pPr marL="0" indent="0">
+              <a:buNone/>
+            </a:pPr>
+            <a:endParaRPr lang="en-US" sz="1700" b="1" dirty="0">
+              <a:solidFill>
+                <a:srgbClr val="D06A22"/>
+              </a:solidFill>
+            </a:endParaRPr>
+          </a:p>
+          <a:p>
+            <a:pPr marL="0" indent="0">
+              <a:buNone/>
+            </a:pPr>
+            <a:endParaRPr lang="en-US" sz="1700" b="1" dirty="0">
+              <a:solidFill>
+                <a:srgbClr val="D06A22"/>
+              </a:solidFill>
+            </a:endParaRPr>
+          </a:p>
+          <a:p>
+            <a:pPr marL="0" indent="0">
+              <a:buNone/>
+            </a:pPr>
+            <a:r>
+              <a:rPr lang="en-US" sz="1700" b="1" dirty="0">
+                <a:solidFill>
+                  <a:srgbClr val="D06A22"/>
+                </a:solidFill>
+              </a:rPr>
+              <a:t># Rationale: Come to “Python Intermediate” course</a:t>
+            </a:r>
+          </a:p>
+          <a:p>
+            <a:pPr marL="0" indent="0">
+              <a:buNone/>
+            </a:pPr>
+            <a:endParaRPr lang="en-US" b="1" dirty="0"/>
+          </a:p>
+        </p:txBody>
+      </p:sp>
+    </p:spTree>
+    <p:extLst>
+      <p:ext uri="{BB962C8B-B14F-4D97-AF65-F5344CB8AC3E}">
+        <p14:creationId xmlns:p14="http://schemas.microsoft.com/office/powerpoint/2010/main" val="129113212"/>
+      </p:ext>
+    </p:extLst>
+  </p:cSld>
+  <p:clrMapOvr>
+    <a:masterClrMapping/>
+  </p:clrMapOvr>
+  <p:timing>
+    <p:tnLst>
+      <p:par>
+        <p:cTn id="1" dur="indefinite" restart="never" nodeType="tmRoot">
+          <p:childTnLst>
+            <p:seq concurrent="1" nextAc="seek">
+              <p:cTn id="2" dur="indefinite" nodeType="mainSeq">
+                <p:childTnLst>
+                  <p:par>
+                    <p:cTn id="3" fill="hold">
+                      <p:stCondLst>
+                        <p:cond delay="indefinite"/>
+                      </p:stCondLst>
+                      <p:childTnLst>
+                        <p:par>
+                          <p:cTn id="4" fill="hold">
+                            <p:stCondLst>
+                              <p:cond delay="0"/>
+                            </p:stCondLst>
+                            <p:childTnLst>
+                              <p:par>
+                                <p:cTn id="5" presetID="1" presetClass="entr" presetSubtype="0" fill="hold" grpId="0" nodeType="clickEffect">
+                                  <p:stCondLst>
+                                    <p:cond delay="0"/>
+                                  </p:stCondLst>
+                                  <p:childTnLst>
+                                    <p:set>
+                                      <p:cBhvr>
+                                        <p:cTn id="6" dur="1" fill="hold">
+                                          <p:stCondLst>
+                                            <p:cond delay="0"/>
+                                          </p:stCondLst>
+                                        </p:cTn>
+                                        <p:tgtEl>
+                                          <p:spTgt spid="3">
+                                            <p:txEl>
+                                              <p:pRg st="0" end="0"/>
+                                            </p:txEl>
+                                          </p:spTgt>
+                                        </p:tgtEl>
+                                        <p:attrNameLst>
+                                          <p:attrName>style.visibility</p:attrName>
+                                        </p:attrNameLst>
+                                      </p:cBhvr>
+                                      <p:to>
+                                        <p:strVal val="visible"/>
+                                      </p:to>
+                                    </p:set>
+                                  </p:childTnLst>
+                                </p:cTn>
+                              </p:par>
+                            </p:childTnLst>
+                          </p:cTn>
+                        </p:par>
+                      </p:childTnLst>
+                    </p:cTn>
+                  </p:par>
+                  <p:par>
+                    <p:cTn id="7" fill="hold">
+                      <p:stCondLst>
+                        <p:cond delay="indefinite"/>
+                      </p:stCondLst>
+                      <p:childTnLst>
+                        <p:par>
+                          <p:cTn id="8" fill="hold">
+                            <p:stCondLst>
+                              <p:cond delay="0"/>
+                            </p:stCondLst>
+                            <p:childTnLst>
+                              <p:par>
+                                <p:cTn id="9" presetID="1" presetClass="entr" presetSubtype="0" fill="hold" grpId="0" nodeType="clickEffect">
+                                  <p:stCondLst>
+                                    <p:cond delay="0"/>
+                                  </p:stCondLst>
+                                  <p:childTnLst>
+                                    <p:set>
+                                      <p:cBhvr>
+                                        <p:cTn id="10" dur="1" fill="hold">
+                                          <p:stCondLst>
+                                            <p:cond delay="0"/>
+                                          </p:stCondLst>
+                                        </p:cTn>
+                                        <p:tgtEl>
+                                          <p:spTgt spid="3">
+                                            <p:txEl>
+                                              <p:pRg st="2" end="2"/>
+                                            </p:txEl>
+                                          </p:spTgt>
+                                        </p:tgtEl>
+                                        <p:attrNameLst>
+                                          <p:attrName>style.visibility</p:attrName>
+                                        </p:attrNameLst>
+                                      </p:cBhvr>
+                                      <p:to>
+                                        <p:strVal val="visible"/>
+                                      </p:to>
+                                    </p:set>
+                                  </p:childTnLst>
+                                </p:cTn>
+                              </p:par>
+                            </p:childTnLst>
+                          </p:cTn>
+                        </p:par>
+                      </p:childTnLst>
+                    </p:cTn>
+                  </p:par>
+                  <p:par>
+                    <p:cTn id="11" fill="hold">
+                      <p:stCondLst>
+                        <p:cond delay="indefinite"/>
+                      </p:stCondLst>
+                      <p:childTnLst>
+                        <p:par>
+                          <p:cTn id="12" fill="hold">
+                            <p:stCondLst>
+                              <p:cond delay="0"/>
+                            </p:stCondLst>
+                            <p:childTnLst>
+                              <p:par>
+                                <p:cTn id="13" presetID="1" presetClass="entr" presetSubtype="0" fill="hold" grpId="0" nodeType="clickEffect">
+                                  <p:stCondLst>
+                                    <p:cond delay="0"/>
+                                  </p:stCondLst>
+                                  <p:childTnLst>
+                                    <p:set>
+                                      <p:cBhvr>
+                                        <p:cTn id="14" dur="1" fill="hold">
+                                          <p:stCondLst>
+                                            <p:cond delay="0"/>
+                                          </p:stCondLst>
+                                        </p:cTn>
+                                        <p:tgtEl>
+                                          <p:spTgt spid="3">
+                                            <p:txEl>
+                                              <p:pRg st="3" end="3"/>
+                                            </p:txEl>
+                                          </p:spTgt>
+                                        </p:tgtEl>
+                                        <p:attrNameLst>
+                                          <p:attrName>style.visibility</p:attrName>
+                                        </p:attrNameLst>
+                                      </p:cBhvr>
+                                      <p:to>
+                                        <p:strVal val="visible"/>
+                                      </p:to>
+                                    </p:set>
+                                  </p:childTnLst>
+                                </p:cTn>
+                              </p:par>
+                            </p:childTnLst>
+                          </p:cTn>
+                        </p:par>
+                      </p:childTnLst>
+                    </p:cTn>
+                  </p:par>
+                  <p:par>
+                    <p:cTn id="15" fill="hold">
+                      <p:stCondLst>
+                        <p:cond delay="indefinite"/>
+                      </p:stCondLst>
+                      <p:childTnLst>
+                        <p:par>
+                          <p:cTn id="16" fill="hold">
+                            <p:stCondLst>
+                              <p:cond delay="0"/>
+                            </p:stCondLst>
+                            <p:childTnLst>
+                              <p:par>
+                                <p:cTn id="17" presetID="1" presetClass="entr" presetSubtype="0" fill="hold" grpId="0" nodeType="clickEffect">
+                                  <p:stCondLst>
+                                    <p:cond delay="0"/>
+                                  </p:stCondLst>
+                                  <p:childTnLst>
+                                    <p:set>
+                                      <p:cBhvr>
+                                        <p:cTn id="18" dur="1" fill="hold">
+                                          <p:stCondLst>
+                                            <p:cond delay="0"/>
+                                          </p:stCondLst>
+                                        </p:cTn>
+                                        <p:tgtEl>
+                                          <p:spTgt spid="3">
+                                            <p:txEl>
+                                              <p:pRg st="5" end="5"/>
+                                            </p:txEl>
+                                          </p:spTgt>
+                                        </p:tgtEl>
+                                        <p:attrNameLst>
+                                          <p:attrName>style.visibility</p:attrName>
+                                        </p:attrNameLst>
+                                      </p:cBhvr>
+                                      <p:to>
+                                        <p:strVal val="visible"/>
+                                      </p:to>
+                                    </p:set>
+                                  </p:childTnLst>
+                                </p:cTn>
+                              </p:par>
+                            </p:childTnLst>
+                          </p:cTn>
+                        </p:par>
+                      </p:childTnLst>
+                    </p:cTn>
+                  </p:par>
+                  <p:par>
+                    <p:cTn id="19" fill="hold">
+                      <p:stCondLst>
+                        <p:cond delay="indefinite"/>
+                      </p:stCondLst>
+                      <p:childTnLst>
+                        <p:par>
+                          <p:cTn id="20" fill="hold">
+                            <p:stCondLst>
+                              <p:cond delay="0"/>
+                            </p:stCondLst>
+                            <p:childTnLst>
+                              <p:par>
+                                <p:cTn id="21" presetID="1" presetClass="entr" presetSubtype="0" fill="hold" grpId="0" nodeType="clickEffect">
+                                  <p:stCondLst>
+                                    <p:cond delay="0"/>
+                                  </p:stCondLst>
+                                  <p:childTnLst>
+                                    <p:set>
+                                      <p:cBhvr>
+                                        <p:cTn id="22" dur="1" fill="hold">
+                                          <p:stCondLst>
+                                            <p:cond delay="0"/>
+                                          </p:stCondLst>
+                                        </p:cTn>
+                                        <p:tgtEl>
+                                          <p:spTgt spid="3">
+                                            <p:txEl>
+                                              <p:pRg st="6" end="6"/>
+                                            </p:txEl>
+                                          </p:spTgt>
+                                        </p:tgtEl>
+                                        <p:attrNameLst>
+                                          <p:attrName>style.visibility</p:attrName>
+                                        </p:attrNameLst>
+                                      </p:cBhvr>
+                                      <p:to>
+                                        <p:strVal val="visible"/>
+                                      </p:to>
+                                    </p:set>
+                                  </p:childTnLst>
+                                </p:cTn>
+                              </p:par>
+                            </p:childTnLst>
+                          </p:cTn>
+                        </p:par>
+                      </p:childTnLst>
+                    </p:cTn>
+                  </p:par>
+                  <p:par>
+                    <p:cTn id="23" fill="hold">
+                      <p:stCondLst>
+                        <p:cond delay="indefinite"/>
+                      </p:stCondLst>
+                      <p:childTnLst>
+                        <p:par>
+                          <p:cTn id="24" fill="hold">
+                            <p:stCondLst>
+                              <p:cond delay="0"/>
+                            </p:stCondLst>
+                            <p:childTnLst>
+                              <p:par>
+                                <p:cTn id="25" presetID="1" presetClass="entr" presetSubtype="0" fill="hold" grpId="0" nodeType="clickEffect">
+                                  <p:stCondLst>
+                                    <p:cond delay="0"/>
+                                  </p:stCondLst>
+                                  <p:childTnLst>
+                                    <p:set>
+                                      <p:cBhvr>
+                                        <p:cTn id="26" dur="1" fill="hold">
+                                          <p:stCondLst>
+                                            <p:cond delay="0"/>
+                                          </p:stCondLst>
+                                        </p:cTn>
+                                        <p:tgtEl>
+                                          <p:spTgt spid="3">
+                                            <p:txEl>
+                                              <p:pRg st="10" end="10"/>
+                                            </p:txEl>
+                                          </p:spTgt>
+                                        </p:tgtEl>
+                                        <p:attrNameLst>
+                                          <p:attrName>style.visibility</p:attrName>
+                                        </p:attrNameLst>
+                                      </p:cBhvr>
+                                      <p:to>
+                                        <p:strVal val="visible"/>
+                                      </p:to>
+                                    </p:set>
+                                  </p:childTnLst>
+                                </p:cTn>
+                              </p:par>
+                            </p:childTnLst>
+                          </p:cTn>
+                        </p:par>
+                      </p:childTnLst>
+                    </p:cTn>
+                  </p:par>
+                </p:childTnLst>
+              </p:cTn>
+              <p:prevCondLst>
+                <p:cond evt="onPrev" delay="0">
+                  <p:tgtEl>
+                    <p:sldTgt/>
+                  </p:tgtEl>
+                </p:cond>
+              </p:prevCondLst>
+              <p:nextCondLst>
+                <p:cond evt="onNext" delay="0">
+                  <p:tgtEl>
+                    <p:sldTgt/>
+                  </p:tgtEl>
+                </p:cond>
+              </p:nextCondLst>
+            </p:seq>
+          </p:childTnLst>
+        </p:cTn>
+      </p:par>
+    </p:tnLst>
+    <p:bldLst>
+      <p:bldP spid="3" grpId="0" build="p"/>
+    </p:bldLst>
+  </p:timing>
+</p:sld>
+</file>
+
+<file path=ppt/slides/slide16.xml><?xml version="1.0" encoding="utf-8"?>
+<p:sld xmlns:a="http://schemas.openxmlformats.org/drawingml/2006/main" xmlns:r="http://schemas.openxmlformats.org/officeDocument/2006/relationships" xmlns:p="http://schemas.openxmlformats.org/presentationml/2006/main">
+  <p:cSld>
+    <p:bg>
+      <p:bgPr>
+        <a:solidFill>
+          <a:schemeClr val="bg1"/>
+        </a:solidFill>
+        <a:effectLst/>
+      </p:bgPr>
+    </p:bg>
+    <p:spTree>
+      <p:nvGrpSpPr>
+        <p:cNvPr id="1" name=""/>
+        <p:cNvGrpSpPr/>
+        <p:nvPr/>
+      </p:nvGrpSpPr>
+      <p:grpSpPr>
+        <a:xfrm>
+          <a:off x="0" y="0"/>
+          <a:ext cx="0" cy="0"/>
+          <a:chOff x="0" y="0"/>
+          <a:chExt cx="0" cy="0"/>
+        </a:xfrm>
+      </p:grpSpPr>
+      <p:sp>
+        <p:nvSpPr>
+          <p:cNvPr id="2" name="Title 1">
+            <a:extLst>
+              <a:ext uri="{FF2B5EF4-FFF2-40B4-BE49-F238E27FC236}">
+                <a16:creationId xmlns:a16="http://schemas.microsoft.com/office/drawing/2014/main" id="{20404047-9EB1-AE49-833E-4570DD2E0571}"/>
+              </a:ext>
+            </a:extLst>
+          </p:cNvPr>
+          <p:cNvSpPr>
+            <a:spLocks noGrp="1"/>
+          </p:cNvSpPr>
+          <p:nvPr>
+            <p:ph type="title"/>
+          </p:nvPr>
+        </p:nvSpPr>
+        <p:spPr>
+          <a:xfrm>
+            <a:off x="1175512" y="870132"/>
+            <a:ext cx="9792208" cy="1527078"/>
+          </a:xfrm>
+        </p:spPr>
+        <p:txBody>
+          <a:bodyPr>
+            <a:normAutofit/>
+          </a:bodyPr>
+          <a:lstStyle/>
+          <a:p>
+            <a:r>
+              <a:rPr lang="en-US" dirty="0">
+                <a:solidFill>
+                  <a:schemeClr val="tx2">
+                    <a:lumMod val="75000"/>
+                  </a:schemeClr>
+                </a:solidFill>
+              </a:rPr>
+              <a:t>Exercises</a:t>
+            </a:r>
+          </a:p>
+        </p:txBody>
+      </p:sp>
+      <p:sp>
+        <p:nvSpPr>
+          <p:cNvPr id="3" name="Content Placeholder 2">
+            <a:extLst>
+              <a:ext uri="{FF2B5EF4-FFF2-40B4-BE49-F238E27FC236}">
+                <a16:creationId xmlns:a16="http://schemas.microsoft.com/office/drawing/2014/main" id="{A82F16F2-1066-DD45-81FD-C06CDE640212}"/>
+              </a:ext>
+            </a:extLst>
+          </p:cNvPr>
+          <p:cNvSpPr>
+            <a:spLocks noGrp="1"/>
+          </p:cNvSpPr>
+          <p:nvPr>
+            <p:ph idx="1"/>
+          </p:nvPr>
+        </p:nvSpPr>
+        <p:spPr>
+          <a:xfrm>
             <a:off x="1175512" y="2557849"/>
             <a:ext cx="9792208" cy="3407862"/>
           </a:xfrm>
@@ -6805,7 +7264,7 @@
                   </a:schemeClr>
                 </a:solidFill>
               </a:rPr>
-              <a:t>Create a list of a string representing first-name and last-name of your family. Now, create a set of first-name and another set of last-name from this list. What should be the size of each set?</a:t>
+              <a:t>Create a list of a string representing first-name and last-name of your family members. Now, create a set of first-name and another set of last-name from this list. What should be the size of each set?</a:t>
             </a:r>
           </a:p>
           <a:p>
@@ -7250,7 +7709,7 @@
           </a:lstStyle>
           <a:p>
             <a:r>
-              <a:rPr lang="en-US" dirty="0">
+              <a:rPr lang="en-US" sz="2800" dirty="0">
                 <a:solidFill>
                   <a:schemeClr val="tx2">
                     <a:lumMod val="75000"/>
@@ -7264,7 +7723,7 @@
           </a:p>
           <a:p>
             <a:r>
-              <a:rPr lang="en-US" dirty="0">
+              <a:rPr lang="en-US" sz="2800" dirty="0">
                 <a:solidFill>
                   <a:schemeClr val="tx2">
                     <a:lumMod val="75000"/>
@@ -7275,7 +7734,7 @@
               </a:rPr>
               <a:t>int		</a:t>
             </a:r>
-            <a:endParaRPr lang="en-US" i="1" dirty="0">
+            <a:endParaRPr lang="en-US" sz="2800" i="1" dirty="0">
               <a:solidFill>
                 <a:schemeClr val="tx2">
                   <a:lumMod val="75000"/>
@@ -7287,7 +7746,7 @@
           </a:p>
           <a:p>
             <a:r>
-              <a:rPr lang="en-US" i="1" dirty="0">
+              <a:rPr lang="en-US" sz="2800" i="1" dirty="0">
                 <a:solidFill>
                   <a:schemeClr val="tx2">
                     <a:lumMod val="75000"/>
@@ -7301,7 +7760,7 @@
           </a:p>
           <a:p>
             <a:r>
-              <a:rPr lang="en-US" i="1" dirty="0">
+              <a:rPr lang="en-US" sz="2800" i="1" dirty="0">
                 <a:solidFill>
                   <a:schemeClr val="tx2">
                     <a:lumMod val="75000"/>
@@ -7315,7 +7774,7 @@
           </a:p>
           <a:p>
             <a:r>
-              <a:rPr lang="en-US" i="1" dirty="0">
+              <a:rPr lang="en-US" sz="2800" i="1" dirty="0">
                 <a:solidFill>
                   <a:schemeClr val="tx2">
                     <a:lumMod val="75000"/>
@@ -8378,7 +8837,7 @@
         <p:spPr>
           <a:xfrm>
             <a:off x="1175512" y="6080760"/>
-            <a:ext cx="8972328" cy="369332"/>
+            <a:ext cx="7463838" cy="369332"/>
           </a:xfrm>
           <a:prstGeom prst="rect">
             <a:avLst/>
@@ -8394,9 +8853,7 @@
             <a:r>
               <a:rPr lang="en-US" i="1" dirty="0">
                 <a:solidFill>
-                  <a:schemeClr val="tx2">
-                    <a:lumMod val="75000"/>
-                  </a:schemeClr>
+                  <a:srgbClr val="D06A22"/>
                 </a:solidFill>
               </a:rPr>
               <a:t># Hashing is a way of storing data. To be hashable, a type must be immutable.</a:t>
@@ -8882,7 +9339,7 @@
         </p:spPr>
         <p:txBody>
           <a:bodyPr>
-            <a:normAutofit/>
+            <a:normAutofit fontScale="90000"/>
           </a:bodyPr>
           <a:lstStyle/>
           <a:p>
@@ -8905,16 +9362,31 @@
                 </a:solidFill>
               </a:rPr>
             </a:br>
-            <a:r>
-              <a:rPr lang="en-US" dirty="0">
-                <a:solidFill>
-                  <a:schemeClr val="tx2">
-                    <a:lumMod val="75000"/>
-                  </a:schemeClr>
-                </a:solidFill>
-              </a:rPr>
-              <a:t>S = { 1, “one”, ‘2’ }</a:t>
-            </a:r>
+            <a:br>
+              <a:rPr lang="en-US" dirty="0">
+                <a:solidFill>
+                  <a:schemeClr val="tx2">
+                    <a:lumMod val="75000"/>
+                  </a:schemeClr>
+                </a:solidFill>
+              </a:rPr>
+            </a:br>
+            <a:r>
+              <a:rPr lang="en-US" dirty="0"/>
+              <a:t>Membership</a:t>
+            </a:r>
+            <a:br>
+              <a:rPr lang="en-US" dirty="0"/>
+            </a:br>
+            <a:endParaRPr lang="en-US" dirty="0">
+              <a:solidFill>
+                <a:schemeClr val="tx2">
+                  <a:lumMod val="75000"/>
+                </a:schemeClr>
+              </a:solidFill>
+              <a:latin typeface="Consolas" panose="020B0609020204030204" pitchFamily="49" charset="0"/>
+              <a:cs typeface="Consolas" panose="020B0609020204030204" pitchFamily="49" charset="0"/>
+            </a:endParaRPr>
           </a:p>
         </p:txBody>
       </p:sp>
@@ -8942,31 +9414,26 @@
         </p:spPr>
         <p:txBody>
           <a:bodyPr>
-            <a:normAutofit lnSpcReduction="10000"/>
+            <a:normAutofit/>
           </a:bodyPr>
           <a:lstStyle/>
           <a:p>
-            <a:r>
-              <a:rPr lang="en-US" sz="3200" dirty="0">
-                <a:solidFill>
-                  <a:schemeClr val="tx2">
-                    <a:lumMod val="75000"/>
-                  </a:schemeClr>
-                </a:solidFill>
-              </a:rPr>
-              <a:t>Membership</a:t>
-            </a:r>
-          </a:p>
-          <a:p>
-            <a:r>
-              <a:rPr lang="en-US" dirty="0">
-                <a:solidFill>
-                  <a:schemeClr val="tx2">
-                    <a:lumMod val="75000"/>
-                  </a:schemeClr>
-                </a:solidFill>
-              </a:rPr>
-              <a:t>$ ‘2’ </a:t>
+            <a:pPr marL="0" indent="0">
+              <a:buNone/>
+            </a:pPr>
+            <a:r>
+              <a:rPr lang="en-US" dirty="0"/>
+              <a:t>&gt;&gt;&gt;</a:t>
+            </a:r>
+            <a:r>
+              <a:rPr lang="en-US" dirty="0">
+                <a:solidFill>
+                  <a:schemeClr val="tx2">
+                    <a:lumMod val="75000"/>
+                  </a:schemeClr>
+                </a:solidFill>
+              </a:rPr>
+              <a:t> ‘2’ </a:t>
             </a:r>
             <a:r>
               <a:rPr lang="en-US" b="1" dirty="0">
@@ -8990,27 +9457,33 @@
             </a:r>
           </a:p>
           <a:p>
-            <a:r>
-              <a:rPr lang="en-US" dirty="0">
-                <a:solidFill>
-                  <a:schemeClr val="tx2">
-                    <a:lumMod val="75000"/>
-                  </a:schemeClr>
-                </a:solidFill>
-              </a:rPr>
-              <a:t>$ True</a:t>
-            </a:r>
-          </a:p>
-          <a:p>
-            <a:r>
-              <a:rPr lang="en-US" dirty="0">
-                <a:solidFill>
-                  <a:schemeClr val="tx2">
-                    <a:lumMod val="75000"/>
-                  </a:schemeClr>
-                </a:solidFill>
-              </a:rPr>
-              <a:t>$ 3 </a:t>
+            <a:pPr marL="0" indent="0">
+              <a:buNone/>
+            </a:pPr>
+            <a:r>
+              <a:rPr lang="en-US" dirty="0">
+                <a:solidFill>
+                  <a:schemeClr val="tx2">
+                    <a:lumMod val="75000"/>
+                  </a:schemeClr>
+                </a:solidFill>
+              </a:rPr>
+              <a:t>&gt;&gt;&gt; True</a:t>
+            </a:r>
+          </a:p>
+          <a:p>
+            <a:pPr marL="0" indent="0">
+              <a:buNone/>
+            </a:pPr>
+            <a:r>
+              <a:rPr lang="en-US" dirty="0">
+                <a:solidFill>
+                  <a:schemeClr val="tx2">
+                    <a:lumMod val="75000"/>
+                  </a:schemeClr>
+                </a:solidFill>
+              </a:rPr>
+              <a:t>&gt;&gt;&gt; 3 </a:t>
             </a:r>
             <a:r>
               <a:rPr lang="en-US" b="1" dirty="0">
@@ -9034,27 +9507,33 @@
             </a:r>
           </a:p>
           <a:p>
-            <a:r>
-              <a:rPr lang="en-US" dirty="0">
-                <a:solidFill>
-                  <a:schemeClr val="tx2">
-                    <a:lumMod val="75000"/>
-                  </a:schemeClr>
-                </a:solidFill>
-              </a:rPr>
-              <a:t>$ False</a:t>
-            </a:r>
-          </a:p>
-          <a:p>
-            <a:r>
-              <a:rPr lang="en-US" dirty="0">
-                <a:solidFill>
-                  <a:schemeClr val="tx2">
-                    <a:lumMod val="75000"/>
-                  </a:schemeClr>
-                </a:solidFill>
-              </a:rPr>
-              <a:t>$ 2 </a:t>
+            <a:pPr marL="0" indent="0">
+              <a:buNone/>
+            </a:pPr>
+            <a:r>
+              <a:rPr lang="en-US" dirty="0">
+                <a:solidFill>
+                  <a:schemeClr val="tx2">
+                    <a:lumMod val="75000"/>
+                  </a:schemeClr>
+                </a:solidFill>
+              </a:rPr>
+              <a:t>&gt;&gt;&gt; False</a:t>
+            </a:r>
+          </a:p>
+          <a:p>
+            <a:pPr marL="0" indent="0">
+              <a:buNone/>
+            </a:pPr>
+            <a:r>
+              <a:rPr lang="en-US" dirty="0">
+                <a:solidFill>
+                  <a:schemeClr val="tx2">
+                    <a:lumMod val="75000"/>
+                  </a:schemeClr>
+                </a:solidFill>
+              </a:rPr>
+              <a:t>&gt;&gt;&gt; 2 </a:t>
             </a:r>
             <a:r>
               <a:rPr lang="en-US" b="1" dirty="0">
@@ -9078,15 +9557,18 @@
             </a:r>
           </a:p>
           <a:p>
-            <a:r>
-              <a:rPr lang="en-US" dirty="0">
-                <a:solidFill>
-                  <a:schemeClr val="tx2">
-                    <a:lumMod val="75000"/>
-                  </a:schemeClr>
-                </a:solidFill>
-              </a:rPr>
-              <a:t>$ True</a:t>
+            <a:pPr marL="0" indent="0">
+              <a:buNone/>
+            </a:pPr>
+            <a:r>
+              <a:rPr lang="en-US" dirty="0">
+                <a:solidFill>
+                  <a:schemeClr val="tx2">
+                    <a:lumMod val="75000"/>
+                  </a:schemeClr>
+                </a:solidFill>
+              </a:rPr>
+              <a:t>&gt;&gt;&gt; True</a:t>
             </a:r>
           </a:p>
         </p:txBody>
@@ -9209,6 +9691,50 @@
               </a:rPr>
               <a:t> as well</a:t>
             </a:r>
+          </a:p>
+        </p:txBody>
+      </p:sp>
+      <p:sp>
+        <p:nvSpPr>
+          <p:cNvPr id="5" name="TextBox 4">
+            <a:extLst>
+              <a:ext uri="{FF2B5EF4-FFF2-40B4-BE49-F238E27FC236}">
+                <a16:creationId xmlns:a16="http://schemas.microsoft.com/office/drawing/2014/main" id="{FB8D9704-ACEB-AE40-9B30-FD88CC973BDC}"/>
+              </a:ext>
+            </a:extLst>
+          </p:cNvPr>
+          <p:cNvSpPr txBox="1"/>
+          <p:nvPr/>
+        </p:nvSpPr>
+        <p:spPr>
+          <a:xfrm>
+            <a:off x="7705618" y="913413"/>
+            <a:ext cx="3752950" cy="461665"/>
+          </a:xfrm>
+          <a:prstGeom prst="rect">
+            <a:avLst/>
+          </a:prstGeom>
+          <a:noFill/>
+        </p:spPr>
+        <p:txBody>
+          <a:bodyPr wrap="none" rtlCol="0">
+            <a:spAutoFit/>
+          </a:bodyPr>
+          <a:lstStyle/>
+          <a:p>
+            <a:r>
+              <a:rPr lang="en-US" sz="2400" dirty="0">
+                <a:solidFill>
+                  <a:schemeClr val="tx2">
+                    <a:lumMod val="75000"/>
+                  </a:schemeClr>
+                </a:solidFill>
+                <a:latin typeface="Consolas" panose="020B0609020204030204" pitchFamily="49" charset="0"/>
+                <a:cs typeface="Consolas" panose="020B0609020204030204" pitchFamily="49" charset="0"/>
+              </a:rPr>
+              <a:t>S = { 1, “one”, ‘2’ }</a:t>
+            </a:r>
+            <a:endParaRPr lang="en-US" sz="2400" dirty="0"/>
           </a:p>
         </p:txBody>
       </p:sp>

--- a/fundamentals/7-Set.pptx
+++ b/fundamentals/7-Set.pptx
@@ -215,7 +215,7 @@
           <a:p>
             <a:fld id="{720C9186-47A3-C54A-A8AF-47B660C0099D}" type="datetimeFigureOut">
               <a:rPr lang="en-US" smtClean="0"/>
-              <a:t>8/12/20</a:t>
+              <a:t>8/25/20</a:t>
             </a:fld>
             <a:endParaRPr lang="en-US"/>
           </a:p>
@@ -632,7 +632,7 @@
           <a:p>
             <a:fld id="{4AAD347D-5ACD-4C99-B74B-A9C85AD731AF}" type="datetimeFigureOut">
               <a:rPr lang="en-US" smtClean="0"/>
-              <a:t>8/12/20</a:t>
+              <a:t>8/25/20</a:t>
             </a:fld>
             <a:endParaRPr lang="en-US" dirty="0"/>
           </a:p>
@@ -832,7 +832,7 @@
           <a:p>
             <a:fld id="{4AAD347D-5ACD-4C99-B74B-A9C85AD731AF}" type="datetimeFigureOut">
               <a:rPr lang="en-US" smtClean="0"/>
-              <a:t>8/12/20</a:t>
+              <a:t>8/25/20</a:t>
             </a:fld>
             <a:endParaRPr lang="en-US" dirty="0"/>
           </a:p>
@@ -1043,7 +1043,7 @@
           <a:p>
             <a:fld id="{4AAD347D-5ACD-4C99-B74B-A9C85AD731AF}" type="datetimeFigureOut">
               <a:rPr lang="en-US" smtClean="0"/>
-              <a:t>8/12/20</a:t>
+              <a:t>8/25/20</a:t>
             </a:fld>
             <a:endParaRPr lang="en-US" dirty="0"/>
           </a:p>
@@ -1244,7 +1244,7 @@
           <a:p>
             <a:fld id="{4AAD347D-5ACD-4C99-B74B-A9C85AD731AF}" type="datetimeFigureOut">
               <a:rPr lang="en-US" smtClean="0"/>
-              <a:t>8/12/20</a:t>
+              <a:t>8/25/20</a:t>
             </a:fld>
             <a:endParaRPr lang="en-US" dirty="0"/>
           </a:p>
@@ -1521,7 +1521,7 @@
           <a:p>
             <a:fld id="{9796027F-7875-4030-9381-8BD8C4F21935}" type="datetimeFigureOut">
               <a:rPr lang="en-US" smtClean="0"/>
-              <a:t>8/12/20</a:t>
+              <a:t>8/25/20</a:t>
             </a:fld>
             <a:endParaRPr lang="en-US" dirty="0"/>
           </a:p>
@@ -1789,7 +1789,7 @@
           <a:p>
             <a:fld id="{4AAD347D-5ACD-4C99-B74B-A9C85AD731AF}" type="datetimeFigureOut">
               <a:rPr lang="en-US" smtClean="0"/>
-              <a:t>8/12/20</a:t>
+              <a:t>8/25/20</a:t>
             </a:fld>
             <a:endParaRPr lang="en-US" dirty="0"/>
           </a:p>
@@ -2210,7 +2210,7 @@
           <a:p>
             <a:fld id="{4AAD347D-5ACD-4C99-B74B-A9C85AD731AF}" type="datetimeFigureOut">
               <a:rPr lang="en-US" smtClean="0"/>
-              <a:t>8/12/20</a:t>
+              <a:t>8/25/20</a:t>
             </a:fld>
             <a:endParaRPr lang="en-US" dirty="0"/>
           </a:p>
@@ -2353,7 +2353,7 @@
           <a:p>
             <a:fld id="{4509A250-FF31-4206-8172-F9D3106AACB1}" type="datetimeFigureOut">
               <a:rPr lang="en-US" smtClean="0"/>
-              <a:t>8/12/20</a:t>
+              <a:t>8/25/20</a:t>
             </a:fld>
             <a:endParaRPr lang="en-US" dirty="0"/>
           </a:p>
@@ -2466,7 +2466,7 @@
           <a:p>
             <a:fld id="{4509A250-FF31-4206-8172-F9D3106AACB1}" type="datetimeFigureOut">
               <a:rPr lang="en-US" smtClean="0"/>
-              <a:t>8/12/20</a:t>
+              <a:t>8/25/20</a:t>
             </a:fld>
             <a:endParaRPr lang="en-US" dirty="0"/>
           </a:p>
@@ -2779,7 +2779,7 @@
           <a:p>
             <a:fld id="{4AAD347D-5ACD-4C99-B74B-A9C85AD731AF}" type="datetimeFigureOut">
               <a:rPr lang="en-US" smtClean="0"/>
-              <a:t>8/12/20</a:t>
+              <a:t>8/25/20</a:t>
             </a:fld>
             <a:endParaRPr lang="en-US" dirty="0"/>
           </a:p>
@@ -3074,7 +3074,7 @@
           <a:p>
             <a:fld id="{4509A250-FF31-4206-8172-F9D3106AACB1}" type="datetimeFigureOut">
               <a:rPr lang="en-US" smtClean="0"/>
-              <a:t>8/12/20</a:t>
+              <a:t>8/25/20</a:t>
             </a:fld>
             <a:endParaRPr lang="en-US" dirty="0"/>
           </a:p>
@@ -3317,7 +3317,7 @@
           <a:p>
             <a:fld id="{4AAD347D-5ACD-4C99-B74B-A9C85AD731AF}" type="datetimeFigureOut">
               <a:rPr lang="en-US" smtClean="0"/>
-              <a:t>8/12/20</a:t>
+              <a:t>8/25/20</a:t>
             </a:fld>
             <a:endParaRPr lang="en-US" dirty="0"/>
           </a:p>
@@ -4768,6 +4768,409 @@
   <p:clrMapOvr>
     <a:masterClrMapping/>
   </p:clrMapOvr>
+  <p:timing>
+    <p:tnLst>
+      <p:par>
+        <p:cTn id="1" dur="indefinite" restart="never" nodeType="tmRoot">
+          <p:childTnLst>
+            <p:seq concurrent="1" nextAc="seek">
+              <p:cTn id="2" dur="indefinite" nodeType="mainSeq">
+                <p:childTnLst>
+                  <p:par>
+                    <p:cTn id="3" fill="hold">
+                      <p:stCondLst>
+                        <p:cond delay="indefinite"/>
+                      </p:stCondLst>
+                      <p:childTnLst>
+                        <p:par>
+                          <p:cTn id="4" fill="hold">
+                            <p:stCondLst>
+                              <p:cond delay="0"/>
+                            </p:stCondLst>
+                            <p:childTnLst>
+                              <p:par>
+                                <p:cTn id="5" presetID="1" presetClass="entr" presetSubtype="0" fill="hold" grpId="0" nodeType="clickEffect">
+                                  <p:stCondLst>
+                                    <p:cond delay="0"/>
+                                  </p:stCondLst>
+                                  <p:childTnLst>
+                                    <p:set>
+                                      <p:cBhvr>
+                                        <p:cTn id="6" dur="1" fill="hold">
+                                          <p:stCondLst>
+                                            <p:cond delay="0"/>
+                                          </p:stCondLst>
+                                        </p:cTn>
+                                        <p:tgtEl>
+                                          <p:spTgt spid="22"/>
+                                        </p:tgtEl>
+                                        <p:attrNameLst>
+                                          <p:attrName>style.visibility</p:attrName>
+                                        </p:attrNameLst>
+                                      </p:cBhvr>
+                                      <p:to>
+                                        <p:strVal val="visible"/>
+                                      </p:to>
+                                    </p:set>
+                                  </p:childTnLst>
+                                </p:cTn>
+                              </p:par>
+                            </p:childTnLst>
+                          </p:cTn>
+                        </p:par>
+                      </p:childTnLst>
+                    </p:cTn>
+                  </p:par>
+                  <p:par>
+                    <p:cTn id="7" fill="hold">
+                      <p:stCondLst>
+                        <p:cond delay="indefinite"/>
+                      </p:stCondLst>
+                      <p:childTnLst>
+                        <p:par>
+                          <p:cTn id="8" fill="hold">
+                            <p:stCondLst>
+                              <p:cond delay="0"/>
+                            </p:stCondLst>
+                            <p:childTnLst>
+                              <p:par>
+                                <p:cTn id="9" presetID="1" presetClass="entr" presetSubtype="0" fill="hold" grpId="0" nodeType="clickEffect">
+                                  <p:stCondLst>
+                                    <p:cond delay="0"/>
+                                  </p:stCondLst>
+                                  <p:childTnLst>
+                                    <p:set>
+                                      <p:cBhvr>
+                                        <p:cTn id="10" dur="1" fill="hold">
+                                          <p:stCondLst>
+                                            <p:cond delay="0"/>
+                                          </p:stCondLst>
+                                        </p:cTn>
+                                        <p:tgtEl>
+                                          <p:spTgt spid="8"/>
+                                        </p:tgtEl>
+                                        <p:attrNameLst>
+                                          <p:attrName>style.visibility</p:attrName>
+                                        </p:attrNameLst>
+                                      </p:cBhvr>
+                                      <p:to>
+                                        <p:strVal val="visible"/>
+                                      </p:to>
+                                    </p:set>
+                                  </p:childTnLst>
+                                </p:cTn>
+                              </p:par>
+                              <p:par>
+                                <p:cTn id="11" presetID="1" presetClass="entr" presetSubtype="0" fill="hold" grpId="0" nodeType="withEffect">
+                                  <p:stCondLst>
+                                    <p:cond delay="0"/>
+                                  </p:stCondLst>
+                                  <p:childTnLst>
+                                    <p:set>
+                                      <p:cBhvr>
+                                        <p:cTn id="12" dur="1" fill="hold">
+                                          <p:stCondLst>
+                                            <p:cond delay="0"/>
+                                          </p:stCondLst>
+                                        </p:cTn>
+                                        <p:tgtEl>
+                                          <p:spTgt spid="9"/>
+                                        </p:tgtEl>
+                                        <p:attrNameLst>
+                                          <p:attrName>style.visibility</p:attrName>
+                                        </p:attrNameLst>
+                                      </p:cBhvr>
+                                      <p:to>
+                                        <p:strVal val="visible"/>
+                                      </p:to>
+                                    </p:set>
+                                  </p:childTnLst>
+                                </p:cTn>
+                              </p:par>
+                              <p:par>
+                                <p:cTn id="13" presetID="1" presetClass="entr" presetSubtype="0" fill="hold" grpId="0" nodeType="withEffect">
+                                  <p:stCondLst>
+                                    <p:cond delay="0"/>
+                                  </p:stCondLst>
+                                  <p:childTnLst>
+                                    <p:set>
+                                      <p:cBhvr>
+                                        <p:cTn id="14" dur="1" fill="hold">
+                                          <p:stCondLst>
+                                            <p:cond delay="0"/>
+                                          </p:stCondLst>
+                                        </p:cTn>
+                                        <p:tgtEl>
+                                          <p:spTgt spid="10"/>
+                                        </p:tgtEl>
+                                        <p:attrNameLst>
+                                          <p:attrName>style.visibility</p:attrName>
+                                        </p:attrNameLst>
+                                      </p:cBhvr>
+                                      <p:to>
+                                        <p:strVal val="visible"/>
+                                      </p:to>
+                                    </p:set>
+                                  </p:childTnLst>
+                                </p:cTn>
+                              </p:par>
+                              <p:par>
+                                <p:cTn id="15" presetID="1" presetClass="entr" presetSubtype="0" fill="hold" grpId="0" nodeType="withEffect">
+                                  <p:stCondLst>
+                                    <p:cond delay="0"/>
+                                  </p:stCondLst>
+                                  <p:childTnLst>
+                                    <p:set>
+                                      <p:cBhvr>
+                                        <p:cTn id="16" dur="1" fill="hold">
+                                          <p:stCondLst>
+                                            <p:cond delay="0"/>
+                                          </p:stCondLst>
+                                        </p:cTn>
+                                        <p:tgtEl>
+                                          <p:spTgt spid="13"/>
+                                        </p:tgtEl>
+                                        <p:attrNameLst>
+                                          <p:attrName>style.visibility</p:attrName>
+                                        </p:attrNameLst>
+                                      </p:cBhvr>
+                                      <p:to>
+                                        <p:strVal val="visible"/>
+                                      </p:to>
+                                    </p:set>
+                                  </p:childTnLst>
+                                </p:cTn>
+                              </p:par>
+                              <p:par>
+                                <p:cTn id="17" presetID="1" presetClass="entr" presetSubtype="0" fill="hold" grpId="0" nodeType="withEffect">
+                                  <p:stCondLst>
+                                    <p:cond delay="0"/>
+                                  </p:stCondLst>
+                                  <p:childTnLst>
+                                    <p:set>
+                                      <p:cBhvr>
+                                        <p:cTn id="18" dur="1" fill="hold">
+                                          <p:stCondLst>
+                                            <p:cond delay="0"/>
+                                          </p:stCondLst>
+                                        </p:cTn>
+                                        <p:tgtEl>
+                                          <p:spTgt spid="14"/>
+                                        </p:tgtEl>
+                                        <p:attrNameLst>
+                                          <p:attrName>style.visibility</p:attrName>
+                                        </p:attrNameLst>
+                                      </p:cBhvr>
+                                      <p:to>
+                                        <p:strVal val="visible"/>
+                                      </p:to>
+                                    </p:set>
+                                  </p:childTnLst>
+                                </p:cTn>
+                              </p:par>
+                              <p:par>
+                                <p:cTn id="19" presetID="1" presetClass="entr" presetSubtype="0" fill="hold" grpId="0" nodeType="withEffect">
+                                  <p:stCondLst>
+                                    <p:cond delay="0"/>
+                                  </p:stCondLst>
+                                  <p:childTnLst>
+                                    <p:set>
+                                      <p:cBhvr>
+                                        <p:cTn id="20" dur="1" fill="hold">
+                                          <p:stCondLst>
+                                            <p:cond delay="0"/>
+                                          </p:stCondLst>
+                                        </p:cTn>
+                                        <p:tgtEl>
+                                          <p:spTgt spid="15"/>
+                                        </p:tgtEl>
+                                        <p:attrNameLst>
+                                          <p:attrName>style.visibility</p:attrName>
+                                        </p:attrNameLst>
+                                      </p:cBhvr>
+                                      <p:to>
+                                        <p:strVal val="visible"/>
+                                      </p:to>
+                                    </p:set>
+                                  </p:childTnLst>
+                                </p:cTn>
+                              </p:par>
+                              <p:par>
+                                <p:cTn id="21" presetID="1" presetClass="entr" presetSubtype="0" fill="hold" grpId="0" nodeType="withEffect">
+                                  <p:stCondLst>
+                                    <p:cond delay="0"/>
+                                  </p:stCondLst>
+                                  <p:childTnLst>
+                                    <p:set>
+                                      <p:cBhvr>
+                                        <p:cTn id="22" dur="1" fill="hold">
+                                          <p:stCondLst>
+                                            <p:cond delay="0"/>
+                                          </p:stCondLst>
+                                        </p:cTn>
+                                        <p:tgtEl>
+                                          <p:spTgt spid="18"/>
+                                        </p:tgtEl>
+                                        <p:attrNameLst>
+                                          <p:attrName>style.visibility</p:attrName>
+                                        </p:attrNameLst>
+                                      </p:cBhvr>
+                                      <p:to>
+                                        <p:strVal val="visible"/>
+                                      </p:to>
+                                    </p:set>
+                                  </p:childTnLst>
+                                </p:cTn>
+                              </p:par>
+                              <p:par>
+                                <p:cTn id="23" presetID="1" presetClass="entr" presetSubtype="0" fill="hold" grpId="0" nodeType="withEffect">
+                                  <p:stCondLst>
+                                    <p:cond delay="0"/>
+                                  </p:stCondLst>
+                                  <p:childTnLst>
+                                    <p:set>
+                                      <p:cBhvr>
+                                        <p:cTn id="24" dur="1" fill="hold">
+                                          <p:stCondLst>
+                                            <p:cond delay="0"/>
+                                          </p:stCondLst>
+                                        </p:cTn>
+                                        <p:tgtEl>
+                                          <p:spTgt spid="19"/>
+                                        </p:tgtEl>
+                                        <p:attrNameLst>
+                                          <p:attrName>style.visibility</p:attrName>
+                                        </p:attrNameLst>
+                                      </p:cBhvr>
+                                      <p:to>
+                                        <p:strVal val="visible"/>
+                                      </p:to>
+                                    </p:set>
+                                  </p:childTnLst>
+                                </p:cTn>
+                              </p:par>
+                              <p:par>
+                                <p:cTn id="25" presetID="1" presetClass="entr" presetSubtype="0" fill="hold" grpId="0" nodeType="withEffect">
+                                  <p:stCondLst>
+                                    <p:cond delay="0"/>
+                                  </p:stCondLst>
+                                  <p:childTnLst>
+                                    <p:set>
+                                      <p:cBhvr>
+                                        <p:cTn id="26" dur="1" fill="hold">
+                                          <p:stCondLst>
+                                            <p:cond delay="0"/>
+                                          </p:stCondLst>
+                                        </p:cTn>
+                                        <p:tgtEl>
+                                          <p:spTgt spid="21"/>
+                                        </p:tgtEl>
+                                        <p:attrNameLst>
+                                          <p:attrName>style.visibility</p:attrName>
+                                        </p:attrNameLst>
+                                      </p:cBhvr>
+                                      <p:to>
+                                        <p:strVal val="visible"/>
+                                      </p:to>
+                                    </p:set>
+                                  </p:childTnLst>
+                                </p:cTn>
+                              </p:par>
+                              <p:par>
+                                <p:cTn id="27" presetID="1" presetClass="entr" presetSubtype="0" fill="hold" nodeType="withEffect">
+                                  <p:stCondLst>
+                                    <p:cond delay="0"/>
+                                  </p:stCondLst>
+                                  <p:childTnLst>
+                                    <p:set>
+                                      <p:cBhvr>
+                                        <p:cTn id="28" dur="1" fill="hold">
+                                          <p:stCondLst>
+                                            <p:cond delay="0"/>
+                                          </p:stCondLst>
+                                        </p:cTn>
+                                        <p:tgtEl>
+                                          <p:spTgt spid="24"/>
+                                        </p:tgtEl>
+                                        <p:attrNameLst>
+                                          <p:attrName>style.visibility</p:attrName>
+                                        </p:attrNameLst>
+                                      </p:cBhvr>
+                                      <p:to>
+                                        <p:strVal val="visible"/>
+                                      </p:to>
+                                    </p:set>
+                                  </p:childTnLst>
+                                </p:cTn>
+                              </p:par>
+                              <p:par>
+                                <p:cTn id="29" presetID="1" presetClass="entr" presetSubtype="0" fill="hold" grpId="0" nodeType="withEffect">
+                                  <p:stCondLst>
+                                    <p:cond delay="0"/>
+                                  </p:stCondLst>
+                                  <p:childTnLst>
+                                    <p:set>
+                                      <p:cBhvr>
+                                        <p:cTn id="30" dur="1" fill="hold">
+                                          <p:stCondLst>
+                                            <p:cond delay="0"/>
+                                          </p:stCondLst>
+                                        </p:cTn>
+                                        <p:tgtEl>
+                                          <p:spTgt spid="25"/>
+                                        </p:tgtEl>
+                                        <p:attrNameLst>
+                                          <p:attrName>style.visibility</p:attrName>
+                                        </p:attrNameLst>
+                                      </p:cBhvr>
+                                      <p:to>
+                                        <p:strVal val="visible"/>
+                                      </p:to>
+                                    </p:set>
+                                  </p:childTnLst>
+                                </p:cTn>
+                              </p:par>
+                            </p:childTnLst>
+                          </p:cTn>
+                        </p:par>
+                      </p:childTnLst>
+                    </p:cTn>
+                  </p:par>
+                </p:childTnLst>
+              </p:cTn>
+              <p:prevCondLst>
+                <p:cond evt="onPrev" delay="0">
+                  <p:tgtEl>
+                    <p:sldTgt/>
+                  </p:tgtEl>
+                </p:cond>
+              </p:prevCondLst>
+              <p:nextCondLst>
+                <p:cond evt="onNext" delay="0">
+                  <p:tgtEl>
+                    <p:sldTgt/>
+                  </p:tgtEl>
+                </p:cond>
+              </p:nextCondLst>
+            </p:seq>
+          </p:childTnLst>
+        </p:cTn>
+      </p:par>
+    </p:tnLst>
+    <p:bldLst>
+      <p:bldP spid="8" grpId="0"/>
+      <p:bldP spid="9" grpId="0"/>
+      <p:bldP spid="10" grpId="0"/>
+      <p:bldP spid="13" grpId="0"/>
+      <p:bldP spid="14" grpId="0"/>
+      <p:bldP spid="15" grpId="0"/>
+      <p:bldP spid="18" grpId="0"/>
+      <p:bldP spid="19" grpId="0"/>
+      <p:bldP spid="21" grpId="0" animBg="1"/>
+      <p:bldP spid="22" grpId="0"/>
+      <p:bldP spid="25" grpId="0"/>
+    </p:bldLst>
+  </p:timing>
 </p:sld>
 </file>
 
@@ -5448,7 +5851,7 @@
         <p:spPr>
           <a:xfrm>
             <a:off x="1252728" y="5394960"/>
-            <a:ext cx="4996881" cy="923330"/>
+            <a:ext cx="6263253" cy="923330"/>
           </a:xfrm>
           <a:prstGeom prst="rect">
             <a:avLst/>
@@ -5535,7 +5938,7 @@
                 <a:latin typeface="Consolas" panose="020B0609020204030204" pitchFamily="49" charset="0"/>
                 <a:cs typeface="Consolas" panose="020B0609020204030204" pitchFamily="49" charset="0"/>
               </a:rPr>
-              <a:t>set_A.difference</a:t>
+              <a:t>set_A.symmetric_difference</a:t>
             </a:r>
             <a:r>
               <a:rPr lang="en-US" dirty="0">
@@ -5722,6 +6125,493 @@
   <p:clrMapOvr>
     <a:masterClrMapping/>
   </p:clrMapOvr>
+  <p:timing>
+    <p:tnLst>
+      <p:par>
+        <p:cTn id="1" dur="indefinite" restart="never" nodeType="tmRoot">
+          <p:childTnLst>
+            <p:seq concurrent="1" nextAc="seek">
+              <p:cTn id="2" dur="indefinite" nodeType="mainSeq">
+                <p:childTnLst>
+                  <p:par>
+                    <p:cTn id="3" fill="hold">
+                      <p:stCondLst>
+                        <p:cond delay="indefinite"/>
+                      </p:stCondLst>
+                      <p:childTnLst>
+                        <p:par>
+                          <p:cTn id="4" fill="hold">
+                            <p:stCondLst>
+                              <p:cond delay="0"/>
+                            </p:stCondLst>
+                            <p:childTnLst>
+                              <p:par>
+                                <p:cTn id="5" presetID="1" presetClass="entr" presetSubtype="0" fill="hold" grpId="0" nodeType="clickEffect">
+                                  <p:stCondLst>
+                                    <p:cond delay="0"/>
+                                  </p:stCondLst>
+                                  <p:childTnLst>
+                                    <p:set>
+                                      <p:cBhvr>
+                                        <p:cTn id="6" dur="1" fill="hold">
+                                          <p:stCondLst>
+                                            <p:cond delay="0"/>
+                                          </p:stCondLst>
+                                        </p:cTn>
+                                        <p:tgtEl>
+                                          <p:spTgt spid="21"/>
+                                        </p:tgtEl>
+                                        <p:attrNameLst>
+                                          <p:attrName>style.visibility</p:attrName>
+                                        </p:attrNameLst>
+                                      </p:cBhvr>
+                                      <p:to>
+                                        <p:strVal val="visible"/>
+                                      </p:to>
+                                    </p:set>
+                                  </p:childTnLst>
+                                </p:cTn>
+                              </p:par>
+                            </p:childTnLst>
+                          </p:cTn>
+                        </p:par>
+                      </p:childTnLst>
+                    </p:cTn>
+                  </p:par>
+                  <p:par>
+                    <p:cTn id="7" fill="hold">
+                      <p:stCondLst>
+                        <p:cond delay="indefinite"/>
+                      </p:stCondLst>
+                      <p:childTnLst>
+                        <p:par>
+                          <p:cTn id="8" fill="hold">
+                            <p:stCondLst>
+                              <p:cond delay="0"/>
+                            </p:stCondLst>
+                            <p:childTnLst>
+                              <p:par>
+                                <p:cTn id="9" presetID="1" presetClass="entr" presetSubtype="0" fill="hold" grpId="0" nodeType="clickEffect">
+                                  <p:stCondLst>
+                                    <p:cond delay="0"/>
+                                  </p:stCondLst>
+                                  <p:childTnLst>
+                                    <p:set>
+                                      <p:cBhvr>
+                                        <p:cTn id="10" dur="1" fill="hold">
+                                          <p:stCondLst>
+                                            <p:cond delay="0"/>
+                                          </p:stCondLst>
+                                        </p:cTn>
+                                        <p:tgtEl>
+                                          <p:spTgt spid="8"/>
+                                        </p:tgtEl>
+                                        <p:attrNameLst>
+                                          <p:attrName>style.visibility</p:attrName>
+                                        </p:attrNameLst>
+                                      </p:cBhvr>
+                                      <p:to>
+                                        <p:strVal val="visible"/>
+                                      </p:to>
+                                    </p:set>
+                                  </p:childTnLst>
+                                </p:cTn>
+                              </p:par>
+                              <p:par>
+                                <p:cTn id="11" presetID="1" presetClass="entr" presetSubtype="0" fill="hold" grpId="0" nodeType="withEffect">
+                                  <p:stCondLst>
+                                    <p:cond delay="0"/>
+                                  </p:stCondLst>
+                                  <p:childTnLst>
+                                    <p:set>
+                                      <p:cBhvr>
+                                        <p:cTn id="12" dur="1" fill="hold">
+                                          <p:stCondLst>
+                                            <p:cond delay="0"/>
+                                          </p:stCondLst>
+                                        </p:cTn>
+                                        <p:tgtEl>
+                                          <p:spTgt spid="9"/>
+                                        </p:tgtEl>
+                                        <p:attrNameLst>
+                                          <p:attrName>style.visibility</p:attrName>
+                                        </p:attrNameLst>
+                                      </p:cBhvr>
+                                      <p:to>
+                                        <p:strVal val="visible"/>
+                                      </p:to>
+                                    </p:set>
+                                  </p:childTnLst>
+                                </p:cTn>
+                              </p:par>
+                              <p:par>
+                                <p:cTn id="13" presetID="1" presetClass="entr" presetSubtype="0" fill="hold" grpId="0" nodeType="withEffect">
+                                  <p:stCondLst>
+                                    <p:cond delay="0"/>
+                                  </p:stCondLst>
+                                  <p:childTnLst>
+                                    <p:set>
+                                      <p:cBhvr>
+                                        <p:cTn id="14" dur="1" fill="hold">
+                                          <p:stCondLst>
+                                            <p:cond delay="0"/>
+                                          </p:stCondLst>
+                                        </p:cTn>
+                                        <p:tgtEl>
+                                          <p:spTgt spid="10"/>
+                                        </p:tgtEl>
+                                        <p:attrNameLst>
+                                          <p:attrName>style.visibility</p:attrName>
+                                        </p:attrNameLst>
+                                      </p:cBhvr>
+                                      <p:to>
+                                        <p:strVal val="visible"/>
+                                      </p:to>
+                                    </p:set>
+                                  </p:childTnLst>
+                                </p:cTn>
+                              </p:par>
+                              <p:par>
+                                <p:cTn id="15" presetID="1" presetClass="entr" presetSubtype="0" fill="hold" grpId="0" nodeType="withEffect">
+                                  <p:stCondLst>
+                                    <p:cond delay="0"/>
+                                  </p:stCondLst>
+                                  <p:childTnLst>
+                                    <p:set>
+                                      <p:cBhvr>
+                                        <p:cTn id="16" dur="1" fill="hold">
+                                          <p:stCondLst>
+                                            <p:cond delay="0"/>
+                                          </p:stCondLst>
+                                        </p:cTn>
+                                        <p:tgtEl>
+                                          <p:spTgt spid="11"/>
+                                        </p:tgtEl>
+                                        <p:attrNameLst>
+                                          <p:attrName>style.visibility</p:attrName>
+                                        </p:attrNameLst>
+                                      </p:cBhvr>
+                                      <p:to>
+                                        <p:strVal val="visible"/>
+                                      </p:to>
+                                    </p:set>
+                                  </p:childTnLst>
+                                </p:cTn>
+                              </p:par>
+                              <p:par>
+                                <p:cTn id="17" presetID="1" presetClass="entr" presetSubtype="0" fill="hold" grpId="0" nodeType="withEffect">
+                                  <p:stCondLst>
+                                    <p:cond delay="0"/>
+                                  </p:stCondLst>
+                                  <p:childTnLst>
+                                    <p:set>
+                                      <p:cBhvr>
+                                        <p:cTn id="18" dur="1" fill="hold">
+                                          <p:stCondLst>
+                                            <p:cond delay="0"/>
+                                          </p:stCondLst>
+                                        </p:cTn>
+                                        <p:tgtEl>
+                                          <p:spTgt spid="13"/>
+                                        </p:tgtEl>
+                                        <p:attrNameLst>
+                                          <p:attrName>style.visibility</p:attrName>
+                                        </p:attrNameLst>
+                                      </p:cBhvr>
+                                      <p:to>
+                                        <p:strVal val="visible"/>
+                                      </p:to>
+                                    </p:set>
+                                  </p:childTnLst>
+                                </p:cTn>
+                              </p:par>
+                              <p:par>
+                                <p:cTn id="19" presetID="1" presetClass="entr" presetSubtype="0" fill="hold" grpId="0" nodeType="withEffect">
+                                  <p:stCondLst>
+                                    <p:cond delay="0"/>
+                                  </p:stCondLst>
+                                  <p:childTnLst>
+                                    <p:set>
+                                      <p:cBhvr>
+                                        <p:cTn id="20" dur="1" fill="hold">
+                                          <p:stCondLst>
+                                            <p:cond delay="0"/>
+                                          </p:stCondLst>
+                                        </p:cTn>
+                                        <p:tgtEl>
+                                          <p:spTgt spid="14"/>
+                                        </p:tgtEl>
+                                        <p:attrNameLst>
+                                          <p:attrName>style.visibility</p:attrName>
+                                        </p:attrNameLst>
+                                      </p:cBhvr>
+                                      <p:to>
+                                        <p:strVal val="visible"/>
+                                      </p:to>
+                                    </p:set>
+                                  </p:childTnLst>
+                                </p:cTn>
+                              </p:par>
+                              <p:par>
+                                <p:cTn id="21" presetID="1" presetClass="entr" presetSubtype="0" fill="hold" grpId="0" nodeType="withEffect">
+                                  <p:stCondLst>
+                                    <p:cond delay="0"/>
+                                  </p:stCondLst>
+                                  <p:childTnLst>
+                                    <p:set>
+                                      <p:cBhvr>
+                                        <p:cTn id="22" dur="1" fill="hold">
+                                          <p:stCondLst>
+                                            <p:cond delay="0"/>
+                                          </p:stCondLst>
+                                        </p:cTn>
+                                        <p:tgtEl>
+                                          <p:spTgt spid="15"/>
+                                        </p:tgtEl>
+                                        <p:attrNameLst>
+                                          <p:attrName>style.visibility</p:attrName>
+                                        </p:attrNameLst>
+                                      </p:cBhvr>
+                                      <p:to>
+                                        <p:strVal val="visible"/>
+                                      </p:to>
+                                    </p:set>
+                                  </p:childTnLst>
+                                </p:cTn>
+                              </p:par>
+                              <p:par>
+                                <p:cTn id="23" presetID="1" presetClass="entr" presetSubtype="0" fill="hold" grpId="0" nodeType="withEffect">
+                                  <p:stCondLst>
+                                    <p:cond delay="0"/>
+                                  </p:stCondLst>
+                                  <p:childTnLst>
+                                    <p:set>
+                                      <p:cBhvr>
+                                        <p:cTn id="24" dur="1" fill="hold">
+                                          <p:stCondLst>
+                                            <p:cond delay="0"/>
+                                          </p:stCondLst>
+                                        </p:cTn>
+                                        <p:tgtEl>
+                                          <p:spTgt spid="16"/>
+                                        </p:tgtEl>
+                                        <p:attrNameLst>
+                                          <p:attrName>style.visibility</p:attrName>
+                                        </p:attrNameLst>
+                                      </p:cBhvr>
+                                      <p:to>
+                                        <p:strVal val="visible"/>
+                                      </p:to>
+                                    </p:set>
+                                  </p:childTnLst>
+                                </p:cTn>
+                              </p:par>
+                              <p:par>
+                                <p:cTn id="25" presetID="1" presetClass="entr" presetSubtype="0" fill="hold" grpId="0" nodeType="withEffect">
+                                  <p:stCondLst>
+                                    <p:cond delay="0"/>
+                                  </p:stCondLst>
+                                  <p:childTnLst>
+                                    <p:set>
+                                      <p:cBhvr>
+                                        <p:cTn id="26" dur="1" fill="hold">
+                                          <p:stCondLst>
+                                            <p:cond delay="0"/>
+                                          </p:stCondLst>
+                                        </p:cTn>
+                                        <p:tgtEl>
+                                          <p:spTgt spid="18"/>
+                                        </p:tgtEl>
+                                        <p:attrNameLst>
+                                          <p:attrName>style.visibility</p:attrName>
+                                        </p:attrNameLst>
+                                      </p:cBhvr>
+                                      <p:to>
+                                        <p:strVal val="visible"/>
+                                      </p:to>
+                                    </p:set>
+                                  </p:childTnLst>
+                                </p:cTn>
+                              </p:par>
+                              <p:par>
+                                <p:cTn id="27" presetID="1" presetClass="entr" presetSubtype="0" fill="hold" grpId="0" nodeType="withEffect">
+                                  <p:stCondLst>
+                                    <p:cond delay="0"/>
+                                  </p:stCondLst>
+                                  <p:childTnLst>
+                                    <p:set>
+                                      <p:cBhvr>
+                                        <p:cTn id="28" dur="1" fill="hold">
+                                          <p:stCondLst>
+                                            <p:cond delay="0"/>
+                                          </p:stCondLst>
+                                        </p:cTn>
+                                        <p:tgtEl>
+                                          <p:spTgt spid="19"/>
+                                        </p:tgtEl>
+                                        <p:attrNameLst>
+                                          <p:attrName>style.visibility</p:attrName>
+                                        </p:attrNameLst>
+                                      </p:cBhvr>
+                                      <p:to>
+                                        <p:strVal val="visible"/>
+                                      </p:to>
+                                    </p:set>
+                                  </p:childTnLst>
+                                </p:cTn>
+                              </p:par>
+                              <p:par>
+                                <p:cTn id="29" presetID="1" presetClass="entr" presetSubtype="0" fill="hold" grpId="0" nodeType="withEffect">
+                                  <p:stCondLst>
+                                    <p:cond delay="0"/>
+                                  </p:stCondLst>
+                                  <p:childTnLst>
+                                    <p:set>
+                                      <p:cBhvr>
+                                        <p:cTn id="30" dur="1" fill="hold">
+                                          <p:stCondLst>
+                                            <p:cond delay="0"/>
+                                          </p:stCondLst>
+                                        </p:cTn>
+                                        <p:tgtEl>
+                                          <p:spTgt spid="20"/>
+                                        </p:tgtEl>
+                                        <p:attrNameLst>
+                                          <p:attrName>style.visibility</p:attrName>
+                                        </p:attrNameLst>
+                                      </p:cBhvr>
+                                      <p:to>
+                                        <p:strVal val="visible"/>
+                                      </p:to>
+                                    </p:set>
+                                  </p:childTnLst>
+                                </p:cTn>
+                              </p:par>
+                              <p:par>
+                                <p:cTn id="31" presetID="1" presetClass="entr" presetSubtype="0" fill="hold" nodeType="withEffect">
+                                  <p:stCondLst>
+                                    <p:cond delay="0"/>
+                                  </p:stCondLst>
+                                  <p:childTnLst>
+                                    <p:set>
+                                      <p:cBhvr>
+                                        <p:cTn id="32" dur="1" fill="hold">
+                                          <p:stCondLst>
+                                            <p:cond delay="0"/>
+                                          </p:stCondLst>
+                                        </p:cTn>
+                                        <p:tgtEl>
+                                          <p:spTgt spid="22"/>
+                                        </p:tgtEl>
+                                        <p:attrNameLst>
+                                          <p:attrName>style.visibility</p:attrName>
+                                        </p:attrNameLst>
+                                      </p:cBhvr>
+                                      <p:to>
+                                        <p:strVal val="visible"/>
+                                      </p:to>
+                                    </p:set>
+                                  </p:childTnLst>
+                                </p:cTn>
+                              </p:par>
+                              <p:par>
+                                <p:cTn id="33" presetID="1" presetClass="entr" presetSubtype="0" fill="hold" grpId="0" nodeType="withEffect">
+                                  <p:stCondLst>
+                                    <p:cond delay="0"/>
+                                  </p:stCondLst>
+                                  <p:childTnLst>
+                                    <p:set>
+                                      <p:cBhvr>
+                                        <p:cTn id="34" dur="1" fill="hold">
+                                          <p:stCondLst>
+                                            <p:cond delay="0"/>
+                                          </p:stCondLst>
+                                        </p:cTn>
+                                        <p:tgtEl>
+                                          <p:spTgt spid="23"/>
+                                        </p:tgtEl>
+                                        <p:attrNameLst>
+                                          <p:attrName>style.visibility</p:attrName>
+                                        </p:attrNameLst>
+                                      </p:cBhvr>
+                                      <p:to>
+                                        <p:strVal val="visible"/>
+                                      </p:to>
+                                    </p:set>
+                                  </p:childTnLst>
+                                </p:cTn>
+                              </p:par>
+                              <p:par>
+                                <p:cTn id="35" presetID="1" presetClass="entr" presetSubtype="0" fill="hold" grpId="0" nodeType="withEffect">
+                                  <p:stCondLst>
+                                    <p:cond delay="0"/>
+                                  </p:stCondLst>
+                                  <p:childTnLst>
+                                    <p:set>
+                                      <p:cBhvr>
+                                        <p:cTn id="36" dur="1" fill="hold">
+                                          <p:stCondLst>
+                                            <p:cond delay="0"/>
+                                          </p:stCondLst>
+                                        </p:cTn>
+                                        <p:tgtEl>
+                                          <p:spTgt spid="25"/>
+                                        </p:tgtEl>
+                                        <p:attrNameLst>
+                                          <p:attrName>style.visibility</p:attrName>
+                                        </p:attrNameLst>
+                                      </p:cBhvr>
+                                      <p:to>
+                                        <p:strVal val="visible"/>
+                                      </p:to>
+                                    </p:set>
+                                  </p:childTnLst>
+                                </p:cTn>
+                              </p:par>
+                            </p:childTnLst>
+                          </p:cTn>
+                        </p:par>
+                      </p:childTnLst>
+                    </p:cTn>
+                  </p:par>
+                </p:childTnLst>
+              </p:cTn>
+              <p:prevCondLst>
+                <p:cond evt="onPrev" delay="0">
+                  <p:tgtEl>
+                    <p:sldTgt/>
+                  </p:tgtEl>
+                </p:cond>
+              </p:prevCondLst>
+              <p:nextCondLst>
+                <p:cond evt="onNext" delay="0">
+                  <p:tgtEl>
+                    <p:sldTgt/>
+                  </p:tgtEl>
+                </p:cond>
+              </p:nextCondLst>
+            </p:seq>
+          </p:childTnLst>
+        </p:cTn>
+      </p:par>
+    </p:tnLst>
+    <p:bldLst>
+      <p:bldP spid="8" grpId="0"/>
+      <p:bldP spid="9" grpId="0"/>
+      <p:bldP spid="10" grpId="0"/>
+      <p:bldP spid="11" grpId="0"/>
+      <p:bldP spid="13" grpId="0"/>
+      <p:bldP spid="14" grpId="0"/>
+      <p:bldP spid="15" grpId="0"/>
+      <p:bldP spid="16" grpId="0"/>
+      <p:bldP spid="18" grpId="0"/>
+      <p:bldP spid="19" grpId="0"/>
+      <p:bldP spid="20" grpId="0" animBg="1"/>
+      <p:bldP spid="21" grpId="0"/>
+      <p:bldP spid="23" grpId="0"/>
+      <p:bldP spid="25" grpId="0"/>
+    </p:bldLst>
+  </p:timing>
 </p:sld>
 </file>
 
@@ -5821,66 +6711,36 @@
           <a:p>
             <a:r>
               <a:rPr lang="en-US" b="1" dirty="0">
-                <a:solidFill>
-                  <a:schemeClr val="tx2">
-                    <a:lumMod val="75000"/>
-                  </a:schemeClr>
-                </a:solidFill>
                 <a:latin typeface="Consolas" panose="020B0609020204030204" pitchFamily="49" charset="0"/>
                 <a:cs typeface="Consolas" panose="020B0609020204030204" pitchFamily="49" charset="0"/>
               </a:rPr>
-              <a:t>update(*others)</a:t>
-            </a:r>
-            <a:r>
-              <a:rPr lang="en-US" dirty="0">
-                <a:solidFill>
-                  <a:schemeClr val="tx2">
-                    <a:lumMod val="75000"/>
-                  </a:schemeClr>
-                </a:solidFill>
-              </a:rPr>
-              <a:t> set |= other | ... Update the set, adding elements from all others.</a:t>
-            </a:r>
-          </a:p>
-          <a:p>
-            <a:endParaRPr lang="en-US" b="1" dirty="0">
-              <a:solidFill>
-                <a:schemeClr val="tx2">
-                  <a:lumMod val="75000"/>
-                </a:schemeClr>
-              </a:solidFill>
-            </a:endParaRPr>
-          </a:p>
-          <a:p>
+              <a:t>add(</a:t>
+            </a:r>
             <a:r>
               <a:rPr lang="en-US" b="1" dirty="0" err="1">
-                <a:solidFill>
-                  <a:schemeClr val="tx2">
-                    <a:lumMod val="75000"/>
-                  </a:schemeClr>
-                </a:solidFill>
-              </a:rPr>
-              <a:t>intersection_update</a:t>
+                <a:latin typeface="Consolas" panose="020B0609020204030204" pitchFamily="49" charset="0"/>
+                <a:cs typeface="Consolas" panose="020B0609020204030204" pitchFamily="49" charset="0"/>
+              </a:rPr>
+              <a:t>elem</a:t>
             </a:r>
             <a:r>
               <a:rPr lang="en-US" b="1" dirty="0">
-                <a:solidFill>
-                  <a:schemeClr val="tx2">
-                    <a:lumMod val="75000"/>
-                  </a:schemeClr>
-                </a:solidFill>
-              </a:rPr>
-              <a:t>(*others)</a:t>
-            </a:r>
-            <a:r>
-              <a:rPr lang="en-US" dirty="0">
-                <a:solidFill>
-                  <a:schemeClr val="tx2">
-                    <a:lumMod val="75000"/>
-                  </a:schemeClr>
-                </a:solidFill>
-              </a:rPr>
-              <a:t> set &amp;= other &amp; ... Update the set, keeping only elements found in it and all others.</a:t>
+                <a:latin typeface="Consolas" panose="020B0609020204030204" pitchFamily="49" charset="0"/>
+                <a:cs typeface="Consolas" panose="020B0609020204030204" pitchFamily="49" charset="0"/>
+              </a:rPr>
+              <a:t>)</a:t>
+            </a:r>
+            <a:r>
+              <a:rPr lang="en-US" dirty="0"/>
+              <a:t> Add element </a:t>
+            </a:r>
+            <a:r>
+              <a:rPr lang="en-US" dirty="0" err="1"/>
+              <a:t>elem</a:t>
+            </a:r>
+            <a:r>
+              <a:rPr lang="en-US" dirty="0"/>
+              <a:t> to the set.</a:t>
             </a:r>
           </a:p>
           <a:p>
@@ -5896,7 +6756,7 @@
           </a:p>
           <a:p>
             <a:r>
-              <a:rPr lang="en-US" b="1" dirty="0" err="1">
+              <a:rPr lang="en-US" b="1" dirty="0">
                 <a:solidFill>
                   <a:schemeClr val="tx2">
                     <a:lumMod val="75000"/>
@@ -5905,19 +6765,7 @@
                 <a:latin typeface="Consolas" panose="020B0609020204030204" pitchFamily="49" charset="0"/>
                 <a:cs typeface="Consolas" panose="020B0609020204030204" pitchFamily="49" charset="0"/>
               </a:rPr>
-              <a:t>difference_update</a:t>
-            </a:r>
-            <a:r>
-              <a:rPr lang="en-US" b="1" dirty="0">
-                <a:solidFill>
-                  <a:schemeClr val="tx2">
-                    <a:lumMod val="75000"/>
-                  </a:schemeClr>
-                </a:solidFill>
-                <a:latin typeface="Consolas" panose="020B0609020204030204" pitchFamily="49" charset="0"/>
-                <a:cs typeface="Consolas" panose="020B0609020204030204" pitchFamily="49" charset="0"/>
-              </a:rPr>
-              <a:t>(*others) </a:t>
+              <a:t>update(*others)</a:t>
             </a:r>
             <a:r>
               <a:rPr lang="en-US" dirty="0">
@@ -5927,7 +6775,7 @@
                   </a:schemeClr>
                 </a:solidFill>
               </a:rPr>
-              <a:t>set -= other | ... Update the set, removing elements found in others.</a:t>
+              <a:t> set |= other | ... Update the set, adding elements from all others.</a:t>
             </a:r>
           </a:p>
           <a:p>
@@ -5948,7 +6796,7 @@
                   </a:schemeClr>
                 </a:solidFill>
               </a:rPr>
-              <a:t>symmetric_difference_update</a:t>
+              <a:t>intersection_update</a:t>
             </a:r>
             <a:r>
               <a:rPr lang="en-US" b="1" dirty="0">
@@ -5958,7 +6806,7 @@
                   </a:schemeClr>
                 </a:solidFill>
               </a:rPr>
-              <a:t>(other)</a:t>
+              <a:t>(*others)</a:t>
             </a:r>
             <a:r>
               <a:rPr lang="en-US" dirty="0">
@@ -5968,7 +6816,7 @@
                   </a:schemeClr>
                 </a:solidFill>
               </a:rPr>
-              <a:t> set ^= other Update the set, keeping only elements found in either set, but not in both.</a:t>
+              <a:t> set &amp;= other &amp; ... Update the set, keeping only elements found in it and all others.</a:t>
             </a:r>
           </a:p>
           <a:p>
@@ -5984,7 +6832,7 @@
           </a:p>
           <a:p>
             <a:r>
-              <a:rPr lang="en-US" b="1" dirty="0">
+              <a:rPr lang="en-US" b="1" dirty="0" err="1">
                 <a:solidFill>
                   <a:schemeClr val="tx2">
                     <a:lumMod val="75000"/>
@@ -5993,10 +6841,10 @@
                 <a:latin typeface="Consolas" panose="020B0609020204030204" pitchFamily="49" charset="0"/>
                 <a:cs typeface="Consolas" panose="020B0609020204030204" pitchFamily="49" charset="0"/>
               </a:rPr>
-              <a:t>add(</a:t>
-            </a:r>
-            <a:r>
-              <a:rPr lang="en-US" b="1" dirty="0" err="1">
+              <a:t>difference_update</a:t>
+            </a:r>
+            <a:r>
+              <a:rPr lang="en-US" b="1" dirty="0">
                 <a:solidFill>
                   <a:schemeClr val="tx2">
                     <a:lumMod val="75000"/>
@@ -6005,19 +6853,7 @@
                 <a:latin typeface="Consolas" panose="020B0609020204030204" pitchFamily="49" charset="0"/>
                 <a:cs typeface="Consolas" panose="020B0609020204030204" pitchFamily="49" charset="0"/>
               </a:rPr>
-              <a:t>elem</a:t>
-            </a:r>
-            <a:r>
-              <a:rPr lang="en-US" b="1" dirty="0">
-                <a:solidFill>
-                  <a:schemeClr val="tx2">
-                    <a:lumMod val="75000"/>
-                  </a:schemeClr>
-                </a:solidFill>
-                <a:latin typeface="Consolas" panose="020B0609020204030204" pitchFamily="49" charset="0"/>
-                <a:cs typeface="Consolas" panose="020B0609020204030204" pitchFamily="49" charset="0"/>
-              </a:rPr>
-              <a:t>)</a:t>
+              <a:t>(*others) </a:t>
             </a:r>
             <a:r>
               <a:rPr lang="en-US" dirty="0">
@@ -6027,27 +6863,7 @@
                   </a:schemeClr>
                 </a:solidFill>
               </a:rPr>
-              <a:t> Add element </a:t>
-            </a:r>
-            <a:r>
-              <a:rPr lang="en-US" dirty="0" err="1">
-                <a:solidFill>
-                  <a:schemeClr val="tx2">
-                    <a:lumMod val="75000"/>
-                  </a:schemeClr>
-                </a:solidFill>
-              </a:rPr>
-              <a:t>elem</a:t>
-            </a:r>
-            <a:r>
-              <a:rPr lang="en-US" dirty="0">
-                <a:solidFill>
-                  <a:schemeClr val="tx2">
-                    <a:lumMod val="75000"/>
-                  </a:schemeClr>
-                </a:solidFill>
-              </a:rPr>
-              <a:t> to the set.</a:t>
+              <a:t>set -= other | ... Update the set, removing elements found in others.</a:t>
             </a:r>
           </a:p>
           <a:p>
@@ -6057,9 +6873,39 @@
                   <a:lumMod val="75000"/>
                 </a:schemeClr>
               </a:solidFill>
-              <a:latin typeface="Consolas" panose="020B0609020204030204" pitchFamily="49" charset="0"/>
-              <a:cs typeface="Consolas" panose="020B0609020204030204" pitchFamily="49" charset="0"/>
             </a:endParaRPr>
+          </a:p>
+          <a:p>
+            <a:r>
+              <a:rPr lang="en-US" b="1" dirty="0" err="1">
+                <a:solidFill>
+                  <a:schemeClr val="tx2">
+                    <a:lumMod val="75000"/>
+                  </a:schemeClr>
+                </a:solidFill>
+              </a:rPr>
+              <a:t>symmetric_difference_update</a:t>
+            </a:r>
+            <a:r>
+              <a:rPr lang="en-US" b="1" dirty="0">
+                <a:solidFill>
+                  <a:schemeClr val="tx2">
+                    <a:lumMod val="75000"/>
+                  </a:schemeClr>
+                </a:solidFill>
+              </a:rPr>
+              <a:t>(other)</a:t>
+            </a:r>
+            <a:r>
+              <a:rPr lang="en-US" dirty="0">
+                <a:solidFill>
+                  <a:schemeClr val="tx2">
+                    <a:lumMod val="75000"/>
+                  </a:schemeClr>
+                </a:solidFill>
+              </a:rPr>
+              <a:t> set ^= other Update the set, keeping only elements found in either set, but not in both.</a:t>
+            </a:r>
           </a:p>
         </p:txBody>
       </p:sp>
@@ -6073,6 +6919,284 @@
   <p:clrMapOvr>
     <a:masterClrMapping/>
   </p:clrMapOvr>
+  <p:timing>
+    <p:tnLst>
+      <p:par>
+        <p:cTn id="1" dur="indefinite" restart="never" nodeType="tmRoot">
+          <p:childTnLst>
+            <p:seq concurrent="1" nextAc="seek">
+              <p:cTn id="2" dur="indefinite" nodeType="mainSeq">
+                <p:childTnLst>
+                  <p:par>
+                    <p:cTn id="3" fill="hold">
+                      <p:stCondLst>
+                        <p:cond delay="indefinite"/>
+                      </p:stCondLst>
+                      <p:childTnLst>
+                        <p:par>
+                          <p:cTn id="4" fill="hold">
+                            <p:stCondLst>
+                              <p:cond delay="0"/>
+                            </p:stCondLst>
+                            <p:childTnLst>
+                              <p:par>
+                                <p:cTn id="5" presetID="1" presetClass="entr" presetSubtype="0" fill="hold" grpId="0" nodeType="clickEffect">
+                                  <p:stCondLst>
+                                    <p:cond delay="0"/>
+                                  </p:stCondLst>
+                                  <p:childTnLst>
+                                    <p:set>
+                                      <p:cBhvr>
+                                        <p:cTn id="6" dur="1" fill="hold">
+                                          <p:stCondLst>
+                                            <p:cond delay="0"/>
+                                          </p:stCondLst>
+                                        </p:cTn>
+                                        <p:tgtEl>
+                                          <p:spTgt spid="3">
+                                            <p:txEl>
+                                              <p:pRg st="0" end="0"/>
+                                            </p:txEl>
+                                          </p:spTgt>
+                                        </p:tgtEl>
+                                        <p:attrNameLst>
+                                          <p:attrName>style.visibility</p:attrName>
+                                        </p:attrNameLst>
+                                      </p:cBhvr>
+                                      <p:to>
+                                        <p:strVal val="visible"/>
+                                      </p:to>
+                                    </p:set>
+                                  </p:childTnLst>
+                                </p:cTn>
+                              </p:par>
+                            </p:childTnLst>
+                          </p:cTn>
+                        </p:par>
+                      </p:childTnLst>
+                    </p:cTn>
+                  </p:par>
+                  <p:par>
+                    <p:cTn id="7" fill="hold">
+                      <p:stCondLst>
+                        <p:cond delay="indefinite"/>
+                      </p:stCondLst>
+                      <p:childTnLst>
+                        <p:par>
+                          <p:cTn id="8" fill="hold">
+                            <p:stCondLst>
+                              <p:cond delay="0"/>
+                            </p:stCondLst>
+                            <p:childTnLst>
+                              <p:par>
+                                <p:cTn id="9" presetID="1" presetClass="entr" presetSubtype="0" fill="hold" grpId="0" nodeType="clickEffect">
+                                  <p:stCondLst>
+                                    <p:cond delay="0"/>
+                                  </p:stCondLst>
+                                  <p:childTnLst>
+                                    <p:set>
+                                      <p:cBhvr>
+                                        <p:cTn id="10" dur="1" fill="hold">
+                                          <p:stCondLst>
+                                            <p:cond delay="0"/>
+                                          </p:stCondLst>
+                                        </p:cTn>
+                                        <p:tgtEl>
+                                          <p:spTgt spid="3">
+                                            <p:txEl>
+                                              <p:pRg st="2" end="2"/>
+                                            </p:txEl>
+                                          </p:spTgt>
+                                        </p:tgtEl>
+                                        <p:attrNameLst>
+                                          <p:attrName>style.visibility</p:attrName>
+                                        </p:attrNameLst>
+                                      </p:cBhvr>
+                                      <p:to>
+                                        <p:strVal val="visible"/>
+                                      </p:to>
+                                    </p:set>
+                                  </p:childTnLst>
+                                </p:cTn>
+                              </p:par>
+                            </p:childTnLst>
+                          </p:cTn>
+                        </p:par>
+                      </p:childTnLst>
+                    </p:cTn>
+                  </p:par>
+                  <p:par>
+                    <p:cTn id="11" fill="hold">
+                      <p:stCondLst>
+                        <p:cond delay="indefinite"/>
+                      </p:stCondLst>
+                      <p:childTnLst>
+                        <p:par>
+                          <p:cTn id="12" fill="hold">
+                            <p:stCondLst>
+                              <p:cond delay="0"/>
+                            </p:stCondLst>
+                            <p:childTnLst>
+                              <p:par>
+                                <p:cTn id="13" presetID="1" presetClass="entr" presetSubtype="0" fill="hold" grpId="0" nodeType="clickEffect">
+                                  <p:stCondLst>
+                                    <p:cond delay="0"/>
+                                  </p:stCondLst>
+                                  <p:childTnLst>
+                                    <p:set>
+                                      <p:cBhvr>
+                                        <p:cTn id="14" dur="1" fill="hold">
+                                          <p:stCondLst>
+                                            <p:cond delay="0"/>
+                                          </p:stCondLst>
+                                        </p:cTn>
+                                        <p:tgtEl>
+                                          <p:spTgt spid="3">
+                                            <p:txEl>
+                                              <p:pRg st="4" end="4"/>
+                                            </p:txEl>
+                                          </p:spTgt>
+                                        </p:tgtEl>
+                                        <p:attrNameLst>
+                                          <p:attrName>style.visibility</p:attrName>
+                                        </p:attrNameLst>
+                                      </p:cBhvr>
+                                      <p:to>
+                                        <p:strVal val="visible"/>
+                                      </p:to>
+                                    </p:set>
+                                  </p:childTnLst>
+                                </p:cTn>
+                              </p:par>
+                            </p:childTnLst>
+                          </p:cTn>
+                        </p:par>
+                      </p:childTnLst>
+                    </p:cTn>
+                  </p:par>
+                  <p:par>
+                    <p:cTn id="15" fill="hold">
+                      <p:stCondLst>
+                        <p:cond delay="indefinite"/>
+                      </p:stCondLst>
+                      <p:childTnLst>
+                        <p:par>
+                          <p:cTn id="16" fill="hold">
+                            <p:stCondLst>
+                              <p:cond delay="0"/>
+                            </p:stCondLst>
+                            <p:childTnLst>
+                              <p:par>
+                                <p:cTn id="17" presetID="1" presetClass="entr" presetSubtype="0" fill="hold" grpId="0" nodeType="clickEffect">
+                                  <p:stCondLst>
+                                    <p:cond delay="0"/>
+                                  </p:stCondLst>
+                                  <p:childTnLst>
+                                    <p:set>
+                                      <p:cBhvr>
+                                        <p:cTn id="18" dur="1" fill="hold">
+                                          <p:stCondLst>
+                                            <p:cond delay="0"/>
+                                          </p:stCondLst>
+                                        </p:cTn>
+                                        <p:tgtEl>
+                                          <p:spTgt spid="3">
+                                            <p:txEl>
+                                              <p:pRg st="6" end="6"/>
+                                            </p:txEl>
+                                          </p:spTgt>
+                                        </p:tgtEl>
+                                        <p:attrNameLst>
+                                          <p:attrName>style.visibility</p:attrName>
+                                        </p:attrNameLst>
+                                      </p:cBhvr>
+                                      <p:to>
+                                        <p:strVal val="visible"/>
+                                      </p:to>
+                                    </p:set>
+                                  </p:childTnLst>
+                                </p:cTn>
+                              </p:par>
+                            </p:childTnLst>
+                          </p:cTn>
+                        </p:par>
+                      </p:childTnLst>
+                    </p:cTn>
+                  </p:par>
+                  <p:par>
+                    <p:cTn id="19" fill="hold">
+                      <p:stCondLst>
+                        <p:cond delay="indefinite"/>
+                      </p:stCondLst>
+                      <p:childTnLst>
+                        <p:par>
+                          <p:cTn id="20" fill="hold">
+                            <p:stCondLst>
+                              <p:cond delay="0"/>
+                            </p:stCondLst>
+                            <p:childTnLst>
+                              <p:par>
+                                <p:cTn id="21" presetID="1" presetClass="entr" presetSubtype="0" fill="hold" grpId="0" nodeType="clickEffect">
+                                  <p:stCondLst>
+                                    <p:cond delay="0"/>
+                                  </p:stCondLst>
+                                  <p:childTnLst>
+                                    <p:set>
+                                      <p:cBhvr>
+                                        <p:cTn id="22" dur="1" fill="hold">
+                                          <p:stCondLst>
+                                            <p:cond delay="0"/>
+                                          </p:stCondLst>
+                                        </p:cTn>
+                                        <p:tgtEl>
+                                          <p:spTgt spid="3">
+                                            <p:txEl>
+                                              <p:pRg st="8" end="8"/>
+                                            </p:txEl>
+                                          </p:spTgt>
+                                        </p:tgtEl>
+                                        <p:attrNameLst>
+                                          <p:attrName>style.visibility</p:attrName>
+                                        </p:attrNameLst>
+                                      </p:cBhvr>
+                                      <p:to>
+                                        <p:strVal val="visible"/>
+                                      </p:to>
+                                    </p:set>
+                                  </p:childTnLst>
+                                </p:cTn>
+                              </p:par>
+                            </p:childTnLst>
+                          </p:cTn>
+                        </p:par>
+                      </p:childTnLst>
+                    </p:cTn>
+                  </p:par>
+                </p:childTnLst>
+              </p:cTn>
+              <p:prevCondLst>
+                <p:cond evt="onPrev" delay="0">
+                  <p:tgtEl>
+                    <p:sldTgt/>
+                  </p:tgtEl>
+                </p:cond>
+              </p:prevCondLst>
+              <p:nextCondLst>
+                <p:cond evt="onNext" delay="0">
+                  <p:tgtEl>
+                    <p:sldTgt/>
+                  </p:tgtEl>
+                </p:cond>
+              </p:nextCondLst>
+            </p:seq>
+          </p:childTnLst>
+        </p:cTn>
+      </p:par>
+    </p:tnLst>
+    <p:bldLst>
+      <p:bldP spid="3" grpId="0" build="p"/>
+    </p:bldLst>
+  </p:timing>
 </p:sld>
 </file>
 
@@ -6271,6 +7395,235 @@
   <p:clrMapOvr>
     <a:masterClrMapping/>
   </p:clrMapOvr>
+  <p:timing>
+    <p:tnLst>
+      <p:par>
+        <p:cTn id="1" dur="indefinite" restart="never" nodeType="tmRoot">
+          <p:childTnLst>
+            <p:seq concurrent="1" nextAc="seek">
+              <p:cTn id="2" dur="indefinite" nodeType="mainSeq">
+                <p:childTnLst>
+                  <p:par>
+                    <p:cTn id="3" fill="hold">
+                      <p:stCondLst>
+                        <p:cond delay="indefinite"/>
+                      </p:stCondLst>
+                      <p:childTnLst>
+                        <p:par>
+                          <p:cTn id="4" fill="hold">
+                            <p:stCondLst>
+                              <p:cond delay="0"/>
+                            </p:stCondLst>
+                            <p:childTnLst>
+                              <p:par>
+                                <p:cTn id="5" presetID="1" presetClass="entr" presetSubtype="0" fill="hold" grpId="0" nodeType="clickEffect">
+                                  <p:stCondLst>
+                                    <p:cond delay="0"/>
+                                  </p:stCondLst>
+                                  <p:childTnLst>
+                                    <p:set>
+                                      <p:cBhvr>
+                                        <p:cTn id="6" dur="1" fill="hold">
+                                          <p:stCondLst>
+                                            <p:cond delay="0"/>
+                                          </p:stCondLst>
+                                        </p:cTn>
+                                        <p:tgtEl>
+                                          <p:spTgt spid="3">
+                                            <p:txEl>
+                                              <p:pRg st="0" end="0"/>
+                                            </p:txEl>
+                                          </p:spTgt>
+                                        </p:tgtEl>
+                                        <p:attrNameLst>
+                                          <p:attrName>style.visibility</p:attrName>
+                                        </p:attrNameLst>
+                                      </p:cBhvr>
+                                      <p:to>
+                                        <p:strVal val="visible"/>
+                                      </p:to>
+                                    </p:set>
+                                  </p:childTnLst>
+                                </p:cTn>
+                              </p:par>
+                            </p:childTnLst>
+                          </p:cTn>
+                        </p:par>
+                      </p:childTnLst>
+                    </p:cTn>
+                  </p:par>
+                  <p:par>
+                    <p:cTn id="7" fill="hold">
+                      <p:stCondLst>
+                        <p:cond delay="indefinite"/>
+                      </p:stCondLst>
+                      <p:childTnLst>
+                        <p:par>
+                          <p:cTn id="8" fill="hold">
+                            <p:stCondLst>
+                              <p:cond delay="0"/>
+                            </p:stCondLst>
+                            <p:childTnLst>
+                              <p:par>
+                                <p:cTn id="9" presetID="1" presetClass="entr" presetSubtype="0" fill="hold" grpId="0" nodeType="clickEffect">
+                                  <p:stCondLst>
+                                    <p:cond delay="0"/>
+                                  </p:stCondLst>
+                                  <p:childTnLst>
+                                    <p:set>
+                                      <p:cBhvr>
+                                        <p:cTn id="10" dur="1" fill="hold">
+                                          <p:stCondLst>
+                                            <p:cond delay="0"/>
+                                          </p:stCondLst>
+                                        </p:cTn>
+                                        <p:tgtEl>
+                                          <p:spTgt spid="3">
+                                            <p:txEl>
+                                              <p:pRg st="2" end="2"/>
+                                            </p:txEl>
+                                          </p:spTgt>
+                                        </p:tgtEl>
+                                        <p:attrNameLst>
+                                          <p:attrName>style.visibility</p:attrName>
+                                        </p:attrNameLst>
+                                      </p:cBhvr>
+                                      <p:to>
+                                        <p:strVal val="visible"/>
+                                      </p:to>
+                                    </p:set>
+                                  </p:childTnLst>
+                                </p:cTn>
+                              </p:par>
+                            </p:childTnLst>
+                          </p:cTn>
+                        </p:par>
+                      </p:childTnLst>
+                    </p:cTn>
+                  </p:par>
+                  <p:par>
+                    <p:cTn id="11" fill="hold">
+                      <p:stCondLst>
+                        <p:cond delay="indefinite"/>
+                      </p:stCondLst>
+                      <p:childTnLst>
+                        <p:par>
+                          <p:cTn id="12" fill="hold">
+                            <p:stCondLst>
+                              <p:cond delay="0"/>
+                            </p:stCondLst>
+                            <p:childTnLst>
+                              <p:par>
+                                <p:cTn id="13" presetID="1" presetClass="entr" presetSubtype="0" fill="hold" grpId="0" nodeType="clickEffect">
+                                  <p:stCondLst>
+                                    <p:cond delay="0"/>
+                                  </p:stCondLst>
+                                  <p:childTnLst>
+                                    <p:set>
+                                      <p:cBhvr>
+                                        <p:cTn id="14" dur="1" fill="hold">
+                                          <p:stCondLst>
+                                            <p:cond delay="0"/>
+                                          </p:stCondLst>
+                                        </p:cTn>
+                                        <p:tgtEl>
+                                          <p:spTgt spid="3">
+                                            <p:txEl>
+                                              <p:pRg st="4" end="4"/>
+                                            </p:txEl>
+                                          </p:spTgt>
+                                        </p:tgtEl>
+                                        <p:attrNameLst>
+                                          <p:attrName>style.visibility</p:attrName>
+                                        </p:attrNameLst>
+                                      </p:cBhvr>
+                                      <p:to>
+                                        <p:strVal val="visible"/>
+                                      </p:to>
+                                    </p:set>
+                                  </p:childTnLst>
+                                </p:cTn>
+                              </p:par>
+                            </p:childTnLst>
+                          </p:cTn>
+                        </p:par>
+                      </p:childTnLst>
+                    </p:cTn>
+                  </p:par>
+                  <p:par>
+                    <p:cTn id="15" fill="hold">
+                      <p:stCondLst>
+                        <p:cond delay="indefinite"/>
+                      </p:stCondLst>
+                      <p:childTnLst>
+                        <p:par>
+                          <p:cTn id="16" fill="hold">
+                            <p:stCondLst>
+                              <p:cond delay="0"/>
+                            </p:stCondLst>
+                            <p:childTnLst>
+                              <p:par>
+                                <p:cTn id="17" presetID="1" presetClass="entr" presetSubtype="0" fill="hold" grpId="0" nodeType="clickEffect">
+                                  <p:stCondLst>
+                                    <p:cond delay="0"/>
+                                  </p:stCondLst>
+                                  <p:childTnLst>
+                                    <p:set>
+                                      <p:cBhvr>
+                                        <p:cTn id="18" dur="1" fill="hold">
+                                          <p:stCondLst>
+                                            <p:cond delay="0"/>
+                                          </p:stCondLst>
+                                        </p:cTn>
+                                        <p:tgtEl>
+                                          <p:spTgt spid="3">
+                                            <p:txEl>
+                                              <p:pRg st="6" end="6"/>
+                                            </p:txEl>
+                                          </p:spTgt>
+                                        </p:tgtEl>
+                                        <p:attrNameLst>
+                                          <p:attrName>style.visibility</p:attrName>
+                                        </p:attrNameLst>
+                                      </p:cBhvr>
+                                      <p:to>
+                                        <p:strVal val="visible"/>
+                                      </p:to>
+                                    </p:set>
+                                  </p:childTnLst>
+                                </p:cTn>
+                              </p:par>
+                            </p:childTnLst>
+                          </p:cTn>
+                        </p:par>
+                      </p:childTnLst>
+                    </p:cTn>
+                  </p:par>
+                </p:childTnLst>
+              </p:cTn>
+              <p:prevCondLst>
+                <p:cond evt="onPrev" delay="0">
+                  <p:tgtEl>
+                    <p:sldTgt/>
+                  </p:tgtEl>
+                </p:cond>
+              </p:prevCondLst>
+              <p:nextCondLst>
+                <p:cond evt="onNext" delay="0">
+                  <p:tgtEl>
+                    <p:sldTgt/>
+                  </p:tgtEl>
+                </p:cond>
+              </p:nextCondLst>
+            </p:seq>
+          </p:childTnLst>
+        </p:cTn>
+      </p:par>
+    </p:tnLst>
+    <p:bldLst>
+      <p:bldP spid="3" grpId="0" build="p"/>
+    </p:bldLst>
+  </p:timing>
 </p:sld>
 </file>
 
@@ -6587,6 +7940,431 @@
   <p:clrMapOvr>
     <a:masterClrMapping/>
   </p:clrMapOvr>
+  <p:timing>
+    <p:tnLst>
+      <p:par>
+        <p:cTn id="1" dur="indefinite" restart="never" nodeType="tmRoot">
+          <p:childTnLst>
+            <p:seq concurrent="1" nextAc="seek">
+              <p:cTn id="2" dur="indefinite" nodeType="mainSeq">
+                <p:childTnLst>
+                  <p:par>
+                    <p:cTn id="3" fill="hold">
+                      <p:stCondLst>
+                        <p:cond delay="indefinite"/>
+                      </p:stCondLst>
+                      <p:childTnLst>
+                        <p:par>
+                          <p:cTn id="4" fill="hold">
+                            <p:stCondLst>
+                              <p:cond delay="0"/>
+                            </p:stCondLst>
+                            <p:childTnLst>
+                              <p:par>
+                                <p:cTn id="5" presetID="1" presetClass="entr" presetSubtype="0" fill="hold" grpId="0" nodeType="clickEffect">
+                                  <p:stCondLst>
+                                    <p:cond delay="0"/>
+                                  </p:stCondLst>
+                                  <p:childTnLst>
+                                    <p:set>
+                                      <p:cBhvr>
+                                        <p:cTn id="6" dur="1" fill="hold">
+                                          <p:stCondLst>
+                                            <p:cond delay="0"/>
+                                          </p:stCondLst>
+                                        </p:cTn>
+                                        <p:tgtEl>
+                                          <p:spTgt spid="3">
+                                            <p:txEl>
+                                              <p:pRg st="0" end="0"/>
+                                            </p:txEl>
+                                          </p:spTgt>
+                                        </p:tgtEl>
+                                        <p:attrNameLst>
+                                          <p:attrName>style.visibility</p:attrName>
+                                        </p:attrNameLst>
+                                      </p:cBhvr>
+                                      <p:to>
+                                        <p:strVal val="visible"/>
+                                      </p:to>
+                                    </p:set>
+                                  </p:childTnLst>
+                                </p:cTn>
+                              </p:par>
+                            </p:childTnLst>
+                          </p:cTn>
+                        </p:par>
+                      </p:childTnLst>
+                    </p:cTn>
+                  </p:par>
+                  <p:par>
+                    <p:cTn id="7" fill="hold">
+                      <p:stCondLst>
+                        <p:cond delay="indefinite"/>
+                      </p:stCondLst>
+                      <p:childTnLst>
+                        <p:par>
+                          <p:cTn id="8" fill="hold">
+                            <p:stCondLst>
+                              <p:cond delay="0"/>
+                            </p:stCondLst>
+                            <p:childTnLst>
+                              <p:par>
+                                <p:cTn id="9" presetID="1" presetClass="entr" presetSubtype="0" fill="hold" grpId="0" nodeType="clickEffect">
+                                  <p:stCondLst>
+                                    <p:cond delay="0"/>
+                                  </p:stCondLst>
+                                  <p:childTnLst>
+                                    <p:set>
+                                      <p:cBhvr>
+                                        <p:cTn id="10" dur="1" fill="hold">
+                                          <p:stCondLst>
+                                            <p:cond delay="0"/>
+                                          </p:stCondLst>
+                                        </p:cTn>
+                                        <p:tgtEl>
+                                          <p:spTgt spid="3">
+                                            <p:txEl>
+                                              <p:pRg st="1" end="1"/>
+                                            </p:txEl>
+                                          </p:spTgt>
+                                        </p:tgtEl>
+                                        <p:attrNameLst>
+                                          <p:attrName>style.visibility</p:attrName>
+                                        </p:attrNameLst>
+                                      </p:cBhvr>
+                                      <p:to>
+                                        <p:strVal val="visible"/>
+                                      </p:to>
+                                    </p:set>
+                                  </p:childTnLst>
+                                </p:cTn>
+                              </p:par>
+                            </p:childTnLst>
+                          </p:cTn>
+                        </p:par>
+                      </p:childTnLst>
+                    </p:cTn>
+                  </p:par>
+                  <p:par>
+                    <p:cTn id="11" fill="hold">
+                      <p:stCondLst>
+                        <p:cond delay="indefinite"/>
+                      </p:stCondLst>
+                      <p:childTnLst>
+                        <p:par>
+                          <p:cTn id="12" fill="hold">
+                            <p:stCondLst>
+                              <p:cond delay="0"/>
+                            </p:stCondLst>
+                            <p:childTnLst>
+                              <p:par>
+                                <p:cTn id="13" presetID="1" presetClass="entr" presetSubtype="0" fill="hold" grpId="0" nodeType="clickEffect">
+                                  <p:stCondLst>
+                                    <p:cond delay="0"/>
+                                  </p:stCondLst>
+                                  <p:childTnLst>
+                                    <p:set>
+                                      <p:cBhvr>
+                                        <p:cTn id="14" dur="1" fill="hold">
+                                          <p:stCondLst>
+                                            <p:cond delay="0"/>
+                                          </p:stCondLst>
+                                        </p:cTn>
+                                        <p:tgtEl>
+                                          <p:spTgt spid="3">
+                                            <p:txEl>
+                                              <p:pRg st="2" end="2"/>
+                                            </p:txEl>
+                                          </p:spTgt>
+                                        </p:tgtEl>
+                                        <p:attrNameLst>
+                                          <p:attrName>style.visibility</p:attrName>
+                                        </p:attrNameLst>
+                                      </p:cBhvr>
+                                      <p:to>
+                                        <p:strVal val="visible"/>
+                                      </p:to>
+                                    </p:set>
+                                  </p:childTnLst>
+                                </p:cTn>
+                              </p:par>
+                            </p:childTnLst>
+                          </p:cTn>
+                        </p:par>
+                      </p:childTnLst>
+                    </p:cTn>
+                  </p:par>
+                  <p:par>
+                    <p:cTn id="15" fill="hold">
+                      <p:stCondLst>
+                        <p:cond delay="indefinite"/>
+                      </p:stCondLst>
+                      <p:childTnLst>
+                        <p:par>
+                          <p:cTn id="16" fill="hold">
+                            <p:stCondLst>
+                              <p:cond delay="0"/>
+                            </p:stCondLst>
+                            <p:childTnLst>
+                              <p:par>
+                                <p:cTn id="17" presetID="1" presetClass="entr" presetSubtype="0" fill="hold" grpId="0" nodeType="clickEffect">
+                                  <p:stCondLst>
+                                    <p:cond delay="0"/>
+                                  </p:stCondLst>
+                                  <p:childTnLst>
+                                    <p:set>
+                                      <p:cBhvr>
+                                        <p:cTn id="18" dur="1" fill="hold">
+                                          <p:stCondLst>
+                                            <p:cond delay="0"/>
+                                          </p:stCondLst>
+                                        </p:cTn>
+                                        <p:tgtEl>
+                                          <p:spTgt spid="3">
+                                            <p:txEl>
+                                              <p:pRg st="3" end="3"/>
+                                            </p:txEl>
+                                          </p:spTgt>
+                                        </p:tgtEl>
+                                        <p:attrNameLst>
+                                          <p:attrName>style.visibility</p:attrName>
+                                        </p:attrNameLst>
+                                      </p:cBhvr>
+                                      <p:to>
+                                        <p:strVal val="visible"/>
+                                      </p:to>
+                                    </p:set>
+                                  </p:childTnLst>
+                                </p:cTn>
+                              </p:par>
+                            </p:childTnLst>
+                          </p:cTn>
+                        </p:par>
+                      </p:childTnLst>
+                    </p:cTn>
+                  </p:par>
+                  <p:par>
+                    <p:cTn id="19" fill="hold">
+                      <p:stCondLst>
+                        <p:cond delay="indefinite"/>
+                      </p:stCondLst>
+                      <p:childTnLst>
+                        <p:par>
+                          <p:cTn id="20" fill="hold">
+                            <p:stCondLst>
+                              <p:cond delay="0"/>
+                            </p:stCondLst>
+                            <p:childTnLst>
+                              <p:par>
+                                <p:cTn id="21" presetID="1" presetClass="entr" presetSubtype="0" fill="hold" grpId="0" nodeType="clickEffect">
+                                  <p:stCondLst>
+                                    <p:cond delay="0"/>
+                                  </p:stCondLst>
+                                  <p:childTnLst>
+                                    <p:set>
+                                      <p:cBhvr>
+                                        <p:cTn id="22" dur="1" fill="hold">
+                                          <p:stCondLst>
+                                            <p:cond delay="0"/>
+                                          </p:stCondLst>
+                                        </p:cTn>
+                                        <p:tgtEl>
+                                          <p:spTgt spid="3">
+                                            <p:txEl>
+                                              <p:pRg st="4" end="4"/>
+                                            </p:txEl>
+                                          </p:spTgt>
+                                        </p:tgtEl>
+                                        <p:attrNameLst>
+                                          <p:attrName>style.visibility</p:attrName>
+                                        </p:attrNameLst>
+                                      </p:cBhvr>
+                                      <p:to>
+                                        <p:strVal val="visible"/>
+                                      </p:to>
+                                    </p:set>
+                                  </p:childTnLst>
+                                </p:cTn>
+                              </p:par>
+                            </p:childTnLst>
+                          </p:cTn>
+                        </p:par>
+                      </p:childTnLst>
+                    </p:cTn>
+                  </p:par>
+                  <p:par>
+                    <p:cTn id="23" fill="hold">
+                      <p:stCondLst>
+                        <p:cond delay="indefinite"/>
+                      </p:stCondLst>
+                      <p:childTnLst>
+                        <p:par>
+                          <p:cTn id="24" fill="hold">
+                            <p:stCondLst>
+                              <p:cond delay="0"/>
+                            </p:stCondLst>
+                            <p:childTnLst>
+                              <p:par>
+                                <p:cTn id="25" presetID="1" presetClass="entr" presetSubtype="0" fill="hold" grpId="0" nodeType="clickEffect">
+                                  <p:stCondLst>
+                                    <p:cond delay="0"/>
+                                  </p:stCondLst>
+                                  <p:childTnLst>
+                                    <p:set>
+                                      <p:cBhvr>
+                                        <p:cTn id="26" dur="1" fill="hold">
+                                          <p:stCondLst>
+                                            <p:cond delay="0"/>
+                                          </p:stCondLst>
+                                        </p:cTn>
+                                        <p:tgtEl>
+                                          <p:spTgt spid="3">
+                                            <p:txEl>
+                                              <p:pRg st="5" end="5"/>
+                                            </p:txEl>
+                                          </p:spTgt>
+                                        </p:tgtEl>
+                                        <p:attrNameLst>
+                                          <p:attrName>style.visibility</p:attrName>
+                                        </p:attrNameLst>
+                                      </p:cBhvr>
+                                      <p:to>
+                                        <p:strVal val="visible"/>
+                                      </p:to>
+                                    </p:set>
+                                  </p:childTnLst>
+                                </p:cTn>
+                              </p:par>
+                            </p:childTnLst>
+                          </p:cTn>
+                        </p:par>
+                      </p:childTnLst>
+                    </p:cTn>
+                  </p:par>
+                  <p:par>
+                    <p:cTn id="27" fill="hold">
+                      <p:stCondLst>
+                        <p:cond delay="indefinite"/>
+                      </p:stCondLst>
+                      <p:childTnLst>
+                        <p:par>
+                          <p:cTn id="28" fill="hold">
+                            <p:stCondLst>
+                              <p:cond delay="0"/>
+                            </p:stCondLst>
+                            <p:childTnLst>
+                              <p:par>
+                                <p:cTn id="29" presetID="1" presetClass="entr" presetSubtype="0" fill="hold" grpId="0" nodeType="clickEffect">
+                                  <p:stCondLst>
+                                    <p:cond delay="0"/>
+                                  </p:stCondLst>
+                                  <p:childTnLst>
+                                    <p:set>
+                                      <p:cBhvr>
+                                        <p:cTn id="30" dur="1" fill="hold">
+                                          <p:stCondLst>
+                                            <p:cond delay="0"/>
+                                          </p:stCondLst>
+                                        </p:cTn>
+                                        <p:tgtEl>
+                                          <p:spTgt spid="3">
+                                            <p:txEl>
+                                              <p:pRg st="6" end="6"/>
+                                            </p:txEl>
+                                          </p:spTgt>
+                                        </p:tgtEl>
+                                        <p:attrNameLst>
+                                          <p:attrName>style.visibility</p:attrName>
+                                        </p:attrNameLst>
+                                      </p:cBhvr>
+                                      <p:to>
+                                        <p:strVal val="visible"/>
+                                      </p:to>
+                                    </p:set>
+                                  </p:childTnLst>
+                                </p:cTn>
+                              </p:par>
+                            </p:childTnLst>
+                          </p:cTn>
+                        </p:par>
+                      </p:childTnLst>
+                    </p:cTn>
+                  </p:par>
+                  <p:par>
+                    <p:cTn id="31" fill="hold">
+                      <p:stCondLst>
+                        <p:cond delay="indefinite"/>
+                      </p:stCondLst>
+                      <p:childTnLst>
+                        <p:par>
+                          <p:cTn id="32" fill="hold">
+                            <p:stCondLst>
+                              <p:cond delay="0"/>
+                            </p:stCondLst>
+                            <p:childTnLst>
+                              <p:par>
+                                <p:cTn id="33" presetID="1" presetClass="entr" presetSubtype="0" fill="hold" grpId="0" nodeType="clickEffect">
+                                  <p:stCondLst>
+                                    <p:cond delay="0"/>
+                                  </p:stCondLst>
+                                  <p:childTnLst>
+                                    <p:set>
+                                      <p:cBhvr>
+                                        <p:cTn id="34" dur="1" fill="hold">
+                                          <p:stCondLst>
+                                            <p:cond delay="0"/>
+                                          </p:stCondLst>
+                                        </p:cTn>
+                                        <p:tgtEl>
+                                          <p:spTgt spid="3">
+                                            <p:txEl>
+                                              <p:pRg st="7" end="7"/>
+                                            </p:txEl>
+                                          </p:spTgt>
+                                        </p:tgtEl>
+                                        <p:attrNameLst>
+                                          <p:attrName>style.visibility</p:attrName>
+                                        </p:attrNameLst>
+                                      </p:cBhvr>
+                                      <p:to>
+                                        <p:strVal val="visible"/>
+                                      </p:to>
+                                    </p:set>
+                                  </p:childTnLst>
+                                </p:cTn>
+                              </p:par>
+                            </p:childTnLst>
+                          </p:cTn>
+                        </p:par>
+                      </p:childTnLst>
+                    </p:cTn>
+                  </p:par>
+                </p:childTnLst>
+              </p:cTn>
+              <p:prevCondLst>
+                <p:cond evt="onPrev" delay="0">
+                  <p:tgtEl>
+                    <p:sldTgt/>
+                  </p:tgtEl>
+                </p:cond>
+              </p:prevCondLst>
+              <p:nextCondLst>
+                <p:cond evt="onNext" delay="0">
+                  <p:tgtEl>
+                    <p:sldTgt/>
+                  </p:tgtEl>
+                </p:cond>
+              </p:nextCondLst>
+            </p:seq>
+          </p:childTnLst>
+        </p:cTn>
+      </p:par>
+    </p:tnLst>
+    <p:bldLst>
+      <p:bldP spid="3" grpId="0" build="p"/>
+    </p:bldLst>
+  </p:timing>
 </p:sld>
 </file>
 
@@ -7798,6 +9576,183 @@
   <p:clrMapOvr>
     <a:masterClrMapping/>
   </p:clrMapOvr>
+  <p:timing>
+    <p:tnLst>
+      <p:par>
+        <p:cTn id="1" dur="indefinite" restart="never" nodeType="tmRoot">
+          <p:childTnLst>
+            <p:seq concurrent="1" nextAc="seek">
+              <p:cTn id="2" dur="indefinite" nodeType="mainSeq">
+                <p:childTnLst>
+                  <p:par>
+                    <p:cTn id="3" fill="hold">
+                      <p:stCondLst>
+                        <p:cond delay="indefinite"/>
+                      </p:stCondLst>
+                      <p:childTnLst>
+                        <p:par>
+                          <p:cTn id="4" fill="hold">
+                            <p:stCondLst>
+                              <p:cond delay="0"/>
+                            </p:stCondLst>
+                            <p:childTnLst>
+                              <p:par>
+                                <p:cTn id="5" presetID="1" presetClass="entr" presetSubtype="0" fill="hold" grpId="0" nodeType="clickEffect">
+                                  <p:stCondLst>
+                                    <p:cond delay="0"/>
+                                  </p:stCondLst>
+                                  <p:childTnLst>
+                                    <p:set>
+                                      <p:cBhvr>
+                                        <p:cTn id="6" dur="1" fill="hold">
+                                          <p:stCondLst>
+                                            <p:cond delay="0"/>
+                                          </p:stCondLst>
+                                        </p:cTn>
+                                        <p:tgtEl>
+                                          <p:spTgt spid="6"/>
+                                        </p:tgtEl>
+                                        <p:attrNameLst>
+                                          <p:attrName>style.visibility</p:attrName>
+                                        </p:attrNameLst>
+                                      </p:cBhvr>
+                                      <p:to>
+                                        <p:strVal val="visible"/>
+                                      </p:to>
+                                    </p:set>
+                                  </p:childTnLst>
+                                </p:cTn>
+                              </p:par>
+                            </p:childTnLst>
+                          </p:cTn>
+                        </p:par>
+                      </p:childTnLst>
+                    </p:cTn>
+                  </p:par>
+                  <p:par>
+                    <p:cTn id="7" fill="hold">
+                      <p:stCondLst>
+                        <p:cond delay="indefinite"/>
+                      </p:stCondLst>
+                      <p:childTnLst>
+                        <p:par>
+                          <p:cTn id="8" fill="hold">
+                            <p:stCondLst>
+                              <p:cond delay="0"/>
+                            </p:stCondLst>
+                            <p:childTnLst>
+                              <p:par>
+                                <p:cTn id="9" presetID="1" presetClass="entr" presetSubtype="0" fill="hold" grpId="0" nodeType="clickEffect">
+                                  <p:stCondLst>
+                                    <p:cond delay="0"/>
+                                  </p:stCondLst>
+                                  <p:childTnLst>
+                                    <p:set>
+                                      <p:cBhvr>
+                                        <p:cTn id="10" dur="1" fill="hold">
+                                          <p:stCondLst>
+                                            <p:cond delay="0"/>
+                                          </p:stCondLst>
+                                        </p:cTn>
+                                        <p:tgtEl>
+                                          <p:spTgt spid="3">
+                                            <p:txEl>
+                                              <p:pRg st="0" end="0"/>
+                                            </p:txEl>
+                                          </p:spTgt>
+                                        </p:tgtEl>
+                                        <p:attrNameLst>
+                                          <p:attrName>style.visibility</p:attrName>
+                                        </p:attrNameLst>
+                                      </p:cBhvr>
+                                      <p:to>
+                                        <p:strVal val="visible"/>
+                                      </p:to>
+                                    </p:set>
+                                  </p:childTnLst>
+                                </p:cTn>
+                              </p:par>
+                            </p:childTnLst>
+                          </p:cTn>
+                        </p:par>
+                      </p:childTnLst>
+                    </p:cTn>
+                  </p:par>
+                  <p:par>
+                    <p:cTn id="11" fill="hold">
+                      <p:stCondLst>
+                        <p:cond delay="indefinite"/>
+                      </p:stCondLst>
+                      <p:childTnLst>
+                        <p:par>
+                          <p:cTn id="12" fill="hold">
+                            <p:stCondLst>
+                              <p:cond delay="0"/>
+                            </p:stCondLst>
+                            <p:childTnLst>
+                              <p:par>
+                                <p:cTn id="13" presetID="1" presetClass="entr" presetSubtype="0" fill="hold" grpId="0" nodeType="clickEffect">
+                                  <p:stCondLst>
+                                    <p:cond delay="0"/>
+                                  </p:stCondLst>
+                                  <p:childTnLst>
+                                    <p:set>
+                                      <p:cBhvr>
+                                        <p:cTn id="14" dur="1" fill="hold">
+                                          <p:stCondLst>
+                                            <p:cond delay="0"/>
+                                          </p:stCondLst>
+                                        </p:cTn>
+                                        <p:tgtEl>
+                                          <p:spTgt spid="3">
+                                            <p:txEl>
+                                              <p:pRg st="1" end="1"/>
+                                            </p:txEl>
+                                          </p:spTgt>
+                                        </p:tgtEl>
+                                        <p:attrNameLst>
+                                          <p:attrName>style.visibility</p:attrName>
+                                        </p:attrNameLst>
+                                      </p:cBhvr>
+                                      <p:to>
+                                        <p:strVal val="visible"/>
+                                      </p:to>
+                                    </p:set>
+                                  </p:childTnLst>
+                                </p:cTn>
+                              </p:par>
+                            </p:childTnLst>
+                          </p:cTn>
+                        </p:par>
+                      </p:childTnLst>
+                    </p:cTn>
+                  </p:par>
+                </p:childTnLst>
+              </p:cTn>
+              <p:prevCondLst>
+                <p:cond evt="onPrev" delay="0">
+                  <p:tgtEl>
+                    <p:sldTgt/>
+                  </p:tgtEl>
+                </p:cond>
+              </p:prevCondLst>
+              <p:nextCondLst>
+                <p:cond evt="onNext" delay="0">
+                  <p:tgtEl>
+                    <p:sldTgt/>
+                  </p:tgtEl>
+                </p:cond>
+              </p:nextCondLst>
+            </p:seq>
+          </p:childTnLst>
+        </p:cTn>
+      </p:par>
+    </p:tnLst>
+    <p:bldLst>
+      <p:bldP spid="3" grpId="0" build="p"/>
+      <p:bldP spid="6" grpId="0"/>
+    </p:bldLst>
+  </p:timing>
 </p:sld>
 </file>
 
@@ -8431,6 +10386,348 @@
   <p:clrMapOvr>
     <a:masterClrMapping/>
   </p:clrMapOvr>
+  <p:timing>
+    <p:tnLst>
+      <p:par>
+        <p:cTn id="1" dur="indefinite" restart="never" nodeType="tmRoot">
+          <p:childTnLst>
+            <p:seq concurrent="1" nextAc="seek">
+              <p:cTn id="2" dur="indefinite" nodeType="mainSeq">
+                <p:childTnLst>
+                  <p:par>
+                    <p:cTn id="3" fill="hold">
+                      <p:stCondLst>
+                        <p:cond delay="indefinite"/>
+                      </p:stCondLst>
+                      <p:childTnLst>
+                        <p:par>
+                          <p:cTn id="4" fill="hold">
+                            <p:stCondLst>
+                              <p:cond delay="0"/>
+                            </p:stCondLst>
+                            <p:childTnLst>
+                              <p:par>
+                                <p:cTn id="5" presetID="1" presetClass="entr" presetSubtype="0" fill="hold" grpId="0" nodeType="clickEffect">
+                                  <p:stCondLst>
+                                    <p:cond delay="0"/>
+                                  </p:stCondLst>
+                                  <p:childTnLst>
+                                    <p:set>
+                                      <p:cBhvr>
+                                        <p:cTn id="6" dur="1" fill="hold">
+                                          <p:stCondLst>
+                                            <p:cond delay="0"/>
+                                          </p:stCondLst>
+                                        </p:cTn>
+                                        <p:tgtEl>
+                                          <p:spTgt spid="3">
+                                            <p:txEl>
+                                              <p:pRg st="0" end="0"/>
+                                            </p:txEl>
+                                          </p:spTgt>
+                                        </p:tgtEl>
+                                        <p:attrNameLst>
+                                          <p:attrName>style.visibility</p:attrName>
+                                        </p:attrNameLst>
+                                      </p:cBhvr>
+                                      <p:to>
+                                        <p:strVal val="visible"/>
+                                      </p:to>
+                                    </p:set>
+                                  </p:childTnLst>
+                                </p:cTn>
+                              </p:par>
+                            </p:childTnLst>
+                          </p:cTn>
+                        </p:par>
+                      </p:childTnLst>
+                    </p:cTn>
+                  </p:par>
+                  <p:par>
+                    <p:cTn id="7" fill="hold">
+                      <p:stCondLst>
+                        <p:cond delay="indefinite"/>
+                      </p:stCondLst>
+                      <p:childTnLst>
+                        <p:par>
+                          <p:cTn id="8" fill="hold">
+                            <p:stCondLst>
+                              <p:cond delay="0"/>
+                            </p:stCondLst>
+                            <p:childTnLst>
+                              <p:par>
+                                <p:cTn id="9" presetID="1" presetClass="entr" presetSubtype="0" fill="hold" grpId="0" nodeType="clickEffect">
+                                  <p:stCondLst>
+                                    <p:cond delay="0"/>
+                                  </p:stCondLst>
+                                  <p:childTnLst>
+                                    <p:set>
+                                      <p:cBhvr>
+                                        <p:cTn id="10" dur="1" fill="hold">
+                                          <p:stCondLst>
+                                            <p:cond delay="0"/>
+                                          </p:stCondLst>
+                                        </p:cTn>
+                                        <p:tgtEl>
+                                          <p:spTgt spid="6"/>
+                                        </p:tgtEl>
+                                        <p:attrNameLst>
+                                          <p:attrName>style.visibility</p:attrName>
+                                        </p:attrNameLst>
+                                      </p:cBhvr>
+                                      <p:to>
+                                        <p:strVal val="visible"/>
+                                      </p:to>
+                                    </p:set>
+                                  </p:childTnLst>
+                                </p:cTn>
+                              </p:par>
+                              <p:par>
+                                <p:cTn id="11" presetID="1" presetClass="entr" presetSubtype="0" fill="hold" grpId="0" nodeType="withEffect">
+                                  <p:stCondLst>
+                                    <p:cond delay="0"/>
+                                  </p:stCondLst>
+                                  <p:childTnLst>
+                                    <p:set>
+                                      <p:cBhvr>
+                                        <p:cTn id="12" dur="1" fill="hold">
+                                          <p:stCondLst>
+                                            <p:cond delay="0"/>
+                                          </p:stCondLst>
+                                        </p:cTn>
+                                        <p:tgtEl>
+                                          <p:spTgt spid="13"/>
+                                        </p:tgtEl>
+                                        <p:attrNameLst>
+                                          <p:attrName>style.visibility</p:attrName>
+                                        </p:attrNameLst>
+                                      </p:cBhvr>
+                                      <p:to>
+                                        <p:strVal val="visible"/>
+                                      </p:to>
+                                    </p:set>
+                                  </p:childTnLst>
+                                </p:cTn>
+                              </p:par>
+                              <p:par>
+                                <p:cTn id="13" presetID="1" presetClass="entr" presetSubtype="0" fill="hold" grpId="0" nodeType="withEffect">
+                                  <p:stCondLst>
+                                    <p:cond delay="0"/>
+                                  </p:stCondLst>
+                                  <p:childTnLst>
+                                    <p:set>
+                                      <p:cBhvr>
+                                        <p:cTn id="14" dur="1" fill="hold">
+                                          <p:stCondLst>
+                                            <p:cond delay="0"/>
+                                          </p:stCondLst>
+                                        </p:cTn>
+                                        <p:tgtEl>
+                                          <p:spTgt spid="14"/>
+                                        </p:tgtEl>
+                                        <p:attrNameLst>
+                                          <p:attrName>style.visibility</p:attrName>
+                                        </p:attrNameLst>
+                                      </p:cBhvr>
+                                      <p:to>
+                                        <p:strVal val="visible"/>
+                                      </p:to>
+                                    </p:set>
+                                  </p:childTnLst>
+                                </p:cTn>
+                              </p:par>
+                              <p:par>
+                                <p:cTn id="15" presetID="1" presetClass="entr" presetSubtype="0" fill="hold" grpId="0" nodeType="withEffect">
+                                  <p:stCondLst>
+                                    <p:cond delay="0"/>
+                                  </p:stCondLst>
+                                  <p:childTnLst>
+                                    <p:set>
+                                      <p:cBhvr>
+                                        <p:cTn id="16" dur="1" fill="hold">
+                                          <p:stCondLst>
+                                            <p:cond delay="0"/>
+                                          </p:stCondLst>
+                                        </p:cTn>
+                                        <p:tgtEl>
+                                          <p:spTgt spid="7"/>
+                                        </p:tgtEl>
+                                        <p:attrNameLst>
+                                          <p:attrName>style.visibility</p:attrName>
+                                        </p:attrNameLst>
+                                      </p:cBhvr>
+                                      <p:to>
+                                        <p:strVal val="visible"/>
+                                      </p:to>
+                                    </p:set>
+                                  </p:childTnLst>
+                                </p:cTn>
+                              </p:par>
+                            </p:childTnLst>
+                          </p:cTn>
+                        </p:par>
+                      </p:childTnLst>
+                    </p:cTn>
+                  </p:par>
+                  <p:par>
+                    <p:cTn id="17" fill="hold">
+                      <p:stCondLst>
+                        <p:cond delay="indefinite"/>
+                      </p:stCondLst>
+                      <p:childTnLst>
+                        <p:par>
+                          <p:cTn id="18" fill="hold">
+                            <p:stCondLst>
+                              <p:cond delay="0"/>
+                            </p:stCondLst>
+                            <p:childTnLst>
+                              <p:par>
+                                <p:cTn id="19" presetID="1" presetClass="entr" presetSubtype="0" fill="hold" grpId="0" nodeType="clickEffect">
+                                  <p:stCondLst>
+                                    <p:cond delay="0"/>
+                                  </p:stCondLst>
+                                  <p:childTnLst>
+                                    <p:set>
+                                      <p:cBhvr>
+                                        <p:cTn id="20" dur="1" fill="hold">
+                                          <p:stCondLst>
+                                            <p:cond delay="0"/>
+                                          </p:stCondLst>
+                                        </p:cTn>
+                                        <p:tgtEl>
+                                          <p:spTgt spid="19"/>
+                                        </p:tgtEl>
+                                        <p:attrNameLst>
+                                          <p:attrName>style.visibility</p:attrName>
+                                        </p:attrNameLst>
+                                      </p:cBhvr>
+                                      <p:to>
+                                        <p:strVal val="visible"/>
+                                      </p:to>
+                                    </p:set>
+                                  </p:childTnLst>
+                                </p:cTn>
+                              </p:par>
+                              <p:par>
+                                <p:cTn id="21" presetID="1" presetClass="entr" presetSubtype="0" fill="hold" grpId="0" nodeType="withEffect">
+                                  <p:stCondLst>
+                                    <p:cond delay="0"/>
+                                  </p:stCondLst>
+                                  <p:childTnLst>
+                                    <p:set>
+                                      <p:cBhvr>
+                                        <p:cTn id="22" dur="1" fill="hold">
+                                          <p:stCondLst>
+                                            <p:cond delay="0"/>
+                                          </p:stCondLst>
+                                        </p:cTn>
+                                        <p:tgtEl>
+                                          <p:spTgt spid="20"/>
+                                        </p:tgtEl>
+                                        <p:attrNameLst>
+                                          <p:attrName>style.visibility</p:attrName>
+                                        </p:attrNameLst>
+                                      </p:cBhvr>
+                                      <p:to>
+                                        <p:strVal val="visible"/>
+                                      </p:to>
+                                    </p:set>
+                                  </p:childTnLst>
+                                </p:cTn>
+                              </p:par>
+                              <p:par>
+                                <p:cTn id="23" presetID="1" presetClass="entr" presetSubtype="0" fill="hold" grpId="0" nodeType="withEffect">
+                                  <p:stCondLst>
+                                    <p:cond delay="0"/>
+                                  </p:stCondLst>
+                                  <p:childTnLst>
+                                    <p:set>
+                                      <p:cBhvr>
+                                        <p:cTn id="24" dur="1" fill="hold">
+                                          <p:stCondLst>
+                                            <p:cond delay="0"/>
+                                          </p:stCondLst>
+                                        </p:cTn>
+                                        <p:tgtEl>
+                                          <p:spTgt spid="21"/>
+                                        </p:tgtEl>
+                                        <p:attrNameLst>
+                                          <p:attrName>style.visibility</p:attrName>
+                                        </p:attrNameLst>
+                                      </p:cBhvr>
+                                      <p:to>
+                                        <p:strVal val="visible"/>
+                                      </p:to>
+                                    </p:set>
+                                  </p:childTnLst>
+                                </p:cTn>
+                              </p:par>
+                              <p:par>
+                                <p:cTn id="25" presetID="1" presetClass="entr" presetSubtype="0" fill="hold" grpId="0" nodeType="withEffect">
+                                  <p:stCondLst>
+                                    <p:cond delay="0"/>
+                                  </p:stCondLst>
+                                  <p:childTnLst>
+                                    <p:set>
+                                      <p:cBhvr>
+                                        <p:cTn id="26" dur="1" fill="hold">
+                                          <p:stCondLst>
+                                            <p:cond delay="0"/>
+                                          </p:stCondLst>
+                                        </p:cTn>
+                                        <p:tgtEl>
+                                          <p:spTgt spid="24"/>
+                                        </p:tgtEl>
+                                        <p:attrNameLst>
+                                          <p:attrName>style.visibility</p:attrName>
+                                        </p:attrNameLst>
+                                      </p:cBhvr>
+                                      <p:to>
+                                        <p:strVal val="visible"/>
+                                      </p:to>
+                                    </p:set>
+                                  </p:childTnLst>
+                                </p:cTn>
+                              </p:par>
+                            </p:childTnLst>
+                          </p:cTn>
+                        </p:par>
+                      </p:childTnLst>
+                    </p:cTn>
+                  </p:par>
+                </p:childTnLst>
+              </p:cTn>
+              <p:prevCondLst>
+                <p:cond evt="onPrev" delay="0">
+                  <p:tgtEl>
+                    <p:sldTgt/>
+                  </p:tgtEl>
+                </p:cond>
+              </p:prevCondLst>
+              <p:nextCondLst>
+                <p:cond evt="onNext" delay="0">
+                  <p:tgtEl>
+                    <p:sldTgt/>
+                  </p:tgtEl>
+                </p:cond>
+              </p:nextCondLst>
+            </p:seq>
+          </p:childTnLst>
+        </p:cTn>
+      </p:par>
+    </p:tnLst>
+    <p:bldLst>
+      <p:bldP spid="3" grpId="0" build="p"/>
+      <p:bldP spid="6" grpId="0"/>
+      <p:bldP spid="13" grpId="0"/>
+      <p:bldP spid="14" grpId="0"/>
+      <p:bldP spid="19" grpId="0"/>
+      <p:bldP spid="20" grpId="0"/>
+      <p:bldP spid="21" grpId="0"/>
+      <p:bldP spid="7" grpId="0"/>
+      <p:bldP spid="24" grpId="0"/>
+    </p:bldLst>
+  </p:timing>
 </p:sld>
 </file>
 
@@ -8871,6 +11168,275 @@
   <p:clrMapOvr>
     <a:masterClrMapping/>
   </p:clrMapOvr>
+  <p:timing>
+    <p:tnLst>
+      <p:par>
+        <p:cTn id="1" dur="indefinite" restart="never" nodeType="tmRoot">
+          <p:childTnLst>
+            <p:seq concurrent="1" nextAc="seek">
+              <p:cTn id="2" dur="indefinite" nodeType="mainSeq">
+                <p:childTnLst>
+                  <p:par>
+                    <p:cTn id="3" fill="hold">
+                      <p:stCondLst>
+                        <p:cond delay="indefinite"/>
+                      </p:stCondLst>
+                      <p:childTnLst>
+                        <p:par>
+                          <p:cTn id="4" fill="hold">
+                            <p:stCondLst>
+                              <p:cond delay="0"/>
+                            </p:stCondLst>
+                            <p:childTnLst>
+                              <p:par>
+                                <p:cTn id="5" presetID="1" presetClass="entr" presetSubtype="0" fill="hold" grpId="0" nodeType="clickEffect">
+                                  <p:stCondLst>
+                                    <p:cond delay="0"/>
+                                  </p:stCondLst>
+                                  <p:childTnLst>
+                                    <p:set>
+                                      <p:cBhvr>
+                                        <p:cTn id="6" dur="1" fill="hold">
+                                          <p:stCondLst>
+                                            <p:cond delay="0"/>
+                                          </p:stCondLst>
+                                        </p:cTn>
+                                        <p:tgtEl>
+                                          <p:spTgt spid="3">
+                                            <p:txEl>
+                                              <p:pRg st="0" end="0"/>
+                                            </p:txEl>
+                                          </p:spTgt>
+                                        </p:tgtEl>
+                                        <p:attrNameLst>
+                                          <p:attrName>style.visibility</p:attrName>
+                                        </p:attrNameLst>
+                                      </p:cBhvr>
+                                      <p:to>
+                                        <p:strVal val="visible"/>
+                                      </p:to>
+                                    </p:set>
+                                  </p:childTnLst>
+                                </p:cTn>
+                              </p:par>
+                            </p:childTnLst>
+                          </p:cTn>
+                        </p:par>
+                      </p:childTnLst>
+                    </p:cTn>
+                  </p:par>
+                  <p:par>
+                    <p:cTn id="7" fill="hold">
+                      <p:stCondLst>
+                        <p:cond delay="indefinite"/>
+                      </p:stCondLst>
+                      <p:childTnLst>
+                        <p:par>
+                          <p:cTn id="8" fill="hold">
+                            <p:stCondLst>
+                              <p:cond delay="0"/>
+                            </p:stCondLst>
+                            <p:childTnLst>
+                              <p:par>
+                                <p:cTn id="9" presetID="1" presetClass="entr" presetSubtype="0" fill="hold" grpId="0" nodeType="clickEffect">
+                                  <p:stCondLst>
+                                    <p:cond delay="0"/>
+                                  </p:stCondLst>
+                                  <p:childTnLst>
+                                    <p:set>
+                                      <p:cBhvr>
+                                        <p:cTn id="10" dur="1" fill="hold">
+                                          <p:stCondLst>
+                                            <p:cond delay="0"/>
+                                          </p:stCondLst>
+                                        </p:cTn>
+                                        <p:tgtEl>
+                                          <p:spTgt spid="3">
+                                            <p:txEl>
+                                              <p:pRg st="1" end="1"/>
+                                            </p:txEl>
+                                          </p:spTgt>
+                                        </p:tgtEl>
+                                        <p:attrNameLst>
+                                          <p:attrName>style.visibility</p:attrName>
+                                        </p:attrNameLst>
+                                      </p:cBhvr>
+                                      <p:to>
+                                        <p:strVal val="visible"/>
+                                      </p:to>
+                                    </p:set>
+                                  </p:childTnLst>
+                                </p:cTn>
+                              </p:par>
+                            </p:childTnLst>
+                          </p:cTn>
+                        </p:par>
+                      </p:childTnLst>
+                    </p:cTn>
+                  </p:par>
+                  <p:par>
+                    <p:cTn id="11" fill="hold">
+                      <p:stCondLst>
+                        <p:cond delay="indefinite"/>
+                      </p:stCondLst>
+                      <p:childTnLst>
+                        <p:par>
+                          <p:cTn id="12" fill="hold">
+                            <p:stCondLst>
+                              <p:cond delay="0"/>
+                            </p:stCondLst>
+                            <p:childTnLst>
+                              <p:par>
+                                <p:cTn id="13" presetID="1" presetClass="entr" presetSubtype="0" fill="hold" grpId="0" nodeType="clickEffect">
+                                  <p:stCondLst>
+                                    <p:cond delay="0"/>
+                                  </p:stCondLst>
+                                  <p:childTnLst>
+                                    <p:set>
+                                      <p:cBhvr>
+                                        <p:cTn id="14" dur="1" fill="hold">
+                                          <p:stCondLst>
+                                            <p:cond delay="0"/>
+                                          </p:stCondLst>
+                                        </p:cTn>
+                                        <p:tgtEl>
+                                          <p:spTgt spid="4"/>
+                                        </p:tgtEl>
+                                        <p:attrNameLst>
+                                          <p:attrName>style.visibility</p:attrName>
+                                        </p:attrNameLst>
+                                      </p:cBhvr>
+                                      <p:to>
+                                        <p:strVal val="visible"/>
+                                      </p:to>
+                                    </p:set>
+                                  </p:childTnLst>
+                                </p:cTn>
+                              </p:par>
+                            </p:childTnLst>
+                          </p:cTn>
+                        </p:par>
+                      </p:childTnLst>
+                    </p:cTn>
+                  </p:par>
+                  <p:par>
+                    <p:cTn id="15" fill="hold">
+                      <p:stCondLst>
+                        <p:cond delay="indefinite"/>
+                      </p:stCondLst>
+                      <p:childTnLst>
+                        <p:par>
+                          <p:cTn id="16" fill="hold">
+                            <p:stCondLst>
+                              <p:cond delay="0"/>
+                            </p:stCondLst>
+                            <p:childTnLst>
+                              <p:par>
+                                <p:cTn id="17" presetID="1" presetClass="entr" presetSubtype="0" fill="hold" grpId="0" nodeType="clickEffect">
+                                  <p:stCondLst>
+                                    <p:cond delay="0"/>
+                                  </p:stCondLst>
+                                  <p:childTnLst>
+                                    <p:set>
+                                      <p:cBhvr>
+                                        <p:cTn id="18" dur="1" fill="hold">
+                                          <p:stCondLst>
+                                            <p:cond delay="0"/>
+                                          </p:stCondLst>
+                                        </p:cTn>
+                                        <p:tgtEl>
+                                          <p:spTgt spid="7"/>
+                                        </p:tgtEl>
+                                        <p:attrNameLst>
+                                          <p:attrName>style.visibility</p:attrName>
+                                        </p:attrNameLst>
+                                      </p:cBhvr>
+                                      <p:to>
+                                        <p:strVal val="visible"/>
+                                      </p:to>
+                                    </p:set>
+                                  </p:childTnLst>
+                                </p:cTn>
+                              </p:par>
+                            </p:childTnLst>
+                          </p:cTn>
+                        </p:par>
+                      </p:childTnLst>
+                    </p:cTn>
+                  </p:par>
+                  <p:par>
+                    <p:cTn id="19" fill="hold">
+                      <p:stCondLst>
+                        <p:cond delay="indefinite"/>
+                      </p:stCondLst>
+                      <p:childTnLst>
+                        <p:par>
+                          <p:cTn id="20" fill="hold">
+                            <p:stCondLst>
+                              <p:cond delay="0"/>
+                            </p:stCondLst>
+                            <p:childTnLst>
+                              <p:par>
+                                <p:cTn id="21" presetID="1" presetClass="entr" presetSubtype="0" fill="hold" grpId="0" nodeType="clickEffect">
+                                  <p:stCondLst>
+                                    <p:cond delay="0"/>
+                                  </p:stCondLst>
+                                  <p:childTnLst>
+                                    <p:set>
+                                      <p:cBhvr>
+                                        <p:cTn id="22" dur="1" fill="hold">
+                                          <p:stCondLst>
+                                            <p:cond delay="0"/>
+                                          </p:stCondLst>
+                                        </p:cTn>
+                                        <p:tgtEl>
+                                          <p:spTgt spid="5"/>
+                                        </p:tgtEl>
+                                        <p:attrNameLst>
+                                          <p:attrName>style.visibility</p:attrName>
+                                        </p:attrNameLst>
+                                      </p:cBhvr>
+                                      <p:to>
+                                        <p:strVal val="visible"/>
+                                      </p:to>
+                                    </p:set>
+                                  </p:childTnLst>
+                                </p:cTn>
+                              </p:par>
+                            </p:childTnLst>
+                          </p:cTn>
+                        </p:par>
+                      </p:childTnLst>
+                    </p:cTn>
+                  </p:par>
+                </p:childTnLst>
+              </p:cTn>
+              <p:prevCondLst>
+                <p:cond evt="onPrev" delay="0">
+                  <p:tgtEl>
+                    <p:sldTgt/>
+                  </p:tgtEl>
+                </p:cond>
+              </p:prevCondLst>
+              <p:nextCondLst>
+                <p:cond evt="onNext" delay="0">
+                  <p:tgtEl>
+                    <p:sldTgt/>
+                  </p:tgtEl>
+                </p:cond>
+              </p:nextCondLst>
+            </p:seq>
+          </p:childTnLst>
+        </p:cTn>
+      </p:par>
+    </p:tnLst>
+    <p:bldLst>
+      <p:bldP spid="3" grpId="0" build="p"/>
+      <p:bldP spid="4" grpId="0"/>
+      <p:bldP spid="7" grpId="0"/>
+      <p:bldP spid="5" grpId="0"/>
+    </p:bldLst>
+  </p:timing>
 </p:sld>
 </file>
 
@@ -9748,6 +12314,240 @@
   <p:clrMapOvr>
     <a:masterClrMapping/>
   </p:clrMapOvr>
+  <p:timing>
+    <p:tnLst>
+      <p:par>
+        <p:cTn id="1" dur="indefinite" restart="never" nodeType="tmRoot">
+          <p:childTnLst>
+            <p:seq concurrent="1" nextAc="seek">
+              <p:cTn id="2" dur="indefinite" nodeType="mainSeq">
+                <p:childTnLst>
+                  <p:par>
+                    <p:cTn id="3" fill="hold">
+                      <p:stCondLst>
+                        <p:cond delay="indefinite"/>
+                      </p:stCondLst>
+                      <p:childTnLst>
+                        <p:par>
+                          <p:cTn id="4" fill="hold">
+                            <p:stCondLst>
+                              <p:cond delay="0"/>
+                            </p:stCondLst>
+                            <p:childTnLst>
+                              <p:par>
+                                <p:cTn id="5" presetID="1" presetClass="entr" presetSubtype="0" fill="hold" nodeType="clickEffect">
+                                  <p:stCondLst>
+                                    <p:cond delay="0"/>
+                                  </p:stCondLst>
+                                  <p:childTnLst>
+                                    <p:set>
+                                      <p:cBhvr>
+                                        <p:cTn id="6" dur="1" fill="hold">
+                                          <p:stCondLst>
+                                            <p:cond delay="0"/>
+                                          </p:stCondLst>
+                                        </p:cTn>
+                                        <p:tgtEl>
+                                          <p:spTgt spid="3">
+                                            <p:txEl>
+                                              <p:pRg st="0" end="0"/>
+                                            </p:txEl>
+                                          </p:spTgt>
+                                        </p:tgtEl>
+                                        <p:attrNameLst>
+                                          <p:attrName>style.visibility</p:attrName>
+                                        </p:attrNameLst>
+                                      </p:cBhvr>
+                                      <p:to>
+                                        <p:strVal val="visible"/>
+                                      </p:to>
+                                    </p:set>
+                                  </p:childTnLst>
+                                </p:cTn>
+                              </p:par>
+                              <p:par>
+                                <p:cTn id="7" presetID="1" presetClass="entr" presetSubtype="0" fill="hold" nodeType="withEffect">
+                                  <p:stCondLst>
+                                    <p:cond delay="0"/>
+                                  </p:stCondLst>
+                                  <p:childTnLst>
+                                    <p:set>
+                                      <p:cBhvr>
+                                        <p:cTn id="8" dur="1" fill="hold">
+                                          <p:stCondLst>
+                                            <p:cond delay="0"/>
+                                          </p:stCondLst>
+                                        </p:cTn>
+                                        <p:tgtEl>
+                                          <p:spTgt spid="3">
+                                            <p:txEl>
+                                              <p:pRg st="1" end="1"/>
+                                            </p:txEl>
+                                          </p:spTgt>
+                                        </p:tgtEl>
+                                        <p:attrNameLst>
+                                          <p:attrName>style.visibility</p:attrName>
+                                        </p:attrNameLst>
+                                      </p:cBhvr>
+                                      <p:to>
+                                        <p:strVal val="visible"/>
+                                      </p:to>
+                                    </p:set>
+                                  </p:childTnLst>
+                                </p:cTn>
+                              </p:par>
+                              <p:par>
+                                <p:cTn id="9" presetID="1" presetClass="entr" presetSubtype="0" fill="hold" nodeType="withEffect">
+                                  <p:stCondLst>
+                                    <p:cond delay="0"/>
+                                  </p:stCondLst>
+                                  <p:childTnLst>
+                                    <p:set>
+                                      <p:cBhvr>
+                                        <p:cTn id="10" dur="1" fill="hold">
+                                          <p:stCondLst>
+                                            <p:cond delay="0"/>
+                                          </p:stCondLst>
+                                        </p:cTn>
+                                        <p:tgtEl>
+                                          <p:spTgt spid="3">
+                                            <p:txEl>
+                                              <p:pRg st="2" end="2"/>
+                                            </p:txEl>
+                                          </p:spTgt>
+                                        </p:tgtEl>
+                                        <p:attrNameLst>
+                                          <p:attrName>style.visibility</p:attrName>
+                                        </p:attrNameLst>
+                                      </p:cBhvr>
+                                      <p:to>
+                                        <p:strVal val="visible"/>
+                                      </p:to>
+                                    </p:set>
+                                  </p:childTnLst>
+                                </p:cTn>
+                              </p:par>
+                              <p:par>
+                                <p:cTn id="11" presetID="1" presetClass="entr" presetSubtype="0" fill="hold" nodeType="withEffect">
+                                  <p:stCondLst>
+                                    <p:cond delay="0"/>
+                                  </p:stCondLst>
+                                  <p:childTnLst>
+                                    <p:set>
+                                      <p:cBhvr>
+                                        <p:cTn id="12" dur="1" fill="hold">
+                                          <p:stCondLst>
+                                            <p:cond delay="0"/>
+                                          </p:stCondLst>
+                                        </p:cTn>
+                                        <p:tgtEl>
+                                          <p:spTgt spid="3">
+                                            <p:txEl>
+                                              <p:pRg st="3" end="3"/>
+                                            </p:txEl>
+                                          </p:spTgt>
+                                        </p:tgtEl>
+                                        <p:attrNameLst>
+                                          <p:attrName>style.visibility</p:attrName>
+                                        </p:attrNameLst>
+                                      </p:cBhvr>
+                                      <p:to>
+                                        <p:strVal val="visible"/>
+                                      </p:to>
+                                    </p:set>
+                                  </p:childTnLst>
+                                </p:cTn>
+                              </p:par>
+                              <p:par>
+                                <p:cTn id="13" presetID="1" presetClass="entr" presetSubtype="0" fill="hold" nodeType="withEffect">
+                                  <p:stCondLst>
+                                    <p:cond delay="0"/>
+                                  </p:stCondLst>
+                                  <p:childTnLst>
+                                    <p:set>
+                                      <p:cBhvr>
+                                        <p:cTn id="14" dur="1" fill="hold">
+                                          <p:stCondLst>
+                                            <p:cond delay="0"/>
+                                          </p:stCondLst>
+                                        </p:cTn>
+                                        <p:tgtEl>
+                                          <p:spTgt spid="3">
+                                            <p:txEl>
+                                              <p:pRg st="4" end="4"/>
+                                            </p:txEl>
+                                          </p:spTgt>
+                                        </p:tgtEl>
+                                        <p:attrNameLst>
+                                          <p:attrName>style.visibility</p:attrName>
+                                        </p:attrNameLst>
+                                      </p:cBhvr>
+                                      <p:to>
+                                        <p:strVal val="visible"/>
+                                      </p:to>
+                                    </p:set>
+                                  </p:childTnLst>
+                                </p:cTn>
+                              </p:par>
+                              <p:par>
+                                <p:cTn id="15" presetID="1" presetClass="entr" presetSubtype="0" fill="hold" nodeType="withEffect">
+                                  <p:stCondLst>
+                                    <p:cond delay="0"/>
+                                  </p:stCondLst>
+                                  <p:childTnLst>
+                                    <p:set>
+                                      <p:cBhvr>
+                                        <p:cTn id="16" dur="1" fill="hold">
+                                          <p:stCondLst>
+                                            <p:cond delay="0"/>
+                                          </p:stCondLst>
+                                        </p:cTn>
+                                        <p:tgtEl>
+                                          <p:spTgt spid="3">
+                                            <p:txEl>
+                                              <p:pRg st="5" end="5"/>
+                                            </p:txEl>
+                                          </p:spTgt>
+                                        </p:tgtEl>
+                                        <p:attrNameLst>
+                                          <p:attrName>style.visibility</p:attrName>
+                                        </p:attrNameLst>
+                                      </p:cBhvr>
+                                      <p:to>
+                                        <p:strVal val="visible"/>
+                                      </p:to>
+                                    </p:set>
+                                  </p:childTnLst>
+                                </p:cTn>
+                              </p:par>
+                            </p:childTnLst>
+                          </p:cTn>
+                        </p:par>
+                      </p:childTnLst>
+                    </p:cTn>
+                  </p:par>
+                </p:childTnLst>
+              </p:cTn>
+              <p:prevCondLst>
+                <p:cond evt="onPrev" delay="0">
+                  <p:tgtEl>
+                    <p:sldTgt/>
+                  </p:tgtEl>
+                </p:cond>
+              </p:prevCondLst>
+              <p:nextCondLst>
+                <p:cond evt="onNext" delay="0">
+                  <p:tgtEl>
+                    <p:sldTgt/>
+                  </p:tgtEl>
+                </p:cond>
+              </p:nextCondLst>
+            </p:seq>
+          </p:childTnLst>
+        </p:cTn>
+      </p:par>
+    </p:tnLst>
+  </p:timing>
 </p:sld>
 </file>
 
@@ -10472,6 +13272,326 @@
   <p:clrMapOvr>
     <a:masterClrMapping/>
   </p:clrMapOvr>
+  <p:timing>
+    <p:tnLst>
+      <p:par>
+        <p:cTn id="1" dur="indefinite" restart="never" nodeType="tmRoot">
+          <p:childTnLst>
+            <p:seq concurrent="1" nextAc="seek">
+              <p:cTn id="2" dur="indefinite" nodeType="mainSeq">
+                <p:childTnLst>
+                  <p:par>
+                    <p:cTn id="3" fill="hold">
+                      <p:stCondLst>
+                        <p:cond delay="indefinite"/>
+                      </p:stCondLst>
+                      <p:childTnLst>
+                        <p:par>
+                          <p:cTn id="4" fill="hold">
+                            <p:stCondLst>
+                              <p:cond delay="0"/>
+                            </p:stCondLst>
+                            <p:childTnLst>
+                              <p:par>
+                                <p:cTn id="5" presetID="1" presetClass="entr" presetSubtype="0" fill="hold" grpId="0" nodeType="clickEffect">
+                                  <p:stCondLst>
+                                    <p:cond delay="0"/>
+                                  </p:stCondLst>
+                                  <p:childTnLst>
+                                    <p:set>
+                                      <p:cBhvr>
+                                        <p:cTn id="6" dur="1" fill="hold">
+                                          <p:stCondLst>
+                                            <p:cond delay="0"/>
+                                          </p:stCondLst>
+                                        </p:cTn>
+                                        <p:tgtEl>
+                                          <p:spTgt spid="5"/>
+                                        </p:tgtEl>
+                                        <p:attrNameLst>
+                                          <p:attrName>style.visibility</p:attrName>
+                                        </p:attrNameLst>
+                                      </p:cBhvr>
+                                      <p:to>
+                                        <p:strVal val="visible"/>
+                                      </p:to>
+                                    </p:set>
+                                  </p:childTnLst>
+                                </p:cTn>
+                              </p:par>
+                            </p:childTnLst>
+                          </p:cTn>
+                        </p:par>
+                      </p:childTnLst>
+                    </p:cTn>
+                  </p:par>
+                  <p:par>
+                    <p:cTn id="7" fill="hold">
+                      <p:stCondLst>
+                        <p:cond delay="indefinite"/>
+                      </p:stCondLst>
+                      <p:childTnLst>
+                        <p:par>
+                          <p:cTn id="8" fill="hold">
+                            <p:stCondLst>
+                              <p:cond delay="0"/>
+                            </p:stCondLst>
+                            <p:childTnLst>
+                              <p:par>
+                                <p:cTn id="9" presetID="1" presetClass="entr" presetSubtype="0" fill="hold" grpId="0" nodeType="clickEffect">
+                                  <p:stCondLst>
+                                    <p:cond delay="0"/>
+                                  </p:stCondLst>
+                                  <p:childTnLst>
+                                    <p:set>
+                                      <p:cBhvr>
+                                        <p:cTn id="10" dur="1" fill="hold">
+                                          <p:stCondLst>
+                                            <p:cond delay="0"/>
+                                          </p:stCondLst>
+                                        </p:cTn>
+                                        <p:tgtEl>
+                                          <p:spTgt spid="7"/>
+                                        </p:tgtEl>
+                                        <p:attrNameLst>
+                                          <p:attrName>style.visibility</p:attrName>
+                                        </p:attrNameLst>
+                                      </p:cBhvr>
+                                      <p:to>
+                                        <p:strVal val="visible"/>
+                                      </p:to>
+                                    </p:set>
+                                  </p:childTnLst>
+                                </p:cTn>
+                              </p:par>
+                              <p:par>
+                                <p:cTn id="11" presetID="1" presetClass="entr" presetSubtype="0" fill="hold" grpId="0" nodeType="withEffect">
+                                  <p:stCondLst>
+                                    <p:cond delay="0"/>
+                                  </p:stCondLst>
+                                  <p:childTnLst>
+                                    <p:set>
+                                      <p:cBhvr>
+                                        <p:cTn id="12" dur="1" fill="hold">
+                                          <p:stCondLst>
+                                            <p:cond delay="0"/>
+                                          </p:stCondLst>
+                                        </p:cTn>
+                                        <p:tgtEl>
+                                          <p:spTgt spid="9"/>
+                                        </p:tgtEl>
+                                        <p:attrNameLst>
+                                          <p:attrName>style.visibility</p:attrName>
+                                        </p:attrNameLst>
+                                      </p:cBhvr>
+                                      <p:to>
+                                        <p:strVal val="visible"/>
+                                      </p:to>
+                                    </p:set>
+                                  </p:childTnLst>
+                                </p:cTn>
+                              </p:par>
+                              <p:par>
+                                <p:cTn id="13" presetID="1" presetClass="entr" presetSubtype="0" fill="hold" grpId="0" nodeType="withEffect">
+                                  <p:stCondLst>
+                                    <p:cond delay="0"/>
+                                  </p:stCondLst>
+                                  <p:childTnLst>
+                                    <p:set>
+                                      <p:cBhvr>
+                                        <p:cTn id="14" dur="1" fill="hold">
+                                          <p:stCondLst>
+                                            <p:cond delay="0"/>
+                                          </p:stCondLst>
+                                        </p:cTn>
+                                        <p:tgtEl>
+                                          <p:spTgt spid="11"/>
+                                        </p:tgtEl>
+                                        <p:attrNameLst>
+                                          <p:attrName>style.visibility</p:attrName>
+                                        </p:attrNameLst>
+                                      </p:cBhvr>
+                                      <p:to>
+                                        <p:strVal val="visible"/>
+                                      </p:to>
+                                    </p:set>
+                                  </p:childTnLst>
+                                </p:cTn>
+                              </p:par>
+                              <p:par>
+                                <p:cTn id="15" presetID="1" presetClass="entr" presetSubtype="0" fill="hold" grpId="0" nodeType="withEffect">
+                                  <p:stCondLst>
+                                    <p:cond delay="0"/>
+                                  </p:stCondLst>
+                                  <p:childTnLst>
+                                    <p:set>
+                                      <p:cBhvr>
+                                        <p:cTn id="16" dur="1" fill="hold">
+                                          <p:stCondLst>
+                                            <p:cond delay="0"/>
+                                          </p:stCondLst>
+                                        </p:cTn>
+                                        <p:tgtEl>
+                                          <p:spTgt spid="12"/>
+                                        </p:tgtEl>
+                                        <p:attrNameLst>
+                                          <p:attrName>style.visibility</p:attrName>
+                                        </p:attrNameLst>
+                                      </p:cBhvr>
+                                      <p:to>
+                                        <p:strVal val="visible"/>
+                                      </p:to>
+                                    </p:set>
+                                  </p:childTnLst>
+                                </p:cTn>
+                              </p:par>
+                              <p:par>
+                                <p:cTn id="17" presetID="1" presetClass="entr" presetSubtype="0" fill="hold" grpId="0" nodeType="withEffect">
+                                  <p:stCondLst>
+                                    <p:cond delay="0"/>
+                                  </p:stCondLst>
+                                  <p:childTnLst>
+                                    <p:set>
+                                      <p:cBhvr>
+                                        <p:cTn id="18" dur="1" fill="hold">
+                                          <p:stCondLst>
+                                            <p:cond delay="0"/>
+                                          </p:stCondLst>
+                                        </p:cTn>
+                                        <p:tgtEl>
+                                          <p:spTgt spid="14"/>
+                                        </p:tgtEl>
+                                        <p:attrNameLst>
+                                          <p:attrName>style.visibility</p:attrName>
+                                        </p:attrNameLst>
+                                      </p:cBhvr>
+                                      <p:to>
+                                        <p:strVal val="visible"/>
+                                      </p:to>
+                                    </p:set>
+                                  </p:childTnLst>
+                                </p:cTn>
+                              </p:par>
+                              <p:par>
+                                <p:cTn id="19" presetID="1" presetClass="entr" presetSubtype="0" fill="hold" grpId="0" nodeType="withEffect">
+                                  <p:stCondLst>
+                                    <p:cond delay="0"/>
+                                  </p:stCondLst>
+                                  <p:childTnLst>
+                                    <p:set>
+                                      <p:cBhvr>
+                                        <p:cTn id="20" dur="1" fill="hold">
+                                          <p:stCondLst>
+                                            <p:cond delay="0"/>
+                                          </p:stCondLst>
+                                        </p:cTn>
+                                        <p:tgtEl>
+                                          <p:spTgt spid="15"/>
+                                        </p:tgtEl>
+                                        <p:attrNameLst>
+                                          <p:attrName>style.visibility</p:attrName>
+                                        </p:attrNameLst>
+                                      </p:cBhvr>
+                                      <p:to>
+                                        <p:strVal val="visible"/>
+                                      </p:to>
+                                    </p:set>
+                                  </p:childTnLst>
+                                </p:cTn>
+                              </p:par>
+                              <p:par>
+                                <p:cTn id="21" presetID="1" presetClass="entr" presetSubtype="0" fill="hold" grpId="0" nodeType="withEffect">
+                                  <p:stCondLst>
+                                    <p:cond delay="0"/>
+                                  </p:stCondLst>
+                                  <p:childTnLst>
+                                    <p:set>
+                                      <p:cBhvr>
+                                        <p:cTn id="22" dur="1" fill="hold">
+                                          <p:stCondLst>
+                                            <p:cond delay="0"/>
+                                          </p:stCondLst>
+                                        </p:cTn>
+                                        <p:tgtEl>
+                                          <p:spTgt spid="17"/>
+                                        </p:tgtEl>
+                                        <p:attrNameLst>
+                                          <p:attrName>style.visibility</p:attrName>
+                                        </p:attrNameLst>
+                                      </p:cBhvr>
+                                      <p:to>
+                                        <p:strVal val="visible"/>
+                                      </p:to>
+                                    </p:set>
+                                  </p:childTnLst>
+                                </p:cTn>
+                              </p:par>
+                              <p:par>
+                                <p:cTn id="23" presetID="1" presetClass="entr" presetSubtype="0" fill="hold" grpId="0" nodeType="withEffect">
+                                  <p:stCondLst>
+                                    <p:cond delay="0"/>
+                                  </p:stCondLst>
+                                  <p:childTnLst>
+                                    <p:set>
+                                      <p:cBhvr>
+                                        <p:cTn id="24" dur="1" fill="hold">
+                                          <p:stCondLst>
+                                            <p:cond delay="0"/>
+                                          </p:stCondLst>
+                                        </p:cTn>
+                                        <p:tgtEl>
+                                          <p:spTgt spid="18"/>
+                                        </p:tgtEl>
+                                        <p:attrNameLst>
+                                          <p:attrName>style.visibility</p:attrName>
+                                        </p:attrNameLst>
+                                      </p:cBhvr>
+                                      <p:to>
+                                        <p:strVal val="visible"/>
+                                      </p:to>
+                                    </p:set>
+                                  </p:childTnLst>
+                                </p:cTn>
+                              </p:par>
+                            </p:childTnLst>
+                          </p:cTn>
+                        </p:par>
+                      </p:childTnLst>
+                    </p:cTn>
+                  </p:par>
+                </p:childTnLst>
+              </p:cTn>
+              <p:prevCondLst>
+                <p:cond evt="onPrev" delay="0">
+                  <p:tgtEl>
+                    <p:sldTgt/>
+                  </p:tgtEl>
+                </p:cond>
+              </p:prevCondLst>
+              <p:nextCondLst>
+                <p:cond evt="onNext" delay="0">
+                  <p:tgtEl>
+                    <p:sldTgt/>
+                  </p:tgtEl>
+                </p:cond>
+              </p:nextCondLst>
+            </p:seq>
+          </p:childTnLst>
+        </p:cTn>
+      </p:par>
+    </p:tnLst>
+    <p:bldLst>
+      <p:bldP spid="7" grpId="0"/>
+      <p:bldP spid="9" grpId="0"/>
+      <p:bldP spid="11" grpId="0"/>
+      <p:bldP spid="12" grpId="0"/>
+      <p:bldP spid="14" grpId="0"/>
+      <p:bldP spid="15" grpId="0"/>
+      <p:bldP spid="17" grpId="0"/>
+      <p:bldP spid="18" grpId="0"/>
+      <p:bldP spid="5" grpId="0"/>
+    </p:bldLst>
+  </p:timing>
 </p:sld>
 </file>
 
@@ -11492,6 +14612,522 @@
   <p:clrMapOvr>
     <a:masterClrMapping/>
   </p:clrMapOvr>
+  <p:timing>
+    <p:tnLst>
+      <p:par>
+        <p:cTn id="1" dur="indefinite" restart="never" nodeType="tmRoot">
+          <p:childTnLst>
+            <p:seq concurrent="1" nextAc="seek">
+              <p:cTn id="2" dur="indefinite" nodeType="mainSeq">
+                <p:childTnLst>
+                  <p:par>
+                    <p:cTn id="3" fill="hold">
+                      <p:stCondLst>
+                        <p:cond delay="indefinite"/>
+                      </p:stCondLst>
+                      <p:childTnLst>
+                        <p:par>
+                          <p:cTn id="4" fill="hold">
+                            <p:stCondLst>
+                              <p:cond delay="0"/>
+                            </p:stCondLst>
+                            <p:childTnLst>
+                              <p:par>
+                                <p:cTn id="5" presetID="1" presetClass="entr" presetSubtype="0" fill="hold" grpId="0" nodeType="clickEffect">
+                                  <p:stCondLst>
+                                    <p:cond delay="0"/>
+                                  </p:stCondLst>
+                                  <p:childTnLst>
+                                    <p:set>
+                                      <p:cBhvr>
+                                        <p:cTn id="6" dur="1" fill="hold">
+                                          <p:stCondLst>
+                                            <p:cond delay="0"/>
+                                          </p:stCondLst>
+                                        </p:cTn>
+                                        <p:tgtEl>
+                                          <p:spTgt spid="30"/>
+                                        </p:tgtEl>
+                                        <p:attrNameLst>
+                                          <p:attrName>style.visibility</p:attrName>
+                                        </p:attrNameLst>
+                                      </p:cBhvr>
+                                      <p:to>
+                                        <p:strVal val="visible"/>
+                                      </p:to>
+                                    </p:set>
+                                  </p:childTnLst>
+                                </p:cTn>
+                              </p:par>
+                            </p:childTnLst>
+                          </p:cTn>
+                        </p:par>
+                      </p:childTnLst>
+                    </p:cTn>
+                  </p:par>
+                  <p:par>
+                    <p:cTn id="7" fill="hold">
+                      <p:stCondLst>
+                        <p:cond delay="indefinite"/>
+                      </p:stCondLst>
+                      <p:childTnLst>
+                        <p:par>
+                          <p:cTn id="8" fill="hold">
+                            <p:stCondLst>
+                              <p:cond delay="0"/>
+                            </p:stCondLst>
+                            <p:childTnLst>
+                              <p:par>
+                                <p:cTn id="9" presetID="1" presetClass="entr" presetSubtype="0" fill="hold" grpId="0" nodeType="clickEffect">
+                                  <p:stCondLst>
+                                    <p:cond delay="0"/>
+                                  </p:stCondLst>
+                                  <p:childTnLst>
+                                    <p:set>
+                                      <p:cBhvr>
+                                        <p:cTn id="10" dur="1" fill="hold">
+                                          <p:stCondLst>
+                                            <p:cond delay="0"/>
+                                          </p:stCondLst>
+                                        </p:cTn>
+                                        <p:tgtEl>
+                                          <p:spTgt spid="7"/>
+                                        </p:tgtEl>
+                                        <p:attrNameLst>
+                                          <p:attrName>style.visibility</p:attrName>
+                                        </p:attrNameLst>
+                                      </p:cBhvr>
+                                      <p:to>
+                                        <p:strVal val="visible"/>
+                                      </p:to>
+                                    </p:set>
+                                  </p:childTnLst>
+                                </p:cTn>
+                              </p:par>
+                              <p:par>
+                                <p:cTn id="11" presetID="1" presetClass="entr" presetSubtype="0" fill="hold" grpId="0" nodeType="withEffect">
+                                  <p:stCondLst>
+                                    <p:cond delay="0"/>
+                                  </p:stCondLst>
+                                  <p:childTnLst>
+                                    <p:set>
+                                      <p:cBhvr>
+                                        <p:cTn id="12" dur="1" fill="hold">
+                                          <p:stCondLst>
+                                            <p:cond delay="0"/>
+                                          </p:stCondLst>
+                                        </p:cTn>
+                                        <p:tgtEl>
+                                          <p:spTgt spid="9"/>
+                                        </p:tgtEl>
+                                        <p:attrNameLst>
+                                          <p:attrName>style.visibility</p:attrName>
+                                        </p:attrNameLst>
+                                      </p:cBhvr>
+                                      <p:to>
+                                        <p:strVal val="visible"/>
+                                      </p:to>
+                                    </p:set>
+                                  </p:childTnLst>
+                                </p:cTn>
+                              </p:par>
+                              <p:par>
+                                <p:cTn id="13" presetID="1" presetClass="entr" presetSubtype="0" fill="hold" grpId="0" nodeType="withEffect">
+                                  <p:stCondLst>
+                                    <p:cond delay="0"/>
+                                  </p:stCondLst>
+                                  <p:childTnLst>
+                                    <p:set>
+                                      <p:cBhvr>
+                                        <p:cTn id="14" dur="1" fill="hold">
+                                          <p:stCondLst>
+                                            <p:cond delay="0"/>
+                                          </p:stCondLst>
+                                        </p:cTn>
+                                        <p:tgtEl>
+                                          <p:spTgt spid="11"/>
+                                        </p:tgtEl>
+                                        <p:attrNameLst>
+                                          <p:attrName>style.visibility</p:attrName>
+                                        </p:attrNameLst>
+                                      </p:cBhvr>
+                                      <p:to>
+                                        <p:strVal val="visible"/>
+                                      </p:to>
+                                    </p:set>
+                                  </p:childTnLst>
+                                </p:cTn>
+                              </p:par>
+                              <p:par>
+                                <p:cTn id="15" presetID="1" presetClass="entr" presetSubtype="0" fill="hold" grpId="0" nodeType="withEffect">
+                                  <p:stCondLst>
+                                    <p:cond delay="0"/>
+                                  </p:stCondLst>
+                                  <p:childTnLst>
+                                    <p:set>
+                                      <p:cBhvr>
+                                        <p:cTn id="16" dur="1" fill="hold">
+                                          <p:stCondLst>
+                                            <p:cond delay="0"/>
+                                          </p:stCondLst>
+                                        </p:cTn>
+                                        <p:tgtEl>
+                                          <p:spTgt spid="14"/>
+                                        </p:tgtEl>
+                                        <p:attrNameLst>
+                                          <p:attrName>style.visibility</p:attrName>
+                                        </p:attrNameLst>
+                                      </p:cBhvr>
+                                      <p:to>
+                                        <p:strVal val="visible"/>
+                                      </p:to>
+                                    </p:set>
+                                  </p:childTnLst>
+                                </p:cTn>
+                              </p:par>
+                              <p:par>
+                                <p:cTn id="17" presetID="1" presetClass="entr" presetSubtype="0" fill="hold" grpId="0" nodeType="withEffect">
+                                  <p:stCondLst>
+                                    <p:cond delay="0"/>
+                                  </p:stCondLst>
+                                  <p:childTnLst>
+                                    <p:set>
+                                      <p:cBhvr>
+                                        <p:cTn id="18" dur="1" fill="hold">
+                                          <p:stCondLst>
+                                            <p:cond delay="0"/>
+                                          </p:stCondLst>
+                                        </p:cTn>
+                                        <p:tgtEl>
+                                          <p:spTgt spid="17"/>
+                                        </p:tgtEl>
+                                        <p:attrNameLst>
+                                          <p:attrName>style.visibility</p:attrName>
+                                        </p:attrNameLst>
+                                      </p:cBhvr>
+                                      <p:to>
+                                        <p:strVal val="visible"/>
+                                      </p:to>
+                                    </p:set>
+                                  </p:childTnLst>
+                                </p:cTn>
+                              </p:par>
+                              <p:par>
+                                <p:cTn id="19" presetID="1" presetClass="entr" presetSubtype="0" fill="hold" grpId="0" nodeType="withEffect">
+                                  <p:stCondLst>
+                                    <p:cond delay="0"/>
+                                  </p:stCondLst>
+                                  <p:childTnLst>
+                                    <p:set>
+                                      <p:cBhvr>
+                                        <p:cTn id="20" dur="1" fill="hold">
+                                          <p:stCondLst>
+                                            <p:cond delay="0"/>
+                                          </p:stCondLst>
+                                        </p:cTn>
+                                        <p:tgtEl>
+                                          <p:spTgt spid="18"/>
+                                        </p:tgtEl>
+                                        <p:attrNameLst>
+                                          <p:attrName>style.visibility</p:attrName>
+                                        </p:attrNameLst>
+                                      </p:cBhvr>
+                                      <p:to>
+                                        <p:strVal val="visible"/>
+                                      </p:to>
+                                    </p:set>
+                                  </p:childTnLst>
+                                </p:cTn>
+                              </p:par>
+                              <p:par>
+                                <p:cTn id="21" presetID="1" presetClass="entr" presetSubtype="0" fill="hold" grpId="0" nodeType="withEffect">
+                                  <p:stCondLst>
+                                    <p:cond delay="0"/>
+                                  </p:stCondLst>
+                                  <p:childTnLst>
+                                    <p:set>
+                                      <p:cBhvr>
+                                        <p:cTn id="22" dur="1" fill="hold">
+                                          <p:stCondLst>
+                                            <p:cond delay="0"/>
+                                          </p:stCondLst>
+                                        </p:cTn>
+                                        <p:tgtEl>
+                                          <p:spTgt spid="19"/>
+                                        </p:tgtEl>
+                                        <p:attrNameLst>
+                                          <p:attrName>style.visibility</p:attrName>
+                                        </p:attrNameLst>
+                                      </p:cBhvr>
+                                      <p:to>
+                                        <p:strVal val="visible"/>
+                                      </p:to>
+                                    </p:set>
+                                  </p:childTnLst>
+                                </p:cTn>
+                              </p:par>
+                              <p:par>
+                                <p:cTn id="23" presetID="1" presetClass="entr" presetSubtype="0" fill="hold" grpId="0" nodeType="withEffect">
+                                  <p:stCondLst>
+                                    <p:cond delay="0"/>
+                                  </p:stCondLst>
+                                  <p:childTnLst>
+                                    <p:set>
+                                      <p:cBhvr>
+                                        <p:cTn id="24" dur="1" fill="hold">
+                                          <p:stCondLst>
+                                            <p:cond delay="0"/>
+                                          </p:stCondLst>
+                                        </p:cTn>
+                                        <p:tgtEl>
+                                          <p:spTgt spid="20"/>
+                                        </p:tgtEl>
+                                        <p:attrNameLst>
+                                          <p:attrName>style.visibility</p:attrName>
+                                        </p:attrNameLst>
+                                      </p:cBhvr>
+                                      <p:to>
+                                        <p:strVal val="visible"/>
+                                      </p:to>
+                                    </p:set>
+                                  </p:childTnLst>
+                                </p:cTn>
+                              </p:par>
+                              <p:par>
+                                <p:cTn id="25" presetID="1" presetClass="entr" presetSubtype="0" fill="hold" grpId="0" nodeType="withEffect">
+                                  <p:stCondLst>
+                                    <p:cond delay="0"/>
+                                  </p:stCondLst>
+                                  <p:childTnLst>
+                                    <p:set>
+                                      <p:cBhvr>
+                                        <p:cTn id="26" dur="1" fill="hold">
+                                          <p:stCondLst>
+                                            <p:cond delay="0"/>
+                                          </p:stCondLst>
+                                        </p:cTn>
+                                        <p:tgtEl>
+                                          <p:spTgt spid="22"/>
+                                        </p:tgtEl>
+                                        <p:attrNameLst>
+                                          <p:attrName>style.visibility</p:attrName>
+                                        </p:attrNameLst>
+                                      </p:cBhvr>
+                                      <p:to>
+                                        <p:strVal val="visible"/>
+                                      </p:to>
+                                    </p:set>
+                                  </p:childTnLst>
+                                </p:cTn>
+                              </p:par>
+                              <p:par>
+                                <p:cTn id="27" presetID="1" presetClass="entr" presetSubtype="0" fill="hold" grpId="0" nodeType="withEffect">
+                                  <p:stCondLst>
+                                    <p:cond delay="0"/>
+                                  </p:stCondLst>
+                                  <p:childTnLst>
+                                    <p:set>
+                                      <p:cBhvr>
+                                        <p:cTn id="28" dur="1" fill="hold">
+                                          <p:stCondLst>
+                                            <p:cond delay="0"/>
+                                          </p:stCondLst>
+                                        </p:cTn>
+                                        <p:tgtEl>
+                                          <p:spTgt spid="23"/>
+                                        </p:tgtEl>
+                                        <p:attrNameLst>
+                                          <p:attrName>style.visibility</p:attrName>
+                                        </p:attrNameLst>
+                                      </p:cBhvr>
+                                      <p:to>
+                                        <p:strVal val="visible"/>
+                                      </p:to>
+                                    </p:set>
+                                  </p:childTnLst>
+                                </p:cTn>
+                              </p:par>
+                              <p:par>
+                                <p:cTn id="29" presetID="1" presetClass="entr" presetSubtype="0" fill="hold" grpId="0" nodeType="withEffect">
+                                  <p:stCondLst>
+                                    <p:cond delay="0"/>
+                                  </p:stCondLst>
+                                  <p:childTnLst>
+                                    <p:set>
+                                      <p:cBhvr>
+                                        <p:cTn id="30" dur="1" fill="hold">
+                                          <p:stCondLst>
+                                            <p:cond delay="0"/>
+                                          </p:stCondLst>
+                                        </p:cTn>
+                                        <p:tgtEl>
+                                          <p:spTgt spid="24"/>
+                                        </p:tgtEl>
+                                        <p:attrNameLst>
+                                          <p:attrName>style.visibility</p:attrName>
+                                        </p:attrNameLst>
+                                      </p:cBhvr>
+                                      <p:to>
+                                        <p:strVal val="visible"/>
+                                      </p:to>
+                                    </p:set>
+                                  </p:childTnLst>
+                                </p:cTn>
+                              </p:par>
+                              <p:par>
+                                <p:cTn id="31" presetID="1" presetClass="entr" presetSubtype="0" fill="hold" grpId="0" nodeType="withEffect">
+                                  <p:stCondLst>
+                                    <p:cond delay="0"/>
+                                  </p:stCondLst>
+                                  <p:childTnLst>
+                                    <p:set>
+                                      <p:cBhvr>
+                                        <p:cTn id="32" dur="1" fill="hold">
+                                          <p:stCondLst>
+                                            <p:cond delay="0"/>
+                                          </p:stCondLst>
+                                        </p:cTn>
+                                        <p:tgtEl>
+                                          <p:spTgt spid="25"/>
+                                        </p:tgtEl>
+                                        <p:attrNameLst>
+                                          <p:attrName>style.visibility</p:attrName>
+                                        </p:attrNameLst>
+                                      </p:cBhvr>
+                                      <p:to>
+                                        <p:strVal val="visible"/>
+                                      </p:to>
+                                    </p:set>
+                                  </p:childTnLst>
+                                </p:cTn>
+                              </p:par>
+                              <p:par>
+                                <p:cTn id="33" presetID="1" presetClass="entr" presetSubtype="0" fill="hold" grpId="0" nodeType="withEffect">
+                                  <p:stCondLst>
+                                    <p:cond delay="0"/>
+                                  </p:stCondLst>
+                                  <p:childTnLst>
+                                    <p:set>
+                                      <p:cBhvr>
+                                        <p:cTn id="34" dur="1" fill="hold">
+                                          <p:stCondLst>
+                                            <p:cond delay="0"/>
+                                          </p:stCondLst>
+                                        </p:cTn>
+                                        <p:tgtEl>
+                                          <p:spTgt spid="26"/>
+                                        </p:tgtEl>
+                                        <p:attrNameLst>
+                                          <p:attrName>style.visibility</p:attrName>
+                                        </p:attrNameLst>
+                                      </p:cBhvr>
+                                      <p:to>
+                                        <p:strVal val="visible"/>
+                                      </p:to>
+                                    </p:set>
+                                  </p:childTnLst>
+                                </p:cTn>
+                              </p:par>
+                              <p:par>
+                                <p:cTn id="35" presetID="1" presetClass="entr" presetSubtype="0" fill="hold" grpId="0" nodeType="withEffect">
+                                  <p:stCondLst>
+                                    <p:cond delay="0"/>
+                                  </p:stCondLst>
+                                  <p:childTnLst>
+                                    <p:set>
+                                      <p:cBhvr>
+                                        <p:cTn id="36" dur="1" fill="hold">
+                                          <p:stCondLst>
+                                            <p:cond delay="0"/>
+                                          </p:stCondLst>
+                                        </p:cTn>
+                                        <p:tgtEl>
+                                          <p:spTgt spid="27"/>
+                                        </p:tgtEl>
+                                        <p:attrNameLst>
+                                          <p:attrName>style.visibility</p:attrName>
+                                        </p:attrNameLst>
+                                      </p:cBhvr>
+                                      <p:to>
+                                        <p:strVal val="visible"/>
+                                      </p:to>
+                                    </p:set>
+                                  </p:childTnLst>
+                                </p:cTn>
+                              </p:par>
+                              <p:par>
+                                <p:cTn id="37" presetID="1" presetClass="entr" presetSubtype="0" fill="hold" grpId="0" nodeType="withEffect">
+                                  <p:stCondLst>
+                                    <p:cond delay="0"/>
+                                  </p:stCondLst>
+                                  <p:childTnLst>
+                                    <p:set>
+                                      <p:cBhvr>
+                                        <p:cTn id="38" dur="1" fill="hold">
+                                          <p:stCondLst>
+                                            <p:cond delay="0"/>
+                                          </p:stCondLst>
+                                        </p:cTn>
+                                        <p:tgtEl>
+                                          <p:spTgt spid="29"/>
+                                        </p:tgtEl>
+                                        <p:attrNameLst>
+                                          <p:attrName>style.visibility</p:attrName>
+                                        </p:attrNameLst>
+                                      </p:cBhvr>
+                                      <p:to>
+                                        <p:strVal val="visible"/>
+                                      </p:to>
+                                    </p:set>
+                                  </p:childTnLst>
+                                </p:cTn>
+                              </p:par>
+                            </p:childTnLst>
+                          </p:cTn>
+                        </p:par>
+                      </p:childTnLst>
+                    </p:cTn>
+                  </p:par>
+                </p:childTnLst>
+              </p:cTn>
+              <p:prevCondLst>
+                <p:cond evt="onPrev" delay="0">
+                  <p:tgtEl>
+                    <p:sldTgt/>
+                  </p:tgtEl>
+                </p:cond>
+              </p:prevCondLst>
+              <p:nextCondLst>
+                <p:cond evt="onNext" delay="0">
+                  <p:tgtEl>
+                    <p:sldTgt/>
+                  </p:tgtEl>
+                </p:cond>
+              </p:nextCondLst>
+            </p:seq>
+          </p:childTnLst>
+        </p:cTn>
+      </p:par>
+    </p:tnLst>
+    <p:bldLst>
+      <p:bldP spid="7" grpId="0"/>
+      <p:bldP spid="9" grpId="0"/>
+      <p:bldP spid="11" grpId="0"/>
+      <p:bldP spid="14" grpId="0"/>
+      <p:bldP spid="17" grpId="0"/>
+      <p:bldP spid="18" grpId="0"/>
+      <p:bldP spid="19" grpId="0"/>
+      <p:bldP spid="20" grpId="0"/>
+      <p:bldP spid="22" grpId="0"/>
+      <p:bldP spid="23" grpId="0"/>
+      <p:bldP spid="24" grpId="0"/>
+      <p:bldP spid="25" grpId="0"/>
+      <p:bldP spid="26" grpId="0"/>
+      <p:bldP spid="27" grpId="0"/>
+      <p:bldP spid="29" grpId="0" animBg="1"/>
+      <p:bldP spid="30" grpId="0"/>
+    </p:bldLst>
+  </p:timing>
 </p:sld>
 </file>
 
@@ -12340,6 +15976,410 @@
   <p:clrMapOvr>
     <a:masterClrMapping/>
   </p:clrMapOvr>
+  <p:timing>
+    <p:tnLst>
+      <p:par>
+        <p:cTn id="1" dur="indefinite" restart="never" nodeType="tmRoot">
+          <p:childTnLst>
+            <p:seq concurrent="1" nextAc="seek">
+              <p:cTn id="2" dur="indefinite" nodeType="mainSeq">
+                <p:childTnLst>
+                  <p:par>
+                    <p:cTn id="3" fill="hold">
+                      <p:stCondLst>
+                        <p:cond delay="indefinite"/>
+                      </p:stCondLst>
+                      <p:childTnLst>
+                        <p:par>
+                          <p:cTn id="4" fill="hold">
+                            <p:stCondLst>
+                              <p:cond delay="0"/>
+                            </p:stCondLst>
+                            <p:childTnLst>
+                              <p:par>
+                                <p:cTn id="5" presetID="1" presetClass="entr" presetSubtype="0" fill="hold" grpId="0" nodeType="clickEffect">
+                                  <p:stCondLst>
+                                    <p:cond delay="0"/>
+                                  </p:stCondLst>
+                                  <p:childTnLst>
+                                    <p:set>
+                                      <p:cBhvr>
+                                        <p:cTn id="6" dur="1" fill="hold">
+                                          <p:stCondLst>
+                                            <p:cond delay="0"/>
+                                          </p:stCondLst>
+                                        </p:cTn>
+                                        <p:tgtEl>
+                                          <p:spTgt spid="26"/>
+                                        </p:tgtEl>
+                                        <p:attrNameLst>
+                                          <p:attrName>style.visibility</p:attrName>
+                                        </p:attrNameLst>
+                                      </p:cBhvr>
+                                      <p:to>
+                                        <p:strVal val="visible"/>
+                                      </p:to>
+                                    </p:set>
+                                  </p:childTnLst>
+                                </p:cTn>
+                              </p:par>
+                            </p:childTnLst>
+                          </p:cTn>
+                        </p:par>
+                      </p:childTnLst>
+                    </p:cTn>
+                  </p:par>
+                  <p:par>
+                    <p:cTn id="7" fill="hold">
+                      <p:stCondLst>
+                        <p:cond delay="indefinite"/>
+                      </p:stCondLst>
+                      <p:childTnLst>
+                        <p:par>
+                          <p:cTn id="8" fill="hold">
+                            <p:stCondLst>
+                              <p:cond delay="0"/>
+                            </p:stCondLst>
+                            <p:childTnLst>
+                              <p:par>
+                                <p:cTn id="9" presetID="1" presetClass="entr" presetSubtype="0" fill="hold" grpId="0" nodeType="clickEffect">
+                                  <p:stCondLst>
+                                    <p:cond delay="0"/>
+                                  </p:stCondLst>
+                                  <p:childTnLst>
+                                    <p:set>
+                                      <p:cBhvr>
+                                        <p:cTn id="10" dur="1" fill="hold">
+                                          <p:stCondLst>
+                                            <p:cond delay="0"/>
+                                          </p:stCondLst>
+                                        </p:cTn>
+                                        <p:tgtEl>
+                                          <p:spTgt spid="8"/>
+                                        </p:tgtEl>
+                                        <p:attrNameLst>
+                                          <p:attrName>style.visibility</p:attrName>
+                                        </p:attrNameLst>
+                                      </p:cBhvr>
+                                      <p:to>
+                                        <p:strVal val="visible"/>
+                                      </p:to>
+                                    </p:set>
+                                  </p:childTnLst>
+                                </p:cTn>
+                              </p:par>
+                              <p:par>
+                                <p:cTn id="11" presetID="1" presetClass="entr" presetSubtype="0" fill="hold" grpId="0" nodeType="withEffect">
+                                  <p:stCondLst>
+                                    <p:cond delay="0"/>
+                                  </p:stCondLst>
+                                  <p:childTnLst>
+                                    <p:set>
+                                      <p:cBhvr>
+                                        <p:cTn id="12" dur="1" fill="hold">
+                                          <p:stCondLst>
+                                            <p:cond delay="0"/>
+                                          </p:stCondLst>
+                                        </p:cTn>
+                                        <p:tgtEl>
+                                          <p:spTgt spid="9"/>
+                                        </p:tgtEl>
+                                        <p:attrNameLst>
+                                          <p:attrName>style.visibility</p:attrName>
+                                        </p:attrNameLst>
+                                      </p:cBhvr>
+                                      <p:to>
+                                        <p:strVal val="visible"/>
+                                      </p:to>
+                                    </p:set>
+                                  </p:childTnLst>
+                                </p:cTn>
+                              </p:par>
+                              <p:par>
+                                <p:cTn id="13" presetID="1" presetClass="entr" presetSubtype="0" fill="hold" grpId="0" nodeType="withEffect">
+                                  <p:stCondLst>
+                                    <p:cond delay="0"/>
+                                  </p:stCondLst>
+                                  <p:childTnLst>
+                                    <p:set>
+                                      <p:cBhvr>
+                                        <p:cTn id="14" dur="1" fill="hold">
+                                          <p:stCondLst>
+                                            <p:cond delay="0"/>
+                                          </p:stCondLst>
+                                        </p:cTn>
+                                        <p:tgtEl>
+                                          <p:spTgt spid="10"/>
+                                        </p:tgtEl>
+                                        <p:attrNameLst>
+                                          <p:attrName>style.visibility</p:attrName>
+                                        </p:attrNameLst>
+                                      </p:cBhvr>
+                                      <p:to>
+                                        <p:strVal val="visible"/>
+                                      </p:to>
+                                    </p:set>
+                                  </p:childTnLst>
+                                </p:cTn>
+                              </p:par>
+                              <p:par>
+                                <p:cTn id="15" presetID="1" presetClass="entr" presetSubtype="0" fill="hold" grpId="0" nodeType="withEffect">
+                                  <p:stCondLst>
+                                    <p:cond delay="0"/>
+                                  </p:stCondLst>
+                                  <p:childTnLst>
+                                    <p:set>
+                                      <p:cBhvr>
+                                        <p:cTn id="16" dur="1" fill="hold">
+                                          <p:stCondLst>
+                                            <p:cond delay="0"/>
+                                          </p:stCondLst>
+                                        </p:cTn>
+                                        <p:tgtEl>
+                                          <p:spTgt spid="11"/>
+                                        </p:tgtEl>
+                                        <p:attrNameLst>
+                                          <p:attrName>style.visibility</p:attrName>
+                                        </p:attrNameLst>
+                                      </p:cBhvr>
+                                      <p:to>
+                                        <p:strVal val="visible"/>
+                                      </p:to>
+                                    </p:set>
+                                  </p:childTnLst>
+                                </p:cTn>
+                              </p:par>
+                              <p:par>
+                                <p:cTn id="17" presetID="1" presetClass="entr" presetSubtype="0" fill="hold" grpId="0" nodeType="withEffect">
+                                  <p:stCondLst>
+                                    <p:cond delay="0"/>
+                                  </p:stCondLst>
+                                  <p:childTnLst>
+                                    <p:set>
+                                      <p:cBhvr>
+                                        <p:cTn id="18" dur="1" fill="hold">
+                                          <p:stCondLst>
+                                            <p:cond delay="0"/>
+                                          </p:stCondLst>
+                                        </p:cTn>
+                                        <p:tgtEl>
+                                          <p:spTgt spid="13"/>
+                                        </p:tgtEl>
+                                        <p:attrNameLst>
+                                          <p:attrName>style.visibility</p:attrName>
+                                        </p:attrNameLst>
+                                      </p:cBhvr>
+                                      <p:to>
+                                        <p:strVal val="visible"/>
+                                      </p:to>
+                                    </p:set>
+                                  </p:childTnLst>
+                                </p:cTn>
+                              </p:par>
+                              <p:par>
+                                <p:cTn id="19" presetID="1" presetClass="entr" presetSubtype="0" fill="hold" grpId="0" nodeType="withEffect">
+                                  <p:stCondLst>
+                                    <p:cond delay="0"/>
+                                  </p:stCondLst>
+                                  <p:childTnLst>
+                                    <p:set>
+                                      <p:cBhvr>
+                                        <p:cTn id="20" dur="1" fill="hold">
+                                          <p:stCondLst>
+                                            <p:cond delay="0"/>
+                                          </p:stCondLst>
+                                        </p:cTn>
+                                        <p:tgtEl>
+                                          <p:spTgt spid="14"/>
+                                        </p:tgtEl>
+                                        <p:attrNameLst>
+                                          <p:attrName>style.visibility</p:attrName>
+                                        </p:attrNameLst>
+                                      </p:cBhvr>
+                                      <p:to>
+                                        <p:strVal val="visible"/>
+                                      </p:to>
+                                    </p:set>
+                                  </p:childTnLst>
+                                </p:cTn>
+                              </p:par>
+                              <p:par>
+                                <p:cTn id="21" presetID="1" presetClass="entr" presetSubtype="0" fill="hold" grpId="0" nodeType="withEffect">
+                                  <p:stCondLst>
+                                    <p:cond delay="0"/>
+                                  </p:stCondLst>
+                                  <p:childTnLst>
+                                    <p:set>
+                                      <p:cBhvr>
+                                        <p:cTn id="22" dur="1" fill="hold">
+                                          <p:stCondLst>
+                                            <p:cond delay="0"/>
+                                          </p:stCondLst>
+                                        </p:cTn>
+                                        <p:tgtEl>
+                                          <p:spTgt spid="15"/>
+                                        </p:tgtEl>
+                                        <p:attrNameLst>
+                                          <p:attrName>style.visibility</p:attrName>
+                                        </p:attrNameLst>
+                                      </p:cBhvr>
+                                      <p:to>
+                                        <p:strVal val="visible"/>
+                                      </p:to>
+                                    </p:set>
+                                  </p:childTnLst>
+                                </p:cTn>
+                              </p:par>
+                              <p:par>
+                                <p:cTn id="23" presetID="1" presetClass="entr" presetSubtype="0" fill="hold" grpId="0" nodeType="withEffect">
+                                  <p:stCondLst>
+                                    <p:cond delay="0"/>
+                                  </p:stCondLst>
+                                  <p:childTnLst>
+                                    <p:set>
+                                      <p:cBhvr>
+                                        <p:cTn id="24" dur="1" fill="hold">
+                                          <p:stCondLst>
+                                            <p:cond delay="0"/>
+                                          </p:stCondLst>
+                                        </p:cTn>
+                                        <p:tgtEl>
+                                          <p:spTgt spid="16"/>
+                                        </p:tgtEl>
+                                        <p:attrNameLst>
+                                          <p:attrName>style.visibility</p:attrName>
+                                        </p:attrNameLst>
+                                      </p:cBhvr>
+                                      <p:to>
+                                        <p:strVal val="visible"/>
+                                      </p:to>
+                                    </p:set>
+                                  </p:childTnLst>
+                                </p:cTn>
+                              </p:par>
+                              <p:par>
+                                <p:cTn id="25" presetID="1" presetClass="entr" presetSubtype="0" fill="hold" grpId="0" nodeType="withEffect">
+                                  <p:stCondLst>
+                                    <p:cond delay="0"/>
+                                  </p:stCondLst>
+                                  <p:childTnLst>
+                                    <p:set>
+                                      <p:cBhvr>
+                                        <p:cTn id="26" dur="1" fill="hold">
+                                          <p:stCondLst>
+                                            <p:cond delay="0"/>
+                                          </p:stCondLst>
+                                        </p:cTn>
+                                        <p:tgtEl>
+                                          <p:spTgt spid="20"/>
+                                        </p:tgtEl>
+                                        <p:attrNameLst>
+                                          <p:attrName>style.visibility</p:attrName>
+                                        </p:attrNameLst>
+                                      </p:cBhvr>
+                                      <p:to>
+                                        <p:strVal val="visible"/>
+                                      </p:to>
+                                    </p:set>
+                                  </p:childTnLst>
+                                </p:cTn>
+                              </p:par>
+                              <p:par>
+                                <p:cTn id="27" presetID="1" presetClass="entr" presetSubtype="0" fill="hold" grpId="0" nodeType="withEffect">
+                                  <p:stCondLst>
+                                    <p:cond delay="0"/>
+                                  </p:stCondLst>
+                                  <p:childTnLst>
+                                    <p:set>
+                                      <p:cBhvr>
+                                        <p:cTn id="28" dur="1" fill="hold">
+                                          <p:stCondLst>
+                                            <p:cond delay="0"/>
+                                          </p:stCondLst>
+                                        </p:cTn>
+                                        <p:tgtEl>
+                                          <p:spTgt spid="21"/>
+                                        </p:tgtEl>
+                                        <p:attrNameLst>
+                                          <p:attrName>style.visibility</p:attrName>
+                                        </p:attrNameLst>
+                                      </p:cBhvr>
+                                      <p:to>
+                                        <p:strVal val="visible"/>
+                                      </p:to>
+                                    </p:set>
+                                  </p:childTnLst>
+                                </p:cTn>
+                              </p:par>
+                              <p:par>
+                                <p:cTn id="29" presetID="1" presetClass="entr" presetSubtype="0" fill="hold" grpId="0" nodeType="withEffect">
+                                  <p:stCondLst>
+                                    <p:cond delay="0"/>
+                                  </p:stCondLst>
+                                  <p:childTnLst>
+                                    <p:set>
+                                      <p:cBhvr>
+                                        <p:cTn id="30" dur="1" fill="hold">
+                                          <p:stCondLst>
+                                            <p:cond delay="0"/>
+                                          </p:stCondLst>
+                                        </p:cTn>
+                                        <p:tgtEl>
+                                          <p:spTgt spid="25"/>
+                                        </p:tgtEl>
+                                        <p:attrNameLst>
+                                          <p:attrName>style.visibility</p:attrName>
+                                        </p:attrNameLst>
+                                      </p:cBhvr>
+                                      <p:to>
+                                        <p:strVal val="visible"/>
+                                      </p:to>
+                                    </p:set>
+                                  </p:childTnLst>
+                                </p:cTn>
+                              </p:par>
+                            </p:childTnLst>
+                          </p:cTn>
+                        </p:par>
+                      </p:childTnLst>
+                    </p:cTn>
+                  </p:par>
+                </p:childTnLst>
+              </p:cTn>
+              <p:prevCondLst>
+                <p:cond evt="onPrev" delay="0">
+                  <p:tgtEl>
+                    <p:sldTgt/>
+                  </p:tgtEl>
+                </p:cond>
+              </p:prevCondLst>
+              <p:nextCondLst>
+                <p:cond evt="onNext" delay="0">
+                  <p:tgtEl>
+                    <p:sldTgt/>
+                  </p:tgtEl>
+                </p:cond>
+              </p:nextCondLst>
+            </p:seq>
+          </p:childTnLst>
+        </p:cTn>
+      </p:par>
+    </p:tnLst>
+    <p:bldLst>
+      <p:bldP spid="8" grpId="0"/>
+      <p:bldP spid="9" grpId="0"/>
+      <p:bldP spid="10" grpId="0"/>
+      <p:bldP spid="11" grpId="0"/>
+      <p:bldP spid="13" grpId="0"/>
+      <p:bldP spid="14" grpId="0"/>
+      <p:bldP spid="15" grpId="0"/>
+      <p:bldP spid="16" grpId="0"/>
+      <p:bldP spid="20" grpId="0"/>
+      <p:bldP spid="21" grpId="0"/>
+      <p:bldP spid="25" grpId="0" animBg="1"/>
+      <p:bldP spid="26" grpId="0"/>
+    </p:bldLst>
+  </p:timing>
 </p:sld>
 </file>
 
